--- a/THTH_slide.pptx
+++ b/THTH_slide.pptx
@@ -5,15 +5,16 @@
     <p:sldMasterId id="2147483648" r:id="rId1"/>
   </p:sldMasterIdLst>
   <p:notesMasterIdLst>
-    <p:notesMasterId r:id="rId8"/>
+    <p:notesMasterId r:id="rId9"/>
   </p:notesMasterIdLst>
   <p:sldIdLst>
     <p:sldId id="257" r:id="rId2"/>
     <p:sldId id="258" r:id="rId3"/>
-    <p:sldId id="256" r:id="rId4"/>
-    <p:sldId id="259" r:id="rId5"/>
-    <p:sldId id="260" r:id="rId6"/>
-    <p:sldId id="261" r:id="rId7"/>
+    <p:sldId id="262" r:id="rId4"/>
+    <p:sldId id="256" r:id="rId5"/>
+    <p:sldId id="259" r:id="rId6"/>
+    <p:sldId id="260" r:id="rId7"/>
+    <p:sldId id="261" r:id="rId8"/>
   </p:sldIdLst>
   <p:sldSz cx="12192000" cy="6858000"/>
   <p:notesSz cx="6858000" cy="9144000"/>
@@ -112,13 +113,18 @@
       </a:defRPr>
     </a:lvl9pPr>
   </p:defaultTextStyle>
+  <p:extLst>
+    <p:ext uri="{EFAFB233-063F-42B5-8137-9DF3F51BA10A}">
+      <p15:sldGuideLst xmlns:p15="http://schemas.microsoft.com/office/powerpoint/2012/main"/>
+    </p:ext>
+  </p:extLst>
 </p:presentation>
 </file>
 
 <file path=ppt/revisionInfo.xml><?xml version="1.0" encoding="utf-8"?>
 <p1510:revInfo xmlns:a="http://schemas.openxmlformats.org/drawingml/2006/main" xmlns:r="http://schemas.openxmlformats.org/officeDocument/2006/relationships" xmlns:p1510="http://schemas.microsoft.com/office/powerpoint/2015/10/main">
   <p1510:revLst>
-    <p1510:client id="{E18C404C-14D7-488C-9EC1-149B9F486579}" v="359" dt="2024-10-18T17:16:34.159"/>
+    <p1510:client id="{654103E7-75BC-412B-8172-21505EEBEE43}" v="1" dt="2024-10-24T02:34:56.996"/>
   </p1510:revLst>
 </p1510:revInfo>
 </file>
@@ -672,6 +678,78 @@
       </pc:sldChg>
     </pc:docChg>
   </pc:docChgLst>
+  <pc:docChgLst>
+    <pc:chgData name="Minh Mẫn" userId="74e9d1b56e53dad3" providerId="LiveId" clId="{654103E7-75BC-412B-8172-21505EEBEE43}"/>
+    <pc:docChg chg="custSel addSld modSld">
+      <pc:chgData name="Minh Mẫn" userId="74e9d1b56e53dad3" providerId="LiveId" clId="{654103E7-75BC-412B-8172-21505EEBEE43}" dt="2024-10-24T02:34:56.995" v="3"/>
+      <pc:docMkLst>
+        <pc:docMk/>
+      </pc:docMkLst>
+      <pc:sldChg chg="addSp delSp modSp new mod modAnim">
+        <pc:chgData name="Minh Mẫn" userId="74e9d1b56e53dad3" providerId="LiveId" clId="{654103E7-75BC-412B-8172-21505EEBEE43}" dt="2024-10-24T02:34:56.995" v="3"/>
+        <pc:sldMkLst>
+          <pc:docMk/>
+          <pc:sldMk cId="3618181950" sldId="262"/>
+        </pc:sldMkLst>
+        <pc:spChg chg="del">
+          <ac:chgData name="Minh Mẫn" userId="74e9d1b56e53dad3" providerId="LiveId" clId="{654103E7-75BC-412B-8172-21505EEBEE43}" dt="2024-10-24T02:34:41.522" v="1" actId="478"/>
+          <ac:spMkLst>
+            <pc:docMk/>
+            <pc:sldMk cId="3618181950" sldId="262"/>
+            <ac:spMk id="2" creationId="{6355B29F-FCC3-97F8-21A1-A25E2E759AD1}"/>
+          </ac:spMkLst>
+        </pc:spChg>
+        <pc:spChg chg="del">
+          <ac:chgData name="Minh Mẫn" userId="74e9d1b56e53dad3" providerId="LiveId" clId="{654103E7-75BC-412B-8172-21505EEBEE43}" dt="2024-10-24T02:34:43.356" v="2" actId="478"/>
+          <ac:spMkLst>
+            <pc:docMk/>
+            <pc:sldMk cId="3618181950" sldId="262"/>
+            <ac:spMk id="3" creationId="{189D7DDA-15E5-D165-11D5-78AF8E4D49A3}"/>
+          </ac:spMkLst>
+        </pc:spChg>
+        <pc:spChg chg="add mod">
+          <ac:chgData name="Minh Mẫn" userId="74e9d1b56e53dad3" providerId="LiveId" clId="{654103E7-75BC-412B-8172-21505EEBEE43}" dt="2024-10-24T02:34:56.995" v="3"/>
+          <ac:spMkLst>
+            <pc:docMk/>
+            <pc:sldMk cId="3618181950" sldId="262"/>
+            <ac:spMk id="4" creationId="{F1B4D161-82FA-56EE-D999-DCFE7D421635}"/>
+          </ac:spMkLst>
+        </pc:spChg>
+        <pc:spChg chg="add mod">
+          <ac:chgData name="Minh Mẫn" userId="74e9d1b56e53dad3" providerId="LiveId" clId="{654103E7-75BC-412B-8172-21505EEBEE43}" dt="2024-10-24T02:34:56.995" v="3"/>
+          <ac:spMkLst>
+            <pc:docMk/>
+            <pc:sldMk cId="3618181950" sldId="262"/>
+            <ac:spMk id="5" creationId="{465C74E3-E7B6-B75A-458A-BDE4C5436003}"/>
+          </ac:spMkLst>
+        </pc:spChg>
+        <pc:spChg chg="add mod">
+          <ac:chgData name="Minh Mẫn" userId="74e9d1b56e53dad3" providerId="LiveId" clId="{654103E7-75BC-412B-8172-21505EEBEE43}" dt="2024-10-24T02:34:56.995" v="3"/>
+          <ac:spMkLst>
+            <pc:docMk/>
+            <pc:sldMk cId="3618181950" sldId="262"/>
+            <ac:spMk id="6" creationId="{AEE5AC4A-A46A-4388-72DE-BF75454EC323}"/>
+          </ac:spMkLst>
+        </pc:spChg>
+        <pc:spChg chg="add mod">
+          <ac:chgData name="Minh Mẫn" userId="74e9d1b56e53dad3" providerId="LiveId" clId="{654103E7-75BC-412B-8172-21505EEBEE43}" dt="2024-10-24T02:34:56.995" v="3"/>
+          <ac:spMkLst>
+            <pc:docMk/>
+            <pc:sldMk cId="3618181950" sldId="262"/>
+            <ac:spMk id="7" creationId="{E6589678-1BCD-0B04-F031-D1A989C7DACA}"/>
+          </ac:spMkLst>
+        </pc:spChg>
+        <pc:picChg chg="add mod">
+          <ac:chgData name="Minh Mẫn" userId="74e9d1b56e53dad3" providerId="LiveId" clId="{654103E7-75BC-412B-8172-21505EEBEE43}" dt="2024-10-24T02:34:56.995" v="3"/>
+          <ac:picMkLst>
+            <pc:docMk/>
+            <pc:sldMk cId="3618181950" sldId="262"/>
+            <ac:picMk id="8" creationId="{F6CC2C6E-1C4D-07AB-F713-F0CF18EDF906}"/>
+          </ac:picMkLst>
+        </pc:picChg>
+      </pc:sldChg>
+    </pc:docChg>
+  </pc:docChgLst>
 </pc:chgInfo>
 </file>
 
@@ -757,7 +835,7 @@
           <a:p>
             <a:fld id="{8C48E02A-F628-4B0A-897C-4569DE103C05}" type="datetimeFigureOut">
               <a:rPr lang="en-US" smtClean="0"/>
-              <a:t>18-10-2024</a:t>
+              <a:t>24-10-2024</a:t>
             </a:fld>
             <a:endParaRPr lang="en-US"/>
           </a:p>
@@ -1089,7 +1167,7 @@
           <a:p>
             <a:fld id="{70058831-6BEE-47A0-9B1B-AE1C63E202B2}" type="slidenum">
               <a:rPr lang="en-US" smtClean="0"/>
-              <a:t>4</a:t>
+              <a:t>5</a:t>
             </a:fld>
             <a:endParaRPr lang="en-US"/>
           </a:p>
@@ -1255,7 +1333,7 @@
           <a:p>
             <a:fld id="{0DDA1736-F120-4305-85B4-E3F6D7A6DF38}" type="datetimeFigureOut">
               <a:rPr lang="en-US" smtClean="0"/>
-              <a:t>18-10-2024</a:t>
+              <a:t>24-10-2024</a:t>
             </a:fld>
             <a:endParaRPr lang="en-US"/>
           </a:p>
@@ -1453,7 +1531,7 @@
           <a:p>
             <a:fld id="{0DDA1736-F120-4305-85B4-E3F6D7A6DF38}" type="datetimeFigureOut">
               <a:rPr lang="en-US" smtClean="0"/>
-              <a:t>18-10-2024</a:t>
+              <a:t>24-10-2024</a:t>
             </a:fld>
             <a:endParaRPr lang="en-US"/>
           </a:p>
@@ -1661,7 +1739,7 @@
           <a:p>
             <a:fld id="{0DDA1736-F120-4305-85B4-E3F6D7A6DF38}" type="datetimeFigureOut">
               <a:rPr lang="en-US" smtClean="0"/>
-              <a:t>18-10-2024</a:t>
+              <a:t>24-10-2024</a:t>
             </a:fld>
             <a:endParaRPr lang="en-US"/>
           </a:p>
@@ -1859,7 +1937,7 @@
           <a:p>
             <a:fld id="{0DDA1736-F120-4305-85B4-E3F6D7A6DF38}" type="datetimeFigureOut">
               <a:rPr lang="en-US" smtClean="0"/>
-              <a:t>18-10-2024</a:t>
+              <a:t>24-10-2024</a:t>
             </a:fld>
             <a:endParaRPr lang="en-US"/>
           </a:p>
@@ -2134,7 +2212,7 @@
           <a:p>
             <a:fld id="{0DDA1736-F120-4305-85B4-E3F6D7A6DF38}" type="datetimeFigureOut">
               <a:rPr lang="en-US" smtClean="0"/>
-              <a:t>18-10-2024</a:t>
+              <a:t>24-10-2024</a:t>
             </a:fld>
             <a:endParaRPr lang="en-US"/>
           </a:p>
@@ -2399,7 +2477,7 @@
           <a:p>
             <a:fld id="{0DDA1736-F120-4305-85B4-E3F6D7A6DF38}" type="datetimeFigureOut">
               <a:rPr lang="en-US" smtClean="0"/>
-              <a:t>18-10-2024</a:t>
+              <a:t>24-10-2024</a:t>
             </a:fld>
             <a:endParaRPr lang="en-US"/>
           </a:p>
@@ -2811,7 +2889,7 @@
           <a:p>
             <a:fld id="{0DDA1736-F120-4305-85B4-E3F6D7A6DF38}" type="datetimeFigureOut">
               <a:rPr lang="en-US" smtClean="0"/>
-              <a:t>18-10-2024</a:t>
+              <a:t>24-10-2024</a:t>
             </a:fld>
             <a:endParaRPr lang="en-US"/>
           </a:p>
@@ -2952,7 +3030,7 @@
           <a:p>
             <a:fld id="{0DDA1736-F120-4305-85B4-E3F6D7A6DF38}" type="datetimeFigureOut">
               <a:rPr lang="en-US" smtClean="0"/>
-              <a:t>18-10-2024</a:t>
+              <a:t>24-10-2024</a:t>
             </a:fld>
             <a:endParaRPr lang="en-US"/>
           </a:p>
@@ -3065,7 +3143,7 @@
           <a:p>
             <a:fld id="{0DDA1736-F120-4305-85B4-E3F6D7A6DF38}" type="datetimeFigureOut">
               <a:rPr lang="en-US" smtClean="0"/>
-              <a:t>18-10-2024</a:t>
+              <a:t>24-10-2024</a:t>
             </a:fld>
             <a:endParaRPr lang="en-US"/>
           </a:p>
@@ -3376,7 +3454,7 @@
           <a:p>
             <a:fld id="{0DDA1736-F120-4305-85B4-E3F6D7A6DF38}" type="datetimeFigureOut">
               <a:rPr lang="en-US" smtClean="0"/>
-              <a:t>18-10-2024</a:t>
+              <a:t>24-10-2024</a:t>
             </a:fld>
             <a:endParaRPr lang="en-US"/>
           </a:p>
@@ -3664,7 +3742,7 @@
           <a:p>
             <a:fld id="{0DDA1736-F120-4305-85B4-E3F6D7A6DF38}" type="datetimeFigureOut">
               <a:rPr lang="en-US" smtClean="0"/>
-              <a:t>18-10-2024</a:t>
+              <a:t>24-10-2024</a:t>
             </a:fld>
             <a:endParaRPr lang="en-US"/>
           </a:p>
@@ -3905,7 +3983,7 @@
           <a:p>
             <a:fld id="{0DDA1736-F120-4305-85B4-E3F6D7A6DF38}" type="datetimeFigureOut">
               <a:rPr lang="en-US" smtClean="0"/>
-              <a:t>18-10-2024</a:t>
+              <a:t>24-10-2024</a:t>
             </a:fld>
             <a:endParaRPr lang="en-US"/>
           </a:p>
@@ -4735,13 +4813,13 @@
   <p:clrMapOvr>
     <a:masterClrMapping/>
   </p:clrMapOvr>
-  <mc:AlternateContent xmlns:mc="http://schemas.openxmlformats.org/markup-compatibility/2006">
-    <mc:Choice xmlns:p159="http://schemas.microsoft.com/office/powerpoint/2015/09/main" Requires="p159">
+  <mc:AlternateContent xmlns:mc="http://schemas.openxmlformats.org/markup-compatibility/2006" xmlns:p159="http://schemas.microsoft.com/office/powerpoint/2015/09/main">
+    <mc:Choice Requires="p159">
       <p:transition xmlns:p14="http://schemas.microsoft.com/office/powerpoint/2010/main" spd="slow" p14:dur="2000">
         <p159:morph option="byObject"/>
       </p:transition>
     </mc:Choice>
-    <mc:Fallback>
+    <mc:Fallback xmlns="">
       <p:transition spd="slow">
         <p:fade/>
       </p:transition>
@@ -5445,6 +5523,575 @@
       </p:grpSpPr>
       <p:sp>
         <p:nvSpPr>
+          <p:cNvPr id="4" name="Rectangle 3">
+            <a:extLst>
+              <a:ext uri="{FF2B5EF4-FFF2-40B4-BE49-F238E27FC236}">
+                <a16:creationId xmlns:a16="http://schemas.microsoft.com/office/drawing/2014/main" id="{F1B4D161-82FA-56EE-D999-DCFE7D421635}"/>
+              </a:ext>
+            </a:extLst>
+          </p:cNvPr>
+          <p:cNvSpPr/>
+          <p:nvPr/>
+        </p:nvSpPr>
+        <p:spPr>
+          <a:xfrm>
+            <a:off x="-1" y="0"/>
+            <a:ext cx="12192001" cy="957183"/>
+          </a:xfrm>
+          <a:prstGeom prst="rect">
+            <a:avLst/>
+          </a:prstGeom>
+          <a:solidFill>
+            <a:srgbClr val="00294F">
+              <a:alpha val="84000"/>
+            </a:srgbClr>
+          </a:solidFill>
+        </p:spPr>
+        <p:style>
+          <a:lnRef idx="2">
+            <a:schemeClr val="accent1">
+              <a:shade val="15000"/>
+            </a:schemeClr>
+          </a:lnRef>
+          <a:fillRef idx="1">
+            <a:schemeClr val="accent1"/>
+          </a:fillRef>
+          <a:effectRef idx="0">
+            <a:schemeClr val="accent1"/>
+          </a:effectRef>
+          <a:fontRef idx="minor">
+            <a:schemeClr val="lt1"/>
+          </a:fontRef>
+        </p:style>
+        <p:txBody>
+          <a:bodyPr lIns="365760" rtlCol="0" anchor="ctr"/>
+          <a:lstStyle/>
+          <a:p>
+            <a:r>
+              <a:rPr lang="en-US" sz="3200" b="1">
+                <a:solidFill>
+                  <a:schemeClr val="bg1"/>
+                </a:solidFill>
+              </a:rPr>
+              <a:t>MỤC ĐÍCH SỬ DỤNG</a:t>
+            </a:r>
+          </a:p>
+        </p:txBody>
+      </p:sp>
+      <p:sp>
+        <p:nvSpPr>
+          <p:cNvPr id="5" name="TextBox 4">
+            <a:extLst>
+              <a:ext uri="{FF2B5EF4-FFF2-40B4-BE49-F238E27FC236}">
+                <a16:creationId xmlns:a16="http://schemas.microsoft.com/office/drawing/2014/main" id="{465C74E3-E7B6-B75A-458A-BDE4C5436003}"/>
+              </a:ext>
+            </a:extLst>
+          </p:cNvPr>
+          <p:cNvSpPr txBox="1"/>
+          <p:nvPr/>
+        </p:nvSpPr>
+        <p:spPr>
+          <a:xfrm>
+            <a:off x="5629833" y="4402318"/>
+            <a:ext cx="6005983" cy="1933575"/>
+          </a:xfrm>
+          <a:prstGeom prst="rect">
+            <a:avLst/>
+          </a:prstGeom>
+          <a:noFill/>
+        </p:spPr>
+        <p:txBody>
+          <a:bodyPr wrap="square" rtlCol="0">
+            <a:noAutofit/>
+          </a:bodyPr>
+          <a:lstStyle/>
+          <a:p>
+            <a:pPr marL="0" marR="0" lvl="0" indent="0" algn="l" defTabSz="914400" rtl="0" eaLnBrk="0" fontAlgn="base" latinLnBrk="0" hangingPunct="0">
+              <a:lnSpc>
+                <a:spcPct val="100000"/>
+              </a:lnSpc>
+              <a:spcBef>
+                <a:spcPts val="600"/>
+              </a:spcBef>
+              <a:spcAft>
+                <a:spcPct val="0"/>
+              </a:spcAft>
+              <a:buClrTx/>
+              <a:buSzTx/>
+              <a:buFontTx/>
+              <a:buChar char="•"/>
+              <a:tabLst/>
+            </a:pPr>
+            <a:r>
+              <a:rPr kumimoji="0" lang="en-US" altLang="en-US" sz="1800" b="1" i="0" u="none" strike="noStrike" cap="none" normalizeH="0" baseline="0">
+                <a:ln>
+                  <a:noFill/>
+                </a:ln>
+                <a:solidFill>
+                  <a:srgbClr val="294B6B"/>
+                </a:solidFill>
+                <a:effectLst/>
+                <a:latin typeface="Arial" panose="020B0604020202020204" pitchFamily="34" charset="0"/>
+              </a:rPr>
+              <a:t>Quản lý kịch bản kiểm thử</a:t>
+            </a:r>
+            <a:r>
+              <a:rPr kumimoji="0" lang="en-US" altLang="en-US" sz="1800" b="0" i="0" u="none" strike="noStrike" cap="none" normalizeH="0" baseline="0">
+                <a:ln>
+                  <a:noFill/>
+                </a:ln>
+                <a:solidFill>
+                  <a:srgbClr val="294B6B"/>
+                </a:solidFill>
+                <a:effectLst/>
+                <a:latin typeface="Arial" panose="020B0604020202020204" pitchFamily="34" charset="0"/>
+              </a:rPr>
+              <a:t>: Cung cấp giao diện trực quan giúp dễ dàng theo dõi, quản lý và duy trì các kịch bản kiểm thử.</a:t>
+            </a:r>
+          </a:p>
+          <a:p>
+            <a:pPr marL="0" marR="0" lvl="0" indent="0" algn="l" defTabSz="914400" rtl="0" eaLnBrk="0" fontAlgn="base" latinLnBrk="0" hangingPunct="0">
+              <a:lnSpc>
+                <a:spcPct val="100000"/>
+              </a:lnSpc>
+              <a:spcBef>
+                <a:spcPts val="600"/>
+              </a:spcBef>
+              <a:spcAft>
+                <a:spcPct val="0"/>
+              </a:spcAft>
+              <a:buClrTx/>
+              <a:buSzTx/>
+              <a:buFontTx/>
+              <a:buChar char="•"/>
+              <a:tabLst/>
+            </a:pPr>
+            <a:r>
+              <a:rPr kumimoji="0" lang="en-US" altLang="en-US" sz="1800" b="1" i="0" u="none" strike="noStrike" cap="none" normalizeH="0" baseline="0">
+                <a:ln>
+                  <a:noFill/>
+                </a:ln>
+                <a:solidFill>
+                  <a:srgbClr val="294B6B"/>
+                </a:solidFill>
+                <a:effectLst/>
+                <a:latin typeface="Arial" panose="020B0604020202020204" pitchFamily="34" charset="0"/>
+              </a:rPr>
+              <a:t>Tích hợp đa công cụ</a:t>
+            </a:r>
+            <a:r>
+              <a:rPr kumimoji="0" lang="en-US" altLang="en-US" sz="1800" b="0" i="0" u="none" strike="noStrike" cap="none" normalizeH="0" baseline="0">
+                <a:ln>
+                  <a:noFill/>
+                </a:ln>
+                <a:solidFill>
+                  <a:srgbClr val="294B6B"/>
+                </a:solidFill>
+                <a:effectLst/>
+                <a:latin typeface="Arial" panose="020B0604020202020204" pitchFamily="34" charset="0"/>
+              </a:rPr>
+              <a:t>: Katalon có thể tích hợp với các hệ thống quản lý kiểm thử và công cụ CI/CD như Jenkins, Git, JIRA, giúp đồng bộ quy trình phát triển phần mềm. </a:t>
+            </a:r>
+          </a:p>
+        </p:txBody>
+      </p:sp>
+      <p:sp>
+        <p:nvSpPr>
+          <p:cNvPr id="6" name="TextBox 5">
+            <a:extLst>
+              <a:ext uri="{FF2B5EF4-FFF2-40B4-BE49-F238E27FC236}">
+                <a16:creationId xmlns:a16="http://schemas.microsoft.com/office/drawing/2014/main" id="{AEE5AC4A-A46A-4388-72DE-BF75454EC323}"/>
+              </a:ext>
+            </a:extLst>
+          </p:cNvPr>
+          <p:cNvSpPr txBox="1"/>
+          <p:nvPr/>
+        </p:nvSpPr>
+        <p:spPr>
+          <a:xfrm>
+            <a:off x="5629834" y="1317488"/>
+            <a:ext cx="6005982" cy="3084830"/>
+          </a:xfrm>
+          <a:prstGeom prst="rect">
+            <a:avLst/>
+          </a:prstGeom>
+          <a:noFill/>
+        </p:spPr>
+        <p:txBody>
+          <a:bodyPr wrap="square" rtlCol="0">
+            <a:noAutofit/>
+          </a:bodyPr>
+          <a:lstStyle/>
+          <a:p>
+            <a:pPr marL="0" marR="0" lvl="0" indent="0" algn="l" defTabSz="914400" rtl="0" eaLnBrk="0" fontAlgn="base" latinLnBrk="0" hangingPunct="0">
+              <a:lnSpc>
+                <a:spcPct val="100000"/>
+              </a:lnSpc>
+              <a:spcBef>
+                <a:spcPts val="1200"/>
+              </a:spcBef>
+              <a:spcAft>
+                <a:spcPct val="0"/>
+              </a:spcAft>
+              <a:buClrTx/>
+              <a:buSzTx/>
+              <a:buFontTx/>
+              <a:buChar char="•"/>
+              <a:tabLst/>
+            </a:pPr>
+            <a:r>
+              <a:rPr kumimoji="0" lang="en-US" altLang="en-US" sz="1800" b="1" i="0" u="none" strike="noStrike" cap="none" normalizeH="0" baseline="0">
+                <a:ln>
+                  <a:noFill/>
+                </a:ln>
+                <a:solidFill>
+                  <a:srgbClr val="294B6B"/>
+                </a:solidFill>
+                <a:effectLst/>
+                <a:latin typeface="Arial" panose="020B0604020202020204" pitchFamily="34" charset="0"/>
+              </a:rPr>
+              <a:t>Tự động hóa kiểm thử</a:t>
+            </a:r>
+            <a:r>
+              <a:rPr kumimoji="0" lang="en-US" altLang="en-US" sz="1800" b="0" i="0" u="none" strike="noStrike" cap="none" normalizeH="0" baseline="0">
+                <a:ln>
+                  <a:noFill/>
+                </a:ln>
+                <a:solidFill>
+                  <a:srgbClr val="294B6B"/>
+                </a:solidFill>
+                <a:effectLst/>
+                <a:latin typeface="Arial" panose="020B0604020202020204" pitchFamily="34" charset="0"/>
+              </a:rPr>
+              <a:t>: Katalon giúp đơn giản hóa quy trình kiểm thử ứng dụng web, di động và API thông qua các kịch bản kiểm thử tự động.</a:t>
+            </a:r>
+          </a:p>
+          <a:p>
+            <a:pPr marL="0" marR="0" lvl="0" indent="0" algn="l" defTabSz="914400" rtl="0" eaLnBrk="0" fontAlgn="base" latinLnBrk="0" hangingPunct="0">
+              <a:lnSpc>
+                <a:spcPct val="100000"/>
+              </a:lnSpc>
+              <a:spcBef>
+                <a:spcPts val="1200"/>
+              </a:spcBef>
+              <a:spcAft>
+                <a:spcPct val="0"/>
+              </a:spcAft>
+              <a:buClrTx/>
+              <a:buSzTx/>
+              <a:buFontTx/>
+              <a:buChar char="•"/>
+              <a:tabLst/>
+            </a:pPr>
+            <a:r>
+              <a:rPr kumimoji="0" lang="en-US" altLang="en-US" sz="1800" b="1" i="0" u="none" strike="noStrike" cap="none" normalizeH="0" baseline="0">
+                <a:ln>
+                  <a:noFill/>
+                </a:ln>
+                <a:solidFill>
+                  <a:srgbClr val="294B6B"/>
+                </a:solidFill>
+                <a:effectLst/>
+                <a:latin typeface="Arial" panose="020B0604020202020204" pitchFamily="34" charset="0"/>
+              </a:rPr>
+              <a:t>Tiết kiệm thời gian và chi phí</a:t>
+            </a:r>
+            <a:r>
+              <a:rPr kumimoji="0" lang="en-US" altLang="en-US" sz="1800" b="0" i="0" u="none" strike="noStrike" cap="none" normalizeH="0" baseline="0">
+                <a:ln>
+                  <a:noFill/>
+                </a:ln>
+                <a:solidFill>
+                  <a:srgbClr val="294B6B"/>
+                </a:solidFill>
+                <a:effectLst/>
+                <a:latin typeface="Arial" panose="020B0604020202020204" pitchFamily="34" charset="0"/>
+              </a:rPr>
+              <a:t>: Nhờ tự động hóa, quá trình kiểm thử diễn ra nhanh chóng và hiệu quả hơn so với kiểm thử thủ công.</a:t>
+            </a:r>
+          </a:p>
+          <a:p>
+            <a:pPr marL="0" marR="0" lvl="0" indent="0" algn="l" defTabSz="914400" rtl="0" eaLnBrk="0" fontAlgn="base" latinLnBrk="0" hangingPunct="0">
+              <a:lnSpc>
+                <a:spcPct val="100000"/>
+              </a:lnSpc>
+              <a:spcBef>
+                <a:spcPts val="1200"/>
+              </a:spcBef>
+              <a:spcAft>
+                <a:spcPct val="0"/>
+              </a:spcAft>
+              <a:buClrTx/>
+              <a:buSzTx/>
+              <a:buFontTx/>
+              <a:buChar char="•"/>
+              <a:tabLst/>
+            </a:pPr>
+            <a:r>
+              <a:rPr kumimoji="0" lang="en-US" altLang="en-US" sz="1800" b="1" i="0" u="none" strike="noStrike" cap="none" normalizeH="0" baseline="0">
+                <a:ln>
+                  <a:noFill/>
+                </a:ln>
+                <a:solidFill>
+                  <a:srgbClr val="294B6B"/>
+                </a:solidFill>
+                <a:effectLst/>
+                <a:latin typeface="Arial" panose="020B0604020202020204" pitchFamily="34" charset="0"/>
+              </a:rPr>
+              <a:t>Hỗ trợ đa nền tảng</a:t>
+            </a:r>
+            <a:r>
+              <a:rPr kumimoji="0" lang="en-US" altLang="en-US" sz="1800" b="0" i="0" u="none" strike="noStrike" cap="none" normalizeH="0" baseline="0">
+                <a:ln>
+                  <a:noFill/>
+                </a:ln>
+                <a:solidFill>
+                  <a:srgbClr val="294B6B"/>
+                </a:solidFill>
+                <a:effectLst/>
+                <a:latin typeface="Arial" panose="020B0604020202020204" pitchFamily="34" charset="0"/>
+              </a:rPr>
+              <a:t>: Tương thích với các hệ điều hành như Windows, macOS, và Linux, phù hợp với nhiều môi trường phát triển khác nhau. </a:t>
+            </a:r>
+          </a:p>
+        </p:txBody>
+      </p:sp>
+      <p:sp>
+        <p:nvSpPr>
+          <p:cNvPr id="7" name="AutoShape 9">
+            <a:extLst>
+              <a:ext uri="{FF2B5EF4-FFF2-40B4-BE49-F238E27FC236}">
+                <a16:creationId xmlns:a16="http://schemas.microsoft.com/office/drawing/2014/main" id="{E6589678-1BCD-0B04-F031-D1A989C7DACA}"/>
+              </a:ext>
+            </a:extLst>
+          </p:cNvPr>
+          <p:cNvSpPr>
+            <a:spLocks noChangeAspect="1" noChangeArrowheads="1"/>
+          </p:cNvSpPr>
+          <p:nvPr/>
+        </p:nvSpPr>
+        <p:spPr bwMode="auto">
+          <a:xfrm>
+            <a:off x="5629835" y="3121275"/>
+            <a:ext cx="333404" cy="333404"/>
+          </a:xfrm>
+          <a:prstGeom prst="rect">
+            <a:avLst/>
+          </a:prstGeom>
+          <a:noFill/>
+          <a:extLst>
+            <a:ext uri="{909E8E84-426E-40DD-AFC4-6F175D3DCCD1}">
+              <a14:hiddenFill xmlns:a14="http://schemas.microsoft.com/office/drawing/2010/main">
+                <a:solidFill>
+                  <a:srgbClr val="FFFFFF"/>
+                </a:solidFill>
+              </a14:hiddenFill>
+            </a:ext>
+          </a:extLst>
+        </p:spPr>
+        <p:txBody>
+          <a:bodyPr vert="horz" wrap="square" lIns="91440" tIns="45720" rIns="91440" bIns="45720" numCol="1" anchor="t" anchorCtr="0" compatLnSpc="1">
+            <a:prstTxWarp prst="textNoShape">
+              <a:avLst/>
+            </a:prstTxWarp>
+          </a:bodyPr>
+          <a:lstStyle/>
+          <a:p>
+            <a:endParaRPr lang="en-US"/>
+          </a:p>
+        </p:txBody>
+      </p:sp>
+      <p:pic>
+        <p:nvPicPr>
+          <p:cNvPr id="8" name="Picture 7">
+            <a:extLst>
+              <a:ext uri="{FF2B5EF4-FFF2-40B4-BE49-F238E27FC236}">
+                <a16:creationId xmlns:a16="http://schemas.microsoft.com/office/drawing/2014/main" id="{F6CC2C6E-1C4D-07AB-F713-F0CF18EDF906}"/>
+              </a:ext>
+            </a:extLst>
+          </p:cNvPr>
+          <p:cNvPicPr>
+            <a:picLocks noChangeAspect="1"/>
+          </p:cNvPicPr>
+          <p:nvPr/>
+        </p:nvPicPr>
+        <p:blipFill>
+          <a:blip r:embed="rId2"/>
+          <a:srcRect l="9643" t="6037" r="12411" b="6151"/>
+          <a:stretch/>
+        </p:blipFill>
+        <p:spPr>
+          <a:xfrm>
+            <a:off x="500485" y="1874635"/>
+            <a:ext cx="4696301" cy="3988838"/>
+          </a:xfrm>
+          <a:prstGeom prst="ellipse">
+            <a:avLst/>
+          </a:prstGeom>
+          <a:ln>
+            <a:noFill/>
+          </a:ln>
+          <a:effectLst>
+            <a:softEdge rad="112500"/>
+          </a:effectLst>
+        </p:spPr>
+      </p:pic>
+    </p:spTree>
+    <p:extLst>
+      <p:ext uri="{BB962C8B-B14F-4D97-AF65-F5344CB8AC3E}">
+        <p14:creationId xmlns:p14="http://schemas.microsoft.com/office/powerpoint/2010/main" val="3618181950"/>
+      </p:ext>
+    </p:extLst>
+  </p:cSld>
+  <p:clrMapOvr>
+    <a:masterClrMapping/>
+  </p:clrMapOvr>
+  <p:timing>
+    <p:tnLst>
+      <p:par>
+        <p:cTn id="1" dur="indefinite" restart="never" nodeType="tmRoot">
+          <p:childTnLst>
+            <p:seq concurrent="1" nextAc="seek">
+              <p:cTn id="2" dur="indefinite" nodeType="mainSeq">
+                <p:childTnLst>
+                  <p:par>
+                    <p:cTn id="3" fill="hold">
+                      <p:stCondLst>
+                        <p:cond delay="indefinite"/>
+                        <p:cond evt="onBegin" delay="0">
+                          <p:tn val="2"/>
+                        </p:cond>
+                      </p:stCondLst>
+                      <p:childTnLst>
+                        <p:par>
+                          <p:cTn id="4" fill="hold">
+                            <p:stCondLst>
+                              <p:cond delay="0"/>
+                            </p:stCondLst>
+                            <p:childTnLst>
+                              <p:par>
+                                <p:cTn id="5" presetID="2" presetClass="entr" presetSubtype="8" fill="hold" nodeType="afterEffect">
+                                  <p:stCondLst>
+                                    <p:cond delay="0"/>
+                                  </p:stCondLst>
+                                  <p:childTnLst>
+                                    <p:set>
+                                      <p:cBhvr>
+                                        <p:cTn id="6" dur="1" fill="hold">
+                                          <p:stCondLst>
+                                            <p:cond delay="0"/>
+                                          </p:stCondLst>
+                                        </p:cTn>
+                                        <p:tgtEl>
+                                          <p:spTgt spid="8"/>
+                                        </p:tgtEl>
+                                        <p:attrNameLst>
+                                          <p:attrName>style.visibility</p:attrName>
+                                        </p:attrNameLst>
+                                      </p:cBhvr>
+                                      <p:to>
+                                        <p:strVal val="visible"/>
+                                      </p:to>
+                                    </p:set>
+                                    <p:anim calcmode="lin" valueType="num">
+                                      <p:cBhvr additive="base">
+                                        <p:cTn id="7" dur="750" fill="hold"/>
+                                        <p:tgtEl>
+                                          <p:spTgt spid="8"/>
+                                        </p:tgtEl>
+                                        <p:attrNameLst>
+                                          <p:attrName>ppt_x</p:attrName>
+                                        </p:attrNameLst>
+                                      </p:cBhvr>
+                                      <p:tavLst>
+                                        <p:tav tm="0">
+                                          <p:val>
+                                            <p:strVal val="0-#ppt_w/2"/>
+                                          </p:val>
+                                        </p:tav>
+                                        <p:tav tm="100000">
+                                          <p:val>
+                                            <p:strVal val="#ppt_x"/>
+                                          </p:val>
+                                        </p:tav>
+                                      </p:tavLst>
+                                    </p:anim>
+                                    <p:anim calcmode="lin" valueType="num">
+                                      <p:cBhvr additive="base">
+                                        <p:cTn id="8" dur="750" fill="hold"/>
+                                        <p:tgtEl>
+                                          <p:spTgt spid="8"/>
+                                        </p:tgtEl>
+                                        <p:attrNameLst>
+                                          <p:attrName>ppt_y</p:attrName>
+                                        </p:attrNameLst>
+                                      </p:cBhvr>
+                                      <p:tavLst>
+                                        <p:tav tm="0">
+                                          <p:val>
+                                            <p:strVal val="#ppt_y"/>
+                                          </p:val>
+                                        </p:tav>
+                                        <p:tav tm="100000">
+                                          <p:val>
+                                            <p:strVal val="#ppt_y"/>
+                                          </p:val>
+                                        </p:tav>
+                                      </p:tavLst>
+                                    </p:anim>
+                                  </p:childTnLst>
+                                </p:cTn>
+                              </p:par>
+                            </p:childTnLst>
+                          </p:cTn>
+                        </p:par>
+                      </p:childTnLst>
+                    </p:cTn>
+                  </p:par>
+                </p:childTnLst>
+              </p:cTn>
+              <p:prevCondLst>
+                <p:cond evt="onPrev" delay="0">
+                  <p:tgtEl>
+                    <p:sldTgt/>
+                  </p:tgtEl>
+                </p:cond>
+              </p:prevCondLst>
+              <p:nextCondLst>
+                <p:cond evt="onNext" delay="0">
+                  <p:tgtEl>
+                    <p:sldTgt/>
+                  </p:tgtEl>
+                </p:cond>
+              </p:nextCondLst>
+            </p:seq>
+          </p:childTnLst>
+        </p:cTn>
+      </p:par>
+    </p:tnLst>
+  </p:timing>
+</p:sld>
+</file>
+
+<file path=ppt/slides/slide4.xml><?xml version="1.0" encoding="utf-8"?>
+<p:sld xmlns:a="http://schemas.openxmlformats.org/drawingml/2006/main" xmlns:r="http://schemas.openxmlformats.org/officeDocument/2006/relationships" xmlns:p="http://schemas.openxmlformats.org/presentationml/2006/main">
+  <p:cSld>
+    <p:spTree>
+      <p:nvGrpSpPr>
+        <p:cNvPr id="1" name=""/>
+        <p:cNvGrpSpPr/>
+        <p:nvPr/>
+      </p:nvGrpSpPr>
+      <p:grpSpPr>
+        <a:xfrm>
+          <a:off x="0" y="0"/>
+          <a:ext cx="0" cy="0"/>
+          <a:chOff x="0" y="0"/>
+          <a:chExt cx="0" cy="0"/>
+        </a:xfrm>
+      </p:grpSpPr>
+      <p:sp>
+        <p:nvSpPr>
           <p:cNvPr id="5" name="Rectangle 4">
             <a:extLst>
               <a:ext uri="{FF2B5EF4-FFF2-40B4-BE49-F238E27FC236}">
@@ -5965,7 +6612,7 @@
 </p:sld>
 </file>
 
-<file path=ppt/slides/slide4.xml><?xml version="1.0" encoding="utf-8"?>
+<file path=ppt/slides/slide5.xml><?xml version="1.0" encoding="utf-8"?>
 <p:sld xmlns:a="http://schemas.openxmlformats.org/drawingml/2006/main" xmlns:r="http://schemas.openxmlformats.org/officeDocument/2006/relationships" xmlns:p="http://schemas.openxmlformats.org/presentationml/2006/main">
   <p:cSld>
     <p:spTree>
@@ -6912,7 +7559,7 @@
 </p:sld>
 </file>
 
-<file path=ppt/slides/slide5.xml><?xml version="1.0" encoding="utf-8"?>
+<file path=ppt/slides/slide6.xml><?xml version="1.0" encoding="utf-8"?>
 <p:sld xmlns:a="http://schemas.openxmlformats.org/drawingml/2006/main" xmlns:r="http://schemas.openxmlformats.org/officeDocument/2006/relationships" xmlns:p="http://schemas.openxmlformats.org/presentationml/2006/main">
   <p:cSld>
     <p:spTree>
@@ -8132,7 +8779,7 @@
 </p:sld>
 </file>
 
-<file path=ppt/slides/slide6.xml><?xml version="1.0" encoding="utf-8"?>
+<file path=ppt/slides/slide7.xml><?xml version="1.0" encoding="utf-8"?>
 <p:sld xmlns:a="http://schemas.openxmlformats.org/drawingml/2006/main" xmlns:r="http://schemas.openxmlformats.org/officeDocument/2006/relationships" xmlns:p="http://schemas.openxmlformats.org/presentationml/2006/main">
   <p:cSld>
     <p:spTree>

--- a/THTH_slide.pptx
+++ b/THTH_slide.pptx
@@ -835,7 +835,7 @@
           <a:p>
             <a:fld id="{8C48E02A-F628-4B0A-897C-4569DE103C05}" type="datetimeFigureOut">
               <a:rPr lang="en-US" smtClean="0"/>
-              <a:t>24-10-2024</a:t>
+              <a:t>10/28/2024</a:t>
             </a:fld>
             <a:endParaRPr lang="en-US"/>
           </a:p>
@@ -1333,7 +1333,7 @@
           <a:p>
             <a:fld id="{0DDA1736-F120-4305-85B4-E3F6D7A6DF38}" type="datetimeFigureOut">
               <a:rPr lang="en-US" smtClean="0"/>
-              <a:t>24-10-2024</a:t>
+              <a:t>10/28/2024</a:t>
             </a:fld>
             <a:endParaRPr lang="en-US"/>
           </a:p>
@@ -1531,7 +1531,7 @@
           <a:p>
             <a:fld id="{0DDA1736-F120-4305-85B4-E3F6D7A6DF38}" type="datetimeFigureOut">
               <a:rPr lang="en-US" smtClean="0"/>
-              <a:t>24-10-2024</a:t>
+              <a:t>10/28/2024</a:t>
             </a:fld>
             <a:endParaRPr lang="en-US"/>
           </a:p>
@@ -1739,7 +1739,7 @@
           <a:p>
             <a:fld id="{0DDA1736-F120-4305-85B4-E3F6D7A6DF38}" type="datetimeFigureOut">
               <a:rPr lang="en-US" smtClean="0"/>
-              <a:t>24-10-2024</a:t>
+              <a:t>10/28/2024</a:t>
             </a:fld>
             <a:endParaRPr lang="en-US"/>
           </a:p>
@@ -1937,7 +1937,7 @@
           <a:p>
             <a:fld id="{0DDA1736-F120-4305-85B4-E3F6D7A6DF38}" type="datetimeFigureOut">
               <a:rPr lang="en-US" smtClean="0"/>
-              <a:t>24-10-2024</a:t>
+              <a:t>10/28/2024</a:t>
             </a:fld>
             <a:endParaRPr lang="en-US"/>
           </a:p>
@@ -2212,7 +2212,7 @@
           <a:p>
             <a:fld id="{0DDA1736-F120-4305-85B4-E3F6D7A6DF38}" type="datetimeFigureOut">
               <a:rPr lang="en-US" smtClean="0"/>
-              <a:t>24-10-2024</a:t>
+              <a:t>10/28/2024</a:t>
             </a:fld>
             <a:endParaRPr lang="en-US"/>
           </a:p>
@@ -2477,7 +2477,7 @@
           <a:p>
             <a:fld id="{0DDA1736-F120-4305-85B4-E3F6D7A6DF38}" type="datetimeFigureOut">
               <a:rPr lang="en-US" smtClean="0"/>
-              <a:t>24-10-2024</a:t>
+              <a:t>10/28/2024</a:t>
             </a:fld>
             <a:endParaRPr lang="en-US"/>
           </a:p>
@@ -2889,7 +2889,7 @@
           <a:p>
             <a:fld id="{0DDA1736-F120-4305-85B4-E3F6D7A6DF38}" type="datetimeFigureOut">
               <a:rPr lang="en-US" smtClean="0"/>
-              <a:t>24-10-2024</a:t>
+              <a:t>10/28/2024</a:t>
             </a:fld>
             <a:endParaRPr lang="en-US"/>
           </a:p>
@@ -3030,7 +3030,7 @@
           <a:p>
             <a:fld id="{0DDA1736-F120-4305-85B4-E3F6D7A6DF38}" type="datetimeFigureOut">
               <a:rPr lang="en-US" smtClean="0"/>
-              <a:t>24-10-2024</a:t>
+              <a:t>10/28/2024</a:t>
             </a:fld>
             <a:endParaRPr lang="en-US"/>
           </a:p>
@@ -3143,7 +3143,7 @@
           <a:p>
             <a:fld id="{0DDA1736-F120-4305-85B4-E3F6D7A6DF38}" type="datetimeFigureOut">
               <a:rPr lang="en-US" smtClean="0"/>
-              <a:t>24-10-2024</a:t>
+              <a:t>10/28/2024</a:t>
             </a:fld>
             <a:endParaRPr lang="en-US"/>
           </a:p>
@@ -3454,7 +3454,7 @@
           <a:p>
             <a:fld id="{0DDA1736-F120-4305-85B4-E3F6D7A6DF38}" type="datetimeFigureOut">
               <a:rPr lang="en-US" smtClean="0"/>
-              <a:t>24-10-2024</a:t>
+              <a:t>10/28/2024</a:t>
             </a:fld>
             <a:endParaRPr lang="en-US"/>
           </a:p>
@@ -3742,7 +3742,7 @@
           <a:p>
             <a:fld id="{0DDA1736-F120-4305-85B4-E3F6D7A6DF38}" type="datetimeFigureOut">
               <a:rPr lang="en-US" smtClean="0"/>
-              <a:t>24-10-2024</a:t>
+              <a:t>10/28/2024</a:t>
             </a:fld>
             <a:endParaRPr lang="en-US"/>
           </a:p>
@@ -3983,7 +3983,7 @@
           <a:p>
             <a:fld id="{0DDA1736-F120-4305-85B4-E3F6D7A6DF38}" type="datetimeFigureOut">
               <a:rPr lang="en-US" smtClean="0"/>
-              <a:t>24-10-2024</a:t>
+              <a:t>10/28/2024</a:t>
             </a:fld>
             <a:endParaRPr lang="en-US"/>
           </a:p>
@@ -8885,7 +8885,7 @@
         </p:nvSpPr>
         <p:spPr>
           <a:xfrm rot="1796016">
-            <a:off x="7936059" y="4975073"/>
+            <a:off x="8025706" y="4975074"/>
             <a:ext cx="3281362" cy="369332"/>
           </a:xfrm>
           <a:prstGeom prst="rect">
@@ -8899,13 +8899,22 @@
           </a:bodyPr>
           <a:lstStyle/>
           <a:p>
-            <a:r>
-              <a:rPr lang="en-US" b="1">
-                <a:solidFill>
-                  <a:srgbClr val="294B6B"/>
-                </a:solidFill>
+            <a:pPr marL="0" marR="0">
+              <a:spcBef>
+                <a:spcPts val="0"/>
+              </a:spcBef>
+              <a:spcAft>
+                <a:spcPts val="0"/>
+              </a:spcAft>
+            </a:pPr>
+            <a:r>
+              <a:rPr lang="en-US" sz="1800" b="1" dirty="0">
+                <a:effectLst/>
+                <a:latin typeface="Times New Roman" panose="02020603050405020304" pitchFamily="18" charset="0"/>
+                <a:ea typeface="Calibri" panose="020F0502020204030204" pitchFamily="34" charset="0"/>
+                <a:cs typeface="Times New Roman" panose="02020603050405020304" pitchFamily="18" charset="0"/>
               </a:rPr>
-              <a:t>https://youtu.be/fY3iXHo62kM</a:t>
+              <a:t>https://youtu.be/4lqHfYzK7n4</a:t>
             </a:r>
           </a:p>
         </p:txBody>

--- a/THTH_slide.pptx
+++ b/THTH_slide.pptx
@@ -5740,30 +5740,680 @@
               <a:tabLst/>
             </a:pPr>
             <a:r>
-              <a:rPr kumimoji="0" lang="en-US" altLang="en-US" sz="1800" b="1" i="0" u="none" strike="noStrike" cap="none" normalizeH="0" baseline="0">
-                <a:ln>
-                  <a:noFill/>
-                </a:ln>
-                <a:solidFill>
-                  <a:srgbClr val="294B6B"/>
-                </a:solidFill>
-                <a:effectLst/>
-                <a:latin typeface="Arial" panose="020B0604020202020204" pitchFamily="34" charset="0"/>
-              </a:rPr>
-              <a:t>Tự động hóa kiểm thử</a:t>
-            </a:r>
-            <a:r>
-              <a:rPr kumimoji="0" lang="en-US" altLang="en-US" sz="1800" b="0" i="0" u="none" strike="noStrike" cap="none" normalizeH="0" baseline="0">
-                <a:ln>
-                  <a:noFill/>
-                </a:ln>
-                <a:solidFill>
-                  <a:srgbClr val="294B6B"/>
-                </a:solidFill>
-                <a:effectLst/>
-                <a:latin typeface="Arial" panose="020B0604020202020204" pitchFamily="34" charset="0"/>
-              </a:rPr>
-              <a:t>: Katalon giúp đơn giản hóa quy trình kiểm thử ứng dụng web, di động và API thông qua các kịch bản kiểm thử tự động.</a:t>
+              <a:rPr kumimoji="0" lang="en-US" altLang="en-US" sz="1800" b="1" i="0" u="none" strike="noStrike" cap="none" normalizeH="0" baseline="0" dirty="0" err="1">
+                <a:ln>
+                  <a:noFill/>
+                </a:ln>
+                <a:solidFill>
+                  <a:srgbClr val="294B6B"/>
+                </a:solidFill>
+                <a:effectLst/>
+                <a:latin typeface="Arial" panose="020B0604020202020204" pitchFamily="34" charset="0"/>
+              </a:rPr>
+              <a:t>Tự</a:t>
+            </a:r>
+            <a:r>
+              <a:rPr kumimoji="0" lang="en-US" altLang="en-US" sz="1800" b="1" i="0" u="none" strike="noStrike" cap="none" normalizeH="0" baseline="0" dirty="0">
+                <a:ln>
+                  <a:noFill/>
+                </a:ln>
+                <a:solidFill>
+                  <a:srgbClr val="294B6B"/>
+                </a:solidFill>
+                <a:effectLst/>
+                <a:latin typeface="Arial" panose="020B0604020202020204" pitchFamily="34" charset="0"/>
+              </a:rPr>
+              <a:t> </a:t>
+            </a:r>
+            <a:r>
+              <a:rPr kumimoji="0" lang="en-US" altLang="en-US" sz="1800" b="1" i="0" u="none" strike="noStrike" cap="none" normalizeH="0" baseline="0" dirty="0" err="1">
+                <a:ln>
+                  <a:noFill/>
+                </a:ln>
+                <a:solidFill>
+                  <a:srgbClr val="294B6B"/>
+                </a:solidFill>
+                <a:effectLst/>
+                <a:latin typeface="Arial" panose="020B0604020202020204" pitchFamily="34" charset="0"/>
+              </a:rPr>
+              <a:t>động</a:t>
+            </a:r>
+            <a:r>
+              <a:rPr kumimoji="0" lang="en-US" altLang="en-US" sz="1800" b="1" i="0" u="none" strike="noStrike" cap="none" normalizeH="0" baseline="0" dirty="0">
+                <a:ln>
+                  <a:noFill/>
+                </a:ln>
+                <a:solidFill>
+                  <a:srgbClr val="294B6B"/>
+                </a:solidFill>
+                <a:effectLst/>
+                <a:latin typeface="Arial" panose="020B0604020202020204" pitchFamily="34" charset="0"/>
+              </a:rPr>
+              <a:t> </a:t>
+            </a:r>
+            <a:r>
+              <a:rPr kumimoji="0" lang="en-US" altLang="en-US" sz="1800" b="1" i="0" u="none" strike="noStrike" cap="none" normalizeH="0" baseline="0" dirty="0" err="1">
+                <a:ln>
+                  <a:noFill/>
+                </a:ln>
+                <a:solidFill>
+                  <a:srgbClr val="294B6B"/>
+                </a:solidFill>
+                <a:effectLst/>
+                <a:latin typeface="Arial" panose="020B0604020202020204" pitchFamily="34" charset="0"/>
+              </a:rPr>
+              <a:t>hóa</a:t>
+            </a:r>
+            <a:r>
+              <a:rPr kumimoji="0" lang="en-US" altLang="en-US" sz="1800" b="1" i="0" u="none" strike="noStrike" cap="none" normalizeH="0" baseline="0" dirty="0">
+                <a:ln>
+                  <a:noFill/>
+                </a:ln>
+                <a:solidFill>
+                  <a:srgbClr val="294B6B"/>
+                </a:solidFill>
+                <a:effectLst/>
+                <a:latin typeface="Arial" panose="020B0604020202020204" pitchFamily="34" charset="0"/>
+              </a:rPr>
+              <a:t> </a:t>
+            </a:r>
+            <a:r>
+              <a:rPr kumimoji="0" lang="en-US" altLang="en-US" sz="1800" b="1" i="0" u="none" strike="noStrike" cap="none" normalizeH="0" baseline="0" dirty="0" err="1">
+                <a:ln>
+                  <a:noFill/>
+                </a:ln>
+                <a:solidFill>
+                  <a:srgbClr val="294B6B"/>
+                </a:solidFill>
+                <a:effectLst/>
+                <a:latin typeface="Arial" panose="020B0604020202020204" pitchFamily="34" charset="0"/>
+              </a:rPr>
+              <a:t>kiểm</a:t>
+            </a:r>
+            <a:r>
+              <a:rPr kumimoji="0" lang="en-US" altLang="en-US" sz="1800" b="1" i="0" u="none" strike="noStrike" cap="none" normalizeH="0" baseline="0" dirty="0">
+                <a:ln>
+                  <a:noFill/>
+                </a:ln>
+                <a:solidFill>
+                  <a:srgbClr val="294B6B"/>
+                </a:solidFill>
+                <a:effectLst/>
+                <a:latin typeface="Arial" panose="020B0604020202020204" pitchFamily="34" charset="0"/>
+              </a:rPr>
+              <a:t> </a:t>
+            </a:r>
+            <a:r>
+              <a:rPr kumimoji="0" lang="en-US" altLang="en-US" sz="1800" b="1" i="0" u="none" strike="noStrike" cap="none" normalizeH="0" baseline="0" dirty="0" err="1">
+                <a:ln>
+                  <a:noFill/>
+                </a:ln>
+                <a:solidFill>
+                  <a:srgbClr val="294B6B"/>
+                </a:solidFill>
+                <a:effectLst/>
+                <a:latin typeface="Arial" panose="020B0604020202020204" pitchFamily="34" charset="0"/>
+              </a:rPr>
+              <a:t>thử</a:t>
+            </a:r>
+            <a:r>
+              <a:rPr kumimoji="0" lang="en-US" altLang="en-US" sz="1800" b="0" i="0" u="none" strike="noStrike" cap="none" normalizeH="0" baseline="0" dirty="0">
+                <a:ln>
+                  <a:noFill/>
+                </a:ln>
+                <a:solidFill>
+                  <a:srgbClr val="294B6B"/>
+                </a:solidFill>
+                <a:effectLst/>
+                <a:latin typeface="Arial" panose="020B0604020202020204" pitchFamily="34" charset="0"/>
+              </a:rPr>
+              <a:t>: </a:t>
+            </a:r>
+            <a:r>
+              <a:rPr kumimoji="0" lang="en-US" altLang="en-US" sz="1800" b="0" i="0" u="none" strike="noStrike" cap="none" normalizeH="0" baseline="0" dirty="0" err="1">
+                <a:ln>
+                  <a:noFill/>
+                </a:ln>
+                <a:solidFill>
+                  <a:srgbClr val="294B6B"/>
+                </a:solidFill>
+                <a:effectLst/>
+                <a:latin typeface="Arial" panose="020B0604020202020204" pitchFamily="34" charset="0"/>
+              </a:rPr>
+              <a:t>Katalon</a:t>
+            </a:r>
+            <a:r>
+              <a:rPr kumimoji="0" lang="en-US" altLang="en-US" sz="1800" b="0" i="0" u="none" strike="noStrike" cap="none" normalizeH="0" baseline="0" dirty="0">
+                <a:ln>
+                  <a:noFill/>
+                </a:ln>
+                <a:solidFill>
+                  <a:srgbClr val="294B6B"/>
+                </a:solidFill>
+                <a:effectLst/>
+                <a:latin typeface="Arial" panose="020B0604020202020204" pitchFamily="34" charset="0"/>
+              </a:rPr>
+              <a:t> </a:t>
+            </a:r>
+            <a:r>
+              <a:rPr kumimoji="0" lang="en-US" altLang="en-US" sz="1800" b="0" i="0" u="none" strike="noStrike" cap="none" normalizeH="0" baseline="0" dirty="0" err="1">
+                <a:ln>
+                  <a:noFill/>
+                </a:ln>
+                <a:solidFill>
+                  <a:srgbClr val="294B6B"/>
+                </a:solidFill>
+                <a:effectLst/>
+                <a:latin typeface="Arial" panose="020B0604020202020204" pitchFamily="34" charset="0"/>
+              </a:rPr>
+              <a:t>giúp</a:t>
+            </a:r>
+            <a:r>
+              <a:rPr kumimoji="0" lang="en-US" altLang="en-US" sz="1800" b="0" i="0" u="none" strike="noStrike" cap="none" normalizeH="0" baseline="0" dirty="0">
+                <a:ln>
+                  <a:noFill/>
+                </a:ln>
+                <a:solidFill>
+                  <a:srgbClr val="294B6B"/>
+                </a:solidFill>
+                <a:effectLst/>
+                <a:latin typeface="Arial" panose="020B0604020202020204" pitchFamily="34" charset="0"/>
+              </a:rPr>
+              <a:t> </a:t>
+            </a:r>
+            <a:r>
+              <a:rPr kumimoji="0" lang="en-US" altLang="en-US" sz="1800" b="0" i="0" u="none" strike="noStrike" cap="none" normalizeH="0" baseline="0" dirty="0" err="1">
+                <a:ln>
+                  <a:noFill/>
+                </a:ln>
+                <a:solidFill>
+                  <a:srgbClr val="294B6B"/>
+                </a:solidFill>
+                <a:effectLst/>
+                <a:latin typeface="Arial" panose="020B0604020202020204" pitchFamily="34" charset="0"/>
+              </a:rPr>
+              <a:t>đơn</a:t>
+            </a:r>
+            <a:r>
+              <a:rPr kumimoji="0" lang="en-US" altLang="en-US" sz="1800" b="0" i="0" u="none" strike="noStrike" cap="none" normalizeH="0" baseline="0" dirty="0">
+                <a:ln>
+                  <a:noFill/>
+                </a:ln>
+                <a:solidFill>
+                  <a:srgbClr val="294B6B"/>
+                </a:solidFill>
+                <a:effectLst/>
+                <a:latin typeface="Arial" panose="020B0604020202020204" pitchFamily="34" charset="0"/>
+              </a:rPr>
+              <a:t> </a:t>
+            </a:r>
+            <a:r>
+              <a:rPr kumimoji="0" lang="en-US" altLang="en-US" sz="1800" b="0" i="0" u="none" strike="noStrike" cap="none" normalizeH="0" baseline="0" dirty="0" err="1">
+                <a:ln>
+                  <a:noFill/>
+                </a:ln>
+                <a:solidFill>
+                  <a:srgbClr val="294B6B"/>
+                </a:solidFill>
+                <a:effectLst/>
+                <a:latin typeface="Arial" panose="020B0604020202020204" pitchFamily="34" charset="0"/>
+              </a:rPr>
+              <a:t>giản</a:t>
+            </a:r>
+            <a:r>
+              <a:rPr kumimoji="0" lang="en-US" altLang="en-US" sz="1800" b="0" i="0" u="none" strike="noStrike" cap="none" normalizeH="0" baseline="0" dirty="0">
+                <a:ln>
+                  <a:noFill/>
+                </a:ln>
+                <a:solidFill>
+                  <a:srgbClr val="294B6B"/>
+                </a:solidFill>
+                <a:effectLst/>
+                <a:latin typeface="Arial" panose="020B0604020202020204" pitchFamily="34" charset="0"/>
+              </a:rPr>
+              <a:t> </a:t>
+            </a:r>
+            <a:r>
+              <a:rPr kumimoji="0" lang="en-US" altLang="en-US" sz="1800" b="0" i="0" u="none" strike="noStrike" cap="none" normalizeH="0" baseline="0" dirty="0" err="1">
+                <a:ln>
+                  <a:noFill/>
+                </a:ln>
+                <a:solidFill>
+                  <a:srgbClr val="294B6B"/>
+                </a:solidFill>
+                <a:effectLst/>
+                <a:latin typeface="Arial" panose="020B0604020202020204" pitchFamily="34" charset="0"/>
+              </a:rPr>
+              <a:t>hóa</a:t>
+            </a:r>
+            <a:r>
+              <a:rPr kumimoji="0" lang="en-US" altLang="en-US" sz="1800" b="0" i="0" u="none" strike="noStrike" cap="none" normalizeH="0" baseline="0" dirty="0">
+                <a:ln>
+                  <a:noFill/>
+                </a:ln>
+                <a:solidFill>
+                  <a:srgbClr val="294B6B"/>
+                </a:solidFill>
+                <a:effectLst/>
+                <a:latin typeface="Arial" panose="020B0604020202020204" pitchFamily="34" charset="0"/>
+              </a:rPr>
+              <a:t> </a:t>
+            </a:r>
+            <a:r>
+              <a:rPr kumimoji="0" lang="en-US" altLang="en-US" sz="1800" b="0" i="0" u="none" strike="noStrike" cap="none" normalizeH="0" baseline="0" dirty="0" err="1">
+                <a:ln>
+                  <a:noFill/>
+                </a:ln>
+                <a:solidFill>
+                  <a:srgbClr val="294B6B"/>
+                </a:solidFill>
+                <a:effectLst/>
+                <a:latin typeface="Arial" panose="020B0604020202020204" pitchFamily="34" charset="0"/>
+              </a:rPr>
+              <a:t>quy</a:t>
+            </a:r>
+            <a:r>
+              <a:rPr kumimoji="0" lang="en-US" altLang="en-US" sz="1800" b="0" i="0" u="none" strike="noStrike" cap="none" normalizeH="0" baseline="0" dirty="0">
+                <a:ln>
+                  <a:noFill/>
+                </a:ln>
+                <a:solidFill>
+                  <a:srgbClr val="294B6B"/>
+                </a:solidFill>
+                <a:effectLst/>
+                <a:latin typeface="Arial" panose="020B0604020202020204" pitchFamily="34" charset="0"/>
+              </a:rPr>
+              <a:t> </a:t>
+            </a:r>
+            <a:r>
+              <a:rPr kumimoji="0" lang="en-US" altLang="en-US" sz="1800" b="0" i="0" u="none" strike="noStrike" cap="none" normalizeH="0" baseline="0" dirty="0" err="1">
+                <a:ln>
+                  <a:noFill/>
+                </a:ln>
+                <a:solidFill>
+                  <a:srgbClr val="294B6B"/>
+                </a:solidFill>
+                <a:effectLst/>
+                <a:latin typeface="Arial" panose="020B0604020202020204" pitchFamily="34" charset="0"/>
+              </a:rPr>
+              <a:t>trình</a:t>
+            </a:r>
+            <a:r>
+              <a:rPr kumimoji="0" lang="en-US" altLang="en-US" sz="1800" b="0" i="0" u="none" strike="noStrike" cap="none" normalizeH="0" baseline="0" dirty="0">
+                <a:ln>
+                  <a:noFill/>
+                </a:ln>
+                <a:solidFill>
+                  <a:srgbClr val="294B6B"/>
+                </a:solidFill>
+                <a:effectLst/>
+                <a:latin typeface="Arial" panose="020B0604020202020204" pitchFamily="34" charset="0"/>
+              </a:rPr>
+              <a:t> </a:t>
+            </a:r>
+            <a:r>
+              <a:rPr kumimoji="0" lang="en-US" altLang="en-US" sz="1800" b="0" i="0" u="none" strike="noStrike" cap="none" normalizeH="0" baseline="0" dirty="0" err="1">
+                <a:ln>
+                  <a:noFill/>
+                </a:ln>
+                <a:solidFill>
+                  <a:srgbClr val="294B6B"/>
+                </a:solidFill>
+                <a:effectLst/>
+                <a:latin typeface="Arial" panose="020B0604020202020204" pitchFamily="34" charset="0"/>
+              </a:rPr>
+              <a:t>kiểm</a:t>
+            </a:r>
+            <a:r>
+              <a:rPr kumimoji="0" lang="en-US" altLang="en-US" sz="1800" b="0" i="0" u="none" strike="noStrike" cap="none" normalizeH="0" baseline="0" dirty="0">
+                <a:ln>
+                  <a:noFill/>
+                </a:ln>
+                <a:solidFill>
+                  <a:srgbClr val="294B6B"/>
+                </a:solidFill>
+                <a:effectLst/>
+                <a:latin typeface="Arial" panose="020B0604020202020204" pitchFamily="34" charset="0"/>
+              </a:rPr>
+              <a:t> </a:t>
+            </a:r>
+            <a:r>
+              <a:rPr kumimoji="0" lang="en-US" altLang="en-US" sz="1800" b="0" i="0" u="none" strike="noStrike" cap="none" normalizeH="0" baseline="0" dirty="0" err="1">
+                <a:ln>
+                  <a:noFill/>
+                </a:ln>
+                <a:solidFill>
+                  <a:srgbClr val="294B6B"/>
+                </a:solidFill>
+                <a:effectLst/>
+                <a:latin typeface="Arial" panose="020B0604020202020204" pitchFamily="34" charset="0"/>
+              </a:rPr>
+              <a:t>thử</a:t>
+            </a:r>
+            <a:r>
+              <a:rPr kumimoji="0" lang="en-US" altLang="en-US" sz="1800" b="0" i="0" u="none" strike="noStrike" cap="none" normalizeH="0" baseline="0" dirty="0">
+                <a:ln>
+                  <a:noFill/>
+                </a:ln>
+                <a:solidFill>
+                  <a:srgbClr val="294B6B"/>
+                </a:solidFill>
+                <a:effectLst/>
+                <a:latin typeface="Arial" panose="020B0604020202020204" pitchFamily="34" charset="0"/>
+              </a:rPr>
+              <a:t> </a:t>
+            </a:r>
+            <a:r>
+              <a:rPr kumimoji="0" lang="en-US" altLang="en-US" sz="1800" b="0" i="0" u="none" strike="noStrike" cap="none" normalizeH="0" baseline="0" dirty="0" err="1">
+                <a:ln>
+                  <a:noFill/>
+                </a:ln>
+                <a:solidFill>
+                  <a:srgbClr val="294B6B"/>
+                </a:solidFill>
+                <a:effectLst/>
+                <a:latin typeface="Arial" panose="020B0604020202020204" pitchFamily="34" charset="0"/>
+              </a:rPr>
+              <a:t>ứng</a:t>
+            </a:r>
+            <a:r>
+              <a:rPr kumimoji="0" lang="en-US" altLang="en-US" sz="1800" b="0" i="0" u="none" strike="noStrike" cap="none" normalizeH="0" baseline="0" dirty="0">
+                <a:ln>
+                  <a:noFill/>
+                </a:ln>
+                <a:solidFill>
+                  <a:srgbClr val="294B6B"/>
+                </a:solidFill>
+                <a:effectLst/>
+                <a:latin typeface="Arial" panose="020B0604020202020204" pitchFamily="34" charset="0"/>
+              </a:rPr>
+              <a:t> </a:t>
+            </a:r>
+            <a:r>
+              <a:rPr kumimoji="0" lang="en-US" altLang="en-US" sz="1800" b="0" i="0" u="none" strike="noStrike" cap="none" normalizeH="0" baseline="0" dirty="0" err="1">
+                <a:ln>
+                  <a:noFill/>
+                </a:ln>
+                <a:solidFill>
+                  <a:srgbClr val="294B6B"/>
+                </a:solidFill>
+                <a:effectLst/>
+                <a:latin typeface="Arial" panose="020B0604020202020204" pitchFamily="34" charset="0"/>
+              </a:rPr>
+              <a:t>dụng</a:t>
+            </a:r>
+            <a:r>
+              <a:rPr kumimoji="0" lang="en-US" altLang="en-US" sz="1800" b="0" i="0" u="none" strike="noStrike" cap="none" normalizeH="0" baseline="0" dirty="0">
+                <a:ln>
+                  <a:noFill/>
+                </a:ln>
+                <a:solidFill>
+                  <a:srgbClr val="294B6B"/>
+                </a:solidFill>
+                <a:effectLst/>
+                <a:latin typeface="Arial" panose="020B0604020202020204" pitchFamily="34" charset="0"/>
+              </a:rPr>
+              <a:t> web, di </a:t>
+            </a:r>
+            <a:r>
+              <a:rPr kumimoji="0" lang="en-US" altLang="en-US" sz="1800" b="0" i="0" u="none" strike="noStrike" cap="none" normalizeH="0" baseline="0" dirty="0" err="1">
+                <a:ln>
+                  <a:noFill/>
+                </a:ln>
+                <a:solidFill>
+                  <a:srgbClr val="294B6B"/>
+                </a:solidFill>
+                <a:effectLst/>
+                <a:latin typeface="Arial" panose="020B0604020202020204" pitchFamily="34" charset="0"/>
+              </a:rPr>
+              <a:t>động</a:t>
+            </a:r>
+            <a:r>
+              <a:rPr kumimoji="0" lang="en-US" altLang="en-US" sz="1800" b="0" i="0" u="none" strike="noStrike" cap="none" normalizeH="0" baseline="0" dirty="0">
+                <a:ln>
+                  <a:noFill/>
+                </a:ln>
+                <a:solidFill>
+                  <a:srgbClr val="294B6B"/>
+                </a:solidFill>
+                <a:effectLst/>
+                <a:latin typeface="Arial" panose="020B0604020202020204" pitchFamily="34" charset="0"/>
+              </a:rPr>
+              <a:t> </a:t>
+            </a:r>
+            <a:r>
+              <a:rPr kumimoji="0" lang="en-US" altLang="en-US" sz="1800" b="0" i="0" u="none" strike="noStrike" cap="none" normalizeH="0" baseline="0" dirty="0" err="1">
+                <a:ln>
+                  <a:noFill/>
+                </a:ln>
+                <a:solidFill>
+                  <a:srgbClr val="294B6B"/>
+                </a:solidFill>
+                <a:effectLst/>
+                <a:latin typeface="Arial" panose="020B0604020202020204" pitchFamily="34" charset="0"/>
+              </a:rPr>
+              <a:t>và</a:t>
+            </a:r>
+            <a:r>
+              <a:rPr kumimoji="0" lang="en-US" altLang="en-US" sz="1800" b="0" i="0" u="none" strike="noStrike" cap="none" normalizeH="0" baseline="0" dirty="0">
+                <a:ln>
+                  <a:noFill/>
+                </a:ln>
+                <a:solidFill>
+                  <a:srgbClr val="294B6B"/>
+                </a:solidFill>
+                <a:effectLst/>
+                <a:latin typeface="Arial" panose="020B0604020202020204" pitchFamily="34" charset="0"/>
+              </a:rPr>
+              <a:t> API </a:t>
+            </a:r>
+            <a:r>
+              <a:rPr kumimoji="0" lang="en-US" altLang="en-US" sz="1800" b="0" i="0" u="none" strike="noStrike" cap="none" normalizeH="0" baseline="0" dirty="0" err="1">
+                <a:ln>
+                  <a:noFill/>
+                </a:ln>
+                <a:solidFill>
+                  <a:srgbClr val="294B6B"/>
+                </a:solidFill>
+                <a:effectLst/>
+                <a:latin typeface="Arial" panose="020B0604020202020204" pitchFamily="34" charset="0"/>
+              </a:rPr>
+              <a:t>thông</a:t>
+            </a:r>
+            <a:r>
+              <a:rPr kumimoji="0" lang="en-US" altLang="en-US" sz="1800" b="0" i="0" u="none" strike="noStrike" cap="none" normalizeH="0" baseline="0" dirty="0">
+                <a:ln>
+                  <a:noFill/>
+                </a:ln>
+                <a:solidFill>
+                  <a:srgbClr val="294B6B"/>
+                </a:solidFill>
+                <a:effectLst/>
+                <a:latin typeface="Arial" panose="020B0604020202020204" pitchFamily="34" charset="0"/>
+              </a:rPr>
+              <a:t> qua </a:t>
+            </a:r>
+            <a:r>
+              <a:rPr kumimoji="0" lang="en-US" altLang="en-US" sz="1800" b="0" i="0" u="none" strike="noStrike" cap="none" normalizeH="0" baseline="0" dirty="0" err="1">
+                <a:ln>
+                  <a:noFill/>
+                </a:ln>
+                <a:solidFill>
+                  <a:srgbClr val="294B6B"/>
+                </a:solidFill>
+                <a:effectLst/>
+                <a:latin typeface="Arial" panose="020B0604020202020204" pitchFamily="34" charset="0"/>
+              </a:rPr>
+              <a:t>các</a:t>
+            </a:r>
+            <a:r>
+              <a:rPr kumimoji="0" lang="en-US" altLang="en-US" sz="1800" b="0" i="0" u="none" strike="noStrike" cap="none" normalizeH="0" baseline="0" dirty="0">
+                <a:ln>
+                  <a:noFill/>
+                </a:ln>
+                <a:solidFill>
+                  <a:srgbClr val="294B6B"/>
+                </a:solidFill>
+                <a:effectLst/>
+                <a:latin typeface="Arial" panose="020B0604020202020204" pitchFamily="34" charset="0"/>
+              </a:rPr>
+              <a:t> </a:t>
+            </a:r>
+            <a:r>
+              <a:rPr kumimoji="0" lang="en-US" altLang="en-US" sz="1800" b="0" i="0" u="none" strike="noStrike" cap="none" normalizeH="0" baseline="0" dirty="0" err="1">
+                <a:ln>
+                  <a:noFill/>
+                </a:ln>
+                <a:solidFill>
+                  <a:srgbClr val="294B6B"/>
+                </a:solidFill>
+                <a:effectLst/>
+                <a:latin typeface="Arial" panose="020B0604020202020204" pitchFamily="34" charset="0"/>
+              </a:rPr>
+              <a:t>kịch</a:t>
+            </a:r>
+            <a:r>
+              <a:rPr kumimoji="0" lang="en-US" altLang="en-US" sz="1800" b="0" i="0" u="none" strike="noStrike" cap="none" normalizeH="0" baseline="0" dirty="0">
+                <a:ln>
+                  <a:noFill/>
+                </a:ln>
+                <a:solidFill>
+                  <a:srgbClr val="294B6B"/>
+                </a:solidFill>
+                <a:effectLst/>
+                <a:latin typeface="Arial" panose="020B0604020202020204" pitchFamily="34" charset="0"/>
+              </a:rPr>
+              <a:t> </a:t>
+            </a:r>
+            <a:r>
+              <a:rPr kumimoji="0" lang="en-US" altLang="en-US" sz="1800" b="0" i="0" u="none" strike="noStrike" cap="none" normalizeH="0" baseline="0" dirty="0" err="1">
+                <a:ln>
+                  <a:noFill/>
+                </a:ln>
+                <a:solidFill>
+                  <a:srgbClr val="294B6B"/>
+                </a:solidFill>
+                <a:effectLst/>
+                <a:latin typeface="Arial" panose="020B0604020202020204" pitchFamily="34" charset="0"/>
+              </a:rPr>
+              <a:t>bản</a:t>
+            </a:r>
+            <a:r>
+              <a:rPr kumimoji="0" lang="en-US" altLang="en-US" sz="1800" b="0" i="0" u="none" strike="noStrike" cap="none" normalizeH="0" baseline="0" dirty="0">
+                <a:ln>
+                  <a:noFill/>
+                </a:ln>
+                <a:solidFill>
+                  <a:srgbClr val="294B6B"/>
+                </a:solidFill>
+                <a:effectLst/>
+                <a:latin typeface="Arial" panose="020B0604020202020204" pitchFamily="34" charset="0"/>
+              </a:rPr>
+              <a:t> </a:t>
+            </a:r>
+            <a:r>
+              <a:rPr kumimoji="0" lang="en-US" altLang="en-US" sz="1800" b="0" i="0" u="none" strike="noStrike" cap="none" normalizeH="0" baseline="0" dirty="0" err="1">
+                <a:ln>
+                  <a:noFill/>
+                </a:ln>
+                <a:solidFill>
+                  <a:srgbClr val="294B6B"/>
+                </a:solidFill>
+                <a:effectLst/>
+                <a:latin typeface="Arial" panose="020B0604020202020204" pitchFamily="34" charset="0"/>
+              </a:rPr>
+              <a:t>kiểm</a:t>
+            </a:r>
+            <a:r>
+              <a:rPr kumimoji="0" lang="en-US" altLang="en-US" sz="1800" b="0" i="0" u="none" strike="noStrike" cap="none" normalizeH="0" baseline="0" dirty="0">
+                <a:ln>
+                  <a:noFill/>
+                </a:ln>
+                <a:solidFill>
+                  <a:srgbClr val="294B6B"/>
+                </a:solidFill>
+                <a:effectLst/>
+                <a:latin typeface="Arial" panose="020B0604020202020204" pitchFamily="34" charset="0"/>
+              </a:rPr>
+              <a:t> </a:t>
+            </a:r>
+            <a:r>
+              <a:rPr kumimoji="0" lang="en-US" altLang="en-US" sz="1800" b="0" i="0" u="none" strike="noStrike" cap="none" normalizeH="0" baseline="0" dirty="0" err="1">
+                <a:ln>
+                  <a:noFill/>
+                </a:ln>
+                <a:solidFill>
+                  <a:srgbClr val="294B6B"/>
+                </a:solidFill>
+                <a:effectLst/>
+                <a:latin typeface="Arial" panose="020B0604020202020204" pitchFamily="34" charset="0"/>
+              </a:rPr>
+              <a:t>thử</a:t>
+            </a:r>
+            <a:r>
+              <a:rPr kumimoji="0" lang="en-US" altLang="en-US" sz="1800" b="0" i="0" u="none" strike="noStrike" cap="none" normalizeH="0" baseline="0" dirty="0">
+                <a:ln>
+                  <a:noFill/>
+                </a:ln>
+                <a:solidFill>
+                  <a:srgbClr val="294B6B"/>
+                </a:solidFill>
+                <a:effectLst/>
+                <a:latin typeface="Arial" panose="020B0604020202020204" pitchFamily="34" charset="0"/>
+              </a:rPr>
+              <a:t> </a:t>
+            </a:r>
+            <a:r>
+              <a:rPr kumimoji="0" lang="en-US" altLang="en-US" sz="1800" b="0" i="0" u="none" strike="noStrike" cap="none" normalizeH="0" baseline="0" dirty="0" err="1">
+                <a:ln>
+                  <a:noFill/>
+                </a:ln>
+                <a:solidFill>
+                  <a:srgbClr val="294B6B"/>
+                </a:solidFill>
+                <a:effectLst/>
+                <a:latin typeface="Arial" panose="020B0604020202020204" pitchFamily="34" charset="0"/>
+              </a:rPr>
+              <a:t>tự</a:t>
+            </a:r>
+            <a:r>
+              <a:rPr kumimoji="0" lang="en-US" altLang="en-US" sz="1800" b="0" i="0" u="none" strike="noStrike" cap="none" normalizeH="0" baseline="0" dirty="0">
+                <a:ln>
+                  <a:noFill/>
+                </a:ln>
+                <a:solidFill>
+                  <a:srgbClr val="294B6B"/>
+                </a:solidFill>
+                <a:effectLst/>
+                <a:latin typeface="Arial" panose="020B0604020202020204" pitchFamily="34" charset="0"/>
+              </a:rPr>
+              <a:t> </a:t>
+            </a:r>
+            <a:r>
+              <a:rPr kumimoji="0" lang="en-US" altLang="en-US" sz="1800" b="0" i="0" u="none" strike="noStrike" cap="none" normalizeH="0" baseline="0" dirty="0" err="1">
+                <a:ln>
+                  <a:noFill/>
+                </a:ln>
+                <a:solidFill>
+                  <a:srgbClr val="294B6B"/>
+                </a:solidFill>
+                <a:effectLst/>
+                <a:latin typeface="Arial" panose="020B0604020202020204" pitchFamily="34" charset="0"/>
+              </a:rPr>
+              <a:t>động</a:t>
+            </a:r>
+            <a:r>
+              <a:rPr kumimoji="0" lang="en-US" altLang="en-US" sz="1800" b="0" i="0" u="none" strike="noStrike" cap="none" normalizeH="0" baseline="0" dirty="0">
+                <a:ln>
+                  <a:noFill/>
+                </a:ln>
+                <a:solidFill>
+                  <a:srgbClr val="294B6B"/>
+                </a:solidFill>
+                <a:effectLst/>
+                <a:latin typeface="Arial" panose="020B0604020202020204" pitchFamily="34" charset="0"/>
+              </a:rPr>
+              <a:t>.</a:t>
             </a:r>
           </a:p>
           <a:p>
@@ -5784,30 +6434,706 @@
               <a:tabLst/>
             </a:pPr>
             <a:r>
-              <a:rPr kumimoji="0" lang="en-US" altLang="en-US" sz="1800" b="1" i="0" u="none" strike="noStrike" cap="none" normalizeH="0" baseline="0">
-                <a:ln>
-                  <a:noFill/>
-                </a:ln>
-                <a:solidFill>
-                  <a:srgbClr val="294B6B"/>
-                </a:solidFill>
-                <a:effectLst/>
-                <a:latin typeface="Arial" panose="020B0604020202020204" pitchFamily="34" charset="0"/>
-              </a:rPr>
-              <a:t>Tiết kiệm thời gian và chi phí</a:t>
-            </a:r>
-            <a:r>
-              <a:rPr kumimoji="0" lang="en-US" altLang="en-US" sz="1800" b="0" i="0" u="none" strike="noStrike" cap="none" normalizeH="0" baseline="0">
-                <a:ln>
-                  <a:noFill/>
-                </a:ln>
-                <a:solidFill>
-                  <a:srgbClr val="294B6B"/>
-                </a:solidFill>
-                <a:effectLst/>
-                <a:latin typeface="Arial" panose="020B0604020202020204" pitchFamily="34" charset="0"/>
-              </a:rPr>
-              <a:t>: Nhờ tự động hóa, quá trình kiểm thử diễn ra nhanh chóng và hiệu quả hơn so với kiểm thử thủ công.</a:t>
+              <a:rPr kumimoji="0" lang="en-US" altLang="en-US" sz="1800" b="1" i="0" u="none" strike="noStrike" cap="none" normalizeH="0" baseline="0" dirty="0" err="1">
+                <a:ln>
+                  <a:noFill/>
+                </a:ln>
+                <a:solidFill>
+                  <a:srgbClr val="294B6B"/>
+                </a:solidFill>
+                <a:effectLst/>
+                <a:latin typeface="Arial" panose="020B0604020202020204" pitchFamily="34" charset="0"/>
+              </a:rPr>
+              <a:t>Tiết</a:t>
+            </a:r>
+            <a:r>
+              <a:rPr kumimoji="0" lang="en-US" altLang="en-US" sz="1800" b="1" i="0" u="none" strike="noStrike" cap="none" normalizeH="0" baseline="0" dirty="0">
+                <a:ln>
+                  <a:noFill/>
+                </a:ln>
+                <a:solidFill>
+                  <a:srgbClr val="294B6B"/>
+                </a:solidFill>
+                <a:effectLst/>
+                <a:latin typeface="Arial" panose="020B0604020202020204" pitchFamily="34" charset="0"/>
+              </a:rPr>
+              <a:t> </a:t>
+            </a:r>
+            <a:r>
+              <a:rPr kumimoji="0" lang="en-US" altLang="en-US" sz="1800" b="1" i="0" u="none" strike="noStrike" cap="none" normalizeH="0" baseline="0" dirty="0" err="1">
+                <a:ln>
+                  <a:noFill/>
+                </a:ln>
+                <a:solidFill>
+                  <a:srgbClr val="294B6B"/>
+                </a:solidFill>
+                <a:effectLst/>
+                <a:latin typeface="Arial" panose="020B0604020202020204" pitchFamily="34" charset="0"/>
+              </a:rPr>
+              <a:t>kiệm</a:t>
+            </a:r>
+            <a:r>
+              <a:rPr kumimoji="0" lang="en-US" altLang="en-US" sz="1800" b="1" i="0" u="none" strike="noStrike" cap="none" normalizeH="0" baseline="0" dirty="0">
+                <a:ln>
+                  <a:noFill/>
+                </a:ln>
+                <a:solidFill>
+                  <a:srgbClr val="294B6B"/>
+                </a:solidFill>
+                <a:effectLst/>
+                <a:latin typeface="Arial" panose="020B0604020202020204" pitchFamily="34" charset="0"/>
+              </a:rPr>
+              <a:t> </a:t>
+            </a:r>
+            <a:r>
+              <a:rPr kumimoji="0" lang="en-US" altLang="en-US" sz="1800" b="1" i="0" u="none" strike="noStrike" cap="none" normalizeH="0" baseline="0" dirty="0" err="1">
+                <a:ln>
+                  <a:noFill/>
+                </a:ln>
+                <a:solidFill>
+                  <a:srgbClr val="294B6B"/>
+                </a:solidFill>
+                <a:effectLst/>
+                <a:latin typeface="Arial" panose="020B0604020202020204" pitchFamily="34" charset="0"/>
+              </a:rPr>
+              <a:t>thời</a:t>
+            </a:r>
+            <a:r>
+              <a:rPr kumimoji="0" lang="en-US" altLang="en-US" sz="1800" b="1" i="0" u="none" strike="noStrike" cap="none" normalizeH="0" baseline="0" dirty="0">
+                <a:ln>
+                  <a:noFill/>
+                </a:ln>
+                <a:solidFill>
+                  <a:srgbClr val="294B6B"/>
+                </a:solidFill>
+                <a:effectLst/>
+                <a:latin typeface="Arial" panose="020B0604020202020204" pitchFamily="34" charset="0"/>
+              </a:rPr>
+              <a:t> </a:t>
+            </a:r>
+            <a:r>
+              <a:rPr kumimoji="0" lang="en-US" altLang="en-US" sz="1800" b="1" i="0" u="none" strike="noStrike" cap="none" normalizeH="0" baseline="0" dirty="0" err="1">
+                <a:ln>
+                  <a:noFill/>
+                </a:ln>
+                <a:solidFill>
+                  <a:srgbClr val="294B6B"/>
+                </a:solidFill>
+                <a:effectLst/>
+                <a:latin typeface="Arial" panose="020B0604020202020204" pitchFamily="34" charset="0"/>
+              </a:rPr>
+              <a:t>gian</a:t>
+            </a:r>
+            <a:r>
+              <a:rPr kumimoji="0" lang="en-US" altLang="en-US" sz="1800" b="1" i="0" u="none" strike="noStrike" cap="none" normalizeH="0" baseline="0" dirty="0">
+                <a:ln>
+                  <a:noFill/>
+                </a:ln>
+                <a:solidFill>
+                  <a:srgbClr val="294B6B"/>
+                </a:solidFill>
+                <a:effectLst/>
+                <a:latin typeface="Arial" panose="020B0604020202020204" pitchFamily="34" charset="0"/>
+              </a:rPr>
+              <a:t> </a:t>
+            </a:r>
+            <a:r>
+              <a:rPr kumimoji="0" lang="en-US" altLang="en-US" sz="1800" b="1" i="0" u="none" strike="noStrike" cap="none" normalizeH="0" baseline="0" dirty="0" err="1">
+                <a:ln>
+                  <a:noFill/>
+                </a:ln>
+                <a:solidFill>
+                  <a:srgbClr val="294B6B"/>
+                </a:solidFill>
+                <a:effectLst/>
+                <a:latin typeface="Arial" panose="020B0604020202020204" pitchFamily="34" charset="0"/>
+              </a:rPr>
+              <a:t>và</a:t>
+            </a:r>
+            <a:r>
+              <a:rPr kumimoji="0" lang="en-US" altLang="en-US" sz="1800" b="1" i="0" u="none" strike="noStrike" cap="none" normalizeH="0" baseline="0" dirty="0">
+                <a:ln>
+                  <a:noFill/>
+                </a:ln>
+                <a:solidFill>
+                  <a:srgbClr val="294B6B"/>
+                </a:solidFill>
+                <a:effectLst/>
+                <a:latin typeface="Arial" panose="020B0604020202020204" pitchFamily="34" charset="0"/>
+              </a:rPr>
+              <a:t> chi </a:t>
+            </a:r>
+            <a:r>
+              <a:rPr kumimoji="0" lang="en-US" altLang="en-US" sz="1800" b="1" i="0" u="none" strike="noStrike" cap="none" normalizeH="0" baseline="0" dirty="0" err="1">
+                <a:ln>
+                  <a:noFill/>
+                </a:ln>
+                <a:solidFill>
+                  <a:srgbClr val="294B6B"/>
+                </a:solidFill>
+                <a:effectLst/>
+                <a:latin typeface="Arial" panose="020B0604020202020204" pitchFamily="34" charset="0"/>
+              </a:rPr>
+              <a:t>phí</a:t>
+            </a:r>
+            <a:r>
+              <a:rPr kumimoji="0" lang="en-US" altLang="en-US" sz="1800" b="0" i="0" u="none" strike="noStrike" cap="none" normalizeH="0" baseline="0" dirty="0">
+                <a:ln>
+                  <a:noFill/>
+                </a:ln>
+                <a:solidFill>
+                  <a:srgbClr val="294B6B"/>
+                </a:solidFill>
+                <a:effectLst/>
+                <a:latin typeface="Arial" panose="020B0604020202020204" pitchFamily="34" charset="0"/>
+              </a:rPr>
+              <a:t>: </a:t>
+            </a:r>
+            <a:r>
+              <a:rPr kumimoji="0" lang="en-US" altLang="en-US" sz="1800" b="0" i="0" u="none" strike="noStrike" cap="none" normalizeH="0" baseline="0" dirty="0" err="1">
+                <a:ln>
+                  <a:noFill/>
+                </a:ln>
+                <a:solidFill>
+                  <a:srgbClr val="294B6B"/>
+                </a:solidFill>
+                <a:effectLst/>
+                <a:latin typeface="Arial" panose="020B0604020202020204" pitchFamily="34" charset="0"/>
+              </a:rPr>
+              <a:t>Nhờ</a:t>
+            </a:r>
+            <a:r>
+              <a:rPr kumimoji="0" lang="en-US" altLang="en-US" sz="1800" b="0" i="0" u="none" strike="noStrike" cap="none" normalizeH="0" baseline="0" dirty="0">
+                <a:ln>
+                  <a:noFill/>
+                </a:ln>
+                <a:solidFill>
+                  <a:srgbClr val="294B6B"/>
+                </a:solidFill>
+                <a:effectLst/>
+                <a:latin typeface="Arial" panose="020B0604020202020204" pitchFamily="34" charset="0"/>
+              </a:rPr>
+              <a:t> </a:t>
+            </a:r>
+            <a:r>
+              <a:rPr kumimoji="0" lang="en-US" altLang="en-US" sz="1800" b="0" i="0" u="none" strike="noStrike" cap="none" normalizeH="0" baseline="0" dirty="0" err="1">
+                <a:ln>
+                  <a:noFill/>
+                </a:ln>
+                <a:solidFill>
+                  <a:srgbClr val="294B6B"/>
+                </a:solidFill>
+                <a:effectLst/>
+                <a:latin typeface="Arial" panose="020B0604020202020204" pitchFamily="34" charset="0"/>
+              </a:rPr>
+              <a:t>tự</a:t>
+            </a:r>
+            <a:r>
+              <a:rPr kumimoji="0" lang="en-US" altLang="en-US" sz="1800" b="0" i="0" u="none" strike="noStrike" cap="none" normalizeH="0" baseline="0" dirty="0">
+                <a:ln>
+                  <a:noFill/>
+                </a:ln>
+                <a:solidFill>
+                  <a:srgbClr val="294B6B"/>
+                </a:solidFill>
+                <a:effectLst/>
+                <a:latin typeface="Arial" panose="020B0604020202020204" pitchFamily="34" charset="0"/>
+              </a:rPr>
+              <a:t> </a:t>
+            </a:r>
+            <a:r>
+              <a:rPr kumimoji="0" lang="en-US" altLang="en-US" sz="1800" b="0" i="0" u="none" strike="noStrike" cap="none" normalizeH="0" baseline="0" dirty="0" err="1">
+                <a:ln>
+                  <a:noFill/>
+                </a:ln>
+                <a:solidFill>
+                  <a:srgbClr val="294B6B"/>
+                </a:solidFill>
+                <a:effectLst/>
+                <a:latin typeface="Arial" panose="020B0604020202020204" pitchFamily="34" charset="0"/>
+              </a:rPr>
+              <a:t>động</a:t>
+            </a:r>
+            <a:r>
+              <a:rPr kumimoji="0" lang="en-US" altLang="en-US" sz="1800" b="0" i="0" u="none" strike="noStrike" cap="none" normalizeH="0" baseline="0" dirty="0">
+                <a:ln>
+                  <a:noFill/>
+                </a:ln>
+                <a:solidFill>
+                  <a:srgbClr val="294B6B"/>
+                </a:solidFill>
+                <a:effectLst/>
+                <a:latin typeface="Arial" panose="020B0604020202020204" pitchFamily="34" charset="0"/>
+              </a:rPr>
+              <a:t> </a:t>
+            </a:r>
+            <a:r>
+              <a:rPr kumimoji="0" lang="en-US" altLang="en-US" sz="1800" b="0" i="0" u="none" strike="noStrike" cap="none" normalizeH="0" baseline="0" dirty="0" err="1">
+                <a:ln>
+                  <a:noFill/>
+                </a:ln>
+                <a:solidFill>
+                  <a:srgbClr val="294B6B"/>
+                </a:solidFill>
+                <a:effectLst/>
+                <a:latin typeface="Arial" panose="020B0604020202020204" pitchFamily="34" charset="0"/>
+              </a:rPr>
+              <a:t>hóa</a:t>
+            </a:r>
+            <a:r>
+              <a:rPr kumimoji="0" lang="en-US" altLang="en-US" sz="1800" b="0" i="0" u="none" strike="noStrike" cap="none" normalizeH="0" baseline="0" dirty="0">
+                <a:ln>
+                  <a:noFill/>
+                </a:ln>
+                <a:solidFill>
+                  <a:srgbClr val="294B6B"/>
+                </a:solidFill>
+                <a:effectLst/>
+                <a:latin typeface="Arial" panose="020B0604020202020204" pitchFamily="34" charset="0"/>
+              </a:rPr>
+              <a:t>, </a:t>
+            </a:r>
+            <a:r>
+              <a:rPr kumimoji="0" lang="en-US" altLang="en-US" sz="1800" b="0" i="0" u="none" strike="noStrike" cap="none" normalizeH="0" baseline="0" dirty="0" err="1">
+                <a:ln>
+                  <a:noFill/>
+                </a:ln>
+                <a:solidFill>
+                  <a:srgbClr val="294B6B"/>
+                </a:solidFill>
+                <a:effectLst/>
+                <a:latin typeface="Arial" panose="020B0604020202020204" pitchFamily="34" charset="0"/>
+              </a:rPr>
+              <a:t>quá</a:t>
+            </a:r>
+            <a:r>
+              <a:rPr kumimoji="0" lang="en-US" altLang="en-US" sz="1800" b="0" i="0" u="none" strike="noStrike" cap="none" normalizeH="0" baseline="0" dirty="0">
+                <a:ln>
+                  <a:noFill/>
+                </a:ln>
+                <a:solidFill>
+                  <a:srgbClr val="294B6B"/>
+                </a:solidFill>
+                <a:effectLst/>
+                <a:latin typeface="Arial" panose="020B0604020202020204" pitchFamily="34" charset="0"/>
+              </a:rPr>
+              <a:t> </a:t>
+            </a:r>
+            <a:r>
+              <a:rPr kumimoji="0" lang="en-US" altLang="en-US" sz="1800" b="0" i="0" u="none" strike="noStrike" cap="none" normalizeH="0" baseline="0" dirty="0" err="1">
+                <a:ln>
+                  <a:noFill/>
+                </a:ln>
+                <a:solidFill>
+                  <a:srgbClr val="294B6B"/>
+                </a:solidFill>
+                <a:effectLst/>
+                <a:latin typeface="Arial" panose="020B0604020202020204" pitchFamily="34" charset="0"/>
+              </a:rPr>
+              <a:t>trình</a:t>
+            </a:r>
+            <a:r>
+              <a:rPr kumimoji="0" lang="en-US" altLang="en-US" sz="1800" b="0" i="0" u="none" strike="noStrike" cap="none" normalizeH="0" baseline="0" dirty="0">
+                <a:ln>
+                  <a:noFill/>
+                </a:ln>
+                <a:solidFill>
+                  <a:srgbClr val="294B6B"/>
+                </a:solidFill>
+                <a:effectLst/>
+                <a:latin typeface="Arial" panose="020B0604020202020204" pitchFamily="34" charset="0"/>
+              </a:rPr>
+              <a:t> </a:t>
+            </a:r>
+            <a:r>
+              <a:rPr kumimoji="0" lang="en-US" altLang="en-US" sz="1800" b="0" i="0" u="none" strike="noStrike" cap="none" normalizeH="0" baseline="0" dirty="0" err="1">
+                <a:ln>
+                  <a:noFill/>
+                </a:ln>
+                <a:solidFill>
+                  <a:srgbClr val="294B6B"/>
+                </a:solidFill>
+                <a:effectLst/>
+                <a:latin typeface="Arial" panose="020B0604020202020204" pitchFamily="34" charset="0"/>
+              </a:rPr>
+              <a:t>kiểm</a:t>
+            </a:r>
+            <a:r>
+              <a:rPr kumimoji="0" lang="en-US" altLang="en-US" sz="1800" b="0" i="0" u="none" strike="noStrike" cap="none" normalizeH="0" baseline="0" dirty="0">
+                <a:ln>
+                  <a:noFill/>
+                </a:ln>
+                <a:solidFill>
+                  <a:srgbClr val="294B6B"/>
+                </a:solidFill>
+                <a:effectLst/>
+                <a:latin typeface="Arial" panose="020B0604020202020204" pitchFamily="34" charset="0"/>
+              </a:rPr>
+              <a:t> </a:t>
+            </a:r>
+            <a:r>
+              <a:rPr kumimoji="0" lang="en-US" altLang="en-US" sz="1800" b="0" i="0" u="none" strike="noStrike" cap="none" normalizeH="0" baseline="0" dirty="0" err="1">
+                <a:ln>
+                  <a:noFill/>
+                </a:ln>
+                <a:solidFill>
+                  <a:srgbClr val="294B6B"/>
+                </a:solidFill>
+                <a:effectLst/>
+                <a:latin typeface="Arial" panose="020B0604020202020204" pitchFamily="34" charset="0"/>
+              </a:rPr>
+              <a:t>thử</a:t>
+            </a:r>
+            <a:r>
+              <a:rPr kumimoji="0" lang="en-US" altLang="en-US" sz="1800" b="0" i="0" u="none" strike="noStrike" cap="none" normalizeH="0" baseline="0" dirty="0">
+                <a:ln>
+                  <a:noFill/>
+                </a:ln>
+                <a:solidFill>
+                  <a:srgbClr val="294B6B"/>
+                </a:solidFill>
+                <a:effectLst/>
+                <a:latin typeface="Arial" panose="020B0604020202020204" pitchFamily="34" charset="0"/>
+              </a:rPr>
+              <a:t> </a:t>
+            </a:r>
+            <a:r>
+              <a:rPr kumimoji="0" lang="en-US" altLang="en-US" sz="1800" b="0" i="0" u="none" strike="noStrike" cap="none" normalizeH="0" baseline="0" dirty="0" err="1">
+                <a:ln>
+                  <a:noFill/>
+                </a:ln>
+                <a:solidFill>
+                  <a:srgbClr val="294B6B"/>
+                </a:solidFill>
+                <a:effectLst/>
+                <a:latin typeface="Arial" panose="020B0604020202020204" pitchFamily="34" charset="0"/>
+              </a:rPr>
+              <a:t>diễn</a:t>
+            </a:r>
+            <a:r>
+              <a:rPr kumimoji="0" lang="en-US" altLang="en-US" sz="1800" b="0" i="0" u="none" strike="noStrike" cap="none" normalizeH="0" baseline="0" dirty="0">
+                <a:ln>
+                  <a:noFill/>
+                </a:ln>
+                <a:solidFill>
+                  <a:srgbClr val="294B6B"/>
+                </a:solidFill>
+                <a:effectLst/>
+                <a:latin typeface="Arial" panose="020B0604020202020204" pitchFamily="34" charset="0"/>
+              </a:rPr>
+              <a:t> </a:t>
+            </a:r>
+            <a:r>
+              <a:rPr kumimoji="0" lang="en-US" altLang="en-US" sz="1800" b="0" i="0" u="none" strike="noStrike" cap="none" normalizeH="0" baseline="0" dirty="0" err="1">
+                <a:ln>
+                  <a:noFill/>
+                </a:ln>
+                <a:solidFill>
+                  <a:srgbClr val="294B6B"/>
+                </a:solidFill>
+                <a:effectLst/>
+                <a:latin typeface="Arial" panose="020B0604020202020204" pitchFamily="34" charset="0"/>
+              </a:rPr>
+              <a:t>ra</a:t>
+            </a:r>
+            <a:r>
+              <a:rPr kumimoji="0" lang="en-US" altLang="en-US" sz="1800" b="0" i="0" u="none" strike="noStrike" cap="none" normalizeH="0" baseline="0" dirty="0">
+                <a:ln>
+                  <a:noFill/>
+                </a:ln>
+                <a:solidFill>
+                  <a:srgbClr val="294B6B"/>
+                </a:solidFill>
+                <a:effectLst/>
+                <a:latin typeface="Arial" panose="020B0604020202020204" pitchFamily="34" charset="0"/>
+              </a:rPr>
+              <a:t> </a:t>
+            </a:r>
+            <a:r>
+              <a:rPr kumimoji="0" lang="en-US" altLang="en-US" sz="1800" b="0" i="0" u="none" strike="noStrike" cap="none" normalizeH="0" baseline="0" dirty="0" err="1">
+                <a:ln>
+                  <a:noFill/>
+                </a:ln>
+                <a:solidFill>
+                  <a:srgbClr val="294B6B"/>
+                </a:solidFill>
+                <a:effectLst/>
+                <a:latin typeface="Arial" panose="020B0604020202020204" pitchFamily="34" charset="0"/>
+              </a:rPr>
+              <a:t>nhanh</a:t>
+            </a:r>
+            <a:r>
+              <a:rPr kumimoji="0" lang="en-US" altLang="en-US" sz="1800" b="0" i="0" u="none" strike="noStrike" cap="none" normalizeH="0" baseline="0" dirty="0">
+                <a:ln>
+                  <a:noFill/>
+                </a:ln>
+                <a:solidFill>
+                  <a:srgbClr val="294B6B"/>
+                </a:solidFill>
+                <a:effectLst/>
+                <a:latin typeface="Arial" panose="020B0604020202020204" pitchFamily="34" charset="0"/>
+              </a:rPr>
+              <a:t> </a:t>
+            </a:r>
+            <a:r>
+              <a:rPr kumimoji="0" lang="en-US" altLang="en-US" sz="1800" b="0" i="0" u="none" strike="noStrike" cap="none" normalizeH="0" baseline="0" dirty="0" err="1">
+                <a:ln>
+                  <a:noFill/>
+                </a:ln>
+                <a:solidFill>
+                  <a:srgbClr val="294B6B"/>
+                </a:solidFill>
+                <a:effectLst/>
+                <a:latin typeface="Arial" panose="020B0604020202020204" pitchFamily="34" charset="0"/>
+              </a:rPr>
+              <a:t>chóng</a:t>
+            </a:r>
+            <a:r>
+              <a:rPr kumimoji="0" lang="en-US" altLang="en-US" sz="1800" b="0" i="0" u="none" strike="noStrike" cap="none" normalizeH="0" baseline="0" dirty="0">
+                <a:ln>
+                  <a:noFill/>
+                </a:ln>
+                <a:solidFill>
+                  <a:srgbClr val="294B6B"/>
+                </a:solidFill>
+                <a:effectLst/>
+                <a:latin typeface="Arial" panose="020B0604020202020204" pitchFamily="34" charset="0"/>
+              </a:rPr>
+              <a:t> </a:t>
+            </a:r>
+            <a:r>
+              <a:rPr kumimoji="0" lang="en-US" altLang="en-US" sz="1800" b="0" i="0" u="none" strike="noStrike" cap="none" normalizeH="0" baseline="0" dirty="0" err="1">
+                <a:ln>
+                  <a:noFill/>
+                </a:ln>
+                <a:solidFill>
+                  <a:srgbClr val="294B6B"/>
+                </a:solidFill>
+                <a:effectLst/>
+                <a:latin typeface="Arial" panose="020B0604020202020204" pitchFamily="34" charset="0"/>
+              </a:rPr>
+              <a:t>và</a:t>
+            </a:r>
+            <a:r>
+              <a:rPr kumimoji="0" lang="en-US" altLang="en-US" sz="1800" b="0" i="0" u="none" strike="noStrike" cap="none" normalizeH="0" baseline="0" dirty="0">
+                <a:ln>
+                  <a:noFill/>
+                </a:ln>
+                <a:solidFill>
+                  <a:srgbClr val="294B6B"/>
+                </a:solidFill>
+                <a:effectLst/>
+                <a:latin typeface="Arial" panose="020B0604020202020204" pitchFamily="34" charset="0"/>
+              </a:rPr>
+              <a:t> </a:t>
+            </a:r>
+            <a:r>
+              <a:rPr kumimoji="0" lang="en-US" altLang="en-US" sz="1800" b="0" i="0" u="none" strike="noStrike" cap="none" normalizeH="0" baseline="0" dirty="0" err="1">
+                <a:ln>
+                  <a:noFill/>
+                </a:ln>
+                <a:solidFill>
+                  <a:srgbClr val="294B6B"/>
+                </a:solidFill>
+                <a:effectLst/>
+                <a:latin typeface="Arial" panose="020B0604020202020204" pitchFamily="34" charset="0"/>
+              </a:rPr>
+              <a:t>hiệu</a:t>
+            </a:r>
+            <a:r>
+              <a:rPr kumimoji="0" lang="en-US" altLang="en-US" sz="1800" b="0" i="0" u="none" strike="noStrike" cap="none" normalizeH="0" baseline="0" dirty="0">
+                <a:ln>
+                  <a:noFill/>
+                </a:ln>
+                <a:solidFill>
+                  <a:srgbClr val="294B6B"/>
+                </a:solidFill>
+                <a:effectLst/>
+                <a:latin typeface="Arial" panose="020B0604020202020204" pitchFamily="34" charset="0"/>
+              </a:rPr>
+              <a:t> </a:t>
+            </a:r>
+            <a:r>
+              <a:rPr kumimoji="0" lang="en-US" altLang="en-US" sz="1800" b="0" i="0" u="none" strike="noStrike" cap="none" normalizeH="0" baseline="0" dirty="0" err="1">
+                <a:ln>
+                  <a:noFill/>
+                </a:ln>
+                <a:solidFill>
+                  <a:srgbClr val="294B6B"/>
+                </a:solidFill>
+                <a:effectLst/>
+                <a:latin typeface="Arial" panose="020B0604020202020204" pitchFamily="34" charset="0"/>
+              </a:rPr>
+              <a:t>quả</a:t>
+            </a:r>
+            <a:r>
+              <a:rPr kumimoji="0" lang="en-US" altLang="en-US" sz="1800" b="0" i="0" u="none" strike="noStrike" cap="none" normalizeH="0" baseline="0" dirty="0">
+                <a:ln>
+                  <a:noFill/>
+                </a:ln>
+                <a:solidFill>
+                  <a:srgbClr val="294B6B"/>
+                </a:solidFill>
+                <a:effectLst/>
+                <a:latin typeface="Arial" panose="020B0604020202020204" pitchFamily="34" charset="0"/>
+              </a:rPr>
+              <a:t> </a:t>
+            </a:r>
+            <a:r>
+              <a:rPr kumimoji="0" lang="en-US" altLang="en-US" sz="1800" b="0" i="0" u="none" strike="noStrike" cap="none" normalizeH="0" baseline="0" dirty="0" err="1">
+                <a:ln>
+                  <a:noFill/>
+                </a:ln>
+                <a:solidFill>
+                  <a:srgbClr val="294B6B"/>
+                </a:solidFill>
+                <a:effectLst/>
+                <a:latin typeface="Arial" panose="020B0604020202020204" pitchFamily="34" charset="0"/>
+              </a:rPr>
+              <a:t>hơn</a:t>
+            </a:r>
+            <a:r>
+              <a:rPr kumimoji="0" lang="en-US" altLang="en-US" sz="1800" b="0" i="0" u="none" strike="noStrike" cap="none" normalizeH="0" baseline="0" dirty="0">
+                <a:ln>
+                  <a:noFill/>
+                </a:ln>
+                <a:solidFill>
+                  <a:srgbClr val="294B6B"/>
+                </a:solidFill>
+                <a:effectLst/>
+                <a:latin typeface="Arial" panose="020B0604020202020204" pitchFamily="34" charset="0"/>
+              </a:rPr>
+              <a:t> so </a:t>
+            </a:r>
+            <a:r>
+              <a:rPr kumimoji="0" lang="en-US" altLang="en-US" sz="1800" b="0" i="0" u="none" strike="noStrike" cap="none" normalizeH="0" baseline="0" dirty="0" err="1">
+                <a:ln>
+                  <a:noFill/>
+                </a:ln>
+                <a:solidFill>
+                  <a:srgbClr val="294B6B"/>
+                </a:solidFill>
+                <a:effectLst/>
+                <a:latin typeface="Arial" panose="020B0604020202020204" pitchFamily="34" charset="0"/>
+              </a:rPr>
+              <a:t>với</a:t>
+            </a:r>
+            <a:r>
+              <a:rPr kumimoji="0" lang="en-US" altLang="en-US" sz="1800" b="0" i="0" u="none" strike="noStrike" cap="none" normalizeH="0" baseline="0" dirty="0">
+                <a:ln>
+                  <a:noFill/>
+                </a:ln>
+                <a:solidFill>
+                  <a:srgbClr val="294B6B"/>
+                </a:solidFill>
+                <a:effectLst/>
+                <a:latin typeface="Arial" panose="020B0604020202020204" pitchFamily="34" charset="0"/>
+              </a:rPr>
+              <a:t> </a:t>
+            </a:r>
+            <a:r>
+              <a:rPr kumimoji="0" lang="en-US" altLang="en-US" sz="1800" b="0" i="0" u="none" strike="noStrike" cap="none" normalizeH="0" baseline="0" dirty="0" err="1">
+                <a:ln>
+                  <a:noFill/>
+                </a:ln>
+                <a:solidFill>
+                  <a:srgbClr val="294B6B"/>
+                </a:solidFill>
+                <a:effectLst/>
+                <a:latin typeface="Arial" panose="020B0604020202020204" pitchFamily="34" charset="0"/>
+              </a:rPr>
+              <a:t>kiểm</a:t>
+            </a:r>
+            <a:r>
+              <a:rPr kumimoji="0" lang="en-US" altLang="en-US" sz="1800" b="0" i="0" u="none" strike="noStrike" cap="none" normalizeH="0" baseline="0" dirty="0">
+                <a:ln>
+                  <a:noFill/>
+                </a:ln>
+                <a:solidFill>
+                  <a:srgbClr val="294B6B"/>
+                </a:solidFill>
+                <a:effectLst/>
+                <a:latin typeface="Arial" panose="020B0604020202020204" pitchFamily="34" charset="0"/>
+              </a:rPr>
+              <a:t> </a:t>
+            </a:r>
+            <a:r>
+              <a:rPr kumimoji="0" lang="en-US" altLang="en-US" sz="1800" b="0" i="0" u="none" strike="noStrike" cap="none" normalizeH="0" baseline="0" dirty="0" err="1">
+                <a:ln>
+                  <a:noFill/>
+                </a:ln>
+                <a:solidFill>
+                  <a:srgbClr val="294B6B"/>
+                </a:solidFill>
+                <a:effectLst/>
+                <a:latin typeface="Arial" panose="020B0604020202020204" pitchFamily="34" charset="0"/>
+              </a:rPr>
+              <a:t>thử</a:t>
+            </a:r>
+            <a:r>
+              <a:rPr kumimoji="0" lang="en-US" altLang="en-US" sz="1800" b="0" i="0" u="none" strike="noStrike" cap="none" normalizeH="0" baseline="0" dirty="0">
+                <a:ln>
+                  <a:noFill/>
+                </a:ln>
+                <a:solidFill>
+                  <a:srgbClr val="294B6B"/>
+                </a:solidFill>
+                <a:effectLst/>
+                <a:latin typeface="Arial" panose="020B0604020202020204" pitchFamily="34" charset="0"/>
+              </a:rPr>
+              <a:t> </a:t>
+            </a:r>
+            <a:r>
+              <a:rPr kumimoji="0" lang="en-US" altLang="en-US" sz="1800" b="0" i="0" u="none" strike="noStrike" cap="none" normalizeH="0" baseline="0" dirty="0" err="1">
+                <a:ln>
+                  <a:noFill/>
+                </a:ln>
+                <a:solidFill>
+                  <a:srgbClr val="294B6B"/>
+                </a:solidFill>
+                <a:effectLst/>
+                <a:latin typeface="Arial" panose="020B0604020202020204" pitchFamily="34" charset="0"/>
+              </a:rPr>
+              <a:t>thủ</a:t>
+            </a:r>
+            <a:r>
+              <a:rPr kumimoji="0" lang="en-US" altLang="en-US" sz="1800" b="0" i="0" u="none" strike="noStrike" cap="none" normalizeH="0" baseline="0" dirty="0">
+                <a:ln>
+                  <a:noFill/>
+                </a:ln>
+                <a:solidFill>
+                  <a:srgbClr val="294B6B"/>
+                </a:solidFill>
+                <a:effectLst/>
+                <a:latin typeface="Arial" panose="020B0604020202020204" pitchFamily="34" charset="0"/>
+              </a:rPr>
+              <a:t> </a:t>
+            </a:r>
+            <a:r>
+              <a:rPr kumimoji="0" lang="en-US" altLang="en-US" sz="1800" b="0" i="0" u="none" strike="noStrike" cap="none" normalizeH="0" baseline="0" dirty="0" err="1">
+                <a:ln>
+                  <a:noFill/>
+                </a:ln>
+                <a:solidFill>
+                  <a:srgbClr val="294B6B"/>
+                </a:solidFill>
+                <a:effectLst/>
+                <a:latin typeface="Arial" panose="020B0604020202020204" pitchFamily="34" charset="0"/>
+              </a:rPr>
+              <a:t>công</a:t>
+            </a:r>
+            <a:r>
+              <a:rPr kumimoji="0" lang="en-US" altLang="en-US" sz="1800" b="0" i="0" u="none" strike="noStrike" cap="none" normalizeH="0" baseline="0" dirty="0">
+                <a:ln>
+                  <a:noFill/>
+                </a:ln>
+                <a:solidFill>
+                  <a:srgbClr val="294B6B"/>
+                </a:solidFill>
+                <a:effectLst/>
+                <a:latin typeface="Arial" panose="020B0604020202020204" pitchFamily="34" charset="0"/>
+              </a:rPr>
+              <a:t>.</a:t>
             </a:r>
           </a:p>
           <a:p>
@@ -5828,6 +7154,71 @@
               <a:tabLst/>
             </a:pPr>
             <a:r>
+              <a:rPr kumimoji="0" lang="en-US" altLang="en-US" sz="1800" b="1" i="0" u="none" strike="noStrike" cap="none" normalizeH="0" baseline="0" dirty="0" err="1">
+                <a:ln>
+                  <a:noFill/>
+                </a:ln>
+                <a:solidFill>
+                  <a:srgbClr val="294B6B"/>
+                </a:solidFill>
+                <a:effectLst/>
+                <a:latin typeface="Arial" panose="020B0604020202020204" pitchFamily="34" charset="0"/>
+              </a:rPr>
+              <a:t>Hỗ</a:t>
+            </a:r>
+            <a:r>
+              <a:rPr kumimoji="0" lang="en-US" altLang="en-US" sz="1800" b="1" i="0" u="none" strike="noStrike" cap="none" normalizeH="0" baseline="0" dirty="0">
+                <a:ln>
+                  <a:noFill/>
+                </a:ln>
+                <a:solidFill>
+                  <a:srgbClr val="294B6B"/>
+                </a:solidFill>
+                <a:effectLst/>
+                <a:latin typeface="Arial" panose="020B0604020202020204" pitchFamily="34" charset="0"/>
+              </a:rPr>
+              <a:t> </a:t>
+            </a:r>
+            <a:r>
+              <a:rPr kumimoji="0" lang="en-US" altLang="en-US" sz="1800" b="1" i="0" u="none" strike="noStrike" cap="none" normalizeH="0" baseline="0" dirty="0" err="1">
+                <a:ln>
+                  <a:noFill/>
+                </a:ln>
+                <a:solidFill>
+                  <a:srgbClr val="294B6B"/>
+                </a:solidFill>
+                <a:effectLst/>
+                <a:latin typeface="Arial" panose="020B0604020202020204" pitchFamily="34" charset="0"/>
+              </a:rPr>
+              <a:t>trợ</a:t>
+            </a:r>
+            <a:r>
+              <a:rPr kumimoji="0" lang="en-US" altLang="en-US" sz="1800" b="1" i="0" u="none" strike="noStrike" cap="none" normalizeH="0" baseline="0" dirty="0">
+                <a:ln>
+                  <a:noFill/>
+                </a:ln>
+                <a:solidFill>
+                  <a:srgbClr val="294B6B"/>
+                </a:solidFill>
+                <a:effectLst/>
+                <a:latin typeface="Arial" panose="020B0604020202020204" pitchFamily="34" charset="0"/>
+              </a:rPr>
+              <a:t> </a:t>
+            </a:r>
+            <a:r>
+              <a:rPr kumimoji="0" lang="en-US" altLang="en-US" sz="1800" b="1" i="0" u="none" strike="noStrike" cap="none" normalizeH="0" baseline="0" dirty="0" err="1">
+                <a:ln>
+                  <a:noFill/>
+                </a:ln>
+                <a:solidFill>
+                  <a:srgbClr val="294B6B"/>
+                </a:solidFill>
+                <a:effectLst/>
+                <a:latin typeface="Arial" panose="020B0604020202020204" pitchFamily="34" charset="0"/>
+              </a:rPr>
+              <a:t>đa</a:t>
+            </a:r>
+            <a:r>
               <a:rPr kumimoji="0" lang="en-US" altLang="en-US" sz="1800" b="1" i="0" u="none" strike="noStrike" cap="none" normalizeH="0" baseline="0">
                 <a:ln>
                   <a:noFill/>
@@ -5838,20 +7229,540 @@
                 <a:effectLst/>
                 <a:latin typeface="Arial" panose="020B0604020202020204" pitchFamily="34" charset="0"/>
               </a:rPr>
-              <a:t>Hỗ trợ đa nền tảng</a:t>
-            </a:r>
-            <a:r>
-              <a:rPr kumimoji="0" lang="en-US" altLang="en-US" sz="1800" b="0" i="0" u="none" strike="noStrike" cap="none" normalizeH="0" baseline="0">
-                <a:ln>
-                  <a:noFill/>
-                </a:ln>
-                <a:solidFill>
-                  <a:srgbClr val="294B6B"/>
-                </a:solidFill>
-                <a:effectLst/>
-                <a:latin typeface="Arial" panose="020B0604020202020204" pitchFamily="34" charset="0"/>
-              </a:rPr>
-              <a:t>: Tương thích với các hệ điều hành như Windows, macOS, và Linux, phù hợp với nhiều môi trường phát triển khác nhau. </a:t>
+              <a:t> nền</a:t>
+            </a:r>
+            <a:r>
+              <a:rPr kumimoji="0" lang="en-US" altLang="en-US" sz="1800" b="1" i="0" u="none" strike="noStrike" cap="none" normalizeH="0" baseline="0" dirty="0">
+                <a:ln>
+                  <a:noFill/>
+                </a:ln>
+                <a:solidFill>
+                  <a:srgbClr val="294B6B"/>
+                </a:solidFill>
+                <a:effectLst/>
+                <a:latin typeface="Arial" panose="020B0604020202020204" pitchFamily="34" charset="0"/>
+              </a:rPr>
+              <a:t> </a:t>
+            </a:r>
+            <a:r>
+              <a:rPr kumimoji="0" lang="en-US" altLang="en-US" sz="1800" b="1" i="0" u="none" strike="noStrike" cap="none" normalizeH="0" baseline="0" dirty="0" err="1">
+                <a:ln>
+                  <a:noFill/>
+                </a:ln>
+                <a:solidFill>
+                  <a:srgbClr val="294B6B"/>
+                </a:solidFill>
+                <a:effectLst/>
+                <a:latin typeface="Arial" panose="020B0604020202020204" pitchFamily="34" charset="0"/>
+              </a:rPr>
+              <a:t>tảng</a:t>
+            </a:r>
+            <a:r>
+              <a:rPr kumimoji="0" lang="en-US" altLang="en-US" sz="1800" b="0" i="0" u="none" strike="noStrike" cap="none" normalizeH="0" baseline="0" dirty="0">
+                <a:ln>
+                  <a:noFill/>
+                </a:ln>
+                <a:solidFill>
+                  <a:srgbClr val="294B6B"/>
+                </a:solidFill>
+                <a:effectLst/>
+                <a:latin typeface="Arial" panose="020B0604020202020204" pitchFamily="34" charset="0"/>
+              </a:rPr>
+              <a:t>: </a:t>
+            </a:r>
+            <a:r>
+              <a:rPr kumimoji="0" lang="en-US" altLang="en-US" sz="1800" b="0" i="0" u="none" strike="noStrike" cap="none" normalizeH="0" baseline="0" dirty="0" err="1">
+                <a:ln>
+                  <a:noFill/>
+                </a:ln>
+                <a:solidFill>
+                  <a:srgbClr val="294B6B"/>
+                </a:solidFill>
+                <a:effectLst/>
+                <a:latin typeface="Arial" panose="020B0604020202020204" pitchFamily="34" charset="0"/>
+              </a:rPr>
+              <a:t>Tương</a:t>
+            </a:r>
+            <a:r>
+              <a:rPr kumimoji="0" lang="en-US" altLang="en-US" sz="1800" b="0" i="0" u="none" strike="noStrike" cap="none" normalizeH="0" baseline="0" dirty="0">
+                <a:ln>
+                  <a:noFill/>
+                </a:ln>
+                <a:solidFill>
+                  <a:srgbClr val="294B6B"/>
+                </a:solidFill>
+                <a:effectLst/>
+                <a:latin typeface="Arial" panose="020B0604020202020204" pitchFamily="34" charset="0"/>
+              </a:rPr>
+              <a:t> </a:t>
+            </a:r>
+            <a:r>
+              <a:rPr kumimoji="0" lang="en-US" altLang="en-US" sz="1800" b="0" i="0" u="none" strike="noStrike" cap="none" normalizeH="0" baseline="0" dirty="0" err="1">
+                <a:ln>
+                  <a:noFill/>
+                </a:ln>
+                <a:solidFill>
+                  <a:srgbClr val="294B6B"/>
+                </a:solidFill>
+                <a:effectLst/>
+                <a:latin typeface="Arial" panose="020B0604020202020204" pitchFamily="34" charset="0"/>
+              </a:rPr>
+              <a:t>thích</a:t>
+            </a:r>
+            <a:r>
+              <a:rPr kumimoji="0" lang="en-US" altLang="en-US" sz="1800" b="0" i="0" u="none" strike="noStrike" cap="none" normalizeH="0" baseline="0" dirty="0">
+                <a:ln>
+                  <a:noFill/>
+                </a:ln>
+                <a:solidFill>
+                  <a:srgbClr val="294B6B"/>
+                </a:solidFill>
+                <a:effectLst/>
+                <a:latin typeface="Arial" panose="020B0604020202020204" pitchFamily="34" charset="0"/>
+              </a:rPr>
+              <a:t> </a:t>
+            </a:r>
+            <a:r>
+              <a:rPr kumimoji="0" lang="en-US" altLang="en-US" sz="1800" b="0" i="0" u="none" strike="noStrike" cap="none" normalizeH="0" baseline="0" dirty="0" err="1">
+                <a:ln>
+                  <a:noFill/>
+                </a:ln>
+                <a:solidFill>
+                  <a:srgbClr val="294B6B"/>
+                </a:solidFill>
+                <a:effectLst/>
+                <a:latin typeface="Arial" panose="020B0604020202020204" pitchFamily="34" charset="0"/>
+              </a:rPr>
+              <a:t>với</a:t>
+            </a:r>
+            <a:r>
+              <a:rPr kumimoji="0" lang="en-US" altLang="en-US" sz="1800" b="0" i="0" u="none" strike="noStrike" cap="none" normalizeH="0" baseline="0" dirty="0">
+                <a:ln>
+                  <a:noFill/>
+                </a:ln>
+                <a:solidFill>
+                  <a:srgbClr val="294B6B"/>
+                </a:solidFill>
+                <a:effectLst/>
+                <a:latin typeface="Arial" panose="020B0604020202020204" pitchFamily="34" charset="0"/>
+              </a:rPr>
+              <a:t> </a:t>
+            </a:r>
+            <a:r>
+              <a:rPr kumimoji="0" lang="en-US" altLang="en-US" sz="1800" b="0" i="0" u="none" strike="noStrike" cap="none" normalizeH="0" baseline="0" dirty="0" err="1">
+                <a:ln>
+                  <a:noFill/>
+                </a:ln>
+                <a:solidFill>
+                  <a:srgbClr val="294B6B"/>
+                </a:solidFill>
+                <a:effectLst/>
+                <a:latin typeface="Arial" panose="020B0604020202020204" pitchFamily="34" charset="0"/>
+              </a:rPr>
+              <a:t>các</a:t>
+            </a:r>
+            <a:r>
+              <a:rPr kumimoji="0" lang="en-US" altLang="en-US" sz="1800" b="0" i="0" u="none" strike="noStrike" cap="none" normalizeH="0" baseline="0" dirty="0">
+                <a:ln>
+                  <a:noFill/>
+                </a:ln>
+                <a:solidFill>
+                  <a:srgbClr val="294B6B"/>
+                </a:solidFill>
+                <a:effectLst/>
+                <a:latin typeface="Arial" panose="020B0604020202020204" pitchFamily="34" charset="0"/>
+              </a:rPr>
+              <a:t> </a:t>
+            </a:r>
+            <a:r>
+              <a:rPr kumimoji="0" lang="en-US" altLang="en-US" sz="1800" b="0" i="0" u="none" strike="noStrike" cap="none" normalizeH="0" baseline="0" dirty="0" err="1">
+                <a:ln>
+                  <a:noFill/>
+                </a:ln>
+                <a:solidFill>
+                  <a:srgbClr val="294B6B"/>
+                </a:solidFill>
+                <a:effectLst/>
+                <a:latin typeface="Arial" panose="020B0604020202020204" pitchFamily="34" charset="0"/>
+              </a:rPr>
+              <a:t>hệ</a:t>
+            </a:r>
+            <a:r>
+              <a:rPr kumimoji="0" lang="en-US" altLang="en-US" sz="1800" b="0" i="0" u="none" strike="noStrike" cap="none" normalizeH="0" baseline="0" dirty="0">
+                <a:ln>
+                  <a:noFill/>
+                </a:ln>
+                <a:solidFill>
+                  <a:srgbClr val="294B6B"/>
+                </a:solidFill>
+                <a:effectLst/>
+                <a:latin typeface="Arial" panose="020B0604020202020204" pitchFamily="34" charset="0"/>
+              </a:rPr>
+              <a:t> </a:t>
+            </a:r>
+            <a:r>
+              <a:rPr kumimoji="0" lang="en-US" altLang="en-US" sz="1800" b="0" i="0" u="none" strike="noStrike" cap="none" normalizeH="0" baseline="0" dirty="0" err="1">
+                <a:ln>
+                  <a:noFill/>
+                </a:ln>
+                <a:solidFill>
+                  <a:srgbClr val="294B6B"/>
+                </a:solidFill>
+                <a:effectLst/>
+                <a:latin typeface="Arial" panose="020B0604020202020204" pitchFamily="34" charset="0"/>
+              </a:rPr>
+              <a:t>điều</a:t>
+            </a:r>
+            <a:r>
+              <a:rPr kumimoji="0" lang="en-US" altLang="en-US" sz="1800" b="0" i="0" u="none" strike="noStrike" cap="none" normalizeH="0" baseline="0" dirty="0">
+                <a:ln>
+                  <a:noFill/>
+                </a:ln>
+                <a:solidFill>
+                  <a:srgbClr val="294B6B"/>
+                </a:solidFill>
+                <a:effectLst/>
+                <a:latin typeface="Arial" panose="020B0604020202020204" pitchFamily="34" charset="0"/>
+              </a:rPr>
+              <a:t> </a:t>
+            </a:r>
+            <a:r>
+              <a:rPr kumimoji="0" lang="en-US" altLang="en-US" sz="1800" b="0" i="0" u="none" strike="noStrike" cap="none" normalizeH="0" baseline="0" dirty="0" err="1">
+                <a:ln>
+                  <a:noFill/>
+                </a:ln>
+                <a:solidFill>
+                  <a:srgbClr val="294B6B"/>
+                </a:solidFill>
+                <a:effectLst/>
+                <a:latin typeface="Arial" panose="020B0604020202020204" pitchFamily="34" charset="0"/>
+              </a:rPr>
+              <a:t>hành</a:t>
+            </a:r>
+            <a:r>
+              <a:rPr kumimoji="0" lang="en-US" altLang="en-US" sz="1800" b="0" i="0" u="none" strike="noStrike" cap="none" normalizeH="0" baseline="0" dirty="0">
+                <a:ln>
+                  <a:noFill/>
+                </a:ln>
+                <a:solidFill>
+                  <a:srgbClr val="294B6B"/>
+                </a:solidFill>
+                <a:effectLst/>
+                <a:latin typeface="Arial" panose="020B0604020202020204" pitchFamily="34" charset="0"/>
+              </a:rPr>
+              <a:t> </a:t>
+            </a:r>
+            <a:r>
+              <a:rPr kumimoji="0" lang="en-US" altLang="en-US" sz="1800" b="0" i="0" u="none" strike="noStrike" cap="none" normalizeH="0" baseline="0" dirty="0" err="1">
+                <a:ln>
+                  <a:noFill/>
+                </a:ln>
+                <a:solidFill>
+                  <a:srgbClr val="294B6B"/>
+                </a:solidFill>
+                <a:effectLst/>
+                <a:latin typeface="Arial" panose="020B0604020202020204" pitchFamily="34" charset="0"/>
+              </a:rPr>
+              <a:t>như</a:t>
+            </a:r>
+            <a:r>
+              <a:rPr kumimoji="0" lang="en-US" altLang="en-US" sz="1800" b="0" i="0" u="none" strike="noStrike" cap="none" normalizeH="0" baseline="0" dirty="0">
+                <a:ln>
+                  <a:noFill/>
+                </a:ln>
+                <a:solidFill>
+                  <a:srgbClr val="294B6B"/>
+                </a:solidFill>
+                <a:effectLst/>
+                <a:latin typeface="Arial" panose="020B0604020202020204" pitchFamily="34" charset="0"/>
+              </a:rPr>
+              <a:t> Windows, macOS, </a:t>
+            </a:r>
+            <a:r>
+              <a:rPr kumimoji="0" lang="en-US" altLang="en-US" sz="1800" b="0" i="0" u="none" strike="noStrike" cap="none" normalizeH="0" baseline="0" dirty="0" err="1">
+                <a:ln>
+                  <a:noFill/>
+                </a:ln>
+                <a:solidFill>
+                  <a:srgbClr val="294B6B"/>
+                </a:solidFill>
+                <a:effectLst/>
+                <a:latin typeface="Arial" panose="020B0604020202020204" pitchFamily="34" charset="0"/>
+              </a:rPr>
+              <a:t>và</a:t>
+            </a:r>
+            <a:r>
+              <a:rPr kumimoji="0" lang="en-US" altLang="en-US" sz="1800" b="0" i="0" u="none" strike="noStrike" cap="none" normalizeH="0" baseline="0" dirty="0">
+                <a:ln>
+                  <a:noFill/>
+                </a:ln>
+                <a:solidFill>
+                  <a:srgbClr val="294B6B"/>
+                </a:solidFill>
+                <a:effectLst/>
+                <a:latin typeface="Arial" panose="020B0604020202020204" pitchFamily="34" charset="0"/>
+              </a:rPr>
+              <a:t> Linux, </a:t>
+            </a:r>
+            <a:r>
+              <a:rPr kumimoji="0" lang="en-US" altLang="en-US" sz="1800" b="0" i="0" u="none" strike="noStrike" cap="none" normalizeH="0" baseline="0" dirty="0" err="1">
+                <a:ln>
+                  <a:noFill/>
+                </a:ln>
+                <a:solidFill>
+                  <a:srgbClr val="294B6B"/>
+                </a:solidFill>
+                <a:effectLst/>
+                <a:latin typeface="Arial" panose="020B0604020202020204" pitchFamily="34" charset="0"/>
+              </a:rPr>
+              <a:t>phù</a:t>
+            </a:r>
+            <a:r>
+              <a:rPr kumimoji="0" lang="en-US" altLang="en-US" sz="1800" b="0" i="0" u="none" strike="noStrike" cap="none" normalizeH="0" baseline="0" dirty="0">
+                <a:ln>
+                  <a:noFill/>
+                </a:ln>
+                <a:solidFill>
+                  <a:srgbClr val="294B6B"/>
+                </a:solidFill>
+                <a:effectLst/>
+                <a:latin typeface="Arial" panose="020B0604020202020204" pitchFamily="34" charset="0"/>
+              </a:rPr>
+              <a:t> </a:t>
+            </a:r>
+            <a:r>
+              <a:rPr kumimoji="0" lang="en-US" altLang="en-US" sz="1800" b="0" i="0" u="none" strike="noStrike" cap="none" normalizeH="0" baseline="0" dirty="0" err="1">
+                <a:ln>
+                  <a:noFill/>
+                </a:ln>
+                <a:solidFill>
+                  <a:srgbClr val="294B6B"/>
+                </a:solidFill>
+                <a:effectLst/>
+                <a:latin typeface="Arial" panose="020B0604020202020204" pitchFamily="34" charset="0"/>
+              </a:rPr>
+              <a:t>hợp</a:t>
+            </a:r>
+            <a:r>
+              <a:rPr kumimoji="0" lang="en-US" altLang="en-US" sz="1800" b="0" i="0" u="none" strike="noStrike" cap="none" normalizeH="0" baseline="0" dirty="0">
+                <a:ln>
+                  <a:noFill/>
+                </a:ln>
+                <a:solidFill>
+                  <a:srgbClr val="294B6B"/>
+                </a:solidFill>
+                <a:effectLst/>
+                <a:latin typeface="Arial" panose="020B0604020202020204" pitchFamily="34" charset="0"/>
+              </a:rPr>
+              <a:t> </a:t>
+            </a:r>
+            <a:r>
+              <a:rPr kumimoji="0" lang="en-US" altLang="en-US" sz="1800" b="0" i="0" u="none" strike="noStrike" cap="none" normalizeH="0" baseline="0" dirty="0" err="1">
+                <a:ln>
+                  <a:noFill/>
+                </a:ln>
+                <a:solidFill>
+                  <a:srgbClr val="294B6B"/>
+                </a:solidFill>
+                <a:effectLst/>
+                <a:latin typeface="Arial" panose="020B0604020202020204" pitchFamily="34" charset="0"/>
+              </a:rPr>
+              <a:t>với</a:t>
+            </a:r>
+            <a:r>
+              <a:rPr kumimoji="0" lang="en-US" altLang="en-US" sz="1800" b="0" i="0" u="none" strike="noStrike" cap="none" normalizeH="0" baseline="0" dirty="0">
+                <a:ln>
+                  <a:noFill/>
+                </a:ln>
+                <a:solidFill>
+                  <a:srgbClr val="294B6B"/>
+                </a:solidFill>
+                <a:effectLst/>
+                <a:latin typeface="Arial" panose="020B0604020202020204" pitchFamily="34" charset="0"/>
+              </a:rPr>
+              <a:t> </a:t>
+            </a:r>
+            <a:r>
+              <a:rPr kumimoji="0" lang="en-US" altLang="en-US" sz="1800" b="0" i="0" u="none" strike="noStrike" cap="none" normalizeH="0" baseline="0" dirty="0" err="1">
+                <a:ln>
+                  <a:noFill/>
+                </a:ln>
+                <a:solidFill>
+                  <a:srgbClr val="294B6B"/>
+                </a:solidFill>
+                <a:effectLst/>
+                <a:latin typeface="Arial" panose="020B0604020202020204" pitchFamily="34" charset="0"/>
+              </a:rPr>
+              <a:t>nhiều</a:t>
+            </a:r>
+            <a:r>
+              <a:rPr kumimoji="0" lang="en-US" altLang="en-US" sz="1800" b="0" i="0" u="none" strike="noStrike" cap="none" normalizeH="0" baseline="0" dirty="0">
+                <a:ln>
+                  <a:noFill/>
+                </a:ln>
+                <a:solidFill>
+                  <a:srgbClr val="294B6B"/>
+                </a:solidFill>
+                <a:effectLst/>
+                <a:latin typeface="Arial" panose="020B0604020202020204" pitchFamily="34" charset="0"/>
+              </a:rPr>
+              <a:t> </a:t>
+            </a:r>
+            <a:r>
+              <a:rPr kumimoji="0" lang="en-US" altLang="en-US" sz="1800" b="0" i="0" u="none" strike="noStrike" cap="none" normalizeH="0" baseline="0" dirty="0" err="1">
+                <a:ln>
+                  <a:noFill/>
+                </a:ln>
+                <a:solidFill>
+                  <a:srgbClr val="294B6B"/>
+                </a:solidFill>
+                <a:effectLst/>
+                <a:latin typeface="Arial" panose="020B0604020202020204" pitchFamily="34" charset="0"/>
+              </a:rPr>
+              <a:t>môi</a:t>
+            </a:r>
+            <a:r>
+              <a:rPr kumimoji="0" lang="en-US" altLang="en-US" sz="1800" b="0" i="0" u="none" strike="noStrike" cap="none" normalizeH="0" baseline="0" dirty="0">
+                <a:ln>
+                  <a:noFill/>
+                </a:ln>
+                <a:solidFill>
+                  <a:srgbClr val="294B6B"/>
+                </a:solidFill>
+                <a:effectLst/>
+                <a:latin typeface="Arial" panose="020B0604020202020204" pitchFamily="34" charset="0"/>
+              </a:rPr>
+              <a:t> </a:t>
+            </a:r>
+            <a:r>
+              <a:rPr kumimoji="0" lang="en-US" altLang="en-US" sz="1800" b="0" i="0" u="none" strike="noStrike" cap="none" normalizeH="0" baseline="0" dirty="0" err="1">
+                <a:ln>
+                  <a:noFill/>
+                </a:ln>
+                <a:solidFill>
+                  <a:srgbClr val="294B6B"/>
+                </a:solidFill>
+                <a:effectLst/>
+                <a:latin typeface="Arial" panose="020B0604020202020204" pitchFamily="34" charset="0"/>
+              </a:rPr>
+              <a:t>trường</a:t>
+            </a:r>
+            <a:r>
+              <a:rPr kumimoji="0" lang="en-US" altLang="en-US" sz="1800" b="0" i="0" u="none" strike="noStrike" cap="none" normalizeH="0" baseline="0" dirty="0">
+                <a:ln>
+                  <a:noFill/>
+                </a:ln>
+                <a:solidFill>
+                  <a:srgbClr val="294B6B"/>
+                </a:solidFill>
+                <a:effectLst/>
+                <a:latin typeface="Arial" panose="020B0604020202020204" pitchFamily="34" charset="0"/>
+              </a:rPr>
+              <a:t> </a:t>
+            </a:r>
+            <a:r>
+              <a:rPr kumimoji="0" lang="en-US" altLang="en-US" sz="1800" b="0" i="0" u="none" strike="noStrike" cap="none" normalizeH="0" baseline="0" dirty="0" err="1">
+                <a:ln>
+                  <a:noFill/>
+                </a:ln>
+                <a:solidFill>
+                  <a:srgbClr val="294B6B"/>
+                </a:solidFill>
+                <a:effectLst/>
+                <a:latin typeface="Arial" panose="020B0604020202020204" pitchFamily="34" charset="0"/>
+              </a:rPr>
+              <a:t>phát</a:t>
+            </a:r>
+            <a:r>
+              <a:rPr kumimoji="0" lang="en-US" altLang="en-US" sz="1800" b="0" i="0" u="none" strike="noStrike" cap="none" normalizeH="0" baseline="0" dirty="0">
+                <a:ln>
+                  <a:noFill/>
+                </a:ln>
+                <a:solidFill>
+                  <a:srgbClr val="294B6B"/>
+                </a:solidFill>
+                <a:effectLst/>
+                <a:latin typeface="Arial" panose="020B0604020202020204" pitchFamily="34" charset="0"/>
+              </a:rPr>
+              <a:t> </a:t>
+            </a:r>
+            <a:r>
+              <a:rPr kumimoji="0" lang="en-US" altLang="en-US" sz="1800" b="0" i="0" u="none" strike="noStrike" cap="none" normalizeH="0" baseline="0" dirty="0" err="1">
+                <a:ln>
+                  <a:noFill/>
+                </a:ln>
+                <a:solidFill>
+                  <a:srgbClr val="294B6B"/>
+                </a:solidFill>
+                <a:effectLst/>
+                <a:latin typeface="Arial" panose="020B0604020202020204" pitchFamily="34" charset="0"/>
+              </a:rPr>
+              <a:t>triển</a:t>
+            </a:r>
+            <a:r>
+              <a:rPr kumimoji="0" lang="en-US" altLang="en-US" sz="1800" b="0" i="0" u="none" strike="noStrike" cap="none" normalizeH="0" baseline="0" dirty="0">
+                <a:ln>
+                  <a:noFill/>
+                </a:ln>
+                <a:solidFill>
+                  <a:srgbClr val="294B6B"/>
+                </a:solidFill>
+                <a:effectLst/>
+                <a:latin typeface="Arial" panose="020B0604020202020204" pitchFamily="34" charset="0"/>
+              </a:rPr>
+              <a:t> </a:t>
+            </a:r>
+            <a:r>
+              <a:rPr kumimoji="0" lang="en-US" altLang="en-US" sz="1800" b="0" i="0" u="none" strike="noStrike" cap="none" normalizeH="0" baseline="0" dirty="0" err="1">
+                <a:ln>
+                  <a:noFill/>
+                </a:ln>
+                <a:solidFill>
+                  <a:srgbClr val="294B6B"/>
+                </a:solidFill>
+                <a:effectLst/>
+                <a:latin typeface="Arial" panose="020B0604020202020204" pitchFamily="34" charset="0"/>
+              </a:rPr>
+              <a:t>khác</a:t>
+            </a:r>
+            <a:r>
+              <a:rPr kumimoji="0" lang="en-US" altLang="en-US" sz="1800" b="0" i="0" u="none" strike="noStrike" cap="none" normalizeH="0" baseline="0" dirty="0">
+                <a:ln>
+                  <a:noFill/>
+                </a:ln>
+                <a:solidFill>
+                  <a:srgbClr val="294B6B"/>
+                </a:solidFill>
+                <a:effectLst/>
+                <a:latin typeface="Arial" panose="020B0604020202020204" pitchFamily="34" charset="0"/>
+              </a:rPr>
+              <a:t> </a:t>
+            </a:r>
+            <a:r>
+              <a:rPr kumimoji="0" lang="en-US" altLang="en-US" sz="1800" b="0" i="0" u="none" strike="noStrike" cap="none" normalizeH="0" baseline="0" dirty="0" err="1">
+                <a:ln>
+                  <a:noFill/>
+                </a:ln>
+                <a:solidFill>
+                  <a:srgbClr val="294B6B"/>
+                </a:solidFill>
+                <a:effectLst/>
+                <a:latin typeface="Arial" panose="020B0604020202020204" pitchFamily="34" charset="0"/>
+              </a:rPr>
+              <a:t>nhau</a:t>
+            </a:r>
+            <a:r>
+              <a:rPr kumimoji="0" lang="en-US" altLang="en-US" sz="1800" b="0" i="0" u="none" strike="noStrike" cap="none" normalizeH="0" baseline="0" dirty="0">
+                <a:ln>
+                  <a:noFill/>
+                </a:ln>
+                <a:solidFill>
+                  <a:srgbClr val="294B6B"/>
+                </a:solidFill>
+                <a:effectLst/>
+                <a:latin typeface="Arial" panose="020B0604020202020204" pitchFamily="34" charset="0"/>
+              </a:rPr>
+              <a:t>. </a:t>
             </a:r>
           </a:p>
         </p:txBody>
@@ -8873,7 +10784,6 @@
       <p:sp>
         <p:nvSpPr>
           <p:cNvPr id="7" name="TextBox 6">
-            <a:hlinkClick r:id="rId2"/>
             <a:extLst>
               <a:ext uri="{FF2B5EF4-FFF2-40B4-BE49-F238E27FC236}">
                 <a16:creationId xmlns:a16="http://schemas.microsoft.com/office/drawing/2014/main" id="{5069172D-A19C-10E8-DE7F-4F8F4C9248FE}"/>
@@ -8908,14 +10818,21 @@
               </a:spcAft>
             </a:pPr>
             <a:r>
-              <a:rPr lang="en-US" sz="1800" b="1" dirty="0">
+              <a:rPr lang="en-US" sz="1800" dirty="0">
                 <a:effectLst/>
                 <a:latin typeface="Times New Roman" panose="02020603050405020304" pitchFamily="18" charset="0"/>
                 <a:ea typeface="Calibri" panose="020F0502020204030204" pitchFamily="34" charset="0"/>
                 <a:cs typeface="Times New Roman" panose="02020603050405020304" pitchFamily="18" charset="0"/>
+                <a:hlinkClick r:id="rId2"/>
               </a:rPr>
               <a:t>https://youtu.be/4lqHfYzK7n4</a:t>
             </a:r>
+            <a:endParaRPr lang="en-US" sz="1800" dirty="0">
+              <a:effectLst/>
+              <a:latin typeface="Times New Roman" panose="02020603050405020304" pitchFamily="18" charset="0"/>
+              <a:ea typeface="Calibri" panose="020F0502020204030204" pitchFamily="34" charset="0"/>
+              <a:cs typeface="Times New Roman" panose="02020603050405020304" pitchFamily="18" charset="0"/>
+            </a:endParaRPr>
           </a:p>
         </p:txBody>
       </p:sp>
@@ -9015,7 +10932,7 @@
       <p:sp>
         <p:nvSpPr>
           <p:cNvPr id="8" name="TextBox 7">
-            <a:hlinkClick r:id="rId2"/>
+            <a:hlinkClick r:id="rId5"/>
             <a:extLst>
               <a:ext uri="{FF2B5EF4-FFF2-40B4-BE49-F238E27FC236}">
                 <a16:creationId xmlns:a16="http://schemas.microsoft.com/office/drawing/2014/main" id="{BC5A6E46-F60F-DB38-798D-6C2851EF0000}"/>
@@ -9055,7 +10972,7 @@
       <p:sp>
         <p:nvSpPr>
           <p:cNvPr id="9" name="TextBox 8">
-            <a:hlinkClick r:id="rId2"/>
+            <a:hlinkClick r:id="rId5"/>
             <a:extLst>
               <a:ext uri="{FF2B5EF4-FFF2-40B4-BE49-F238E27FC236}">
                 <a16:creationId xmlns:a16="http://schemas.microsoft.com/office/drawing/2014/main" id="{A1D8F958-8DDE-5092-3966-1826E7B165C0}"/>

--- a/THTH_slide.pptx
+++ b/THTH_slide.pptx
@@ -835,7 +835,7 @@
           <a:p>
             <a:fld id="{8C48E02A-F628-4B0A-897C-4569DE103C05}" type="datetimeFigureOut">
               <a:rPr lang="en-US" smtClean="0"/>
-              <a:t>24-10-2024</a:t>
+              <a:t>10/28/2024</a:t>
             </a:fld>
             <a:endParaRPr lang="en-US"/>
           </a:p>
@@ -1333,7 +1333,7 @@
           <a:p>
             <a:fld id="{0DDA1736-F120-4305-85B4-E3F6D7A6DF38}" type="datetimeFigureOut">
               <a:rPr lang="en-US" smtClean="0"/>
-              <a:t>24-10-2024</a:t>
+              <a:t>10/28/2024</a:t>
             </a:fld>
             <a:endParaRPr lang="en-US"/>
           </a:p>
@@ -1531,7 +1531,7 @@
           <a:p>
             <a:fld id="{0DDA1736-F120-4305-85B4-E3F6D7A6DF38}" type="datetimeFigureOut">
               <a:rPr lang="en-US" smtClean="0"/>
-              <a:t>24-10-2024</a:t>
+              <a:t>10/28/2024</a:t>
             </a:fld>
             <a:endParaRPr lang="en-US"/>
           </a:p>
@@ -1739,7 +1739,7 @@
           <a:p>
             <a:fld id="{0DDA1736-F120-4305-85B4-E3F6D7A6DF38}" type="datetimeFigureOut">
               <a:rPr lang="en-US" smtClean="0"/>
-              <a:t>24-10-2024</a:t>
+              <a:t>10/28/2024</a:t>
             </a:fld>
             <a:endParaRPr lang="en-US"/>
           </a:p>
@@ -1937,7 +1937,7 @@
           <a:p>
             <a:fld id="{0DDA1736-F120-4305-85B4-E3F6D7A6DF38}" type="datetimeFigureOut">
               <a:rPr lang="en-US" smtClean="0"/>
-              <a:t>24-10-2024</a:t>
+              <a:t>10/28/2024</a:t>
             </a:fld>
             <a:endParaRPr lang="en-US"/>
           </a:p>
@@ -2212,7 +2212,7 @@
           <a:p>
             <a:fld id="{0DDA1736-F120-4305-85B4-E3F6D7A6DF38}" type="datetimeFigureOut">
               <a:rPr lang="en-US" smtClean="0"/>
-              <a:t>24-10-2024</a:t>
+              <a:t>10/28/2024</a:t>
             </a:fld>
             <a:endParaRPr lang="en-US"/>
           </a:p>
@@ -2477,7 +2477,7 @@
           <a:p>
             <a:fld id="{0DDA1736-F120-4305-85B4-E3F6D7A6DF38}" type="datetimeFigureOut">
               <a:rPr lang="en-US" smtClean="0"/>
-              <a:t>24-10-2024</a:t>
+              <a:t>10/28/2024</a:t>
             </a:fld>
             <a:endParaRPr lang="en-US"/>
           </a:p>
@@ -2889,7 +2889,7 @@
           <a:p>
             <a:fld id="{0DDA1736-F120-4305-85B4-E3F6D7A6DF38}" type="datetimeFigureOut">
               <a:rPr lang="en-US" smtClean="0"/>
-              <a:t>24-10-2024</a:t>
+              <a:t>10/28/2024</a:t>
             </a:fld>
             <a:endParaRPr lang="en-US"/>
           </a:p>
@@ -3030,7 +3030,7 @@
           <a:p>
             <a:fld id="{0DDA1736-F120-4305-85B4-E3F6D7A6DF38}" type="datetimeFigureOut">
               <a:rPr lang="en-US" smtClean="0"/>
-              <a:t>24-10-2024</a:t>
+              <a:t>10/28/2024</a:t>
             </a:fld>
             <a:endParaRPr lang="en-US"/>
           </a:p>
@@ -3143,7 +3143,7 @@
           <a:p>
             <a:fld id="{0DDA1736-F120-4305-85B4-E3F6D7A6DF38}" type="datetimeFigureOut">
               <a:rPr lang="en-US" smtClean="0"/>
-              <a:t>24-10-2024</a:t>
+              <a:t>10/28/2024</a:t>
             </a:fld>
             <a:endParaRPr lang="en-US"/>
           </a:p>
@@ -3454,7 +3454,7 @@
           <a:p>
             <a:fld id="{0DDA1736-F120-4305-85B4-E3F6D7A6DF38}" type="datetimeFigureOut">
               <a:rPr lang="en-US" smtClean="0"/>
-              <a:t>24-10-2024</a:t>
+              <a:t>10/28/2024</a:t>
             </a:fld>
             <a:endParaRPr lang="en-US"/>
           </a:p>
@@ -3742,7 +3742,7 @@
           <a:p>
             <a:fld id="{0DDA1736-F120-4305-85B4-E3F6D7A6DF38}" type="datetimeFigureOut">
               <a:rPr lang="en-US" smtClean="0"/>
-              <a:t>24-10-2024</a:t>
+              <a:t>10/28/2024</a:t>
             </a:fld>
             <a:endParaRPr lang="en-US"/>
           </a:p>
@@ -3983,7 +3983,7 @@
           <a:p>
             <a:fld id="{0DDA1736-F120-4305-85B4-E3F6D7A6DF38}" type="datetimeFigureOut">
               <a:rPr lang="en-US" smtClean="0"/>
-              <a:t>24-10-2024</a:t>
+              <a:t>10/28/2024</a:t>
             </a:fld>
             <a:endParaRPr lang="en-US"/>
           </a:p>
@@ -8900,13 +8900,19 @@
           <a:lstStyle/>
           <a:p>
             <a:r>
-              <a:rPr lang="en-US" b="1">
+              <a:rPr lang="en-US" b="1" dirty="0">
                 <a:solidFill>
                   <a:srgbClr val="294B6B"/>
                 </a:solidFill>
+                <a:hlinkClick r:id="rId3"/>
               </a:rPr>
-              <a:t>https://youtu.be/fY3iXHo62kM</a:t>
-            </a:r>
+              <a:t>https://youtu.be/4lqHfYzK7n4</a:t>
+            </a:r>
+            <a:endParaRPr lang="en-US" b="1" dirty="0">
+              <a:solidFill>
+                <a:srgbClr val="294B6B"/>
+              </a:solidFill>
+            </a:endParaRPr>
           </a:p>
         </p:txBody>
       </p:sp>
@@ -8925,7 +8931,7 @@
           <p:nvPr/>
         </p:nvPicPr>
         <p:blipFill rotWithShape="1">
-          <a:blip r:embed="rId3">
+          <a:blip r:embed="rId4">
             <a:extLst>
               <a:ext uri="{28A0092B-C50C-407E-A947-70E740481C1C}">
                 <a14:useLocalDpi xmlns:a14="http://schemas.microsoft.com/office/drawing/2010/main" val="0"/>
@@ -8970,7 +8976,7 @@
           <p:nvPr/>
         </p:nvPicPr>
         <p:blipFill>
-          <a:blip r:embed="rId4">
+          <a:blip r:embed="rId5">
             <a:alphaModFix amt="50000"/>
             <a:extLst>
               <a:ext uri="{28A0092B-C50C-407E-A947-70E740481C1C}">

--- a/THTH_slide.pptx
+++ b/THTH_slide.pptx
@@ -5,7 +5,7 @@
     <p:sldMasterId id="2147483648" r:id="rId1"/>
   </p:sldMasterIdLst>
   <p:notesMasterIdLst>
-    <p:notesMasterId r:id="rId9"/>
+    <p:notesMasterId r:id="rId11"/>
   </p:notesMasterIdLst>
   <p:sldIdLst>
     <p:sldId id="257" r:id="rId2"/>
@@ -13,8 +13,10 @@
     <p:sldId id="262" r:id="rId4"/>
     <p:sldId id="256" r:id="rId5"/>
     <p:sldId id="259" r:id="rId6"/>
-    <p:sldId id="260" r:id="rId7"/>
-    <p:sldId id="261" r:id="rId8"/>
+    <p:sldId id="263" r:id="rId7"/>
+    <p:sldId id="264" r:id="rId8"/>
+    <p:sldId id="260" r:id="rId9"/>
+    <p:sldId id="261" r:id="rId10"/>
   </p:sldIdLst>
   <p:sldSz cx="12192000" cy="6858000"/>
   <p:notesSz cx="6858000" cy="9144000"/>
@@ -124,7 +126,7 @@
 <file path=ppt/revisionInfo.xml><?xml version="1.0" encoding="utf-8"?>
 <p1510:revInfo xmlns:a="http://schemas.openxmlformats.org/drawingml/2006/main" xmlns:r="http://schemas.openxmlformats.org/officeDocument/2006/relationships" xmlns:p1510="http://schemas.microsoft.com/office/powerpoint/2015/10/main">
   <p1510:revLst>
-    <p1510:client id="{654103E7-75BC-412B-8172-21505EEBEE43}" v="1" dt="2024-10-24T02:34:56.996"/>
+    <p1510:client id="{654103E7-75BC-412B-8172-21505EEBEE43}" v="110" dt="2024-10-29T00:01:34.091"/>
   </p1510:revLst>
 </p1510:revInfo>
 </file>
@@ -680,11 +682,130 @@
   </pc:docChgLst>
   <pc:docChgLst>
     <pc:chgData name="Minh Mẫn" userId="74e9d1b56e53dad3" providerId="LiveId" clId="{654103E7-75BC-412B-8172-21505EEBEE43}"/>
-    <pc:docChg chg="custSel addSld modSld">
-      <pc:chgData name="Minh Mẫn" userId="74e9d1b56e53dad3" providerId="LiveId" clId="{654103E7-75BC-412B-8172-21505EEBEE43}" dt="2024-10-24T02:34:56.995" v="3"/>
+    <pc:docChg chg="undo custSel addSld modSld">
+      <pc:chgData name="Minh Mẫn" userId="74e9d1b56e53dad3" providerId="LiveId" clId="{654103E7-75BC-412B-8172-21505EEBEE43}" dt="2024-10-29T00:01:34.091" v="283" actId="1076"/>
       <pc:docMkLst>
         <pc:docMk/>
       </pc:docMkLst>
+      <pc:sldChg chg="addSp delSp modSp mod modAnim">
+        <pc:chgData name="Minh Mẫn" userId="74e9d1b56e53dad3" providerId="LiveId" clId="{654103E7-75BC-412B-8172-21505EEBEE43}" dt="2024-10-28T13:51:11.164" v="244"/>
+        <pc:sldMkLst>
+          <pc:docMk/>
+          <pc:sldMk cId="1227983628" sldId="259"/>
+        </pc:sldMkLst>
+        <pc:spChg chg="add del mod">
+          <ac:chgData name="Minh Mẫn" userId="74e9d1b56e53dad3" providerId="LiveId" clId="{654103E7-75BC-412B-8172-21505EEBEE43}" dt="2024-10-28T13:23:35.952" v="54"/>
+          <ac:spMkLst>
+            <pc:docMk/>
+            <pc:sldMk cId="1227983628" sldId="259"/>
+            <ac:spMk id="2" creationId="{4711E54D-EBCC-F30A-EBEB-AEB71B8BB220}"/>
+          </ac:spMkLst>
+        </pc:spChg>
+        <pc:spChg chg="add mod">
+          <ac:chgData name="Minh Mẫn" userId="74e9d1b56e53dad3" providerId="LiveId" clId="{654103E7-75BC-412B-8172-21505EEBEE43}" dt="2024-10-28T13:28:41.154" v="91" actId="1076"/>
+          <ac:spMkLst>
+            <pc:docMk/>
+            <pc:sldMk cId="1227983628" sldId="259"/>
+            <ac:spMk id="3" creationId="{68EFFDB5-DD30-8A0F-2684-FEB946AD37D8}"/>
+          </ac:spMkLst>
+        </pc:spChg>
+        <pc:spChg chg="add mod">
+          <ac:chgData name="Minh Mẫn" userId="74e9d1b56e53dad3" providerId="LiveId" clId="{654103E7-75BC-412B-8172-21505EEBEE43}" dt="2024-10-28T13:28:36.074" v="90" actId="1076"/>
+          <ac:spMkLst>
+            <pc:docMk/>
+            <pc:sldMk cId="1227983628" sldId="259"/>
+            <ac:spMk id="4" creationId="{BC4A83D8-41C0-6900-ABC2-294384EEFC95}"/>
+          </ac:spMkLst>
+        </pc:spChg>
+        <pc:spChg chg="mod">
+          <ac:chgData name="Minh Mẫn" userId="74e9d1b56e53dad3" providerId="LiveId" clId="{654103E7-75BC-412B-8172-21505EEBEE43}" dt="2024-10-28T13:31:19.461" v="115" actId="20577"/>
+          <ac:spMkLst>
+            <pc:docMk/>
+            <pc:sldMk cId="1227983628" sldId="259"/>
+            <ac:spMk id="5" creationId="{1981F77E-DFB5-000B-ECF4-456078A27D7E}"/>
+          </ac:spMkLst>
+        </pc:spChg>
+        <pc:spChg chg="add mod">
+          <ac:chgData name="Minh Mẫn" userId="74e9d1b56e53dad3" providerId="LiveId" clId="{654103E7-75BC-412B-8172-21505EEBEE43}" dt="2024-10-28T13:27:01.694" v="82" actId="14100"/>
+          <ac:spMkLst>
+            <pc:docMk/>
+            <pc:sldMk cId="1227983628" sldId="259"/>
+            <ac:spMk id="6" creationId="{847A17C2-5861-F7B7-6655-B7D235A231E8}"/>
+          </ac:spMkLst>
+        </pc:spChg>
+        <pc:spChg chg="add mod">
+          <ac:chgData name="Minh Mẫn" userId="74e9d1b56e53dad3" providerId="LiveId" clId="{654103E7-75BC-412B-8172-21505EEBEE43}" dt="2024-10-28T13:29:29.593" v="92" actId="1076"/>
+          <ac:spMkLst>
+            <pc:docMk/>
+            <pc:sldMk cId="1227983628" sldId="259"/>
+            <ac:spMk id="7" creationId="{D4C23A69-1DD4-7E6C-AA5A-AEC24826774F}"/>
+          </ac:spMkLst>
+        </pc:spChg>
+        <pc:spChg chg="del mod">
+          <ac:chgData name="Minh Mẫn" userId="74e9d1b56e53dad3" providerId="LiveId" clId="{654103E7-75BC-412B-8172-21505EEBEE43}" dt="2024-10-28T13:22:58.946" v="48" actId="21"/>
+          <ac:spMkLst>
+            <pc:docMk/>
+            <pc:sldMk cId="1227983628" sldId="259"/>
+            <ac:spMk id="8" creationId="{A1EE2C72-BAB1-CC4A-0149-F5B446B9C966}"/>
+          </ac:spMkLst>
+        </pc:spChg>
+        <pc:spChg chg="del">
+          <ac:chgData name="Minh Mẫn" userId="74e9d1b56e53dad3" providerId="LiveId" clId="{654103E7-75BC-412B-8172-21505EEBEE43}" dt="2024-10-28T13:17:45.128" v="20" actId="21"/>
+          <ac:spMkLst>
+            <pc:docMk/>
+            <pc:sldMk cId="1227983628" sldId="259"/>
+            <ac:spMk id="11" creationId="{31FBFD46-5518-BF00-DBE0-F998412850E2}"/>
+          </ac:spMkLst>
+        </pc:spChg>
+        <pc:spChg chg="del">
+          <ac:chgData name="Minh Mẫn" userId="74e9d1b56e53dad3" providerId="LiveId" clId="{654103E7-75BC-412B-8172-21505EEBEE43}" dt="2024-10-28T13:18:01.492" v="23" actId="21"/>
+          <ac:spMkLst>
+            <pc:docMk/>
+            <pc:sldMk cId="1227983628" sldId="259"/>
+            <ac:spMk id="12" creationId="{020693D7-E15A-D3AF-D407-C306A7CAA131}"/>
+          </ac:spMkLst>
+        </pc:spChg>
+        <pc:picChg chg="add mod">
+          <ac:chgData name="Minh Mẫn" userId="74e9d1b56e53dad3" providerId="LiveId" clId="{654103E7-75BC-412B-8172-21505EEBEE43}" dt="2024-10-28T13:12:20.596" v="8" actId="14100"/>
+          <ac:picMkLst>
+            <pc:docMk/>
+            <pc:sldMk cId="1227983628" sldId="259"/>
+            <ac:picMk id="1026" creationId="{0AC476F8-BDFF-8693-1490-B95E8789B2C3}"/>
+          </ac:picMkLst>
+        </pc:picChg>
+        <pc:picChg chg="add mod">
+          <ac:chgData name="Minh Mẫn" userId="74e9d1b56e53dad3" providerId="LiveId" clId="{654103E7-75BC-412B-8172-21505EEBEE43}" dt="2024-10-28T13:28:20.406" v="89" actId="14100"/>
+          <ac:picMkLst>
+            <pc:docMk/>
+            <pc:sldMk cId="1227983628" sldId="259"/>
+            <ac:picMk id="1028" creationId="{5081B6E0-2DDD-6B5A-EB0E-DE38EFA89D27}"/>
+          </ac:picMkLst>
+        </pc:picChg>
+        <pc:picChg chg="del mod">
+          <ac:chgData name="Minh Mẫn" userId="74e9d1b56e53dad3" providerId="LiveId" clId="{654103E7-75BC-412B-8172-21505EEBEE43}" dt="2024-10-28T13:12:23.038" v="9" actId="478"/>
+          <ac:picMkLst>
+            <pc:docMk/>
+            <pc:sldMk cId="1227983628" sldId="259"/>
+            <ac:picMk id="3074" creationId="{8AC34EAA-BB69-18CC-9806-65965E817A60}"/>
+          </ac:picMkLst>
+        </pc:picChg>
+        <pc:picChg chg="del">
+          <ac:chgData name="Minh Mẫn" userId="74e9d1b56e53dad3" providerId="LiveId" clId="{654103E7-75BC-412B-8172-21505EEBEE43}" dt="2024-10-28T13:19:50.026" v="40" actId="21"/>
+          <ac:picMkLst>
+            <pc:docMk/>
+            <pc:sldMk cId="1227983628" sldId="259"/>
+            <ac:picMk id="4098" creationId="{AD514F7F-3173-2E2C-CDC9-521E3AEB73FB}"/>
+          </ac:picMkLst>
+        </pc:picChg>
+        <pc:cxnChg chg="del">
+          <ac:chgData name="Minh Mẫn" userId="74e9d1b56e53dad3" providerId="LiveId" clId="{654103E7-75BC-412B-8172-21505EEBEE43}" dt="2024-10-28T13:18:09.322" v="25" actId="21"/>
+          <ac:cxnSpMkLst>
+            <pc:docMk/>
+            <pc:sldMk cId="1227983628" sldId="259"/>
+            <ac:cxnSpMk id="14" creationId="{B06AB109-5E6D-D0FE-1975-E28D66B1BF53}"/>
+          </ac:cxnSpMkLst>
+        </pc:cxnChg>
+      </pc:sldChg>
       <pc:sldChg chg="addSp delSp modSp new mod modAnim">
         <pc:chgData name="Minh Mẫn" userId="74e9d1b56e53dad3" providerId="LiveId" clId="{654103E7-75BC-412B-8172-21505EEBEE43}" dt="2024-10-24T02:34:56.995" v="3"/>
         <pc:sldMkLst>
@@ -748,6 +869,228 @@
           </ac:picMkLst>
         </pc:picChg>
       </pc:sldChg>
+      <pc:sldChg chg="addSp delSp modSp new mod modTransition delAnim modAnim">
+        <pc:chgData name="Minh Mẫn" userId="74e9d1b56e53dad3" providerId="LiveId" clId="{654103E7-75BC-412B-8172-21505EEBEE43}" dt="2024-10-29T00:01:02.717" v="282"/>
+        <pc:sldMkLst>
+          <pc:docMk/>
+          <pc:sldMk cId="2548120959" sldId="263"/>
+        </pc:sldMkLst>
+        <pc:spChg chg="del">
+          <ac:chgData name="Minh Mẫn" userId="74e9d1b56e53dad3" providerId="LiveId" clId="{654103E7-75BC-412B-8172-21505EEBEE43}" dt="2024-10-28T13:16:41.775" v="14" actId="478"/>
+          <ac:spMkLst>
+            <pc:docMk/>
+            <pc:sldMk cId="2548120959" sldId="263"/>
+            <ac:spMk id="2" creationId="{724A53C2-CB19-24E1-0F98-C277AE4DC52E}"/>
+          </ac:spMkLst>
+        </pc:spChg>
+        <pc:spChg chg="add mod">
+          <ac:chgData name="Minh Mẫn" userId="74e9d1b56e53dad3" providerId="LiveId" clId="{654103E7-75BC-412B-8172-21505EEBEE43}" dt="2024-10-28T23:58:32.263" v="268" actId="1076"/>
+          <ac:spMkLst>
+            <pc:docMk/>
+            <pc:sldMk cId="2548120959" sldId="263"/>
+            <ac:spMk id="2" creationId="{F3E19D1E-9073-3527-0123-D758C89317EC}"/>
+          </ac:spMkLst>
+        </pc:spChg>
+        <pc:spChg chg="del">
+          <ac:chgData name="Minh Mẫn" userId="74e9d1b56e53dad3" providerId="LiveId" clId="{654103E7-75BC-412B-8172-21505EEBEE43}" dt="2024-10-28T13:16:39.590" v="13" actId="478"/>
+          <ac:spMkLst>
+            <pc:docMk/>
+            <pc:sldMk cId="2548120959" sldId="263"/>
+            <ac:spMk id="3" creationId="{6A749BB4-9B35-2463-061F-6790418E9731}"/>
+          </ac:spMkLst>
+        </pc:spChg>
+        <pc:spChg chg="add mod">
+          <ac:chgData name="Minh Mẫn" userId="74e9d1b56e53dad3" providerId="LiveId" clId="{654103E7-75BC-412B-8172-21505EEBEE43}" dt="2024-10-28T13:32:05.668" v="122" actId="20577"/>
+          <ac:spMkLst>
+            <pc:docMk/>
+            <pc:sldMk cId="2548120959" sldId="263"/>
+            <ac:spMk id="4" creationId="{CB8F3007-B302-4A3C-88ED-39C9A6DBE9ED}"/>
+          </ac:spMkLst>
+        </pc:spChg>
+        <pc:spChg chg="add del mod">
+          <ac:chgData name="Minh Mẫn" userId="74e9d1b56e53dad3" providerId="LiveId" clId="{654103E7-75BC-412B-8172-21505EEBEE43}" dt="2024-10-28T13:16:52.084" v="17" actId="478"/>
+          <ac:spMkLst>
+            <pc:docMk/>
+            <pc:sldMk cId="2548120959" sldId="263"/>
+            <ac:spMk id="5" creationId="{568FDF52-C5AB-777D-4A7F-6EC4E8D54C9F}"/>
+          </ac:spMkLst>
+        </pc:spChg>
+        <pc:spChg chg="add del mod">
+          <ac:chgData name="Minh Mẫn" userId="74e9d1b56e53dad3" providerId="LiveId" clId="{654103E7-75BC-412B-8172-21505EEBEE43}" dt="2024-10-28T13:16:49.216" v="16" actId="478"/>
+          <ac:spMkLst>
+            <pc:docMk/>
+            <pc:sldMk cId="2548120959" sldId="263"/>
+            <ac:spMk id="6" creationId="{619F0DF7-53F1-9687-C4E7-4AA85F52927E}"/>
+          </ac:spMkLst>
+        </pc:spChg>
+        <pc:spChg chg="add del mod">
+          <ac:chgData name="Minh Mẫn" userId="74e9d1b56e53dad3" providerId="LiveId" clId="{654103E7-75BC-412B-8172-21505EEBEE43}" dt="2024-10-28T13:31:28.546" v="116" actId="478"/>
+          <ac:spMkLst>
+            <pc:docMk/>
+            <pc:sldMk cId="2548120959" sldId="263"/>
+            <ac:spMk id="8" creationId="{A1EE2C72-BAB1-CC4A-0149-F5B446B9C966}"/>
+          </ac:spMkLst>
+        </pc:spChg>
+        <pc:spChg chg="add del">
+          <ac:chgData name="Minh Mẫn" userId="74e9d1b56e53dad3" providerId="LiveId" clId="{654103E7-75BC-412B-8172-21505EEBEE43}" dt="2024-10-28T13:34:53.552" v="137" actId="22"/>
+          <ac:spMkLst>
+            <pc:docMk/>
+            <pc:sldMk cId="2548120959" sldId="263"/>
+            <ac:spMk id="10" creationId="{3EB25214-DF2E-F5A6-211D-AEBD689FF6BF}"/>
+          </ac:spMkLst>
+        </pc:spChg>
+        <pc:spChg chg="add mod">
+          <ac:chgData name="Minh Mẫn" userId="74e9d1b56e53dad3" providerId="LiveId" clId="{654103E7-75BC-412B-8172-21505EEBEE43}" dt="2024-10-29T00:00:34.971" v="278" actId="20577"/>
+          <ac:spMkLst>
+            <pc:docMk/>
+            <pc:sldMk cId="2548120959" sldId="263"/>
+            <ac:spMk id="11" creationId="{31FBFD46-5518-BF00-DBE0-F998412850E2}"/>
+          </ac:spMkLst>
+        </pc:spChg>
+        <pc:spChg chg="add del mod">
+          <ac:chgData name="Minh Mẫn" userId="74e9d1b56e53dad3" providerId="LiveId" clId="{654103E7-75BC-412B-8172-21505EEBEE43}" dt="2024-10-28T13:37:19.622" v="155" actId="21"/>
+          <ac:spMkLst>
+            <pc:docMk/>
+            <pc:sldMk cId="2548120959" sldId="263"/>
+            <ac:spMk id="12" creationId="{020693D7-E15A-D3AF-D407-C306A7CAA131}"/>
+          </ac:spMkLst>
+        </pc:spChg>
+        <pc:spChg chg="add mod">
+          <ac:chgData name="Minh Mẫn" userId="74e9d1b56e53dad3" providerId="LiveId" clId="{654103E7-75BC-412B-8172-21505EEBEE43}" dt="2024-10-28T13:45:59.247" v="222" actId="1076"/>
+          <ac:spMkLst>
+            <pc:docMk/>
+            <pc:sldMk cId="2548120959" sldId="263"/>
+            <ac:spMk id="15" creationId="{3D3FB200-B2D6-EA7D-B697-08D1C693B1AA}"/>
+          </ac:spMkLst>
+        </pc:spChg>
+        <pc:spChg chg="add mod">
+          <ac:chgData name="Minh Mẫn" userId="74e9d1b56e53dad3" providerId="LiveId" clId="{654103E7-75BC-412B-8172-21505EEBEE43}" dt="2024-10-28T23:56:39.643" v="255" actId="14100"/>
+          <ac:spMkLst>
+            <pc:docMk/>
+            <pc:sldMk cId="2548120959" sldId="263"/>
+            <ac:spMk id="16" creationId="{E59377F2-611A-5563-0416-DF67263908C5}"/>
+          </ac:spMkLst>
+        </pc:spChg>
+        <pc:spChg chg="add mod">
+          <ac:chgData name="Minh Mẫn" userId="74e9d1b56e53dad3" providerId="LiveId" clId="{654103E7-75BC-412B-8172-21505EEBEE43}" dt="2024-10-28T23:56:57.563" v="257" actId="14100"/>
+          <ac:spMkLst>
+            <pc:docMk/>
+            <pc:sldMk cId="2548120959" sldId="263"/>
+            <ac:spMk id="17" creationId="{D77339A8-40CD-5C2D-9EBF-022E23875B4E}"/>
+          </ac:spMkLst>
+        </pc:spChg>
+        <pc:spChg chg="add del mod">
+          <ac:chgData name="Minh Mẫn" userId="74e9d1b56e53dad3" providerId="LiveId" clId="{654103E7-75BC-412B-8172-21505EEBEE43}" dt="2024-10-28T23:58:36.651" v="269" actId="478"/>
+          <ac:spMkLst>
+            <pc:docMk/>
+            <pc:sldMk cId="2548120959" sldId="263"/>
+            <ac:spMk id="18" creationId="{020693D7-E15A-D3AF-D407-C306A7CAA131}"/>
+          </ac:spMkLst>
+        </pc:spChg>
+        <pc:picChg chg="add del mod">
+          <ac:chgData name="Minh Mẫn" userId="74e9d1b56e53dad3" providerId="LiveId" clId="{654103E7-75BC-412B-8172-21505EEBEE43}" dt="2024-10-28T13:16:54.668" v="18" actId="478"/>
+          <ac:picMkLst>
+            <pc:docMk/>
+            <pc:sldMk cId="2548120959" sldId="263"/>
+            <ac:picMk id="7" creationId="{57D9B33E-E0AE-4ECE-85EE-5F406F3717E1}"/>
+          </ac:picMkLst>
+        </pc:picChg>
+        <pc:picChg chg="add mod modCrop">
+          <ac:chgData name="Minh Mẫn" userId="74e9d1b56e53dad3" providerId="LiveId" clId="{654103E7-75BC-412B-8172-21505EEBEE43}" dt="2024-10-28T23:58:24.713" v="267" actId="1076"/>
+          <ac:picMkLst>
+            <pc:docMk/>
+            <pc:sldMk cId="2548120959" sldId="263"/>
+            <ac:picMk id="13" creationId="{A7FA256E-E255-96F6-0A4B-8583E5567C9F}"/>
+          </ac:picMkLst>
+        </pc:picChg>
+        <pc:picChg chg="add del mod">
+          <ac:chgData name="Minh Mẫn" userId="74e9d1b56e53dad3" providerId="LiveId" clId="{654103E7-75BC-412B-8172-21505EEBEE43}" dt="2024-10-28T13:37:11.895" v="153" actId="21"/>
+          <ac:picMkLst>
+            <pc:docMk/>
+            <pc:sldMk cId="2548120959" sldId="263"/>
+            <ac:picMk id="4098" creationId="{AD514F7F-3173-2E2C-CDC9-521E3AEB73FB}"/>
+          </ac:picMkLst>
+        </pc:picChg>
+        <pc:cxnChg chg="add del mod">
+          <ac:chgData name="Minh Mẫn" userId="74e9d1b56e53dad3" providerId="LiveId" clId="{654103E7-75BC-412B-8172-21505EEBEE43}" dt="2024-10-28T13:37:25.407" v="157" actId="478"/>
+          <ac:cxnSpMkLst>
+            <pc:docMk/>
+            <pc:sldMk cId="2548120959" sldId="263"/>
+            <ac:cxnSpMk id="14" creationId="{B06AB109-5E6D-D0FE-1975-E28D66B1BF53}"/>
+          </ac:cxnSpMkLst>
+        </pc:cxnChg>
+      </pc:sldChg>
+      <pc:sldChg chg="addSp delSp modSp new mod modAnim">
+        <pc:chgData name="Minh Mẫn" userId="74e9d1b56e53dad3" providerId="LiveId" clId="{654103E7-75BC-412B-8172-21505EEBEE43}" dt="2024-10-29T00:01:34.091" v="283" actId="1076"/>
+        <pc:sldMkLst>
+          <pc:docMk/>
+          <pc:sldMk cId="3416547598" sldId="264"/>
+        </pc:sldMkLst>
+        <pc:spChg chg="del">
+          <ac:chgData name="Minh Mẫn" userId="74e9d1b56e53dad3" providerId="LiveId" clId="{654103E7-75BC-412B-8172-21505EEBEE43}" dt="2024-10-28T13:36:29.746" v="144" actId="478"/>
+          <ac:spMkLst>
+            <pc:docMk/>
+            <pc:sldMk cId="3416547598" sldId="264"/>
+            <ac:spMk id="2" creationId="{95A76FF9-788F-E816-E7DC-C295D127A337}"/>
+          </ac:spMkLst>
+        </pc:spChg>
+        <pc:spChg chg="del">
+          <ac:chgData name="Minh Mẫn" userId="74e9d1b56e53dad3" providerId="LiveId" clId="{654103E7-75BC-412B-8172-21505EEBEE43}" dt="2024-10-28T13:36:32.727" v="145" actId="478"/>
+          <ac:spMkLst>
+            <pc:docMk/>
+            <pc:sldMk cId="3416547598" sldId="264"/>
+            <ac:spMk id="3" creationId="{922AF713-C2CE-BB4C-0E47-847ECDE27D60}"/>
+          </ac:spMkLst>
+        </pc:spChg>
+        <pc:spChg chg="add mod">
+          <ac:chgData name="Minh Mẫn" userId="74e9d1b56e53dad3" providerId="LiveId" clId="{654103E7-75BC-412B-8172-21505EEBEE43}" dt="2024-10-28T13:36:57.804" v="149" actId="20577"/>
+          <ac:spMkLst>
+            <pc:docMk/>
+            <pc:sldMk cId="3416547598" sldId="264"/>
+            <ac:spMk id="4" creationId="{22B6AA97-988B-8621-AA02-3020285A154A}"/>
+          </ac:spMkLst>
+        </pc:spChg>
+        <pc:spChg chg="add del mod">
+          <ac:chgData name="Minh Mẫn" userId="74e9d1b56e53dad3" providerId="LiveId" clId="{654103E7-75BC-412B-8172-21505EEBEE43}" dt="2024-10-28T13:37:05.302" v="151" actId="478"/>
+          <ac:spMkLst>
+            <pc:docMk/>
+            <pc:sldMk cId="3416547598" sldId="264"/>
+            <ac:spMk id="5" creationId="{33944FF3-35B8-13BA-8382-91449AF44E6B}"/>
+          </ac:spMkLst>
+        </pc:spChg>
+        <pc:spChg chg="add del mod">
+          <ac:chgData name="Minh Mẫn" userId="74e9d1b56e53dad3" providerId="LiveId" clId="{654103E7-75BC-412B-8172-21505EEBEE43}" dt="2024-10-28T13:37:02.934" v="150" actId="478"/>
+          <ac:spMkLst>
+            <pc:docMk/>
+            <pc:sldMk cId="3416547598" sldId="264"/>
+            <ac:spMk id="6" creationId="{DF79BA95-50B3-9C44-B940-19A01D78A092}"/>
+          </ac:spMkLst>
+        </pc:spChg>
+        <pc:spChg chg="add del mod">
+          <ac:chgData name="Minh Mẫn" userId="74e9d1b56e53dad3" providerId="LiveId" clId="{654103E7-75BC-412B-8172-21505EEBEE43}" dt="2024-10-28T13:51:48.793" v="245" actId="21"/>
+          <ac:spMkLst>
+            <pc:docMk/>
+            <pc:sldMk cId="3416547598" sldId="264"/>
+            <ac:spMk id="12" creationId="{020693D7-E15A-D3AF-D407-C306A7CAA131}"/>
+          </ac:spMkLst>
+        </pc:spChg>
+        <pc:picChg chg="add del mod">
+          <ac:chgData name="Minh Mẫn" userId="74e9d1b56e53dad3" providerId="LiveId" clId="{654103E7-75BC-412B-8172-21505EEBEE43}" dt="2024-10-28T13:37:06.286" v="152" actId="478"/>
+          <ac:picMkLst>
+            <pc:docMk/>
+            <pc:sldMk cId="3416547598" sldId="264"/>
+            <ac:picMk id="7" creationId="{1574F582-8917-528B-7D5D-098DE3A548D4}"/>
+          </ac:picMkLst>
+        </pc:picChg>
+        <pc:picChg chg="add mod">
+          <ac:chgData name="Minh Mẫn" userId="74e9d1b56e53dad3" providerId="LiveId" clId="{654103E7-75BC-412B-8172-21505EEBEE43}" dt="2024-10-29T00:01:34.091" v="283" actId="1076"/>
+          <ac:picMkLst>
+            <pc:docMk/>
+            <pc:sldMk cId="3416547598" sldId="264"/>
+            <ac:picMk id="4098" creationId="{AD514F7F-3173-2E2C-CDC9-521E3AEB73FB}"/>
+          </ac:picMkLst>
+        </pc:picChg>
+      </pc:sldChg>
     </pc:docChg>
   </pc:docChgLst>
 </pc:chgInfo>
@@ -835,7 +1178,7 @@
           <a:p>
             <a:fld id="{8C48E02A-F628-4B0A-897C-4569DE103C05}" type="datetimeFigureOut">
               <a:rPr lang="en-US" smtClean="0"/>
-              <a:t>10/28/2024</a:t>
+              <a:t>29-10-2024</a:t>
             </a:fld>
             <a:endParaRPr lang="en-US"/>
           </a:p>
@@ -1333,7 +1676,7 @@
           <a:p>
             <a:fld id="{0DDA1736-F120-4305-85B4-E3F6D7A6DF38}" type="datetimeFigureOut">
               <a:rPr lang="en-US" smtClean="0"/>
-              <a:t>10/28/2024</a:t>
+              <a:t>29-10-2024</a:t>
             </a:fld>
             <a:endParaRPr lang="en-US"/>
           </a:p>
@@ -1531,7 +1874,7 @@
           <a:p>
             <a:fld id="{0DDA1736-F120-4305-85B4-E3F6D7A6DF38}" type="datetimeFigureOut">
               <a:rPr lang="en-US" smtClean="0"/>
-              <a:t>10/28/2024</a:t>
+              <a:t>29-10-2024</a:t>
             </a:fld>
             <a:endParaRPr lang="en-US"/>
           </a:p>
@@ -1739,7 +2082,7 @@
           <a:p>
             <a:fld id="{0DDA1736-F120-4305-85B4-E3F6D7A6DF38}" type="datetimeFigureOut">
               <a:rPr lang="en-US" smtClean="0"/>
-              <a:t>10/28/2024</a:t>
+              <a:t>29-10-2024</a:t>
             </a:fld>
             <a:endParaRPr lang="en-US"/>
           </a:p>
@@ -1937,7 +2280,7 @@
           <a:p>
             <a:fld id="{0DDA1736-F120-4305-85B4-E3F6D7A6DF38}" type="datetimeFigureOut">
               <a:rPr lang="en-US" smtClean="0"/>
-              <a:t>10/28/2024</a:t>
+              <a:t>29-10-2024</a:t>
             </a:fld>
             <a:endParaRPr lang="en-US"/>
           </a:p>
@@ -2212,7 +2555,7 @@
           <a:p>
             <a:fld id="{0DDA1736-F120-4305-85B4-E3F6D7A6DF38}" type="datetimeFigureOut">
               <a:rPr lang="en-US" smtClean="0"/>
-              <a:t>10/28/2024</a:t>
+              <a:t>29-10-2024</a:t>
             </a:fld>
             <a:endParaRPr lang="en-US"/>
           </a:p>
@@ -2477,7 +2820,7 @@
           <a:p>
             <a:fld id="{0DDA1736-F120-4305-85B4-E3F6D7A6DF38}" type="datetimeFigureOut">
               <a:rPr lang="en-US" smtClean="0"/>
-              <a:t>10/28/2024</a:t>
+              <a:t>29-10-2024</a:t>
             </a:fld>
             <a:endParaRPr lang="en-US"/>
           </a:p>
@@ -2889,7 +3232,7 @@
           <a:p>
             <a:fld id="{0DDA1736-F120-4305-85B4-E3F6D7A6DF38}" type="datetimeFigureOut">
               <a:rPr lang="en-US" smtClean="0"/>
-              <a:t>10/28/2024</a:t>
+              <a:t>29-10-2024</a:t>
             </a:fld>
             <a:endParaRPr lang="en-US"/>
           </a:p>
@@ -3030,7 +3373,7 @@
           <a:p>
             <a:fld id="{0DDA1736-F120-4305-85B4-E3F6D7A6DF38}" type="datetimeFigureOut">
               <a:rPr lang="en-US" smtClean="0"/>
-              <a:t>10/28/2024</a:t>
+              <a:t>29-10-2024</a:t>
             </a:fld>
             <a:endParaRPr lang="en-US"/>
           </a:p>
@@ -3143,7 +3486,7 @@
           <a:p>
             <a:fld id="{0DDA1736-F120-4305-85B4-E3F6D7A6DF38}" type="datetimeFigureOut">
               <a:rPr lang="en-US" smtClean="0"/>
-              <a:t>10/28/2024</a:t>
+              <a:t>29-10-2024</a:t>
             </a:fld>
             <a:endParaRPr lang="en-US"/>
           </a:p>
@@ -3454,7 +3797,7 @@
           <a:p>
             <a:fld id="{0DDA1736-F120-4305-85B4-E3F6D7A6DF38}" type="datetimeFigureOut">
               <a:rPr lang="en-US" smtClean="0"/>
-              <a:t>10/28/2024</a:t>
+              <a:t>29-10-2024</a:t>
             </a:fld>
             <a:endParaRPr lang="en-US"/>
           </a:p>
@@ -3742,7 +4085,7 @@
           <a:p>
             <a:fld id="{0DDA1736-F120-4305-85B4-E3F6D7A6DF38}" type="datetimeFigureOut">
               <a:rPr lang="en-US" smtClean="0"/>
-              <a:t>10/28/2024</a:t>
+              <a:t>29-10-2024</a:t>
             </a:fld>
             <a:endParaRPr lang="en-US"/>
           </a:p>
@@ -3983,7 +4326,7 @@
           <a:p>
             <a:fld id="{0DDA1736-F120-4305-85B4-E3F6D7A6DF38}" type="datetimeFigureOut">
               <a:rPr lang="en-US" smtClean="0"/>
-              <a:t>10/28/2024</a:t>
+              <a:t>29-10-2024</a:t>
             </a:fld>
             <a:endParaRPr lang="en-US"/>
           </a:p>
@@ -6637,10 +6980,10 @@
       </p:grpSpPr>
       <p:pic>
         <p:nvPicPr>
-          <p:cNvPr id="4098" name="Picture 2">
+          <p:cNvPr id="1028" name="Picture 4" descr="Làm quen với Katalon Studio | Kiểm Thử Tự Động">
             <a:extLst>
               <a:ext uri="{FF2B5EF4-FFF2-40B4-BE49-F238E27FC236}">
-                <a16:creationId xmlns:a16="http://schemas.microsoft.com/office/drawing/2014/main" id="{AD514F7F-3173-2E2C-CDC9-521E3AEB73FB}"/>
+                <a16:creationId xmlns:a16="http://schemas.microsoft.com/office/drawing/2014/main" id="{5081B6E0-2DDD-6B5A-EB0E-DE38EFA89D27}"/>
               </a:ext>
             </a:extLst>
           </p:cNvPr>
@@ -6651,7 +6994,6 @@
         </p:nvPicPr>
         <p:blipFill>
           <a:blip r:embed="rId3">
-            <a:alphaModFix amt="20000"/>
             <a:extLst>
               <a:ext uri="{28A0092B-C50C-407E-A947-70E740481C1C}">
                 <a14:useLocalDpi xmlns:a14="http://schemas.microsoft.com/office/drawing/2010/main" val="0"/>
@@ -6665,8 +7007,8 @@
         </p:blipFill>
         <p:spPr bwMode="auto">
           <a:xfrm>
-            <a:off x="271303" y="1826431"/>
-            <a:ext cx="5634269" cy="3763148"/>
+            <a:off x="797859" y="957183"/>
+            <a:ext cx="10425659" cy="5814166"/>
           </a:xfrm>
           <a:prstGeom prst="rect">
             <a:avLst/>
@@ -6735,94 +7077,17 @@
                   <a:schemeClr val="bg1"/>
                 </a:solidFill>
               </a:rPr>
-              <a:t>SƠ LƯỢC VỀ GIAO DIỆN</a:t>
+              <a:t>SƠ LƯỢC VỀ GIAO DIỆN CHÍNH</a:t>
             </a:r>
           </a:p>
         </p:txBody>
       </p:sp>
-      <p:pic>
-        <p:nvPicPr>
-          <p:cNvPr id="3074" name="Picture 2">
-            <a:extLst>
-              <a:ext uri="{FF2B5EF4-FFF2-40B4-BE49-F238E27FC236}">
-                <a16:creationId xmlns:a16="http://schemas.microsoft.com/office/drawing/2014/main" id="{8AC34EAA-BB69-18CC-9806-65965E817A60}"/>
-              </a:ext>
-            </a:extLst>
-          </p:cNvPr>
-          <p:cNvPicPr>
-            <a:picLocks noChangeAspect="1" noChangeArrowheads="1"/>
-          </p:cNvPicPr>
-          <p:nvPr/>
-        </p:nvPicPr>
-        <p:blipFill rotWithShape="1">
-          <a:blip r:embed="rId4">
-            <a:extLst>
-              <a:ext uri="{BEBA8EAE-BF5A-486C-A8C5-ECC9F3942E4B}">
-                <a14:imgProps xmlns:a14="http://schemas.microsoft.com/office/drawing/2010/main">
-                  <a14:imgLayer r:embed="rId5">
-                    <a14:imgEffect>
-                      <a14:colorTemperature colorTemp="4700"/>
-                    </a14:imgEffect>
-                  </a14:imgLayer>
-                </a14:imgProps>
-              </a:ext>
-              <a:ext uri="{28A0092B-C50C-407E-A947-70E740481C1C}">
-                <a14:useLocalDpi xmlns:a14="http://schemas.microsoft.com/office/drawing/2010/main" val="0"/>
-              </a:ext>
-            </a:extLst>
-          </a:blip>
-          <a:srcRect l="-1" r="26138"/>
-          <a:stretch/>
-        </p:blipFill>
-        <p:spPr bwMode="auto">
-          <a:xfrm>
-            <a:off x="6022140" y="180975"/>
-            <a:ext cx="5838556" cy="4886325"/>
-          </a:xfrm>
-          <a:prstGeom prst="roundRect">
-            <a:avLst>
-              <a:gd name="adj" fmla="val 3436"/>
-            </a:avLst>
-          </a:prstGeom>
-          <a:ln>
-            <a:noFill/>
-          </a:ln>
-          <a:effectLst>
-            <a:outerShdw blurRad="533400" dist="12000" dir="900000" sy="98000" kx="110000" ky="200000" algn="tl" rotWithShape="0">
-              <a:srgbClr val="000000">
-                <a:alpha val="30000"/>
-              </a:srgbClr>
-            </a:outerShdw>
-          </a:effectLst>
-          <a:scene3d>
-            <a:camera prst="perspectiveRelaxed">
-              <a:rot lat="19800000" lon="1200000" rev="20820000"/>
-            </a:camera>
-            <a:lightRig rig="threePt" dir="t"/>
-          </a:scene3d>
-          <a:sp3d contourW="6350" prstMaterial="matte">
-            <a:bevelT w="101600" h="101600"/>
-            <a:contourClr>
-              <a:srgbClr val="969696"/>
-            </a:contourClr>
-          </a:sp3d>
-          <a:extLst>
-            <a:ext uri="{909E8E84-426E-40DD-AFC4-6F175D3DCCD1}">
-              <a14:hiddenFill xmlns:a14="http://schemas.microsoft.com/office/drawing/2010/main">
-                <a:solidFill>
-                  <a:srgbClr val="FFFFFF"/>
-                </a:solidFill>
-              </a14:hiddenFill>
-            </a:ext>
-          </a:extLst>
-        </p:spPr>
-      </p:pic>
       <p:sp>
         <p:nvSpPr>
-          <p:cNvPr id="8" name="TextBox 7">
+          <p:cNvPr id="3" name="TextBox 2">
             <a:extLst>
               <a:ext uri="{FF2B5EF4-FFF2-40B4-BE49-F238E27FC236}">
-                <a16:creationId xmlns:a16="http://schemas.microsoft.com/office/drawing/2014/main" id="{A1EE2C72-BAB1-CC4A-0149-F5B446B9C966}"/>
+                <a16:creationId xmlns:a16="http://schemas.microsoft.com/office/drawing/2014/main" id="{68EFFDB5-DD30-8A0F-2684-FEB946AD37D8}"/>
               </a:ext>
             </a:extLst>
           </p:cNvPr>
@@ -6831,8 +7096,8 @@
         </p:nvSpPr>
         <p:spPr>
           <a:xfrm>
-            <a:off x="404728" y="1268421"/>
-            <a:ext cx="5367421" cy="3297992"/>
+            <a:off x="2241175" y="1029832"/>
+            <a:ext cx="5952565" cy="369332"/>
           </a:xfrm>
           <a:prstGeom prst="rect">
             <a:avLst/>
@@ -6841,7 +7106,7 @@
         </p:spPr>
         <p:txBody>
           <a:bodyPr wrap="square" rtlCol="0">
-            <a:noAutofit/>
+            <a:spAutoFit/>
           </a:bodyPr>
           <a:lstStyle/>
           <a:p>
@@ -6851,62 +7116,12 @@
               </a:spcBef>
             </a:pPr>
             <a:r>
-              <a:rPr lang="vi-VN" b="1">
-                <a:solidFill>
-                  <a:srgbClr val="294B6B"/>
-                </a:solidFill>
-              </a:rPr>
-              <a:t>Giao diện chính của Katalon Studio gồm</a:t>
-            </a:r>
-          </a:p>
-          <a:p>
-            <a:pPr>
-              <a:spcBef>
-                <a:spcPts val="1200"/>
-              </a:spcBef>
-              <a:buFont typeface="Arial" panose="020B0604020202020204" pitchFamily="34" charset="0"/>
-              <a:buChar char="•"/>
-            </a:pPr>
-            <a:r>
               <a:rPr lang="en-US" b="1">
                 <a:solidFill>
                   <a:srgbClr val="294B6B"/>
                 </a:solidFill>
               </a:rPr>
-              <a:t> </a:t>
-            </a:r>
-            <a:r>
-              <a:rPr lang="vi-VN" b="1">
-                <a:solidFill>
-                  <a:srgbClr val="294B6B"/>
-                </a:solidFill>
-              </a:rPr>
-              <a:t>Menu bar</a:t>
-            </a:r>
-            <a:r>
-              <a:rPr lang="vi-VN">
-                <a:solidFill>
-                  <a:srgbClr val="294B6B"/>
-                </a:solidFill>
-              </a:rPr>
-              <a:t>: Chứa các menu chính như File, Edit, View, Test Cases.</a:t>
-            </a:r>
-          </a:p>
-          <a:p>
-            <a:pPr>
-              <a:spcBef>
-                <a:spcPts val="600"/>
-              </a:spcBef>
-              <a:buFont typeface="Arial" panose="020B0604020202020204" pitchFamily="34" charset="0"/>
-              <a:buChar char="•"/>
-            </a:pPr>
-            <a:r>
-              <a:rPr lang="en-US" b="1">
-                <a:solidFill>
-                  <a:srgbClr val="294B6B"/>
-                </a:solidFill>
-              </a:rPr>
-              <a:t> </a:t>
+              <a:t>. </a:t>
             </a:r>
             <a:r>
               <a:rPr lang="vi-VN" b="1">
@@ -6925,125 +7140,14 @@
               <a:t>: Nơi có các nút tạo, chạy, và debug test case.</a:t>
             </a:r>
           </a:p>
-          <a:p>
-            <a:pPr>
-              <a:spcBef>
-                <a:spcPts val="600"/>
-              </a:spcBef>
-              <a:buFont typeface="Arial" panose="020B0604020202020204" pitchFamily="34" charset="0"/>
-              <a:buChar char="•"/>
-            </a:pPr>
-            <a:r>
-              <a:rPr lang="en-US" b="1">
-                <a:solidFill>
-                  <a:srgbClr val="294B6B"/>
-                </a:solidFill>
-              </a:rPr>
-              <a:t> </a:t>
-            </a:r>
-            <a:r>
-              <a:rPr lang="vi-VN" b="1">
-                <a:solidFill>
-                  <a:srgbClr val="294B6B"/>
-                </a:solidFill>
-              </a:rPr>
-              <a:t>Project Explorer</a:t>
-            </a:r>
-            <a:r>
-              <a:rPr lang="vi-VN">
-                <a:solidFill>
-                  <a:srgbClr val="294B6B"/>
-                </a:solidFill>
-              </a:rPr>
-              <a:t>: Hiển thị cấu trúc dự án gồm test case, object repository.</a:t>
-            </a:r>
-          </a:p>
-          <a:p>
-            <a:pPr>
-              <a:spcBef>
-                <a:spcPts val="600"/>
-              </a:spcBef>
-              <a:buFont typeface="Arial" panose="020B0604020202020204" pitchFamily="34" charset="0"/>
-              <a:buChar char="•"/>
-            </a:pPr>
-            <a:r>
-              <a:rPr lang="en-US" b="1">
-                <a:solidFill>
-                  <a:srgbClr val="294B6B"/>
-                </a:solidFill>
-              </a:rPr>
-              <a:t> </a:t>
-            </a:r>
-            <a:r>
-              <a:rPr lang="vi-VN" b="1">
-                <a:solidFill>
-                  <a:srgbClr val="294B6B"/>
-                </a:solidFill>
-              </a:rPr>
-              <a:t>Editor</a:t>
-            </a:r>
-            <a:r>
-              <a:rPr lang="vi-VN">
-                <a:solidFill>
-                  <a:srgbClr val="294B6B"/>
-                </a:solidFill>
-              </a:rPr>
-              <a:t>: Khu vực viết code và chỉnh sửa test case.</a:t>
-            </a:r>
-          </a:p>
-          <a:p>
-            <a:pPr>
-              <a:spcBef>
-                <a:spcPts val="600"/>
-              </a:spcBef>
-              <a:buFont typeface="Arial" panose="020B0604020202020204" pitchFamily="34" charset="0"/>
-              <a:buChar char="•"/>
-            </a:pPr>
-            <a:r>
-              <a:rPr lang="en-US" b="1">
-                <a:solidFill>
-                  <a:srgbClr val="294B6B"/>
-                </a:solidFill>
-              </a:rPr>
-              <a:t> </a:t>
-            </a:r>
-            <a:r>
-              <a:rPr lang="vi-VN" b="1">
-                <a:solidFill>
-                  <a:srgbClr val="294B6B"/>
-                </a:solidFill>
-              </a:rPr>
-              <a:t>Log Viewer</a:t>
-            </a:r>
-            <a:r>
-              <a:rPr lang="vi-VN">
-                <a:solidFill>
-                  <a:srgbClr val="294B6B"/>
-                </a:solidFill>
-              </a:rPr>
-              <a:t>: Hiển thị log, lỗi và thông tin thực thi test case.</a:t>
-            </a:r>
-          </a:p>
-          <a:p>
-            <a:pPr>
-              <a:spcBef>
-                <a:spcPts val="600"/>
-              </a:spcBef>
-            </a:pPr>
-            <a:endParaRPr lang="en-US">
-              <a:solidFill>
-                <a:srgbClr val="294B6B"/>
-              </a:solidFill>
-            </a:endParaRPr>
-          </a:p>
         </p:txBody>
       </p:sp>
       <p:sp>
         <p:nvSpPr>
-          <p:cNvPr id="11" name="TextBox 10">
+          <p:cNvPr id="4" name="TextBox 3">
             <a:extLst>
               <a:ext uri="{FF2B5EF4-FFF2-40B4-BE49-F238E27FC236}">
-                <a16:creationId xmlns:a16="http://schemas.microsoft.com/office/drawing/2014/main" id="{31FBFD46-5518-BF00-DBE0-F998412850E2}"/>
+                <a16:creationId xmlns:a16="http://schemas.microsoft.com/office/drawing/2014/main" id="{BC4A83D8-41C0-6900-ABC2-294384EEFC95}"/>
               </a:ext>
             </a:extLst>
           </p:cNvPr>
@@ -7052,8 +7156,8 @@
         </p:nvSpPr>
         <p:spPr>
           <a:xfrm>
-            <a:off x="411914" y="4631168"/>
-            <a:ext cx="5610226" cy="1919693"/>
+            <a:off x="2178422" y="6338047"/>
+            <a:ext cx="8005483" cy="646331"/>
           </a:xfrm>
           <a:prstGeom prst="rect">
             <a:avLst/>
@@ -7061,137 +7165,47 @@
           <a:noFill/>
         </p:spPr>
         <p:txBody>
-          <a:bodyPr wrap="square">
+          <a:bodyPr wrap="square" rtlCol="0">
             <a:spAutoFit/>
           </a:bodyPr>
           <a:lstStyle/>
           <a:p>
-            <a:pPr>
-              <a:lnSpc>
-                <a:spcPct val="107000"/>
-              </a:lnSpc>
-            </a:pPr>
-            <a:r>
-              <a:rPr lang="vi-VN" sz="1400" b="1" i="1" kern="100">
+            <a:r>
+              <a:rPr lang="en-US" b="1">
                 <a:solidFill>
                   <a:srgbClr val="294B6B"/>
                 </a:solidFill>
-                <a:effectLst/>
-                <a:latin typeface="Arial (Body)"/>
-                <a:ea typeface="Calibri" panose="020F0502020204030204" pitchFamily="34" charset="0"/>
-                <a:cs typeface="Times New Roman" panose="02020603050405020304" pitchFamily="18" charset="0"/>
               </a:rPr>
-              <a:t>Các thành phần quan trọng</a:t>
-            </a:r>
-            <a:r>
-              <a:rPr lang="en-US" sz="1400" b="1" i="1" kern="100">
+              <a:t>. </a:t>
+            </a:r>
+            <a:r>
+              <a:rPr lang="vi-VN" b="1">
                 <a:solidFill>
                   <a:srgbClr val="294B6B"/>
                 </a:solidFill>
-                <a:effectLst/>
-                <a:latin typeface="Arial (Body)"/>
-                <a:ea typeface="Calibri" panose="020F0502020204030204" pitchFamily="34" charset="0"/>
-                <a:cs typeface="Times New Roman" panose="02020603050405020304" pitchFamily="18" charset="0"/>
               </a:rPr>
-              <a:t> khác như</a:t>
-            </a:r>
-            <a:r>
-              <a:rPr lang="vi-VN" sz="1400" b="1" i="1" kern="100">
+              <a:t>Project Explorer</a:t>
+            </a:r>
+            <a:r>
+              <a:rPr lang="vi-VN">
                 <a:solidFill>
                   <a:srgbClr val="294B6B"/>
                 </a:solidFill>
-                <a:effectLst/>
-                <a:latin typeface="Arial (Body)"/>
-                <a:ea typeface="Calibri" panose="020F0502020204030204" pitchFamily="34" charset="0"/>
-                <a:cs typeface="Times New Roman" panose="02020603050405020304" pitchFamily="18" charset="0"/>
               </a:rPr>
-              <a:t>:</a:t>
-            </a:r>
-          </a:p>
-          <a:p>
-            <a:pPr>
-              <a:lnSpc>
-                <a:spcPct val="107000"/>
-              </a:lnSpc>
-            </a:pPr>
-            <a:r>
-              <a:rPr lang="vi-VN" sz="1400" i="1" kern="100">
-                <a:solidFill>
-                  <a:srgbClr val="294B6B"/>
-                </a:solidFill>
-                <a:effectLst/>
-                <a:latin typeface="Arial (Body)"/>
-                <a:ea typeface="Calibri" panose="020F0502020204030204" pitchFamily="34" charset="0"/>
-                <a:cs typeface="Times New Roman" panose="02020603050405020304" pitchFamily="18" charset="0"/>
-              </a:rPr>
-              <a:t>- Object Repository: Lưu trữ đối tượng giao diện ứng dụng (web, mobile, API) để tái sử dụng trong test case.</a:t>
-            </a:r>
-          </a:p>
-          <a:p>
-            <a:pPr>
-              <a:lnSpc>
-                <a:spcPct val="107000"/>
-              </a:lnSpc>
-            </a:pPr>
-            <a:r>
-              <a:rPr lang="vi-VN" sz="1400" i="1" kern="100">
-                <a:solidFill>
-                  <a:srgbClr val="294B6B"/>
-                </a:solidFill>
-                <a:effectLst/>
-                <a:latin typeface="Arial (Body)"/>
-                <a:ea typeface="Calibri" panose="020F0502020204030204" pitchFamily="34" charset="0"/>
-                <a:cs typeface="Times New Roman" panose="02020603050405020304" pitchFamily="18" charset="0"/>
-              </a:rPr>
-              <a:t>- Test Cases: Các bước thực hiện test case, viết bằng Groovy hoặc keyword.</a:t>
-            </a:r>
-          </a:p>
-          <a:p>
-            <a:pPr>
-              <a:lnSpc>
-                <a:spcPct val="107000"/>
-              </a:lnSpc>
-            </a:pPr>
-            <a:r>
-              <a:rPr lang="vi-VN" sz="1400" i="1" kern="100">
-                <a:solidFill>
-                  <a:srgbClr val="294B6B"/>
-                </a:solidFill>
-                <a:effectLst/>
-                <a:latin typeface="Arial (Body)"/>
-                <a:ea typeface="Calibri" panose="020F0502020204030204" pitchFamily="34" charset="0"/>
-                <a:cs typeface="Times New Roman" panose="02020603050405020304" pitchFamily="18" charset="0"/>
-              </a:rPr>
-              <a:t>- Test Suites: Tập hợp các test case liên quan để quản lý hiệu quả.</a:t>
-            </a:r>
-          </a:p>
-          <a:p>
-            <a:pPr>
-              <a:lnSpc>
-                <a:spcPct val="107000"/>
-              </a:lnSpc>
-            </a:pPr>
-            <a:r>
-              <a:rPr lang="vi-VN" sz="1400" i="1" kern="100">
-                <a:solidFill>
-                  <a:srgbClr val="294B6B"/>
-                </a:solidFill>
-                <a:effectLst/>
-                <a:latin typeface="Arial (Body)"/>
-                <a:ea typeface="Calibri" panose="020F0502020204030204" pitchFamily="34" charset="0"/>
-                <a:cs typeface="Times New Roman" panose="02020603050405020304" pitchFamily="18" charset="0"/>
-              </a:rPr>
-              <a:t>- Keywords: Hàm hoặc phương thức định nghĩa trước để tái sử dụng code và modular hóa test case.</a:t>
-            </a:r>
+              <a:t>: Hiển thị cấu trúc dự án gồm test case, object repository.</a:t>
+            </a:r>
+          </a:p>
+          <a:p>
+            <a:endParaRPr lang="en-US"/>
           </a:p>
         </p:txBody>
       </p:sp>
       <p:sp>
         <p:nvSpPr>
-          <p:cNvPr id="12" name="TextBox 11">
+          <p:cNvPr id="6" name="TextBox 5">
             <a:extLst>
               <a:ext uri="{FF2B5EF4-FFF2-40B4-BE49-F238E27FC236}">
-                <a16:creationId xmlns:a16="http://schemas.microsoft.com/office/drawing/2014/main" id="{020693D7-E15A-D3AF-D407-C306A7CAA131}"/>
+                <a16:creationId xmlns:a16="http://schemas.microsoft.com/office/drawing/2014/main" id="{847A17C2-5861-F7B7-6655-B7D235A231E8}"/>
               </a:ext>
             </a:extLst>
           </p:cNvPr>
@@ -7200,8 +7214,8 @@
         </p:nvSpPr>
         <p:spPr>
           <a:xfrm>
-            <a:off x="6096000" y="5322704"/>
-            <a:ext cx="6095999" cy="1228157"/>
+            <a:off x="10614212" y="3429000"/>
+            <a:ext cx="1577788" cy="1477328"/>
           </a:xfrm>
           <a:prstGeom prst="rect">
             <a:avLst/>
@@ -7209,185 +7223,79 @@
           <a:noFill/>
         </p:spPr>
         <p:txBody>
-          <a:bodyPr wrap="square">
+          <a:bodyPr wrap="square" rtlCol="0">
             <a:spAutoFit/>
           </a:bodyPr>
           <a:lstStyle/>
           <a:p>
-            <a:pPr>
-              <a:lnSpc>
-                <a:spcPct val="107000"/>
-              </a:lnSpc>
-              <a:spcBef>
-                <a:spcPts val="600"/>
-              </a:spcBef>
-            </a:pPr>
-            <a:r>
-              <a:rPr lang="en-US" sz="1400" b="1" i="1" kern="100">
+            <a:r>
+              <a:rPr lang="vi-VN" b="1">
+                <a:solidFill>
+                  <a:srgbClr val="294B6B"/>
+                </a:solidFill>
+              </a:rPr>
+              <a:t>Editor</a:t>
+            </a:r>
+            <a:r>
+              <a:rPr lang="vi-VN">
+                <a:solidFill>
+                  <a:srgbClr val="294B6B"/>
+                </a:solidFill>
+              </a:rPr>
+              <a:t>: Khu vực viết code và chỉnh sửa test case.</a:t>
+            </a:r>
+          </a:p>
+          <a:p>
+            <a:endParaRPr lang="en-US"/>
+          </a:p>
+        </p:txBody>
+      </p:sp>
+      <p:sp>
+        <p:nvSpPr>
+          <p:cNvPr id="7" name="TextBox 6">
+            <a:extLst>
+              <a:ext uri="{FF2B5EF4-FFF2-40B4-BE49-F238E27FC236}">
+                <a16:creationId xmlns:a16="http://schemas.microsoft.com/office/drawing/2014/main" id="{D4C23A69-1DD4-7E6C-AA5A-AEC24826774F}"/>
+              </a:ext>
+            </a:extLst>
+          </p:cNvPr>
+          <p:cNvSpPr txBox="1"/>
+          <p:nvPr/>
+        </p:nvSpPr>
+        <p:spPr>
+          <a:xfrm>
+            <a:off x="4061306" y="5490124"/>
+            <a:ext cx="6463259" cy="369332"/>
+          </a:xfrm>
+          <a:prstGeom prst="rect">
+            <a:avLst/>
+          </a:prstGeom>
+          <a:noFill/>
+        </p:spPr>
+        <p:txBody>
+          <a:bodyPr wrap="square" rtlCol="0">
+            <a:spAutoFit/>
+          </a:bodyPr>
+          <a:lstStyle/>
+          <a:p>
+            <a:r>
+              <a:rPr lang="en-US" b="0" i="0">
                 <a:solidFill>
                   <a:srgbClr val="294B6B"/>
                 </a:solidFill>
                 <a:effectLst/>
-                <a:latin typeface="Arial (Body)"/>
-                <a:ea typeface="Calibri" panose="020F0502020204030204" pitchFamily="34" charset="0"/>
-                <a:cs typeface="Times New Roman" panose="02020603050405020304" pitchFamily="18" charset="0"/>
+                <a:latin typeface="Roboto" panose="02000000000000000000" pitchFamily="2" charset="0"/>
               </a:rPr>
-              <a:t>Và </a:t>
-            </a:r>
-            <a:r>
-              <a:rPr lang="en-US" sz="1400" b="1" i="1" kern="100">
-                <a:solidFill>
-                  <a:srgbClr val="294B6B"/>
-                </a:solidFill>
-                <a:latin typeface="Arial (Body)"/>
-                <a:ea typeface="Calibri" panose="020F0502020204030204" pitchFamily="34" charset="0"/>
-                <a:cs typeface="Times New Roman" panose="02020603050405020304" pitchFamily="18" charset="0"/>
-              </a:rPr>
-              <a:t>t</a:t>
-            </a:r>
-            <a:r>
-              <a:rPr lang="vi-VN" sz="1400" b="1" i="1" kern="100">
-                <a:solidFill>
-                  <a:srgbClr val="294B6B"/>
-                </a:solidFill>
-                <a:effectLst/>
-                <a:latin typeface="Arial (Body)"/>
-                <a:ea typeface="Calibri" panose="020F0502020204030204" pitchFamily="34" charset="0"/>
-                <a:cs typeface="Times New Roman" panose="02020603050405020304" pitchFamily="18" charset="0"/>
-              </a:rPr>
-              <a:t>ính năng nổi bật:</a:t>
-            </a:r>
-          </a:p>
-          <a:p>
-            <a:pPr>
-              <a:lnSpc>
-                <a:spcPct val="107000"/>
-              </a:lnSpc>
-            </a:pPr>
-            <a:r>
-              <a:rPr lang="vi-VN" sz="1400" i="1" kern="100">
-                <a:solidFill>
-                  <a:srgbClr val="294B6B"/>
-                </a:solidFill>
-                <a:effectLst/>
-                <a:latin typeface="Arial (Body)"/>
-                <a:ea typeface="Calibri" panose="020F0502020204030204" pitchFamily="34" charset="0"/>
-                <a:cs typeface="Times New Roman" panose="02020603050405020304" pitchFamily="18" charset="0"/>
-              </a:rPr>
-              <a:t>- Hỗ trợ nhiều ngôn ngữ (keyword-driven, Groovy).</a:t>
-            </a:r>
-          </a:p>
-          <a:p>
-            <a:pPr>
-              <a:lnSpc>
-                <a:spcPct val="107000"/>
-              </a:lnSpc>
-            </a:pPr>
-            <a:r>
-              <a:rPr lang="vi-VN" sz="1400" i="1" kern="100">
-                <a:solidFill>
-                  <a:srgbClr val="294B6B"/>
-                </a:solidFill>
-                <a:effectLst/>
-                <a:latin typeface="Arial (Body)"/>
-                <a:ea typeface="Calibri" panose="020F0502020204030204" pitchFamily="34" charset="0"/>
-                <a:cs typeface="Times New Roman" panose="02020603050405020304" pitchFamily="18" charset="0"/>
-              </a:rPr>
-              <a:t>- Tích hợp các framework phổ biến (Selenium, Appium, API, Database).</a:t>
-            </a:r>
-          </a:p>
-          <a:p>
-            <a:pPr>
-              <a:lnSpc>
-                <a:spcPct val="107000"/>
-              </a:lnSpc>
-            </a:pPr>
-            <a:r>
-              <a:rPr lang="vi-VN" sz="1400" i="1" kern="100">
-                <a:solidFill>
-                  <a:srgbClr val="294B6B"/>
-                </a:solidFill>
-                <a:effectLst/>
-                <a:latin typeface="Arial (Body)"/>
-                <a:ea typeface="Calibri" panose="020F0502020204030204" pitchFamily="34" charset="0"/>
-                <a:cs typeface="Times New Roman" panose="02020603050405020304" pitchFamily="18" charset="0"/>
-              </a:rPr>
-              <a:t>- Tùy biến cao với giao diện và plugin.</a:t>
-            </a:r>
-          </a:p>
-          <a:p>
-            <a:pPr>
-              <a:lnSpc>
-                <a:spcPct val="107000"/>
-              </a:lnSpc>
-            </a:pPr>
-            <a:r>
-              <a:rPr lang="vi-VN" sz="1400" i="1" kern="100">
-                <a:solidFill>
-                  <a:srgbClr val="294B6B"/>
-                </a:solidFill>
-                <a:effectLst/>
-                <a:latin typeface="Arial (Body)"/>
-                <a:ea typeface="Calibri" panose="020F0502020204030204" pitchFamily="34" charset="0"/>
-                <a:cs typeface="Times New Roman" panose="02020603050405020304" pitchFamily="18" charset="0"/>
-              </a:rPr>
-              <a:t>- Báo cáo chi tiết, trực quan.</a:t>
-            </a:r>
-            <a:endParaRPr lang="en-US" sz="1400" i="1" kern="100">
+              <a:t>Hiển thị các kết quả test, hỗ trợ chế độ Console và Log Viewer</a:t>
+            </a:r>
+            <a:endParaRPr lang="en-US">
               <a:solidFill>
                 <a:srgbClr val="294B6B"/>
               </a:solidFill>
-              <a:effectLst/>
-              <a:latin typeface="Arial (Body)"/>
-              <a:ea typeface="Calibri" panose="020F0502020204030204" pitchFamily="34" charset="0"/>
-              <a:cs typeface="Times New Roman" panose="02020603050405020304" pitchFamily="18" charset="0"/>
             </a:endParaRPr>
           </a:p>
         </p:txBody>
       </p:sp>
-      <p:cxnSp>
-        <p:nvCxnSpPr>
-          <p:cNvPr id="14" name="Straight Connector 13">
-            <a:extLst>
-              <a:ext uri="{FF2B5EF4-FFF2-40B4-BE49-F238E27FC236}">
-                <a16:creationId xmlns:a16="http://schemas.microsoft.com/office/drawing/2014/main" id="{B06AB109-5E6D-D0FE-1975-E28D66B1BF53}"/>
-              </a:ext>
-            </a:extLst>
-          </p:cNvPr>
-          <p:cNvCxnSpPr>
-            <a:cxnSpLocks/>
-          </p:cNvCxnSpPr>
-          <p:nvPr/>
-        </p:nvCxnSpPr>
-        <p:spPr>
-          <a:xfrm>
-            <a:off x="6043528" y="5434126"/>
-            <a:ext cx="0" cy="1023824"/>
-          </a:xfrm>
-          <a:prstGeom prst="line">
-            <a:avLst/>
-          </a:prstGeom>
-          <a:ln>
-            <a:solidFill>
-              <a:srgbClr val="294B6B"/>
-            </a:solidFill>
-          </a:ln>
-        </p:spPr>
-        <p:style>
-          <a:lnRef idx="1">
-            <a:schemeClr val="accent1"/>
-          </a:lnRef>
-          <a:fillRef idx="0">
-            <a:schemeClr val="accent1"/>
-          </a:fillRef>
-          <a:effectRef idx="0">
-            <a:schemeClr val="accent1"/>
-          </a:effectRef>
-          <a:fontRef idx="minor">
-            <a:schemeClr val="tx1"/>
-          </a:fontRef>
-        </p:style>
-      </p:cxnSp>
     </p:spTree>
     <p:extLst>
       <p:ext uri="{BB962C8B-B14F-4D97-AF65-F5344CB8AC3E}">
@@ -7425,7 +7333,7 @@
                             </p:stCondLst>
                             <p:childTnLst>
                               <p:par>
-                                <p:cTn id="5" presetID="31" presetClass="entr" presetSubtype="0" fill="hold" nodeType="afterEffect">
+                                <p:cTn id="5" presetID="16" presetClass="entr" presetSubtype="21" fill="hold" grpId="0" nodeType="afterEffect">
                                   <p:stCondLst>
                                     <p:cond delay="0"/>
                                   </p:stCondLst>
@@ -7438,7 +7346,7 @@
                                           </p:stCondLst>
                                         </p:cTn>
                                         <p:tgtEl>
-                                          <p:spTgt spid="3074"/>
+                                          <p:spTgt spid="3"/>
                                         </p:tgtEl>
                                         <p:attrNameLst>
                                           <p:attrName>style.visibility</p:attrName>
@@ -7448,80 +7356,143 @@
                                         <p:strVal val="visible"/>
                                       </p:to>
                                     </p:set>
-                                    <p:anim calcmode="lin" valueType="num">
+                                    <p:animEffect transition="in" filter="barn(inVertical)">
                                       <p:cBhvr>
-                                        <p:cTn id="7" dur="1000" fill="hold"/>
+                                        <p:cTn id="7" dur="500"/>
                                         <p:tgtEl>
-                                          <p:spTgt spid="3074"/>
+                                          <p:spTgt spid="3"/>
+                                        </p:tgtEl>
+                                      </p:cBhvr>
+                                    </p:animEffect>
+                                  </p:childTnLst>
+                                </p:cTn>
+                              </p:par>
+                            </p:childTnLst>
+                          </p:cTn>
+                        </p:par>
+                        <p:par>
+                          <p:cTn id="8" fill="hold">
+                            <p:stCondLst>
+                              <p:cond delay="500"/>
+                            </p:stCondLst>
+                            <p:childTnLst>
+                              <p:par>
+                                <p:cTn id="9" presetID="16" presetClass="entr" presetSubtype="21" fill="hold" grpId="0" nodeType="afterEffect">
+                                  <p:stCondLst>
+                                    <p:cond delay="0"/>
+                                  </p:stCondLst>
+                                  <p:childTnLst>
+                                    <p:set>
+                                      <p:cBhvr>
+                                        <p:cTn id="10" dur="1" fill="hold">
+                                          <p:stCondLst>
+                                            <p:cond delay="0"/>
+                                          </p:stCondLst>
+                                        </p:cTn>
+                                        <p:tgtEl>
+                                          <p:spTgt spid="4"/>
                                         </p:tgtEl>
                                         <p:attrNameLst>
-                                          <p:attrName>ppt_w</p:attrName>
+                                          <p:attrName>style.visibility</p:attrName>
                                         </p:attrNameLst>
                                       </p:cBhvr>
-                                      <p:tavLst>
-                                        <p:tav tm="0">
-                                          <p:val>
-                                            <p:fltVal val="0"/>
-                                          </p:val>
-                                        </p:tav>
-                                        <p:tav tm="100000">
-                                          <p:val>
-                                            <p:strVal val="#ppt_w"/>
-                                          </p:val>
-                                        </p:tav>
-                                      </p:tavLst>
-                                    </p:anim>
-                                    <p:anim calcmode="lin" valueType="num">
+                                      <p:to>
+                                        <p:strVal val="visible"/>
+                                      </p:to>
+                                    </p:set>
+                                    <p:animEffect transition="in" filter="barn(inVertical)">
                                       <p:cBhvr>
-                                        <p:cTn id="8" dur="1000" fill="hold"/>
+                                        <p:cTn id="11" dur="500"/>
                                         <p:tgtEl>
-                                          <p:spTgt spid="3074"/>
+                                          <p:spTgt spid="4"/>
+                                        </p:tgtEl>
+                                      </p:cBhvr>
+                                    </p:animEffect>
+                                  </p:childTnLst>
+                                </p:cTn>
+                              </p:par>
+                            </p:childTnLst>
+                          </p:cTn>
+                        </p:par>
+                        <p:par>
+                          <p:cTn id="12" fill="hold">
+                            <p:stCondLst>
+                              <p:cond delay="1000"/>
+                            </p:stCondLst>
+                            <p:childTnLst>
+                              <p:par>
+                                <p:cTn id="13" presetID="16" presetClass="entr" presetSubtype="21" fill="hold" grpId="0" nodeType="afterEffect">
+                                  <p:stCondLst>
+                                    <p:cond delay="0"/>
+                                  </p:stCondLst>
+                                  <p:childTnLst>
+                                    <p:set>
+                                      <p:cBhvr>
+                                        <p:cTn id="14" dur="1" fill="hold">
+                                          <p:stCondLst>
+                                            <p:cond delay="0"/>
+                                          </p:stCondLst>
+                                        </p:cTn>
+                                        <p:tgtEl>
+                                          <p:spTgt spid="6"/>
                                         </p:tgtEl>
                                         <p:attrNameLst>
-                                          <p:attrName>ppt_h</p:attrName>
+                                          <p:attrName>style.visibility</p:attrName>
                                         </p:attrNameLst>
                                       </p:cBhvr>
-                                      <p:tavLst>
-                                        <p:tav tm="0">
-                                          <p:val>
-                                            <p:fltVal val="0"/>
-                                          </p:val>
-                                        </p:tav>
-                                        <p:tav tm="100000">
-                                          <p:val>
-                                            <p:strVal val="#ppt_h"/>
-                                          </p:val>
-                                        </p:tav>
-                                      </p:tavLst>
-                                    </p:anim>
-                                    <p:anim calcmode="lin" valueType="num">
+                                      <p:to>
+                                        <p:strVal val="visible"/>
+                                      </p:to>
+                                    </p:set>
+                                    <p:animEffect transition="in" filter="barn(inVertical)">
                                       <p:cBhvr>
-                                        <p:cTn id="9" dur="1000" fill="hold"/>
+                                        <p:cTn id="15" dur="500"/>
                                         <p:tgtEl>
-                                          <p:spTgt spid="3074"/>
+                                          <p:spTgt spid="6"/>
+                                        </p:tgtEl>
+                                      </p:cBhvr>
+                                    </p:animEffect>
+                                  </p:childTnLst>
+                                </p:cTn>
+                              </p:par>
+                            </p:childTnLst>
+                          </p:cTn>
+                        </p:par>
+                        <p:par>
+                          <p:cTn id="16" fill="hold">
+                            <p:stCondLst>
+                              <p:cond delay="1500"/>
+                            </p:stCondLst>
+                            <p:childTnLst>
+                              <p:par>
+                                <p:cTn id="17" presetID="16" presetClass="entr" presetSubtype="21" fill="hold" grpId="0" nodeType="afterEffect">
+                                  <p:stCondLst>
+                                    <p:cond delay="0"/>
+                                  </p:stCondLst>
+                                  <p:childTnLst>
+                                    <p:set>
+                                      <p:cBhvr>
+                                        <p:cTn id="18" dur="1" fill="hold">
+                                          <p:stCondLst>
+                                            <p:cond delay="0"/>
+                                          </p:stCondLst>
+                                        </p:cTn>
+                                        <p:tgtEl>
+                                          <p:spTgt spid="7"/>
                                         </p:tgtEl>
                                         <p:attrNameLst>
-                                          <p:attrName>style.rotation</p:attrName>
+                                          <p:attrName>style.visibility</p:attrName>
                                         </p:attrNameLst>
                                       </p:cBhvr>
-                                      <p:tavLst>
-                                        <p:tav tm="0">
-                                          <p:val>
-                                            <p:fltVal val="90"/>
-                                          </p:val>
-                                        </p:tav>
-                                        <p:tav tm="100000">
-                                          <p:val>
-                                            <p:fltVal val="0"/>
-                                          </p:val>
-                                        </p:tav>
-                                      </p:tavLst>
-                                    </p:anim>
-                                    <p:animEffect transition="in" filter="fade">
+                                      <p:to>
+                                        <p:strVal val="visible"/>
+                                      </p:to>
+                                    </p:set>
+                                    <p:animEffect transition="in" filter="barn(inVertical)">
                                       <p:cBhvr>
-                                        <p:cTn id="10" dur="1000"/>
+                                        <p:cTn id="19" dur="500"/>
                                         <p:tgtEl>
-                                          <p:spTgt spid="3074"/>
+                                          <p:spTgt spid="7"/>
                                         </p:tgtEl>
                                       </p:cBhvr>
                                     </p:animEffect>
@@ -7555,11 +7526,1197 @@
         </p:cTn>
       </p:par>
     </p:tnLst>
+    <p:bldLst>
+      <p:bldP spid="3" grpId="0"/>
+      <p:bldP spid="4" grpId="0"/>
+      <p:bldP spid="6" grpId="0"/>
+      <p:bldP spid="7" grpId="0"/>
+    </p:bldLst>
   </p:timing>
 </p:sld>
 </file>
 
 <file path=ppt/slides/slide6.xml><?xml version="1.0" encoding="utf-8"?>
+<p:sld xmlns:a="http://schemas.openxmlformats.org/drawingml/2006/main" xmlns:r="http://schemas.openxmlformats.org/officeDocument/2006/relationships" xmlns:p="http://schemas.openxmlformats.org/presentationml/2006/main">
+  <p:cSld>
+    <p:spTree>
+      <p:nvGrpSpPr>
+        <p:cNvPr id="1" name=""/>
+        <p:cNvGrpSpPr/>
+        <p:nvPr/>
+      </p:nvGrpSpPr>
+      <p:grpSpPr>
+        <a:xfrm>
+          <a:off x="0" y="0"/>
+          <a:ext cx="0" cy="0"/>
+          <a:chOff x="0" y="0"/>
+          <a:chExt cx="0" cy="0"/>
+        </a:xfrm>
+      </p:grpSpPr>
+      <p:sp>
+        <p:nvSpPr>
+          <p:cNvPr id="4" name="Rectangle 3">
+            <a:extLst>
+              <a:ext uri="{FF2B5EF4-FFF2-40B4-BE49-F238E27FC236}">
+                <a16:creationId xmlns:a16="http://schemas.microsoft.com/office/drawing/2014/main" id="{CB8F3007-B302-4A3C-88ED-39C9A6DBE9ED}"/>
+              </a:ext>
+            </a:extLst>
+          </p:cNvPr>
+          <p:cNvSpPr/>
+          <p:nvPr/>
+        </p:nvSpPr>
+        <p:spPr>
+          <a:xfrm>
+            <a:off x="-1" y="0"/>
+            <a:ext cx="12192001" cy="957183"/>
+          </a:xfrm>
+          <a:prstGeom prst="rect">
+            <a:avLst/>
+          </a:prstGeom>
+          <a:solidFill>
+            <a:srgbClr val="00294F">
+              <a:alpha val="84000"/>
+            </a:srgbClr>
+          </a:solidFill>
+        </p:spPr>
+        <p:style>
+          <a:lnRef idx="2">
+            <a:schemeClr val="accent1">
+              <a:shade val="15000"/>
+            </a:schemeClr>
+          </a:lnRef>
+          <a:fillRef idx="1">
+            <a:schemeClr val="accent1"/>
+          </a:fillRef>
+          <a:effectRef idx="0">
+            <a:schemeClr val="accent1"/>
+          </a:effectRef>
+          <a:fontRef idx="minor">
+            <a:schemeClr val="lt1"/>
+          </a:fontRef>
+        </p:style>
+        <p:txBody>
+          <a:bodyPr lIns="365760" rtlCol="0" anchor="ctr"/>
+          <a:lstStyle/>
+          <a:p>
+            <a:r>
+              <a:rPr lang="en-US" sz="3200" b="1">
+                <a:solidFill>
+                  <a:schemeClr val="bg1"/>
+                </a:solidFill>
+              </a:rPr>
+              <a:t>SƠ LƯỢC VỀ GIAO DIỆN CHÍNH (tt)</a:t>
+            </a:r>
+          </a:p>
+        </p:txBody>
+      </p:sp>
+      <p:sp>
+        <p:nvSpPr>
+          <p:cNvPr id="11" name="TextBox 10">
+            <a:extLst>
+              <a:ext uri="{FF2B5EF4-FFF2-40B4-BE49-F238E27FC236}">
+                <a16:creationId xmlns:a16="http://schemas.microsoft.com/office/drawing/2014/main" id="{31FBFD46-5518-BF00-DBE0-F998412850E2}"/>
+              </a:ext>
+            </a:extLst>
+          </p:cNvPr>
+          <p:cNvSpPr txBox="1"/>
+          <p:nvPr/>
+        </p:nvSpPr>
+        <p:spPr>
+          <a:xfrm>
+            <a:off x="485772" y="1376979"/>
+            <a:ext cx="4857193" cy="3429721"/>
+          </a:xfrm>
+          <a:prstGeom prst="rect">
+            <a:avLst/>
+          </a:prstGeom>
+          <a:noFill/>
+        </p:spPr>
+        <p:txBody>
+          <a:bodyPr wrap="square">
+            <a:spAutoFit/>
+          </a:bodyPr>
+          <a:lstStyle/>
+          <a:p>
+            <a:pPr>
+              <a:lnSpc>
+                <a:spcPct val="107000"/>
+              </a:lnSpc>
+            </a:pPr>
+            <a:r>
+              <a:rPr lang="vi-VN" sz="2000" b="1" kern="100">
+                <a:solidFill>
+                  <a:srgbClr val="294B6B"/>
+                </a:solidFill>
+                <a:effectLst/>
+                <a:latin typeface="Arial (Body)"/>
+                <a:ea typeface="Calibri" panose="020F0502020204030204" pitchFamily="34" charset="0"/>
+                <a:cs typeface="Times New Roman" panose="02020603050405020304" pitchFamily="18" charset="0"/>
+              </a:rPr>
+              <a:t>Các thành phần quan trọng</a:t>
+            </a:r>
+            <a:r>
+              <a:rPr lang="en-US" sz="2000" b="1" kern="100">
+                <a:solidFill>
+                  <a:srgbClr val="294B6B"/>
+                </a:solidFill>
+                <a:effectLst/>
+                <a:latin typeface="Arial (Body)"/>
+                <a:ea typeface="Calibri" panose="020F0502020204030204" pitchFamily="34" charset="0"/>
+                <a:cs typeface="Times New Roman" panose="02020603050405020304" pitchFamily="18" charset="0"/>
+              </a:rPr>
+              <a:t> khác như</a:t>
+            </a:r>
+            <a:r>
+              <a:rPr lang="vi-VN" sz="2000" b="1" kern="100">
+                <a:solidFill>
+                  <a:srgbClr val="294B6B"/>
+                </a:solidFill>
+                <a:effectLst/>
+                <a:latin typeface="Arial (Body)"/>
+                <a:ea typeface="Calibri" panose="020F0502020204030204" pitchFamily="34" charset="0"/>
+                <a:cs typeface="Times New Roman" panose="02020603050405020304" pitchFamily="18" charset="0"/>
+              </a:rPr>
+              <a:t>:</a:t>
+            </a:r>
+            <a:endParaRPr lang="en-US" sz="2000" b="1" kern="100">
+              <a:solidFill>
+                <a:srgbClr val="294B6B"/>
+              </a:solidFill>
+              <a:effectLst/>
+              <a:latin typeface="Arial (Body)"/>
+              <a:ea typeface="Calibri" panose="020F0502020204030204" pitchFamily="34" charset="0"/>
+              <a:cs typeface="Times New Roman" panose="02020603050405020304" pitchFamily="18" charset="0"/>
+            </a:endParaRPr>
+          </a:p>
+          <a:p>
+            <a:pPr>
+              <a:lnSpc>
+                <a:spcPct val="107000"/>
+              </a:lnSpc>
+            </a:pPr>
+            <a:r>
+              <a:rPr lang="vi-VN" sz="2000" kern="100">
+                <a:solidFill>
+                  <a:srgbClr val="294B6B"/>
+                </a:solidFill>
+                <a:latin typeface="Arial (Body)"/>
+                <a:ea typeface="Calibri" panose="020F0502020204030204" pitchFamily="34" charset="0"/>
+                <a:cs typeface="Times New Roman" panose="02020603050405020304" pitchFamily="18" charset="0"/>
+              </a:rPr>
+              <a:t>- </a:t>
+            </a:r>
+            <a:r>
+              <a:rPr lang="vi-VN" sz="2000" b="1" kern="100">
+                <a:solidFill>
+                  <a:srgbClr val="294B6B"/>
+                </a:solidFill>
+                <a:latin typeface="Arial (Body)"/>
+                <a:ea typeface="Calibri" panose="020F0502020204030204" pitchFamily="34" charset="0"/>
+                <a:cs typeface="Times New Roman" panose="02020603050405020304" pitchFamily="18" charset="0"/>
+              </a:rPr>
+              <a:t>Test Cases</a:t>
+            </a:r>
+            <a:r>
+              <a:rPr lang="vi-VN" sz="2000" kern="100">
+                <a:solidFill>
+                  <a:srgbClr val="294B6B"/>
+                </a:solidFill>
+                <a:latin typeface="Arial (Body)"/>
+                <a:ea typeface="Calibri" panose="020F0502020204030204" pitchFamily="34" charset="0"/>
+                <a:cs typeface="Times New Roman" panose="02020603050405020304" pitchFamily="18" charset="0"/>
+              </a:rPr>
+              <a:t>: Các bước thực hiện test case, viết bằng Groovy hoặc keyword.</a:t>
+            </a:r>
+            <a:endParaRPr lang="vi-VN" sz="2000" b="1" kern="100">
+              <a:solidFill>
+                <a:srgbClr val="294B6B"/>
+              </a:solidFill>
+              <a:effectLst/>
+              <a:latin typeface="Arial (Body)"/>
+              <a:ea typeface="Calibri" panose="020F0502020204030204" pitchFamily="34" charset="0"/>
+              <a:cs typeface="Times New Roman" panose="02020603050405020304" pitchFamily="18" charset="0"/>
+            </a:endParaRPr>
+          </a:p>
+          <a:p>
+            <a:pPr>
+              <a:lnSpc>
+                <a:spcPct val="107000"/>
+              </a:lnSpc>
+            </a:pPr>
+            <a:r>
+              <a:rPr lang="vi-VN" i="1" kern="100">
+                <a:solidFill>
+                  <a:srgbClr val="294B6B"/>
+                </a:solidFill>
+                <a:effectLst/>
+                <a:latin typeface="Arial (Body)"/>
+                <a:ea typeface="Calibri" panose="020F0502020204030204" pitchFamily="34" charset="0"/>
+                <a:cs typeface="Times New Roman" panose="02020603050405020304" pitchFamily="18" charset="0"/>
+              </a:rPr>
+              <a:t>- </a:t>
+            </a:r>
+            <a:r>
+              <a:rPr lang="vi-VN" b="1" kern="100">
+                <a:solidFill>
+                  <a:srgbClr val="294B6B"/>
+                </a:solidFill>
+                <a:effectLst/>
+                <a:latin typeface="Arial (Body)"/>
+                <a:ea typeface="Calibri" panose="020F0502020204030204" pitchFamily="34" charset="0"/>
+                <a:cs typeface="Times New Roman" panose="02020603050405020304" pitchFamily="18" charset="0"/>
+              </a:rPr>
+              <a:t>Object Repository</a:t>
+            </a:r>
+            <a:r>
+              <a:rPr lang="vi-VN" kern="100">
+                <a:solidFill>
+                  <a:srgbClr val="294B6B"/>
+                </a:solidFill>
+                <a:effectLst/>
+                <a:latin typeface="Arial (Body)"/>
+                <a:ea typeface="Calibri" panose="020F0502020204030204" pitchFamily="34" charset="0"/>
+                <a:cs typeface="Times New Roman" panose="02020603050405020304" pitchFamily="18" charset="0"/>
+              </a:rPr>
+              <a:t>: Lưu trữ đối tượng giao diện ứng dụng (web, mobile, API) để tái sử dụng trong test case.</a:t>
+            </a:r>
+          </a:p>
+          <a:p>
+            <a:pPr>
+              <a:lnSpc>
+                <a:spcPct val="107000"/>
+              </a:lnSpc>
+            </a:pPr>
+            <a:r>
+              <a:rPr lang="vi-VN" kern="100">
+                <a:solidFill>
+                  <a:srgbClr val="294B6B"/>
+                </a:solidFill>
+                <a:effectLst/>
+                <a:latin typeface="Arial (Body)"/>
+                <a:ea typeface="Calibri" panose="020F0502020204030204" pitchFamily="34" charset="0"/>
+                <a:cs typeface="Times New Roman" panose="02020603050405020304" pitchFamily="18" charset="0"/>
+              </a:rPr>
+              <a:t>- </a:t>
+            </a:r>
+            <a:r>
+              <a:rPr lang="vi-VN" b="1" kern="100">
+                <a:solidFill>
+                  <a:srgbClr val="294B6B"/>
+                </a:solidFill>
+                <a:effectLst/>
+                <a:latin typeface="Arial (Body)"/>
+                <a:ea typeface="Calibri" panose="020F0502020204030204" pitchFamily="34" charset="0"/>
+                <a:cs typeface="Times New Roman" panose="02020603050405020304" pitchFamily="18" charset="0"/>
+              </a:rPr>
+              <a:t>Test Suites</a:t>
+            </a:r>
+            <a:r>
+              <a:rPr lang="vi-VN" kern="100">
+                <a:solidFill>
+                  <a:srgbClr val="294B6B"/>
+                </a:solidFill>
+                <a:effectLst/>
+                <a:latin typeface="Arial (Body)"/>
+                <a:ea typeface="Calibri" panose="020F0502020204030204" pitchFamily="34" charset="0"/>
+                <a:cs typeface="Times New Roman" panose="02020603050405020304" pitchFamily="18" charset="0"/>
+              </a:rPr>
+              <a:t>: Tập hợp các test case liên quan để quản lý hiệu quả.</a:t>
+            </a:r>
+          </a:p>
+          <a:p>
+            <a:pPr>
+              <a:lnSpc>
+                <a:spcPct val="107000"/>
+              </a:lnSpc>
+            </a:pPr>
+            <a:r>
+              <a:rPr lang="vi-VN" kern="100">
+                <a:solidFill>
+                  <a:srgbClr val="294B6B"/>
+                </a:solidFill>
+                <a:effectLst/>
+                <a:latin typeface="Arial (Body)"/>
+                <a:ea typeface="Calibri" panose="020F0502020204030204" pitchFamily="34" charset="0"/>
+                <a:cs typeface="Times New Roman" panose="02020603050405020304" pitchFamily="18" charset="0"/>
+              </a:rPr>
+              <a:t>- </a:t>
+            </a:r>
+            <a:r>
+              <a:rPr lang="vi-VN" b="1" kern="100">
+                <a:solidFill>
+                  <a:srgbClr val="294B6B"/>
+                </a:solidFill>
+                <a:effectLst/>
+                <a:latin typeface="Arial (Body)"/>
+                <a:ea typeface="Calibri" panose="020F0502020204030204" pitchFamily="34" charset="0"/>
+                <a:cs typeface="Times New Roman" panose="02020603050405020304" pitchFamily="18" charset="0"/>
+              </a:rPr>
+              <a:t>Keywords</a:t>
+            </a:r>
+            <a:r>
+              <a:rPr lang="vi-VN" kern="100">
+                <a:solidFill>
+                  <a:srgbClr val="294B6B"/>
+                </a:solidFill>
+                <a:effectLst/>
+                <a:latin typeface="Arial (Body)"/>
+                <a:ea typeface="Calibri" panose="020F0502020204030204" pitchFamily="34" charset="0"/>
+                <a:cs typeface="Times New Roman" panose="02020603050405020304" pitchFamily="18" charset="0"/>
+              </a:rPr>
+              <a:t>: Hàm hoặc phương thức định nghĩa trước để tái sử dụng code và modular hóa test case.</a:t>
+            </a:r>
+          </a:p>
+        </p:txBody>
+      </p:sp>
+      <p:pic>
+        <p:nvPicPr>
+          <p:cNvPr id="13" name="Picture 12">
+            <a:extLst>
+              <a:ext uri="{FF2B5EF4-FFF2-40B4-BE49-F238E27FC236}">
+                <a16:creationId xmlns:a16="http://schemas.microsoft.com/office/drawing/2014/main" id="{A7FA256E-E255-96F6-0A4B-8583E5567C9F}"/>
+              </a:ext>
+            </a:extLst>
+          </p:cNvPr>
+          <p:cNvPicPr>
+            <a:picLocks noChangeAspect="1"/>
+          </p:cNvPicPr>
+          <p:nvPr/>
+        </p:nvPicPr>
+        <p:blipFill>
+          <a:blip r:embed="rId2">
+            <a:extLst>
+              <a:ext uri="{28A0092B-C50C-407E-A947-70E740481C1C}">
+                <a14:useLocalDpi xmlns:a14="http://schemas.microsoft.com/office/drawing/2010/main" val="0"/>
+              </a:ext>
+            </a:extLst>
+          </a:blip>
+          <a:srcRect l="1137" t="2358" b="5061"/>
+          <a:stretch/>
+        </p:blipFill>
+        <p:spPr>
+          <a:xfrm>
+            <a:off x="4904816" y="759793"/>
+            <a:ext cx="7153274" cy="5338414"/>
+          </a:xfrm>
+          <a:prstGeom prst="rect">
+            <a:avLst/>
+          </a:prstGeom>
+          <a:solidFill>
+            <a:srgbClr val="FFFFFF">
+              <a:shade val="85000"/>
+            </a:srgbClr>
+          </a:solidFill>
+          <a:ln w="190500" cap="rnd">
+            <a:noFill/>
+          </a:ln>
+          <a:effectLst>
+            <a:outerShdw blurRad="36195" dist="12700" dir="11400000" algn="tl" rotWithShape="0">
+              <a:srgbClr val="000000">
+                <a:alpha val="33000"/>
+              </a:srgbClr>
+            </a:outerShdw>
+          </a:effectLst>
+          <a:scene3d>
+            <a:camera prst="perspectiveContrastingLeftFacing">
+              <a:rot lat="540000" lon="2100000" rev="0"/>
+            </a:camera>
+            <a:lightRig rig="soft" dir="t"/>
+          </a:scene3d>
+          <a:sp3d contourW="12700" prstMaterial="matte">
+            <a:bevelT w="63500" h="50800"/>
+            <a:contourClr>
+              <a:srgbClr val="C0C0C0"/>
+            </a:contourClr>
+          </a:sp3d>
+        </p:spPr>
+      </p:pic>
+      <p:sp>
+        <p:nvSpPr>
+          <p:cNvPr id="15" name="Oval 14">
+            <a:extLst>
+              <a:ext uri="{FF2B5EF4-FFF2-40B4-BE49-F238E27FC236}">
+                <a16:creationId xmlns:a16="http://schemas.microsoft.com/office/drawing/2014/main" id="{3D3FB200-B2D6-EA7D-B697-08D1C693B1AA}"/>
+              </a:ext>
+            </a:extLst>
+          </p:cNvPr>
+          <p:cNvSpPr/>
+          <p:nvPr/>
+        </p:nvSpPr>
+        <p:spPr>
+          <a:xfrm rot="176140">
+            <a:off x="6191250" y="2162175"/>
+            <a:ext cx="1371600" cy="400050"/>
+          </a:xfrm>
+          <a:prstGeom prst="ellipse">
+            <a:avLst/>
+          </a:prstGeom>
+          <a:noFill/>
+          <a:ln w="38100" cap="flat" cmpd="sng" algn="ctr">
+            <a:solidFill>
+              <a:schemeClr val="accent1"/>
+            </a:solidFill>
+            <a:prstDash val="solid"/>
+            <a:round/>
+            <a:headEnd type="none" w="med" len="med"/>
+            <a:tailEnd type="none" w="med" len="med"/>
+          </a:ln>
+        </p:spPr>
+        <p:style>
+          <a:lnRef idx="0">
+            <a:scrgbClr r="0" g="0" b="0"/>
+          </a:lnRef>
+          <a:fillRef idx="0">
+            <a:scrgbClr r="0" g="0" b="0"/>
+          </a:fillRef>
+          <a:effectRef idx="0">
+            <a:scrgbClr r="0" g="0" b="0"/>
+          </a:effectRef>
+          <a:fontRef idx="minor">
+            <a:schemeClr val="accent1"/>
+          </a:fontRef>
+        </p:style>
+        <p:txBody>
+          <a:bodyPr rtlCol="0" anchor="ctr"/>
+          <a:lstStyle/>
+          <a:p>
+            <a:pPr algn="ctr"/>
+            <a:endParaRPr lang="en-US"/>
+          </a:p>
+        </p:txBody>
+      </p:sp>
+      <p:sp>
+        <p:nvSpPr>
+          <p:cNvPr id="16" name="Oval 15">
+            <a:extLst>
+              <a:ext uri="{FF2B5EF4-FFF2-40B4-BE49-F238E27FC236}">
+                <a16:creationId xmlns:a16="http://schemas.microsoft.com/office/drawing/2014/main" id="{E59377F2-611A-5563-0416-DF67263908C5}"/>
+              </a:ext>
+            </a:extLst>
+          </p:cNvPr>
+          <p:cNvSpPr/>
+          <p:nvPr/>
+        </p:nvSpPr>
+        <p:spPr>
+          <a:xfrm rot="176140">
+            <a:off x="6276605" y="2612800"/>
+            <a:ext cx="1937577" cy="400050"/>
+          </a:xfrm>
+          <a:prstGeom prst="ellipse">
+            <a:avLst/>
+          </a:prstGeom>
+          <a:noFill/>
+          <a:ln w="38100" cap="flat" cmpd="sng" algn="ctr">
+            <a:solidFill>
+              <a:srgbClr val="FFFF00"/>
+            </a:solidFill>
+            <a:prstDash val="solid"/>
+            <a:round/>
+            <a:headEnd type="none" w="med" len="med"/>
+            <a:tailEnd type="none" w="med" len="med"/>
+          </a:ln>
+        </p:spPr>
+        <p:style>
+          <a:lnRef idx="0">
+            <a:scrgbClr r="0" g="0" b="0"/>
+          </a:lnRef>
+          <a:fillRef idx="0">
+            <a:scrgbClr r="0" g="0" b="0"/>
+          </a:fillRef>
+          <a:effectRef idx="0">
+            <a:scrgbClr r="0" g="0" b="0"/>
+          </a:effectRef>
+          <a:fontRef idx="minor">
+            <a:schemeClr val="accent1"/>
+          </a:fontRef>
+        </p:style>
+        <p:txBody>
+          <a:bodyPr rtlCol="0" anchor="ctr"/>
+          <a:lstStyle/>
+          <a:p>
+            <a:pPr algn="ctr"/>
+            <a:endParaRPr lang="en-US"/>
+          </a:p>
+        </p:txBody>
+      </p:sp>
+      <p:sp>
+        <p:nvSpPr>
+          <p:cNvPr id="17" name="Oval 16">
+            <a:extLst>
+              <a:ext uri="{FF2B5EF4-FFF2-40B4-BE49-F238E27FC236}">
+                <a16:creationId xmlns:a16="http://schemas.microsoft.com/office/drawing/2014/main" id="{D77339A8-40CD-5C2D-9EBF-022E23875B4E}"/>
+              </a:ext>
+            </a:extLst>
+          </p:cNvPr>
+          <p:cNvSpPr/>
+          <p:nvPr/>
+        </p:nvSpPr>
+        <p:spPr>
+          <a:xfrm rot="176140">
+            <a:off x="6279126" y="3040599"/>
+            <a:ext cx="1371600" cy="316040"/>
+          </a:xfrm>
+          <a:prstGeom prst="ellipse">
+            <a:avLst/>
+          </a:prstGeom>
+          <a:noFill/>
+          <a:ln w="38100" cap="flat" cmpd="sng" algn="ctr">
+            <a:solidFill>
+              <a:srgbClr val="C00000"/>
+            </a:solidFill>
+            <a:prstDash val="solid"/>
+            <a:round/>
+            <a:headEnd type="none" w="med" len="med"/>
+            <a:tailEnd type="none" w="med" len="med"/>
+          </a:ln>
+        </p:spPr>
+        <p:style>
+          <a:lnRef idx="0">
+            <a:scrgbClr r="0" g="0" b="0"/>
+          </a:lnRef>
+          <a:fillRef idx="0">
+            <a:scrgbClr r="0" g="0" b="0"/>
+          </a:fillRef>
+          <a:effectRef idx="0">
+            <a:scrgbClr r="0" g="0" b="0"/>
+          </a:effectRef>
+          <a:fontRef idx="minor">
+            <a:schemeClr val="accent1"/>
+          </a:fontRef>
+        </p:style>
+        <p:txBody>
+          <a:bodyPr rtlCol="0" anchor="ctr"/>
+          <a:lstStyle/>
+          <a:p>
+            <a:pPr algn="ctr"/>
+            <a:endParaRPr lang="en-US"/>
+          </a:p>
+        </p:txBody>
+      </p:sp>
+      <p:sp>
+        <p:nvSpPr>
+          <p:cNvPr id="2" name="Oval 1">
+            <a:extLst>
+              <a:ext uri="{FF2B5EF4-FFF2-40B4-BE49-F238E27FC236}">
+                <a16:creationId xmlns:a16="http://schemas.microsoft.com/office/drawing/2014/main" id="{F3E19D1E-9073-3527-0123-D758C89317EC}"/>
+              </a:ext>
+            </a:extLst>
+          </p:cNvPr>
+          <p:cNvSpPr/>
+          <p:nvPr/>
+        </p:nvSpPr>
+        <p:spPr>
+          <a:xfrm rot="598197">
+            <a:off x="6286126" y="3662492"/>
+            <a:ext cx="1207966" cy="319010"/>
+          </a:xfrm>
+          <a:prstGeom prst="ellipse">
+            <a:avLst/>
+          </a:prstGeom>
+          <a:noFill/>
+          <a:ln w="38100" cap="flat" cmpd="sng" algn="ctr">
+            <a:solidFill>
+              <a:srgbClr val="13AD17"/>
+            </a:solidFill>
+            <a:prstDash val="solid"/>
+            <a:round/>
+            <a:headEnd type="none" w="med" len="med"/>
+            <a:tailEnd type="none" w="med" len="med"/>
+          </a:ln>
+        </p:spPr>
+        <p:style>
+          <a:lnRef idx="0">
+            <a:scrgbClr r="0" g="0" b="0"/>
+          </a:lnRef>
+          <a:fillRef idx="0">
+            <a:scrgbClr r="0" g="0" b="0"/>
+          </a:fillRef>
+          <a:effectRef idx="0">
+            <a:scrgbClr r="0" g="0" b="0"/>
+          </a:effectRef>
+          <a:fontRef idx="minor">
+            <a:schemeClr val="accent1"/>
+          </a:fontRef>
+        </p:style>
+        <p:txBody>
+          <a:bodyPr rtlCol="0" anchor="ctr"/>
+          <a:lstStyle/>
+          <a:p>
+            <a:pPr algn="ctr"/>
+            <a:endParaRPr lang="en-US"/>
+          </a:p>
+        </p:txBody>
+      </p:sp>
+    </p:spTree>
+    <p:extLst>
+      <p:ext uri="{BB962C8B-B14F-4D97-AF65-F5344CB8AC3E}">
+        <p14:creationId xmlns:p14="http://schemas.microsoft.com/office/powerpoint/2010/main" val="2548120959"/>
+      </p:ext>
+    </p:extLst>
+  </p:cSld>
+  <p:clrMapOvr>
+    <a:masterClrMapping/>
+  </p:clrMapOvr>
+  <p:transition spd="slow">
+    <p:wipe dir="d"/>
+  </p:transition>
+  <p:timing>
+    <p:tnLst>
+      <p:par>
+        <p:cTn id="1" dur="indefinite" restart="never" nodeType="tmRoot">
+          <p:childTnLst>
+            <p:seq concurrent="1" nextAc="seek">
+              <p:cTn id="2" dur="indefinite" nodeType="mainSeq">
+                <p:childTnLst>
+                  <p:par>
+                    <p:cTn id="3" fill="hold">
+                      <p:stCondLst>
+                        <p:cond delay="indefinite"/>
+                        <p:cond evt="onBegin" delay="0">
+                          <p:tn val="2"/>
+                        </p:cond>
+                      </p:stCondLst>
+                      <p:childTnLst>
+                        <p:par>
+                          <p:cTn id="4" fill="hold">
+                            <p:stCondLst>
+                              <p:cond delay="0"/>
+                            </p:stCondLst>
+                            <p:childTnLst>
+                              <p:par>
+                                <p:cTn id="5" presetID="2" presetClass="entr" presetSubtype="4" fill="hold" grpId="0" nodeType="afterEffect">
+                                  <p:stCondLst>
+                                    <p:cond delay="0"/>
+                                  </p:stCondLst>
+                                  <p:childTnLst>
+                                    <p:set>
+                                      <p:cBhvr>
+                                        <p:cTn id="6" dur="1" fill="hold">
+                                          <p:stCondLst>
+                                            <p:cond delay="0"/>
+                                          </p:stCondLst>
+                                        </p:cTn>
+                                        <p:tgtEl>
+                                          <p:spTgt spid="15"/>
+                                        </p:tgtEl>
+                                        <p:attrNameLst>
+                                          <p:attrName>style.visibility</p:attrName>
+                                        </p:attrNameLst>
+                                      </p:cBhvr>
+                                      <p:to>
+                                        <p:strVal val="visible"/>
+                                      </p:to>
+                                    </p:set>
+                                    <p:anim calcmode="lin" valueType="num">
+                                      <p:cBhvr additive="base">
+                                        <p:cTn id="7" dur="500" fill="hold"/>
+                                        <p:tgtEl>
+                                          <p:spTgt spid="15"/>
+                                        </p:tgtEl>
+                                        <p:attrNameLst>
+                                          <p:attrName>ppt_x</p:attrName>
+                                        </p:attrNameLst>
+                                      </p:cBhvr>
+                                      <p:tavLst>
+                                        <p:tav tm="0">
+                                          <p:val>
+                                            <p:strVal val="#ppt_x"/>
+                                          </p:val>
+                                        </p:tav>
+                                        <p:tav tm="100000">
+                                          <p:val>
+                                            <p:strVal val="#ppt_x"/>
+                                          </p:val>
+                                        </p:tav>
+                                      </p:tavLst>
+                                    </p:anim>
+                                    <p:anim calcmode="lin" valueType="num">
+                                      <p:cBhvr additive="base">
+                                        <p:cTn id="8" dur="500" fill="hold"/>
+                                        <p:tgtEl>
+                                          <p:spTgt spid="15"/>
+                                        </p:tgtEl>
+                                        <p:attrNameLst>
+                                          <p:attrName>ppt_y</p:attrName>
+                                        </p:attrNameLst>
+                                      </p:cBhvr>
+                                      <p:tavLst>
+                                        <p:tav tm="0">
+                                          <p:val>
+                                            <p:strVal val="1+#ppt_h/2"/>
+                                          </p:val>
+                                        </p:tav>
+                                        <p:tav tm="100000">
+                                          <p:val>
+                                            <p:strVal val="#ppt_y"/>
+                                          </p:val>
+                                        </p:tav>
+                                      </p:tavLst>
+                                    </p:anim>
+                                  </p:childTnLst>
+                                </p:cTn>
+                              </p:par>
+                            </p:childTnLst>
+                          </p:cTn>
+                        </p:par>
+                        <p:par>
+                          <p:cTn id="9" fill="hold">
+                            <p:stCondLst>
+                              <p:cond delay="500"/>
+                            </p:stCondLst>
+                            <p:childTnLst>
+                              <p:par>
+                                <p:cTn id="10" presetID="2" presetClass="entr" presetSubtype="8" fill="hold" grpId="0" nodeType="afterEffect">
+                                  <p:stCondLst>
+                                    <p:cond delay="0"/>
+                                  </p:stCondLst>
+                                  <p:childTnLst>
+                                    <p:set>
+                                      <p:cBhvr>
+                                        <p:cTn id="11" dur="1" fill="hold">
+                                          <p:stCondLst>
+                                            <p:cond delay="0"/>
+                                          </p:stCondLst>
+                                        </p:cTn>
+                                        <p:tgtEl>
+                                          <p:spTgt spid="16"/>
+                                        </p:tgtEl>
+                                        <p:attrNameLst>
+                                          <p:attrName>style.visibility</p:attrName>
+                                        </p:attrNameLst>
+                                      </p:cBhvr>
+                                      <p:to>
+                                        <p:strVal val="visible"/>
+                                      </p:to>
+                                    </p:set>
+                                    <p:anim calcmode="lin" valueType="num">
+                                      <p:cBhvr additive="base">
+                                        <p:cTn id="12" dur="500" fill="hold"/>
+                                        <p:tgtEl>
+                                          <p:spTgt spid="16"/>
+                                        </p:tgtEl>
+                                        <p:attrNameLst>
+                                          <p:attrName>ppt_x</p:attrName>
+                                        </p:attrNameLst>
+                                      </p:cBhvr>
+                                      <p:tavLst>
+                                        <p:tav tm="0">
+                                          <p:val>
+                                            <p:strVal val="0-#ppt_w/2"/>
+                                          </p:val>
+                                        </p:tav>
+                                        <p:tav tm="100000">
+                                          <p:val>
+                                            <p:strVal val="#ppt_x"/>
+                                          </p:val>
+                                        </p:tav>
+                                      </p:tavLst>
+                                    </p:anim>
+                                    <p:anim calcmode="lin" valueType="num">
+                                      <p:cBhvr additive="base">
+                                        <p:cTn id="13" dur="500" fill="hold"/>
+                                        <p:tgtEl>
+                                          <p:spTgt spid="16"/>
+                                        </p:tgtEl>
+                                        <p:attrNameLst>
+                                          <p:attrName>ppt_y</p:attrName>
+                                        </p:attrNameLst>
+                                      </p:cBhvr>
+                                      <p:tavLst>
+                                        <p:tav tm="0">
+                                          <p:val>
+                                            <p:strVal val="#ppt_y"/>
+                                          </p:val>
+                                        </p:tav>
+                                        <p:tav tm="100000">
+                                          <p:val>
+                                            <p:strVal val="#ppt_y"/>
+                                          </p:val>
+                                        </p:tav>
+                                      </p:tavLst>
+                                    </p:anim>
+                                  </p:childTnLst>
+                                </p:cTn>
+                              </p:par>
+                            </p:childTnLst>
+                          </p:cTn>
+                        </p:par>
+                        <p:par>
+                          <p:cTn id="14" fill="hold">
+                            <p:stCondLst>
+                              <p:cond delay="1000"/>
+                            </p:stCondLst>
+                            <p:childTnLst>
+                              <p:par>
+                                <p:cTn id="15" presetID="2" presetClass="entr" presetSubtype="2" fill="hold" grpId="0" nodeType="afterEffect">
+                                  <p:stCondLst>
+                                    <p:cond delay="0"/>
+                                  </p:stCondLst>
+                                  <p:childTnLst>
+                                    <p:set>
+                                      <p:cBhvr>
+                                        <p:cTn id="16" dur="1" fill="hold">
+                                          <p:stCondLst>
+                                            <p:cond delay="0"/>
+                                          </p:stCondLst>
+                                        </p:cTn>
+                                        <p:tgtEl>
+                                          <p:spTgt spid="17"/>
+                                        </p:tgtEl>
+                                        <p:attrNameLst>
+                                          <p:attrName>style.visibility</p:attrName>
+                                        </p:attrNameLst>
+                                      </p:cBhvr>
+                                      <p:to>
+                                        <p:strVal val="visible"/>
+                                      </p:to>
+                                    </p:set>
+                                    <p:anim calcmode="lin" valueType="num">
+                                      <p:cBhvr additive="base">
+                                        <p:cTn id="17" dur="500" fill="hold"/>
+                                        <p:tgtEl>
+                                          <p:spTgt spid="17"/>
+                                        </p:tgtEl>
+                                        <p:attrNameLst>
+                                          <p:attrName>ppt_x</p:attrName>
+                                        </p:attrNameLst>
+                                      </p:cBhvr>
+                                      <p:tavLst>
+                                        <p:tav tm="0">
+                                          <p:val>
+                                            <p:strVal val="1+#ppt_w/2"/>
+                                          </p:val>
+                                        </p:tav>
+                                        <p:tav tm="100000">
+                                          <p:val>
+                                            <p:strVal val="#ppt_x"/>
+                                          </p:val>
+                                        </p:tav>
+                                      </p:tavLst>
+                                    </p:anim>
+                                    <p:anim calcmode="lin" valueType="num">
+                                      <p:cBhvr additive="base">
+                                        <p:cTn id="18" dur="500" fill="hold"/>
+                                        <p:tgtEl>
+                                          <p:spTgt spid="17"/>
+                                        </p:tgtEl>
+                                        <p:attrNameLst>
+                                          <p:attrName>ppt_y</p:attrName>
+                                        </p:attrNameLst>
+                                      </p:cBhvr>
+                                      <p:tavLst>
+                                        <p:tav tm="0">
+                                          <p:val>
+                                            <p:strVal val="#ppt_y"/>
+                                          </p:val>
+                                        </p:tav>
+                                        <p:tav tm="100000">
+                                          <p:val>
+                                            <p:strVal val="#ppt_y"/>
+                                          </p:val>
+                                        </p:tav>
+                                      </p:tavLst>
+                                    </p:anim>
+                                  </p:childTnLst>
+                                </p:cTn>
+                              </p:par>
+                            </p:childTnLst>
+                          </p:cTn>
+                        </p:par>
+                        <p:par>
+                          <p:cTn id="19" fill="hold">
+                            <p:stCondLst>
+                              <p:cond delay="1500"/>
+                            </p:stCondLst>
+                            <p:childTnLst>
+                              <p:par>
+                                <p:cTn id="20" presetID="2" presetClass="entr" presetSubtype="4" fill="hold" grpId="0" nodeType="afterEffect">
+                                  <p:stCondLst>
+                                    <p:cond delay="0"/>
+                                  </p:stCondLst>
+                                  <p:childTnLst>
+                                    <p:set>
+                                      <p:cBhvr>
+                                        <p:cTn id="21" dur="1" fill="hold">
+                                          <p:stCondLst>
+                                            <p:cond delay="0"/>
+                                          </p:stCondLst>
+                                        </p:cTn>
+                                        <p:tgtEl>
+                                          <p:spTgt spid="2"/>
+                                        </p:tgtEl>
+                                        <p:attrNameLst>
+                                          <p:attrName>style.visibility</p:attrName>
+                                        </p:attrNameLst>
+                                      </p:cBhvr>
+                                      <p:to>
+                                        <p:strVal val="visible"/>
+                                      </p:to>
+                                    </p:set>
+                                    <p:anim calcmode="lin" valueType="num">
+                                      <p:cBhvr additive="base">
+                                        <p:cTn id="22" dur="500" fill="hold"/>
+                                        <p:tgtEl>
+                                          <p:spTgt spid="2"/>
+                                        </p:tgtEl>
+                                        <p:attrNameLst>
+                                          <p:attrName>ppt_x</p:attrName>
+                                        </p:attrNameLst>
+                                      </p:cBhvr>
+                                      <p:tavLst>
+                                        <p:tav tm="0">
+                                          <p:val>
+                                            <p:strVal val="#ppt_x"/>
+                                          </p:val>
+                                        </p:tav>
+                                        <p:tav tm="100000">
+                                          <p:val>
+                                            <p:strVal val="#ppt_x"/>
+                                          </p:val>
+                                        </p:tav>
+                                      </p:tavLst>
+                                    </p:anim>
+                                    <p:anim calcmode="lin" valueType="num">
+                                      <p:cBhvr additive="base">
+                                        <p:cTn id="23" dur="500" fill="hold"/>
+                                        <p:tgtEl>
+                                          <p:spTgt spid="2"/>
+                                        </p:tgtEl>
+                                        <p:attrNameLst>
+                                          <p:attrName>ppt_y</p:attrName>
+                                        </p:attrNameLst>
+                                      </p:cBhvr>
+                                      <p:tavLst>
+                                        <p:tav tm="0">
+                                          <p:val>
+                                            <p:strVal val="1+#ppt_h/2"/>
+                                          </p:val>
+                                        </p:tav>
+                                        <p:tav tm="100000">
+                                          <p:val>
+                                            <p:strVal val="#ppt_y"/>
+                                          </p:val>
+                                        </p:tav>
+                                      </p:tavLst>
+                                    </p:anim>
+                                  </p:childTnLst>
+                                </p:cTn>
+                              </p:par>
+                            </p:childTnLst>
+                          </p:cTn>
+                        </p:par>
+                        <p:par>
+                          <p:cTn id="24" fill="hold">
+                            <p:stCondLst>
+                              <p:cond delay="2000"/>
+                            </p:stCondLst>
+                            <p:childTnLst>
+                              <p:par>
+                                <p:cTn id="25" presetID="6" presetClass="entr" presetSubtype="16" fill="hold" grpId="0" nodeType="afterEffect">
+                                  <p:stCondLst>
+                                    <p:cond delay="0"/>
+                                  </p:stCondLst>
+                                  <p:childTnLst>
+                                    <p:set>
+                                      <p:cBhvr>
+                                        <p:cTn id="26" dur="1" fill="hold">
+                                          <p:stCondLst>
+                                            <p:cond delay="0"/>
+                                          </p:stCondLst>
+                                        </p:cTn>
+                                        <p:tgtEl>
+                                          <p:spTgt spid="11"/>
+                                        </p:tgtEl>
+                                        <p:attrNameLst>
+                                          <p:attrName>style.visibility</p:attrName>
+                                        </p:attrNameLst>
+                                      </p:cBhvr>
+                                      <p:to>
+                                        <p:strVal val="visible"/>
+                                      </p:to>
+                                    </p:set>
+                                    <p:animEffect transition="in" filter="circle(in)">
+                                      <p:cBhvr>
+                                        <p:cTn id="27" dur="2000"/>
+                                        <p:tgtEl>
+                                          <p:spTgt spid="11"/>
+                                        </p:tgtEl>
+                                      </p:cBhvr>
+                                    </p:animEffect>
+                                  </p:childTnLst>
+                                </p:cTn>
+                              </p:par>
+                            </p:childTnLst>
+                          </p:cTn>
+                        </p:par>
+                      </p:childTnLst>
+                    </p:cTn>
+                  </p:par>
+                </p:childTnLst>
+              </p:cTn>
+              <p:prevCondLst>
+                <p:cond evt="onPrev" delay="0">
+                  <p:tgtEl>
+                    <p:sldTgt/>
+                  </p:tgtEl>
+                </p:cond>
+              </p:prevCondLst>
+              <p:nextCondLst>
+                <p:cond evt="onNext" delay="0">
+                  <p:tgtEl>
+                    <p:sldTgt/>
+                  </p:tgtEl>
+                </p:cond>
+              </p:nextCondLst>
+            </p:seq>
+          </p:childTnLst>
+        </p:cTn>
+      </p:par>
+    </p:tnLst>
+    <p:bldLst>
+      <p:bldP spid="11" grpId="0"/>
+      <p:bldP spid="15" grpId="0" animBg="1"/>
+      <p:bldP spid="16" grpId="0" animBg="1"/>
+      <p:bldP spid="17" grpId="0" animBg="1"/>
+      <p:bldP spid="2" grpId="0" animBg="1"/>
+    </p:bldLst>
+  </p:timing>
+</p:sld>
+</file>
+
+<file path=ppt/slides/slide7.xml><?xml version="1.0" encoding="utf-8"?>
+<p:sld xmlns:a="http://schemas.openxmlformats.org/drawingml/2006/main" xmlns:r="http://schemas.openxmlformats.org/officeDocument/2006/relationships" xmlns:p="http://schemas.openxmlformats.org/presentationml/2006/main">
+  <p:cSld>
+    <p:spTree>
+      <p:nvGrpSpPr>
+        <p:cNvPr id="1" name=""/>
+        <p:cNvGrpSpPr/>
+        <p:nvPr/>
+      </p:nvGrpSpPr>
+      <p:grpSpPr>
+        <a:xfrm>
+          <a:off x="0" y="0"/>
+          <a:ext cx="0" cy="0"/>
+          <a:chOff x="0" y="0"/>
+          <a:chExt cx="0" cy="0"/>
+        </a:xfrm>
+      </p:grpSpPr>
+      <p:sp>
+        <p:nvSpPr>
+          <p:cNvPr id="4" name="Rectangle 3">
+            <a:extLst>
+              <a:ext uri="{FF2B5EF4-FFF2-40B4-BE49-F238E27FC236}">
+                <a16:creationId xmlns:a16="http://schemas.microsoft.com/office/drawing/2014/main" id="{22B6AA97-988B-8621-AA02-3020285A154A}"/>
+              </a:ext>
+            </a:extLst>
+          </p:cNvPr>
+          <p:cNvSpPr/>
+          <p:nvPr/>
+        </p:nvSpPr>
+        <p:spPr>
+          <a:xfrm>
+            <a:off x="-1" y="0"/>
+            <a:ext cx="12192001" cy="957183"/>
+          </a:xfrm>
+          <a:prstGeom prst="rect">
+            <a:avLst/>
+          </a:prstGeom>
+          <a:solidFill>
+            <a:srgbClr val="00294F">
+              <a:alpha val="84000"/>
+            </a:srgbClr>
+          </a:solidFill>
+        </p:spPr>
+        <p:style>
+          <a:lnRef idx="2">
+            <a:schemeClr val="accent1">
+              <a:shade val="15000"/>
+            </a:schemeClr>
+          </a:lnRef>
+          <a:fillRef idx="1">
+            <a:schemeClr val="accent1"/>
+          </a:fillRef>
+          <a:effectRef idx="0">
+            <a:schemeClr val="accent1"/>
+          </a:effectRef>
+          <a:fontRef idx="minor">
+            <a:schemeClr val="lt1"/>
+          </a:fontRef>
+        </p:style>
+        <p:txBody>
+          <a:bodyPr lIns="365760" rtlCol="0" anchor="ctr"/>
+          <a:lstStyle/>
+          <a:p>
+            <a:endParaRPr lang="en-US" sz="3200" b="1">
+              <a:solidFill>
+                <a:schemeClr val="bg1"/>
+              </a:solidFill>
+            </a:endParaRPr>
+          </a:p>
+        </p:txBody>
+      </p:sp>
+      <p:pic>
+        <p:nvPicPr>
+          <p:cNvPr id="4098" name="Picture 2">
+            <a:extLst>
+              <a:ext uri="{FF2B5EF4-FFF2-40B4-BE49-F238E27FC236}">
+                <a16:creationId xmlns:a16="http://schemas.microsoft.com/office/drawing/2014/main" id="{AD514F7F-3173-2E2C-CDC9-521E3AEB73FB}"/>
+              </a:ext>
+            </a:extLst>
+          </p:cNvPr>
+          <p:cNvPicPr>
+            <a:picLocks noChangeAspect="1" noChangeArrowheads="1"/>
+          </p:cNvPicPr>
+          <p:nvPr/>
+        </p:nvPicPr>
+        <p:blipFill>
+          <a:blip r:embed="rId2">
+            <a:alphaModFix amt="20000"/>
+            <a:extLst>
+              <a:ext uri="{28A0092B-C50C-407E-A947-70E740481C1C}">
+                <a14:useLocalDpi xmlns:a14="http://schemas.microsoft.com/office/drawing/2010/main" val="0"/>
+              </a:ext>
+            </a:extLst>
+          </a:blip>
+          <a:srcRect/>
+          <a:stretch>
+            <a:fillRect/>
+          </a:stretch>
+        </p:blipFill>
+        <p:spPr bwMode="auto">
+          <a:xfrm>
+            <a:off x="2524520" y="1278028"/>
+            <a:ext cx="6440965" cy="4301943"/>
+          </a:xfrm>
+          <a:prstGeom prst="rect">
+            <a:avLst/>
+          </a:prstGeom>
+          <a:noFill/>
+          <a:extLst>
+            <a:ext uri="{909E8E84-426E-40DD-AFC4-6F175D3DCCD1}">
+              <a14:hiddenFill xmlns:a14="http://schemas.microsoft.com/office/drawing/2010/main">
+                <a:solidFill>
+                  <a:srgbClr val="FFFFFF"/>
+                </a:solidFill>
+              </a14:hiddenFill>
+            </a:ext>
+          </a:extLst>
+        </p:spPr>
+      </p:pic>
+    </p:spTree>
+    <p:extLst>
+      <p:ext uri="{BB962C8B-B14F-4D97-AF65-F5344CB8AC3E}">
+        <p14:creationId xmlns:p14="http://schemas.microsoft.com/office/powerpoint/2010/main" val="3416547598"/>
+      </p:ext>
+    </p:extLst>
+  </p:cSld>
+  <p:clrMapOvr>
+    <a:masterClrMapping/>
+  </p:clrMapOvr>
+</p:sld>
+</file>
+
+<file path=ppt/slides/slide8.xml><?xml version="1.0" encoding="utf-8"?>
 <p:sld xmlns:a="http://schemas.openxmlformats.org/drawingml/2006/main" xmlns:r="http://schemas.openxmlformats.org/officeDocument/2006/relationships" xmlns:p="http://schemas.openxmlformats.org/presentationml/2006/main">
   <p:cSld>
     <p:spTree>
@@ -8779,7 +9936,7 @@
 </p:sld>
 </file>
 
-<file path=ppt/slides/slide7.xml><?xml version="1.0" encoding="utf-8"?>
+<file path=ppt/slides/slide9.xml><?xml version="1.0" encoding="utf-8"?>
 <p:sld xmlns:a="http://schemas.openxmlformats.org/drawingml/2006/main" xmlns:r="http://schemas.openxmlformats.org/officeDocument/2006/relationships" xmlns:p="http://schemas.openxmlformats.org/presentationml/2006/main">
   <p:cSld>
     <p:spTree>

--- a/THTH_slide.pptx
+++ b/THTH_slide.pptx
@@ -5,18 +5,20 @@
     <p:sldMasterId id="2147483648" r:id="rId1"/>
   </p:sldMasterIdLst>
   <p:notesMasterIdLst>
-    <p:notesMasterId r:id="rId11"/>
+    <p:notesMasterId r:id="rId13"/>
   </p:notesMasterIdLst>
   <p:sldIdLst>
     <p:sldId id="257" r:id="rId2"/>
-    <p:sldId id="258" r:id="rId3"/>
-    <p:sldId id="262" r:id="rId4"/>
-    <p:sldId id="256" r:id="rId5"/>
-    <p:sldId id="259" r:id="rId6"/>
-    <p:sldId id="263" r:id="rId7"/>
-    <p:sldId id="264" r:id="rId8"/>
-    <p:sldId id="260" r:id="rId9"/>
-    <p:sldId id="261" r:id="rId10"/>
+    <p:sldId id="266" r:id="rId3"/>
+    <p:sldId id="258" r:id="rId4"/>
+    <p:sldId id="262" r:id="rId5"/>
+    <p:sldId id="256" r:id="rId6"/>
+    <p:sldId id="265" r:id="rId7"/>
+    <p:sldId id="259" r:id="rId8"/>
+    <p:sldId id="263" r:id="rId9"/>
+    <p:sldId id="264" r:id="rId10"/>
+    <p:sldId id="260" r:id="rId11"/>
+    <p:sldId id="261" r:id="rId12"/>
   </p:sldIdLst>
   <p:sldSz cx="12192000" cy="6858000"/>
   <p:notesSz cx="6858000" cy="9144000"/>
@@ -126,7 +128,7 @@
 <file path=ppt/revisionInfo.xml><?xml version="1.0" encoding="utf-8"?>
 <p1510:revInfo xmlns:a="http://schemas.openxmlformats.org/drawingml/2006/main" xmlns:r="http://schemas.openxmlformats.org/officeDocument/2006/relationships" xmlns:p1510="http://schemas.microsoft.com/office/powerpoint/2015/10/main">
   <p1510:revLst>
-    <p1510:client id="{654103E7-75BC-412B-8172-21505EEBEE43}" v="110" dt="2024-10-29T00:01:34.091"/>
+    <p1510:client id="{654103E7-75BC-412B-8172-21505EEBEE43}" v="163" dt="2024-10-29T03:28:48.464"/>
   </p1510:revLst>
 </p1510:revInfo>
 </file>
@@ -683,10 +685,56 @@
   <pc:docChgLst>
     <pc:chgData name="Minh Mẫn" userId="74e9d1b56e53dad3" providerId="LiveId" clId="{654103E7-75BC-412B-8172-21505EEBEE43}"/>
     <pc:docChg chg="undo custSel addSld modSld">
-      <pc:chgData name="Minh Mẫn" userId="74e9d1b56e53dad3" providerId="LiveId" clId="{654103E7-75BC-412B-8172-21505EEBEE43}" dt="2024-10-29T00:01:34.091" v="283" actId="1076"/>
+      <pc:chgData name="Minh Mẫn" userId="74e9d1b56e53dad3" providerId="LiveId" clId="{654103E7-75BC-412B-8172-21505EEBEE43}" dt="2024-10-29T03:31:27.878" v="875" actId="1076"/>
       <pc:docMkLst>
         <pc:docMk/>
       </pc:docMkLst>
+      <pc:sldChg chg="delSp modSp mod">
+        <pc:chgData name="Minh Mẫn" userId="74e9d1b56e53dad3" providerId="LiveId" clId="{654103E7-75BC-412B-8172-21505EEBEE43}" dt="2024-10-29T03:02:59.944" v="359" actId="14100"/>
+        <pc:sldMkLst>
+          <pc:docMk/>
+          <pc:sldMk cId="900212428" sldId="256"/>
+        </pc:sldMkLst>
+        <pc:spChg chg="del mod">
+          <ac:chgData name="Minh Mẫn" userId="74e9d1b56e53dad3" providerId="LiveId" clId="{654103E7-75BC-412B-8172-21505EEBEE43}" dt="2024-10-29T02:59:11.356" v="322" actId="478"/>
+          <ac:spMkLst>
+            <pc:docMk/>
+            <pc:sldMk cId="900212428" sldId="256"/>
+            <ac:spMk id="6" creationId="{12036829-5B83-C6BC-F730-08ABD0DA29D7}"/>
+          </ac:spMkLst>
+        </pc:spChg>
+        <pc:spChg chg="mod">
+          <ac:chgData name="Minh Mẫn" userId="74e9d1b56e53dad3" providerId="LiveId" clId="{654103E7-75BC-412B-8172-21505EEBEE43}" dt="2024-10-29T03:01:26.028" v="357" actId="1076"/>
+          <ac:spMkLst>
+            <pc:docMk/>
+            <pc:sldMk cId="900212428" sldId="256"/>
+            <ac:spMk id="7" creationId="{8A309D49-4696-5E62-55E4-96782960BEF1}"/>
+          </ac:spMkLst>
+        </pc:spChg>
+        <pc:picChg chg="mod">
+          <ac:chgData name="Minh Mẫn" userId="74e9d1b56e53dad3" providerId="LiveId" clId="{654103E7-75BC-412B-8172-21505EEBEE43}" dt="2024-10-29T03:02:59.944" v="359" actId="14100"/>
+          <ac:picMkLst>
+            <pc:docMk/>
+            <pc:sldMk cId="900212428" sldId="256"/>
+            <ac:picMk id="1034" creationId="{5497EAF0-F429-BCCB-BE8D-2EACECBEFC94}"/>
+          </ac:picMkLst>
+        </pc:picChg>
+      </pc:sldChg>
+      <pc:sldChg chg="modSp mod">
+        <pc:chgData name="Minh Mẫn" userId="74e9d1b56e53dad3" providerId="LiveId" clId="{654103E7-75BC-412B-8172-21505EEBEE43}" dt="2024-10-29T03:16:40.515" v="390" actId="20577"/>
+        <pc:sldMkLst>
+          <pc:docMk/>
+          <pc:sldMk cId="3292779711" sldId="258"/>
+        </pc:sldMkLst>
+        <pc:spChg chg="mod">
+          <ac:chgData name="Minh Mẫn" userId="74e9d1b56e53dad3" providerId="LiveId" clId="{654103E7-75BC-412B-8172-21505EEBEE43}" dt="2024-10-29T03:16:40.515" v="390" actId="20577"/>
+          <ac:spMkLst>
+            <pc:docMk/>
+            <pc:sldMk cId="3292779711" sldId="258"/>
+            <ac:spMk id="9" creationId="{477BBFE1-3789-995B-742F-D8EB6E2AB915}"/>
+          </ac:spMkLst>
+        </pc:spChg>
+      </pc:sldChg>
       <pc:sldChg chg="addSp delSp modSp mod modAnim">
         <pc:chgData name="Minh Mẫn" userId="74e9d1b56e53dad3" providerId="LiveId" clId="{654103E7-75BC-412B-8172-21505EEBEE43}" dt="2024-10-28T13:51:11.164" v="244"/>
         <pc:sldMkLst>
@@ -870,7 +918,7 @@
         </pc:picChg>
       </pc:sldChg>
       <pc:sldChg chg="addSp delSp modSp new mod modTransition delAnim modAnim">
-        <pc:chgData name="Minh Mẫn" userId="74e9d1b56e53dad3" providerId="LiveId" clId="{654103E7-75BC-412B-8172-21505EEBEE43}" dt="2024-10-29T00:01:02.717" v="282"/>
+        <pc:chgData name="Minh Mẫn" userId="74e9d1b56e53dad3" providerId="LiveId" clId="{654103E7-75BC-412B-8172-21505EEBEE43}" dt="2024-10-29T03:06:13.701" v="361" actId="14100"/>
         <pc:sldMkLst>
           <pc:docMk/>
           <pc:sldMk cId="2548120959" sldId="263"/>
@@ -940,7 +988,7 @@
           </ac:spMkLst>
         </pc:spChg>
         <pc:spChg chg="add mod">
-          <ac:chgData name="Minh Mẫn" userId="74e9d1b56e53dad3" providerId="LiveId" clId="{654103E7-75BC-412B-8172-21505EEBEE43}" dt="2024-10-29T00:00:34.971" v="278" actId="20577"/>
+          <ac:chgData name="Minh Mẫn" userId="74e9d1b56e53dad3" providerId="LiveId" clId="{654103E7-75BC-412B-8172-21505EEBEE43}" dt="2024-10-29T03:06:13.701" v="361" actId="14100"/>
           <ac:spMkLst>
             <pc:docMk/>
             <pc:sldMk cId="2548120959" sldId="263"/>
@@ -1088,6 +1136,148 @@
             <pc:docMk/>
             <pc:sldMk cId="3416547598" sldId="264"/>
             <ac:picMk id="4098" creationId="{AD514F7F-3173-2E2C-CDC9-521E3AEB73FB}"/>
+          </ac:picMkLst>
+        </pc:picChg>
+      </pc:sldChg>
+      <pc:sldChg chg="addSp delSp modSp new mod modAnim">
+        <pc:chgData name="Minh Mẫn" userId="74e9d1b56e53dad3" providerId="LiveId" clId="{654103E7-75BC-412B-8172-21505EEBEE43}" dt="2024-10-29T03:03:57.253" v="360"/>
+        <pc:sldMkLst>
+          <pc:docMk/>
+          <pc:sldMk cId="1194760380" sldId="265"/>
+        </pc:sldMkLst>
+        <pc:spChg chg="del">
+          <ac:chgData name="Minh Mẫn" userId="74e9d1b56e53dad3" providerId="LiveId" clId="{654103E7-75BC-412B-8172-21505EEBEE43}" dt="2024-10-29T02:52:51.173" v="286" actId="478"/>
+          <ac:spMkLst>
+            <pc:docMk/>
+            <pc:sldMk cId="1194760380" sldId="265"/>
+            <ac:spMk id="2" creationId="{C2AC1E01-265D-3DD5-219E-FE44083AC7CC}"/>
+          </ac:spMkLst>
+        </pc:spChg>
+        <pc:spChg chg="del">
+          <ac:chgData name="Minh Mẫn" userId="74e9d1b56e53dad3" providerId="LiveId" clId="{654103E7-75BC-412B-8172-21505EEBEE43}" dt="2024-10-29T02:52:49.152" v="285" actId="478"/>
+          <ac:spMkLst>
+            <pc:docMk/>
+            <pc:sldMk cId="1194760380" sldId="265"/>
+            <ac:spMk id="3" creationId="{AD0D1FE5-D502-C0DE-BD8D-4FC6280465F6}"/>
+          </ac:spMkLst>
+        </pc:spChg>
+        <pc:spChg chg="add mod">
+          <ac:chgData name="Minh Mẫn" userId="74e9d1b56e53dad3" providerId="LiveId" clId="{654103E7-75BC-412B-8172-21505EEBEE43}" dt="2024-10-29T02:53:40.449" v="287"/>
+          <ac:spMkLst>
+            <pc:docMk/>
+            <pc:sldMk cId="1194760380" sldId="265"/>
+            <ac:spMk id="4" creationId="{5E873C9A-5893-6424-B3F2-1BB2F5D22127}"/>
+          </ac:spMkLst>
+        </pc:spChg>
+        <pc:spChg chg="add del mod">
+          <ac:chgData name="Minh Mẫn" userId="74e9d1b56e53dad3" providerId="LiveId" clId="{654103E7-75BC-412B-8172-21505EEBEE43}" dt="2024-10-29T02:58:37.864" v="319" actId="948"/>
+          <ac:spMkLst>
+            <pc:docMk/>
+            <pc:sldMk cId="1194760380" sldId="265"/>
+            <ac:spMk id="5" creationId="{DB6E4B5B-22B8-31F1-42C1-AC061D845486}"/>
+          </ac:spMkLst>
+        </pc:spChg>
+        <pc:spChg chg="add del mod">
+          <ac:chgData name="Minh Mẫn" userId="74e9d1b56e53dad3" providerId="LiveId" clId="{654103E7-75BC-412B-8172-21505EEBEE43}" dt="2024-10-29T02:57:06.213" v="306" actId="478"/>
+          <ac:spMkLst>
+            <pc:docMk/>
+            <pc:sldMk cId="1194760380" sldId="265"/>
+            <ac:spMk id="6" creationId="{0004AB4D-B34C-0CEF-6CC9-674BA185FECC}"/>
+          </ac:spMkLst>
+        </pc:spChg>
+        <pc:picChg chg="add mod">
+          <ac:chgData name="Minh Mẫn" userId="74e9d1b56e53dad3" providerId="LiveId" clId="{654103E7-75BC-412B-8172-21505EEBEE43}" dt="2024-10-29T03:02:45.227" v="358" actId="14100"/>
+          <ac:picMkLst>
+            <pc:docMk/>
+            <pc:sldMk cId="1194760380" sldId="265"/>
+            <ac:picMk id="7" creationId="{21217B14-36FC-3F25-DD47-0AE4AFCC4089}"/>
+          </ac:picMkLst>
+        </pc:picChg>
+      </pc:sldChg>
+      <pc:sldChg chg="addSp delSp modSp new mod modAnim">
+        <pc:chgData name="Minh Mẫn" userId="74e9d1b56e53dad3" providerId="LiveId" clId="{654103E7-75BC-412B-8172-21505EEBEE43}" dt="2024-10-29T03:31:27.878" v="875" actId="1076"/>
+        <pc:sldMkLst>
+          <pc:docMk/>
+          <pc:sldMk cId="1731030427" sldId="266"/>
+        </pc:sldMkLst>
+        <pc:spChg chg="del">
+          <ac:chgData name="Minh Mẫn" userId="74e9d1b56e53dad3" providerId="LiveId" clId="{654103E7-75BC-412B-8172-21505EEBEE43}" dt="2024-10-29T03:14:54.973" v="364" actId="478"/>
+          <ac:spMkLst>
+            <pc:docMk/>
+            <pc:sldMk cId="1731030427" sldId="266"/>
+            <ac:spMk id="2" creationId="{1EDA49F6-64BB-4F5C-6BB9-F6A20022EEF7}"/>
+          </ac:spMkLst>
+        </pc:spChg>
+        <pc:spChg chg="del">
+          <ac:chgData name="Minh Mẫn" userId="74e9d1b56e53dad3" providerId="LiveId" clId="{654103E7-75BC-412B-8172-21505EEBEE43}" dt="2024-10-29T03:14:51.492" v="363" actId="478"/>
+          <ac:spMkLst>
+            <pc:docMk/>
+            <pc:sldMk cId="1731030427" sldId="266"/>
+            <ac:spMk id="3" creationId="{0BDBF26C-E809-9342-8A7F-16C5F09B0D78}"/>
+          </ac:spMkLst>
+        </pc:spChg>
+        <pc:spChg chg="add del">
+          <ac:chgData name="Minh Mẫn" userId="74e9d1b56e53dad3" providerId="LiveId" clId="{654103E7-75BC-412B-8172-21505EEBEE43}" dt="2024-10-29T03:15:11.818" v="366" actId="22"/>
+          <ac:spMkLst>
+            <pc:docMk/>
+            <pc:sldMk cId="1731030427" sldId="266"/>
+            <ac:spMk id="5" creationId="{6C4E0E8B-1E5F-BB6B-104D-B67EA2C84C17}"/>
+          </ac:spMkLst>
+        </pc:spChg>
+        <pc:spChg chg="add mod">
+          <ac:chgData name="Minh Mẫn" userId="74e9d1b56e53dad3" providerId="LiveId" clId="{654103E7-75BC-412B-8172-21505EEBEE43}" dt="2024-10-29T03:30:41.707" v="870" actId="14100"/>
+          <ac:spMkLst>
+            <pc:docMk/>
+            <pc:sldMk cId="1731030427" sldId="266"/>
+            <ac:spMk id="6" creationId="{1DCA5715-44C4-E1E4-CC92-D621D3A71E36}"/>
+          </ac:spMkLst>
+        </pc:spChg>
+        <pc:spChg chg="add del mod">
+          <ac:chgData name="Minh Mẫn" userId="74e9d1b56e53dad3" providerId="LiveId" clId="{654103E7-75BC-412B-8172-21505EEBEE43}" dt="2024-10-29T03:15:36.918" v="370" actId="478"/>
+          <ac:spMkLst>
+            <pc:docMk/>
+            <pc:sldMk cId="1731030427" sldId="266"/>
+            <ac:spMk id="7" creationId="{227FE271-CA1B-6915-6C49-B6C7B3A566B3}"/>
+          </ac:spMkLst>
+        </pc:spChg>
+        <pc:spChg chg="add del mod">
+          <ac:chgData name="Minh Mẫn" userId="74e9d1b56e53dad3" providerId="LiveId" clId="{654103E7-75BC-412B-8172-21505EEBEE43}" dt="2024-10-29T03:15:30.420" v="369" actId="478"/>
+          <ac:spMkLst>
+            <pc:docMk/>
+            <pc:sldMk cId="1731030427" sldId="266"/>
+            <ac:spMk id="8" creationId="{FA1A004E-D24D-BB60-1074-06AE75051729}"/>
+          </ac:spMkLst>
+        </pc:spChg>
+        <pc:spChg chg="add mod">
+          <ac:chgData name="Minh Mẫn" userId="74e9d1b56e53dad3" providerId="LiveId" clId="{654103E7-75BC-412B-8172-21505EEBEE43}" dt="2024-10-29T03:31:15.173" v="874" actId="1076"/>
+          <ac:spMkLst>
+            <pc:docMk/>
+            <pc:sldMk cId="1731030427" sldId="266"/>
+            <ac:spMk id="10" creationId="{49555B75-E8B8-A7DE-CD90-9A552E7EB4F4}"/>
+          </ac:spMkLst>
+        </pc:spChg>
+        <pc:spChg chg="add mod">
+          <ac:chgData name="Minh Mẫn" userId="74e9d1b56e53dad3" providerId="LiveId" clId="{654103E7-75BC-412B-8172-21505EEBEE43}" dt="2024-10-29T03:31:27.878" v="875" actId="1076"/>
+          <ac:spMkLst>
+            <pc:docMk/>
+            <pc:sldMk cId="1731030427" sldId="266"/>
+            <ac:spMk id="11" creationId="{F11001F7-C7C7-FC8B-0496-2D62E7827CD7}"/>
+          </ac:spMkLst>
+        </pc:spChg>
+        <pc:picChg chg="add del mod">
+          <ac:chgData name="Minh Mẫn" userId="74e9d1b56e53dad3" providerId="LiveId" clId="{654103E7-75BC-412B-8172-21505EEBEE43}" dt="2024-10-29T03:15:26.572" v="368" actId="478"/>
+          <ac:picMkLst>
+            <pc:docMk/>
+            <pc:sldMk cId="1731030427" sldId="266"/>
+            <ac:picMk id="9" creationId="{EED2C5D6-2C49-C142-D6D1-0CCB7F8537F0}"/>
+          </ac:picMkLst>
+        </pc:picChg>
+        <pc:picChg chg="add mod ord modCrop">
+          <ac:chgData name="Minh Mẫn" userId="74e9d1b56e53dad3" providerId="LiveId" clId="{654103E7-75BC-412B-8172-21505EEBEE43}" dt="2024-10-29T03:31:03.753" v="873" actId="14100"/>
+          <ac:picMkLst>
+            <pc:docMk/>
+            <pc:sldMk cId="1731030427" sldId="266"/>
+            <ac:picMk id="13" creationId="{C4550EF0-681C-C0CF-3083-BAB8CE9206E8}"/>
           </ac:picMkLst>
         </pc:picChg>
       </pc:sldChg>
@@ -1510,7 +1700,7 @@
           <a:p>
             <a:fld id="{70058831-6BEE-47A0-9B1B-AE1C63E202B2}" type="slidenum">
               <a:rPr lang="en-US" smtClean="0"/>
-              <a:t>5</a:t>
+              <a:t>7</a:t>
             </a:fld>
             <a:endParaRPr lang="en-US"/>
           </a:p>
@@ -5347,3376 +5537,7 @@
 </p:sld>
 </file>
 
-<file path=ppt/slides/slide2.xml><?xml version="1.0" encoding="utf-8"?>
-<p:sld xmlns:a="http://schemas.openxmlformats.org/drawingml/2006/main" xmlns:r="http://schemas.openxmlformats.org/officeDocument/2006/relationships" xmlns:p="http://schemas.openxmlformats.org/presentationml/2006/main">
-  <p:cSld>
-    <p:spTree>
-      <p:nvGrpSpPr>
-        <p:cNvPr id="1" name=""/>
-        <p:cNvGrpSpPr/>
-        <p:nvPr/>
-      </p:nvGrpSpPr>
-      <p:grpSpPr>
-        <a:xfrm>
-          <a:off x="0" y="0"/>
-          <a:ext cx="0" cy="0"/>
-          <a:chOff x="0" y="0"/>
-          <a:chExt cx="0" cy="0"/>
-        </a:xfrm>
-      </p:grpSpPr>
-      <p:sp>
-        <p:nvSpPr>
-          <p:cNvPr id="4" name="Rectangle 3">
-            <a:extLst>
-              <a:ext uri="{FF2B5EF4-FFF2-40B4-BE49-F238E27FC236}">
-                <a16:creationId xmlns:a16="http://schemas.microsoft.com/office/drawing/2014/main" id="{888F8774-8A22-68B0-1646-859D8C367703}"/>
-              </a:ext>
-            </a:extLst>
-          </p:cNvPr>
-          <p:cNvSpPr/>
-          <p:nvPr/>
-        </p:nvSpPr>
-        <p:spPr>
-          <a:xfrm>
-            <a:off x="-1" y="0"/>
-            <a:ext cx="4528457" cy="6858000"/>
-          </a:xfrm>
-          <a:prstGeom prst="rect">
-            <a:avLst/>
-          </a:prstGeom>
-          <a:solidFill>
-            <a:srgbClr val="00294F">
-              <a:alpha val="84000"/>
-            </a:srgbClr>
-          </a:solidFill>
-        </p:spPr>
-        <p:style>
-          <a:lnRef idx="2">
-            <a:schemeClr val="accent1">
-              <a:shade val="15000"/>
-            </a:schemeClr>
-          </a:lnRef>
-          <a:fillRef idx="1">
-            <a:schemeClr val="accent1"/>
-          </a:fillRef>
-          <a:effectRef idx="0">
-            <a:schemeClr val="accent1"/>
-          </a:effectRef>
-          <a:fontRef idx="minor">
-            <a:schemeClr val="lt1"/>
-          </a:fontRef>
-        </p:style>
-        <p:txBody>
-          <a:bodyPr rtlCol="0" anchor="ctr"/>
-          <a:lstStyle/>
-          <a:p>
-            <a:pPr algn="ctr"/>
-            <a:endParaRPr lang="en-US"/>
-          </a:p>
-        </p:txBody>
-      </p:sp>
-      <p:sp>
-        <p:nvSpPr>
-          <p:cNvPr id="9" name="TextBox 8">
-            <a:extLst>
-              <a:ext uri="{FF2B5EF4-FFF2-40B4-BE49-F238E27FC236}">
-                <a16:creationId xmlns:a16="http://schemas.microsoft.com/office/drawing/2014/main" id="{477BBFE1-3789-995B-742F-D8EB6E2AB915}"/>
-              </a:ext>
-            </a:extLst>
-          </p:cNvPr>
-          <p:cNvSpPr txBox="1"/>
-          <p:nvPr/>
-        </p:nvSpPr>
-        <p:spPr>
-          <a:xfrm>
-            <a:off x="4737807" y="1757488"/>
-            <a:ext cx="5612189" cy="584775"/>
-          </a:xfrm>
-          <a:prstGeom prst="rect">
-            <a:avLst/>
-          </a:prstGeom>
-          <a:noFill/>
-        </p:spPr>
-        <p:txBody>
-          <a:bodyPr wrap="square" rtlCol="0">
-            <a:spAutoFit/>
-          </a:bodyPr>
-          <a:lstStyle/>
-          <a:p>
-            <a:r>
-              <a:rPr lang="en-US" sz="3200" b="1">
-                <a:solidFill>
-                  <a:srgbClr val="294B6B"/>
-                </a:solidFill>
-              </a:rPr>
-              <a:t>GIỚI THIỆU  TỔNG QUAN</a:t>
-            </a:r>
-          </a:p>
-        </p:txBody>
-      </p:sp>
-      <p:sp>
-        <p:nvSpPr>
-          <p:cNvPr id="10" name="TextBox 9">
-            <a:extLst>
-              <a:ext uri="{FF2B5EF4-FFF2-40B4-BE49-F238E27FC236}">
-                <a16:creationId xmlns:a16="http://schemas.microsoft.com/office/drawing/2014/main" id="{986C11EF-B154-3C84-2C9D-A40B111D34B9}"/>
-              </a:ext>
-            </a:extLst>
-          </p:cNvPr>
-          <p:cNvSpPr txBox="1"/>
-          <p:nvPr/>
-        </p:nvSpPr>
-        <p:spPr>
-          <a:xfrm>
-            <a:off x="4781755" y="3023426"/>
-            <a:ext cx="5524295" cy="2616101"/>
-          </a:xfrm>
-          <a:prstGeom prst="rect">
-            <a:avLst/>
-          </a:prstGeom>
-          <a:noFill/>
-        </p:spPr>
-        <p:txBody>
-          <a:bodyPr wrap="square" rtlCol="0">
-            <a:spAutoFit/>
-          </a:bodyPr>
-          <a:lstStyle/>
-          <a:p>
-            <a:pPr marL="0" indent="0" algn="just">
-              <a:buNone/>
-            </a:pPr>
-            <a:r>
-              <a:rPr lang="en-US" b="1" i="1">
-                <a:solidFill>
-                  <a:srgbClr val="294B6B"/>
-                </a:solidFill>
-                <a:effectLst/>
-                <a:latin typeface="Ginto"/>
-              </a:rPr>
-              <a:t>Katalon Studio là gì?</a:t>
-            </a:r>
-          </a:p>
-          <a:p>
-            <a:pPr algn="just">
-              <a:spcBef>
-                <a:spcPts val="1200"/>
-              </a:spcBef>
-            </a:pPr>
-            <a:r>
-              <a:rPr lang="vi-VN" sz="1800">
-                <a:solidFill>
-                  <a:srgbClr val="294B6B"/>
-                </a:solidFill>
-              </a:rPr>
-              <a:t>Katalon Studio là một </a:t>
-            </a:r>
-            <a:r>
-              <a:rPr lang="en-US" sz="1800">
-                <a:solidFill>
-                  <a:srgbClr val="294B6B"/>
-                </a:solidFill>
-              </a:rPr>
-              <a:t>C</a:t>
-            </a:r>
-            <a:r>
-              <a:rPr lang="vi-VN" sz="1800">
-                <a:solidFill>
-                  <a:srgbClr val="294B6B"/>
-                </a:solidFill>
-              </a:rPr>
-              <a:t>ông </a:t>
-            </a:r>
-            <a:r>
-              <a:rPr lang="en-US" sz="1800">
-                <a:solidFill>
-                  <a:srgbClr val="294B6B"/>
-                </a:solidFill>
-              </a:rPr>
-              <a:t>C</a:t>
-            </a:r>
-            <a:r>
-              <a:rPr lang="vi-VN" sz="1800">
-                <a:solidFill>
-                  <a:srgbClr val="294B6B"/>
-                </a:solidFill>
-              </a:rPr>
-              <a:t>ụ </a:t>
-            </a:r>
-            <a:r>
-              <a:rPr lang="en-US" sz="1800">
-                <a:solidFill>
-                  <a:srgbClr val="294B6B"/>
-                </a:solidFill>
-              </a:rPr>
-              <a:t>K</a:t>
-            </a:r>
-            <a:r>
-              <a:rPr lang="vi-VN" sz="1800">
-                <a:solidFill>
-                  <a:srgbClr val="294B6B"/>
-                </a:solidFill>
-              </a:rPr>
-              <a:t>iểm </a:t>
-            </a:r>
-            <a:r>
-              <a:rPr lang="en-US" sz="1800">
-                <a:solidFill>
-                  <a:srgbClr val="294B6B"/>
-                </a:solidFill>
-              </a:rPr>
-              <a:t>T</a:t>
-            </a:r>
-            <a:r>
-              <a:rPr lang="vi-VN" sz="1800">
-                <a:solidFill>
-                  <a:srgbClr val="294B6B"/>
-                </a:solidFill>
-              </a:rPr>
-              <a:t>hử </a:t>
-            </a:r>
-            <a:r>
-              <a:rPr lang="en-US" sz="1800">
-                <a:solidFill>
-                  <a:srgbClr val="294B6B"/>
-                </a:solidFill>
-              </a:rPr>
-              <a:t>T</a:t>
-            </a:r>
-            <a:r>
-              <a:rPr lang="vi-VN" sz="1800">
-                <a:solidFill>
-                  <a:srgbClr val="294B6B"/>
-                </a:solidFill>
-              </a:rPr>
-              <a:t>ự </a:t>
-            </a:r>
-            <a:r>
-              <a:rPr lang="en-US" sz="1800">
-                <a:solidFill>
-                  <a:srgbClr val="294B6B"/>
-                </a:solidFill>
-              </a:rPr>
-              <a:t>Đ</a:t>
-            </a:r>
-            <a:r>
-              <a:rPr lang="vi-VN" sz="1800">
-                <a:solidFill>
-                  <a:srgbClr val="294B6B"/>
-                </a:solidFill>
-              </a:rPr>
-              <a:t>ộng, được sử dụng để kiểm thử các ứng dụng web, di động, API và desktop.</a:t>
-            </a:r>
-            <a:endParaRPr lang="en-US" sz="1800">
-              <a:solidFill>
-                <a:srgbClr val="294B6B"/>
-              </a:solidFill>
-            </a:endParaRPr>
-          </a:p>
-          <a:p>
-            <a:pPr algn="just">
-              <a:spcBef>
-                <a:spcPts val="1200"/>
-              </a:spcBef>
-            </a:pPr>
-            <a:r>
-              <a:rPr lang="vi-VN" sz="1800">
-                <a:solidFill>
-                  <a:srgbClr val="294B6B"/>
-                </a:solidFill>
-              </a:rPr>
-              <a:t>Katalon Studio tích hợp nhiều framework kiểm thử phổ biến như Selenium và Appium,</a:t>
-            </a:r>
-            <a:r>
-              <a:rPr lang="en-US" sz="1800">
-                <a:solidFill>
-                  <a:srgbClr val="294B6B"/>
-                </a:solidFill>
-              </a:rPr>
-              <a:t> </a:t>
-            </a:r>
-            <a:r>
-              <a:rPr lang="vi-VN" sz="1800">
-                <a:solidFill>
-                  <a:srgbClr val="294B6B"/>
-                </a:solidFill>
-              </a:rPr>
-              <a:t>giúp tạo và chạy test case nhanh chóng, phù hợp cho cả người mới và chuyên gia.</a:t>
-            </a:r>
-            <a:endParaRPr lang="en-US" sz="2400" i="0">
-              <a:solidFill>
-                <a:srgbClr val="294B6B"/>
-              </a:solidFill>
-              <a:effectLst/>
-              <a:latin typeface="Ginto"/>
-            </a:endParaRPr>
-          </a:p>
-        </p:txBody>
-      </p:sp>
-      <p:pic>
-        <p:nvPicPr>
-          <p:cNvPr id="4100" name="Picture 4">
-            <a:extLst>
-              <a:ext uri="{FF2B5EF4-FFF2-40B4-BE49-F238E27FC236}">
-                <a16:creationId xmlns:a16="http://schemas.microsoft.com/office/drawing/2014/main" id="{43681C7A-1B2A-088D-E2D9-7803104D491F}"/>
-              </a:ext>
-            </a:extLst>
-          </p:cNvPr>
-          <p:cNvPicPr>
-            <a:picLocks noChangeAspect="1" noChangeArrowheads="1"/>
-          </p:cNvPicPr>
-          <p:nvPr/>
-        </p:nvPicPr>
-        <p:blipFill>
-          <a:blip r:embed="rId2">
-            <a:extLst>
-              <a:ext uri="{28A0092B-C50C-407E-A947-70E740481C1C}">
-                <a14:useLocalDpi xmlns:a14="http://schemas.microsoft.com/office/drawing/2010/main" val="0"/>
-              </a:ext>
-            </a:extLst>
-          </a:blip>
-          <a:srcRect/>
-          <a:stretch>
-            <a:fillRect/>
-          </a:stretch>
-        </p:blipFill>
-        <p:spPr bwMode="auto">
-          <a:xfrm>
-            <a:off x="811087" y="1209675"/>
-            <a:ext cx="3717369" cy="4438650"/>
-          </a:xfrm>
-          <a:prstGeom prst="rect">
-            <a:avLst/>
-          </a:prstGeom>
-          <a:noFill/>
-          <a:extLst>
-            <a:ext uri="{909E8E84-426E-40DD-AFC4-6F175D3DCCD1}">
-              <a14:hiddenFill xmlns:a14="http://schemas.microsoft.com/office/drawing/2010/main">
-                <a:solidFill>
-                  <a:srgbClr val="FFFFFF"/>
-                </a:solidFill>
-              </a14:hiddenFill>
-            </a:ext>
-          </a:extLst>
-        </p:spPr>
-      </p:pic>
-    </p:spTree>
-    <p:extLst>
-      <p:ext uri="{BB962C8B-B14F-4D97-AF65-F5344CB8AC3E}">
-        <p14:creationId xmlns:p14="http://schemas.microsoft.com/office/powerpoint/2010/main" val="3292779711"/>
-      </p:ext>
-    </p:extLst>
-  </p:cSld>
-  <p:clrMapOvr>
-    <a:masterClrMapping/>
-  </p:clrMapOvr>
-  <p:transition spd="slow">
-    <p:wipe dir="r"/>
-  </p:transition>
-  <p:timing>
-    <p:tnLst>
-      <p:par>
-        <p:cTn id="1" dur="indefinite" restart="never" nodeType="tmRoot">
-          <p:childTnLst>
-            <p:seq concurrent="1" nextAc="seek">
-              <p:cTn id="2" dur="indefinite" nodeType="mainSeq">
-                <p:childTnLst>
-                  <p:par>
-                    <p:cTn id="3" fill="hold">
-                      <p:stCondLst>
-                        <p:cond delay="indefinite"/>
-                        <p:cond evt="onBegin" delay="0">
-                          <p:tn val="2"/>
-                        </p:cond>
-                      </p:stCondLst>
-                      <p:childTnLst>
-                        <p:par>
-                          <p:cTn id="4" fill="hold">
-                            <p:stCondLst>
-                              <p:cond delay="0"/>
-                            </p:stCondLst>
-                            <p:childTnLst>
-                              <p:par>
-                                <p:cTn id="5" presetID="42" presetClass="entr" presetSubtype="0" fill="hold" nodeType="afterEffect">
-                                  <p:stCondLst>
-                                    <p:cond delay="0"/>
-                                  </p:stCondLst>
-                                  <p:childTnLst>
-                                    <p:set>
-                                      <p:cBhvr>
-                                        <p:cTn id="6" dur="1" fill="hold">
-                                          <p:stCondLst>
-                                            <p:cond delay="0"/>
-                                          </p:stCondLst>
-                                        </p:cTn>
-                                        <p:tgtEl>
-                                          <p:spTgt spid="4100"/>
-                                        </p:tgtEl>
-                                        <p:attrNameLst>
-                                          <p:attrName>style.visibility</p:attrName>
-                                        </p:attrNameLst>
-                                      </p:cBhvr>
-                                      <p:to>
-                                        <p:strVal val="visible"/>
-                                      </p:to>
-                                    </p:set>
-                                    <p:animEffect transition="in" filter="fade">
-                                      <p:cBhvr>
-                                        <p:cTn id="7" dur="1000"/>
-                                        <p:tgtEl>
-                                          <p:spTgt spid="4100"/>
-                                        </p:tgtEl>
-                                      </p:cBhvr>
-                                    </p:animEffect>
-                                    <p:anim calcmode="lin" valueType="num">
-                                      <p:cBhvr>
-                                        <p:cTn id="8" dur="1000" fill="hold"/>
-                                        <p:tgtEl>
-                                          <p:spTgt spid="4100"/>
-                                        </p:tgtEl>
-                                        <p:attrNameLst>
-                                          <p:attrName>ppt_x</p:attrName>
-                                        </p:attrNameLst>
-                                      </p:cBhvr>
-                                      <p:tavLst>
-                                        <p:tav tm="0">
-                                          <p:val>
-                                            <p:strVal val="#ppt_x"/>
-                                          </p:val>
-                                        </p:tav>
-                                        <p:tav tm="100000">
-                                          <p:val>
-                                            <p:strVal val="#ppt_x"/>
-                                          </p:val>
-                                        </p:tav>
-                                      </p:tavLst>
-                                    </p:anim>
-                                    <p:anim calcmode="lin" valueType="num">
-                                      <p:cBhvr>
-                                        <p:cTn id="9" dur="1000" fill="hold"/>
-                                        <p:tgtEl>
-                                          <p:spTgt spid="4100"/>
-                                        </p:tgtEl>
-                                        <p:attrNameLst>
-                                          <p:attrName>ppt_y</p:attrName>
-                                        </p:attrNameLst>
-                                      </p:cBhvr>
-                                      <p:tavLst>
-                                        <p:tav tm="0">
-                                          <p:val>
-                                            <p:strVal val="#ppt_y+.1"/>
-                                          </p:val>
-                                        </p:tav>
-                                        <p:tav tm="100000">
-                                          <p:val>
-                                            <p:strVal val="#ppt_y"/>
-                                          </p:val>
-                                        </p:tav>
-                                      </p:tavLst>
-                                    </p:anim>
-                                  </p:childTnLst>
-                                </p:cTn>
-                              </p:par>
-                            </p:childTnLst>
-                          </p:cTn>
-                        </p:par>
-                      </p:childTnLst>
-                    </p:cTn>
-                  </p:par>
-                </p:childTnLst>
-              </p:cTn>
-              <p:prevCondLst>
-                <p:cond evt="onPrev" delay="0">
-                  <p:tgtEl>
-                    <p:sldTgt/>
-                  </p:tgtEl>
-                </p:cond>
-              </p:prevCondLst>
-              <p:nextCondLst>
-                <p:cond evt="onNext" delay="0">
-                  <p:tgtEl>
-                    <p:sldTgt/>
-                  </p:tgtEl>
-                </p:cond>
-              </p:nextCondLst>
-            </p:seq>
-          </p:childTnLst>
-        </p:cTn>
-      </p:par>
-    </p:tnLst>
-  </p:timing>
-</p:sld>
-</file>
-
-<file path=ppt/slides/slide3.xml><?xml version="1.0" encoding="utf-8"?>
-<p:sld xmlns:a="http://schemas.openxmlformats.org/drawingml/2006/main" xmlns:r="http://schemas.openxmlformats.org/officeDocument/2006/relationships" xmlns:p="http://schemas.openxmlformats.org/presentationml/2006/main">
-  <p:cSld>
-    <p:spTree>
-      <p:nvGrpSpPr>
-        <p:cNvPr id="1" name=""/>
-        <p:cNvGrpSpPr/>
-        <p:nvPr/>
-      </p:nvGrpSpPr>
-      <p:grpSpPr>
-        <a:xfrm>
-          <a:off x="0" y="0"/>
-          <a:ext cx="0" cy="0"/>
-          <a:chOff x="0" y="0"/>
-          <a:chExt cx="0" cy="0"/>
-        </a:xfrm>
-      </p:grpSpPr>
-      <p:sp>
-        <p:nvSpPr>
-          <p:cNvPr id="4" name="Rectangle 3">
-            <a:extLst>
-              <a:ext uri="{FF2B5EF4-FFF2-40B4-BE49-F238E27FC236}">
-                <a16:creationId xmlns:a16="http://schemas.microsoft.com/office/drawing/2014/main" id="{F1B4D161-82FA-56EE-D999-DCFE7D421635}"/>
-              </a:ext>
-            </a:extLst>
-          </p:cNvPr>
-          <p:cNvSpPr/>
-          <p:nvPr/>
-        </p:nvSpPr>
-        <p:spPr>
-          <a:xfrm>
-            <a:off x="-1" y="0"/>
-            <a:ext cx="12192001" cy="957183"/>
-          </a:xfrm>
-          <a:prstGeom prst="rect">
-            <a:avLst/>
-          </a:prstGeom>
-          <a:solidFill>
-            <a:srgbClr val="00294F">
-              <a:alpha val="84000"/>
-            </a:srgbClr>
-          </a:solidFill>
-        </p:spPr>
-        <p:style>
-          <a:lnRef idx="2">
-            <a:schemeClr val="accent1">
-              <a:shade val="15000"/>
-            </a:schemeClr>
-          </a:lnRef>
-          <a:fillRef idx="1">
-            <a:schemeClr val="accent1"/>
-          </a:fillRef>
-          <a:effectRef idx="0">
-            <a:schemeClr val="accent1"/>
-          </a:effectRef>
-          <a:fontRef idx="minor">
-            <a:schemeClr val="lt1"/>
-          </a:fontRef>
-        </p:style>
-        <p:txBody>
-          <a:bodyPr lIns="365760" rtlCol="0" anchor="ctr"/>
-          <a:lstStyle/>
-          <a:p>
-            <a:r>
-              <a:rPr lang="en-US" sz="3200" b="1">
-                <a:solidFill>
-                  <a:schemeClr val="bg1"/>
-                </a:solidFill>
-              </a:rPr>
-              <a:t>MỤC ĐÍCH SỬ DỤNG</a:t>
-            </a:r>
-          </a:p>
-        </p:txBody>
-      </p:sp>
-      <p:sp>
-        <p:nvSpPr>
-          <p:cNvPr id="5" name="TextBox 4">
-            <a:extLst>
-              <a:ext uri="{FF2B5EF4-FFF2-40B4-BE49-F238E27FC236}">
-                <a16:creationId xmlns:a16="http://schemas.microsoft.com/office/drawing/2014/main" id="{465C74E3-E7B6-B75A-458A-BDE4C5436003}"/>
-              </a:ext>
-            </a:extLst>
-          </p:cNvPr>
-          <p:cNvSpPr txBox="1"/>
-          <p:nvPr/>
-        </p:nvSpPr>
-        <p:spPr>
-          <a:xfrm>
-            <a:off x="5629833" y="4402318"/>
-            <a:ext cx="6005983" cy="1933575"/>
-          </a:xfrm>
-          <a:prstGeom prst="rect">
-            <a:avLst/>
-          </a:prstGeom>
-          <a:noFill/>
-        </p:spPr>
-        <p:txBody>
-          <a:bodyPr wrap="square" rtlCol="0">
-            <a:noAutofit/>
-          </a:bodyPr>
-          <a:lstStyle/>
-          <a:p>
-            <a:pPr marL="0" marR="0" lvl="0" indent="0" algn="l" defTabSz="914400" rtl="0" eaLnBrk="0" fontAlgn="base" latinLnBrk="0" hangingPunct="0">
-              <a:lnSpc>
-                <a:spcPct val="100000"/>
-              </a:lnSpc>
-              <a:spcBef>
-                <a:spcPts val="600"/>
-              </a:spcBef>
-              <a:spcAft>
-                <a:spcPct val="0"/>
-              </a:spcAft>
-              <a:buClrTx/>
-              <a:buSzTx/>
-              <a:buFontTx/>
-              <a:buChar char="•"/>
-              <a:tabLst/>
-            </a:pPr>
-            <a:r>
-              <a:rPr kumimoji="0" lang="en-US" altLang="en-US" sz="1800" b="1" i="0" u="none" strike="noStrike" cap="none" normalizeH="0" baseline="0">
-                <a:ln>
-                  <a:noFill/>
-                </a:ln>
-                <a:solidFill>
-                  <a:srgbClr val="294B6B"/>
-                </a:solidFill>
-                <a:effectLst/>
-                <a:latin typeface="Arial" panose="020B0604020202020204" pitchFamily="34" charset="0"/>
-              </a:rPr>
-              <a:t>Quản lý kịch bản kiểm thử</a:t>
-            </a:r>
-            <a:r>
-              <a:rPr kumimoji="0" lang="en-US" altLang="en-US" sz="1800" b="0" i="0" u="none" strike="noStrike" cap="none" normalizeH="0" baseline="0">
-                <a:ln>
-                  <a:noFill/>
-                </a:ln>
-                <a:solidFill>
-                  <a:srgbClr val="294B6B"/>
-                </a:solidFill>
-                <a:effectLst/>
-                <a:latin typeface="Arial" panose="020B0604020202020204" pitchFamily="34" charset="0"/>
-              </a:rPr>
-              <a:t>: Cung cấp giao diện trực quan giúp dễ dàng theo dõi, quản lý và duy trì các kịch bản kiểm thử.</a:t>
-            </a:r>
-          </a:p>
-          <a:p>
-            <a:pPr marL="0" marR="0" lvl="0" indent="0" algn="l" defTabSz="914400" rtl="0" eaLnBrk="0" fontAlgn="base" latinLnBrk="0" hangingPunct="0">
-              <a:lnSpc>
-                <a:spcPct val="100000"/>
-              </a:lnSpc>
-              <a:spcBef>
-                <a:spcPts val="600"/>
-              </a:spcBef>
-              <a:spcAft>
-                <a:spcPct val="0"/>
-              </a:spcAft>
-              <a:buClrTx/>
-              <a:buSzTx/>
-              <a:buFontTx/>
-              <a:buChar char="•"/>
-              <a:tabLst/>
-            </a:pPr>
-            <a:r>
-              <a:rPr kumimoji="0" lang="en-US" altLang="en-US" sz="1800" b="1" i="0" u="none" strike="noStrike" cap="none" normalizeH="0" baseline="0">
-                <a:ln>
-                  <a:noFill/>
-                </a:ln>
-                <a:solidFill>
-                  <a:srgbClr val="294B6B"/>
-                </a:solidFill>
-                <a:effectLst/>
-                <a:latin typeface="Arial" panose="020B0604020202020204" pitchFamily="34" charset="0"/>
-              </a:rPr>
-              <a:t>Tích hợp đa công cụ</a:t>
-            </a:r>
-            <a:r>
-              <a:rPr kumimoji="0" lang="en-US" altLang="en-US" sz="1800" b="0" i="0" u="none" strike="noStrike" cap="none" normalizeH="0" baseline="0">
-                <a:ln>
-                  <a:noFill/>
-                </a:ln>
-                <a:solidFill>
-                  <a:srgbClr val="294B6B"/>
-                </a:solidFill>
-                <a:effectLst/>
-                <a:latin typeface="Arial" panose="020B0604020202020204" pitchFamily="34" charset="0"/>
-              </a:rPr>
-              <a:t>: Katalon có thể tích hợp với các hệ thống quản lý kiểm thử và công cụ CI/CD như Jenkins, Git, JIRA, giúp đồng bộ quy trình phát triển phần mềm. </a:t>
-            </a:r>
-          </a:p>
-        </p:txBody>
-      </p:sp>
-      <p:sp>
-        <p:nvSpPr>
-          <p:cNvPr id="6" name="TextBox 5">
-            <a:extLst>
-              <a:ext uri="{FF2B5EF4-FFF2-40B4-BE49-F238E27FC236}">
-                <a16:creationId xmlns:a16="http://schemas.microsoft.com/office/drawing/2014/main" id="{AEE5AC4A-A46A-4388-72DE-BF75454EC323}"/>
-              </a:ext>
-            </a:extLst>
-          </p:cNvPr>
-          <p:cNvSpPr txBox="1"/>
-          <p:nvPr/>
-        </p:nvSpPr>
-        <p:spPr>
-          <a:xfrm>
-            <a:off x="5629834" y="1317488"/>
-            <a:ext cx="6005982" cy="3084830"/>
-          </a:xfrm>
-          <a:prstGeom prst="rect">
-            <a:avLst/>
-          </a:prstGeom>
-          <a:noFill/>
-        </p:spPr>
-        <p:txBody>
-          <a:bodyPr wrap="square" rtlCol="0">
-            <a:noAutofit/>
-          </a:bodyPr>
-          <a:lstStyle/>
-          <a:p>
-            <a:pPr marL="0" marR="0" lvl="0" indent="0" algn="l" defTabSz="914400" rtl="0" eaLnBrk="0" fontAlgn="base" latinLnBrk="0" hangingPunct="0">
-              <a:lnSpc>
-                <a:spcPct val="100000"/>
-              </a:lnSpc>
-              <a:spcBef>
-                <a:spcPts val="1200"/>
-              </a:spcBef>
-              <a:spcAft>
-                <a:spcPct val="0"/>
-              </a:spcAft>
-              <a:buClrTx/>
-              <a:buSzTx/>
-              <a:buFontTx/>
-              <a:buChar char="•"/>
-              <a:tabLst/>
-            </a:pPr>
-            <a:r>
-              <a:rPr kumimoji="0" lang="en-US" altLang="en-US" sz="1800" b="1" i="0" u="none" strike="noStrike" cap="none" normalizeH="0" baseline="0">
-                <a:ln>
-                  <a:noFill/>
-                </a:ln>
-                <a:solidFill>
-                  <a:srgbClr val="294B6B"/>
-                </a:solidFill>
-                <a:effectLst/>
-                <a:latin typeface="Arial" panose="020B0604020202020204" pitchFamily="34" charset="0"/>
-              </a:rPr>
-              <a:t>Tự động hóa kiểm thử</a:t>
-            </a:r>
-            <a:r>
-              <a:rPr kumimoji="0" lang="en-US" altLang="en-US" sz="1800" b="0" i="0" u="none" strike="noStrike" cap="none" normalizeH="0" baseline="0">
-                <a:ln>
-                  <a:noFill/>
-                </a:ln>
-                <a:solidFill>
-                  <a:srgbClr val="294B6B"/>
-                </a:solidFill>
-                <a:effectLst/>
-                <a:latin typeface="Arial" panose="020B0604020202020204" pitchFamily="34" charset="0"/>
-              </a:rPr>
-              <a:t>: Katalon giúp đơn giản hóa quy trình kiểm thử ứng dụng web, di động và API thông qua các kịch bản kiểm thử tự động.</a:t>
-            </a:r>
-          </a:p>
-          <a:p>
-            <a:pPr marL="0" marR="0" lvl="0" indent="0" algn="l" defTabSz="914400" rtl="0" eaLnBrk="0" fontAlgn="base" latinLnBrk="0" hangingPunct="0">
-              <a:lnSpc>
-                <a:spcPct val="100000"/>
-              </a:lnSpc>
-              <a:spcBef>
-                <a:spcPts val="1200"/>
-              </a:spcBef>
-              <a:spcAft>
-                <a:spcPct val="0"/>
-              </a:spcAft>
-              <a:buClrTx/>
-              <a:buSzTx/>
-              <a:buFontTx/>
-              <a:buChar char="•"/>
-              <a:tabLst/>
-            </a:pPr>
-            <a:r>
-              <a:rPr kumimoji="0" lang="en-US" altLang="en-US" sz="1800" b="1" i="0" u="none" strike="noStrike" cap="none" normalizeH="0" baseline="0">
-                <a:ln>
-                  <a:noFill/>
-                </a:ln>
-                <a:solidFill>
-                  <a:srgbClr val="294B6B"/>
-                </a:solidFill>
-                <a:effectLst/>
-                <a:latin typeface="Arial" panose="020B0604020202020204" pitchFamily="34" charset="0"/>
-              </a:rPr>
-              <a:t>Tiết kiệm thời gian và chi phí</a:t>
-            </a:r>
-            <a:r>
-              <a:rPr kumimoji="0" lang="en-US" altLang="en-US" sz="1800" b="0" i="0" u="none" strike="noStrike" cap="none" normalizeH="0" baseline="0">
-                <a:ln>
-                  <a:noFill/>
-                </a:ln>
-                <a:solidFill>
-                  <a:srgbClr val="294B6B"/>
-                </a:solidFill>
-                <a:effectLst/>
-                <a:latin typeface="Arial" panose="020B0604020202020204" pitchFamily="34" charset="0"/>
-              </a:rPr>
-              <a:t>: Nhờ tự động hóa, quá trình kiểm thử diễn ra nhanh chóng và hiệu quả hơn so với kiểm thử thủ công.</a:t>
-            </a:r>
-          </a:p>
-          <a:p>
-            <a:pPr marL="0" marR="0" lvl="0" indent="0" algn="l" defTabSz="914400" rtl="0" eaLnBrk="0" fontAlgn="base" latinLnBrk="0" hangingPunct="0">
-              <a:lnSpc>
-                <a:spcPct val="100000"/>
-              </a:lnSpc>
-              <a:spcBef>
-                <a:spcPts val="1200"/>
-              </a:spcBef>
-              <a:spcAft>
-                <a:spcPct val="0"/>
-              </a:spcAft>
-              <a:buClrTx/>
-              <a:buSzTx/>
-              <a:buFontTx/>
-              <a:buChar char="•"/>
-              <a:tabLst/>
-            </a:pPr>
-            <a:r>
-              <a:rPr kumimoji="0" lang="en-US" altLang="en-US" sz="1800" b="1" i="0" u="none" strike="noStrike" cap="none" normalizeH="0" baseline="0">
-                <a:ln>
-                  <a:noFill/>
-                </a:ln>
-                <a:solidFill>
-                  <a:srgbClr val="294B6B"/>
-                </a:solidFill>
-                <a:effectLst/>
-                <a:latin typeface="Arial" panose="020B0604020202020204" pitchFamily="34" charset="0"/>
-              </a:rPr>
-              <a:t>Hỗ trợ đa nền tảng</a:t>
-            </a:r>
-            <a:r>
-              <a:rPr kumimoji="0" lang="en-US" altLang="en-US" sz="1800" b="0" i="0" u="none" strike="noStrike" cap="none" normalizeH="0" baseline="0">
-                <a:ln>
-                  <a:noFill/>
-                </a:ln>
-                <a:solidFill>
-                  <a:srgbClr val="294B6B"/>
-                </a:solidFill>
-                <a:effectLst/>
-                <a:latin typeface="Arial" panose="020B0604020202020204" pitchFamily="34" charset="0"/>
-              </a:rPr>
-              <a:t>: Tương thích với các hệ điều hành như Windows, macOS, và Linux, phù hợp với nhiều môi trường phát triển khác nhau. </a:t>
-            </a:r>
-          </a:p>
-        </p:txBody>
-      </p:sp>
-      <p:sp>
-        <p:nvSpPr>
-          <p:cNvPr id="7" name="AutoShape 9">
-            <a:extLst>
-              <a:ext uri="{FF2B5EF4-FFF2-40B4-BE49-F238E27FC236}">
-                <a16:creationId xmlns:a16="http://schemas.microsoft.com/office/drawing/2014/main" id="{E6589678-1BCD-0B04-F031-D1A989C7DACA}"/>
-              </a:ext>
-            </a:extLst>
-          </p:cNvPr>
-          <p:cNvSpPr>
-            <a:spLocks noChangeAspect="1" noChangeArrowheads="1"/>
-          </p:cNvSpPr>
-          <p:nvPr/>
-        </p:nvSpPr>
-        <p:spPr bwMode="auto">
-          <a:xfrm>
-            <a:off x="5629835" y="3121275"/>
-            <a:ext cx="333404" cy="333404"/>
-          </a:xfrm>
-          <a:prstGeom prst="rect">
-            <a:avLst/>
-          </a:prstGeom>
-          <a:noFill/>
-          <a:extLst>
-            <a:ext uri="{909E8E84-426E-40DD-AFC4-6F175D3DCCD1}">
-              <a14:hiddenFill xmlns:a14="http://schemas.microsoft.com/office/drawing/2010/main">
-                <a:solidFill>
-                  <a:srgbClr val="FFFFFF"/>
-                </a:solidFill>
-              </a14:hiddenFill>
-            </a:ext>
-          </a:extLst>
-        </p:spPr>
-        <p:txBody>
-          <a:bodyPr vert="horz" wrap="square" lIns="91440" tIns="45720" rIns="91440" bIns="45720" numCol="1" anchor="t" anchorCtr="0" compatLnSpc="1">
-            <a:prstTxWarp prst="textNoShape">
-              <a:avLst/>
-            </a:prstTxWarp>
-          </a:bodyPr>
-          <a:lstStyle/>
-          <a:p>
-            <a:endParaRPr lang="en-US"/>
-          </a:p>
-        </p:txBody>
-      </p:sp>
-      <p:pic>
-        <p:nvPicPr>
-          <p:cNvPr id="8" name="Picture 7">
-            <a:extLst>
-              <a:ext uri="{FF2B5EF4-FFF2-40B4-BE49-F238E27FC236}">
-                <a16:creationId xmlns:a16="http://schemas.microsoft.com/office/drawing/2014/main" id="{F6CC2C6E-1C4D-07AB-F713-F0CF18EDF906}"/>
-              </a:ext>
-            </a:extLst>
-          </p:cNvPr>
-          <p:cNvPicPr>
-            <a:picLocks noChangeAspect="1"/>
-          </p:cNvPicPr>
-          <p:nvPr/>
-        </p:nvPicPr>
-        <p:blipFill>
-          <a:blip r:embed="rId2"/>
-          <a:srcRect l="9643" t="6037" r="12411" b="6151"/>
-          <a:stretch/>
-        </p:blipFill>
-        <p:spPr>
-          <a:xfrm>
-            <a:off x="500485" y="1874635"/>
-            <a:ext cx="4696301" cy="3988838"/>
-          </a:xfrm>
-          <a:prstGeom prst="ellipse">
-            <a:avLst/>
-          </a:prstGeom>
-          <a:ln>
-            <a:noFill/>
-          </a:ln>
-          <a:effectLst>
-            <a:softEdge rad="112500"/>
-          </a:effectLst>
-        </p:spPr>
-      </p:pic>
-    </p:spTree>
-    <p:extLst>
-      <p:ext uri="{BB962C8B-B14F-4D97-AF65-F5344CB8AC3E}">
-        <p14:creationId xmlns:p14="http://schemas.microsoft.com/office/powerpoint/2010/main" val="3618181950"/>
-      </p:ext>
-    </p:extLst>
-  </p:cSld>
-  <p:clrMapOvr>
-    <a:masterClrMapping/>
-  </p:clrMapOvr>
-  <p:timing>
-    <p:tnLst>
-      <p:par>
-        <p:cTn id="1" dur="indefinite" restart="never" nodeType="tmRoot">
-          <p:childTnLst>
-            <p:seq concurrent="1" nextAc="seek">
-              <p:cTn id="2" dur="indefinite" nodeType="mainSeq">
-                <p:childTnLst>
-                  <p:par>
-                    <p:cTn id="3" fill="hold">
-                      <p:stCondLst>
-                        <p:cond delay="indefinite"/>
-                        <p:cond evt="onBegin" delay="0">
-                          <p:tn val="2"/>
-                        </p:cond>
-                      </p:stCondLst>
-                      <p:childTnLst>
-                        <p:par>
-                          <p:cTn id="4" fill="hold">
-                            <p:stCondLst>
-                              <p:cond delay="0"/>
-                            </p:stCondLst>
-                            <p:childTnLst>
-                              <p:par>
-                                <p:cTn id="5" presetID="2" presetClass="entr" presetSubtype="8" fill="hold" nodeType="afterEffect">
-                                  <p:stCondLst>
-                                    <p:cond delay="0"/>
-                                  </p:stCondLst>
-                                  <p:childTnLst>
-                                    <p:set>
-                                      <p:cBhvr>
-                                        <p:cTn id="6" dur="1" fill="hold">
-                                          <p:stCondLst>
-                                            <p:cond delay="0"/>
-                                          </p:stCondLst>
-                                        </p:cTn>
-                                        <p:tgtEl>
-                                          <p:spTgt spid="8"/>
-                                        </p:tgtEl>
-                                        <p:attrNameLst>
-                                          <p:attrName>style.visibility</p:attrName>
-                                        </p:attrNameLst>
-                                      </p:cBhvr>
-                                      <p:to>
-                                        <p:strVal val="visible"/>
-                                      </p:to>
-                                    </p:set>
-                                    <p:anim calcmode="lin" valueType="num">
-                                      <p:cBhvr additive="base">
-                                        <p:cTn id="7" dur="750" fill="hold"/>
-                                        <p:tgtEl>
-                                          <p:spTgt spid="8"/>
-                                        </p:tgtEl>
-                                        <p:attrNameLst>
-                                          <p:attrName>ppt_x</p:attrName>
-                                        </p:attrNameLst>
-                                      </p:cBhvr>
-                                      <p:tavLst>
-                                        <p:tav tm="0">
-                                          <p:val>
-                                            <p:strVal val="0-#ppt_w/2"/>
-                                          </p:val>
-                                        </p:tav>
-                                        <p:tav tm="100000">
-                                          <p:val>
-                                            <p:strVal val="#ppt_x"/>
-                                          </p:val>
-                                        </p:tav>
-                                      </p:tavLst>
-                                    </p:anim>
-                                    <p:anim calcmode="lin" valueType="num">
-                                      <p:cBhvr additive="base">
-                                        <p:cTn id="8" dur="750" fill="hold"/>
-                                        <p:tgtEl>
-                                          <p:spTgt spid="8"/>
-                                        </p:tgtEl>
-                                        <p:attrNameLst>
-                                          <p:attrName>ppt_y</p:attrName>
-                                        </p:attrNameLst>
-                                      </p:cBhvr>
-                                      <p:tavLst>
-                                        <p:tav tm="0">
-                                          <p:val>
-                                            <p:strVal val="#ppt_y"/>
-                                          </p:val>
-                                        </p:tav>
-                                        <p:tav tm="100000">
-                                          <p:val>
-                                            <p:strVal val="#ppt_y"/>
-                                          </p:val>
-                                        </p:tav>
-                                      </p:tavLst>
-                                    </p:anim>
-                                  </p:childTnLst>
-                                </p:cTn>
-                              </p:par>
-                            </p:childTnLst>
-                          </p:cTn>
-                        </p:par>
-                      </p:childTnLst>
-                    </p:cTn>
-                  </p:par>
-                </p:childTnLst>
-              </p:cTn>
-              <p:prevCondLst>
-                <p:cond evt="onPrev" delay="0">
-                  <p:tgtEl>
-                    <p:sldTgt/>
-                  </p:tgtEl>
-                </p:cond>
-              </p:prevCondLst>
-              <p:nextCondLst>
-                <p:cond evt="onNext" delay="0">
-                  <p:tgtEl>
-                    <p:sldTgt/>
-                  </p:tgtEl>
-                </p:cond>
-              </p:nextCondLst>
-            </p:seq>
-          </p:childTnLst>
-        </p:cTn>
-      </p:par>
-    </p:tnLst>
-  </p:timing>
-</p:sld>
-</file>
-
-<file path=ppt/slides/slide4.xml><?xml version="1.0" encoding="utf-8"?>
-<p:sld xmlns:a="http://schemas.openxmlformats.org/drawingml/2006/main" xmlns:r="http://schemas.openxmlformats.org/officeDocument/2006/relationships" xmlns:p="http://schemas.openxmlformats.org/presentationml/2006/main">
-  <p:cSld>
-    <p:spTree>
-      <p:nvGrpSpPr>
-        <p:cNvPr id="1" name=""/>
-        <p:cNvGrpSpPr/>
-        <p:nvPr/>
-      </p:nvGrpSpPr>
-      <p:grpSpPr>
-        <a:xfrm>
-          <a:off x="0" y="0"/>
-          <a:ext cx="0" cy="0"/>
-          <a:chOff x="0" y="0"/>
-          <a:chExt cx="0" cy="0"/>
-        </a:xfrm>
-      </p:grpSpPr>
-      <p:sp>
-        <p:nvSpPr>
-          <p:cNvPr id="5" name="Rectangle 4">
-            <a:extLst>
-              <a:ext uri="{FF2B5EF4-FFF2-40B4-BE49-F238E27FC236}">
-                <a16:creationId xmlns:a16="http://schemas.microsoft.com/office/drawing/2014/main" id="{455066EB-9EF8-D7BC-4070-97E85CCAD78A}"/>
-              </a:ext>
-            </a:extLst>
-          </p:cNvPr>
-          <p:cNvSpPr/>
-          <p:nvPr/>
-        </p:nvSpPr>
-        <p:spPr>
-          <a:xfrm>
-            <a:off x="-1" y="0"/>
-            <a:ext cx="12192001" cy="957183"/>
-          </a:xfrm>
-          <a:prstGeom prst="rect">
-            <a:avLst/>
-          </a:prstGeom>
-          <a:solidFill>
-            <a:srgbClr val="00294F">
-              <a:alpha val="84000"/>
-            </a:srgbClr>
-          </a:solidFill>
-        </p:spPr>
-        <p:style>
-          <a:lnRef idx="2">
-            <a:schemeClr val="accent1">
-              <a:shade val="15000"/>
-            </a:schemeClr>
-          </a:lnRef>
-          <a:fillRef idx="1">
-            <a:schemeClr val="accent1"/>
-          </a:fillRef>
-          <a:effectRef idx="0">
-            <a:schemeClr val="accent1"/>
-          </a:effectRef>
-          <a:fontRef idx="minor">
-            <a:schemeClr val="lt1"/>
-          </a:fontRef>
-        </p:style>
-        <p:txBody>
-          <a:bodyPr lIns="365760" rtlCol="0" anchor="ctr"/>
-          <a:lstStyle/>
-          <a:p>
-            <a:r>
-              <a:rPr lang="en-US" sz="3200" b="1">
-                <a:solidFill>
-                  <a:schemeClr val="bg1"/>
-                </a:solidFill>
-              </a:rPr>
-              <a:t>CÁC TÍNH NĂNG NỔI BẬT</a:t>
-            </a:r>
-          </a:p>
-        </p:txBody>
-      </p:sp>
-      <p:sp>
-        <p:nvSpPr>
-          <p:cNvPr id="6" name="TextBox 5">
-            <a:extLst>
-              <a:ext uri="{FF2B5EF4-FFF2-40B4-BE49-F238E27FC236}">
-                <a16:creationId xmlns:a16="http://schemas.microsoft.com/office/drawing/2014/main" id="{12036829-5B83-C6BC-F730-08ABD0DA29D7}"/>
-              </a:ext>
-            </a:extLst>
-          </p:cNvPr>
-          <p:cNvSpPr txBox="1"/>
-          <p:nvPr/>
-        </p:nvSpPr>
-        <p:spPr>
-          <a:xfrm>
-            <a:off x="442310" y="4361872"/>
-            <a:ext cx="11835415" cy="1933575"/>
-          </a:xfrm>
-          <a:prstGeom prst="rect">
-            <a:avLst/>
-          </a:prstGeom>
-          <a:noFill/>
-        </p:spPr>
-        <p:txBody>
-          <a:bodyPr wrap="square" rtlCol="0">
-            <a:noAutofit/>
-          </a:bodyPr>
-          <a:lstStyle/>
-          <a:p>
-            <a:pPr algn="l">
-              <a:spcBef>
-                <a:spcPts val="600"/>
-              </a:spcBef>
-            </a:pPr>
-            <a:r>
-              <a:rPr lang="vi-VN" b="1" i="0">
-                <a:solidFill>
-                  <a:srgbClr val="294B6B"/>
-                </a:solidFill>
-                <a:effectLst/>
-              </a:rPr>
-              <a:t>Ease of use: </a:t>
-            </a:r>
-            <a:endParaRPr lang="en-US" b="1" i="0">
-              <a:solidFill>
-                <a:srgbClr val="294B6B"/>
-              </a:solidFill>
-              <a:effectLst/>
-            </a:endParaRPr>
-          </a:p>
-          <a:p>
-            <a:pPr algn="l"/>
-            <a:r>
-              <a:rPr lang="vi-VN" i="0">
-                <a:solidFill>
-                  <a:srgbClr val="294B6B"/>
-                </a:solidFill>
-                <a:effectLst/>
-              </a:rPr>
-              <a:t>Dễ sử dụng, ngay cả với kinh nghiệm lập trình tối thiểu.</a:t>
-            </a:r>
-          </a:p>
-          <a:p>
-            <a:pPr algn="l">
-              <a:spcBef>
-                <a:spcPts val="600"/>
-              </a:spcBef>
-            </a:pPr>
-            <a:r>
-              <a:rPr lang="vi-VN" b="1" i="0">
-                <a:solidFill>
-                  <a:srgbClr val="294B6B"/>
-                </a:solidFill>
-                <a:effectLst/>
-              </a:rPr>
-              <a:t>Flexible modes: </a:t>
-            </a:r>
-            <a:endParaRPr lang="en-US" b="1" i="0">
-              <a:solidFill>
-                <a:srgbClr val="294B6B"/>
-              </a:solidFill>
-              <a:effectLst/>
-            </a:endParaRPr>
-          </a:p>
-          <a:p>
-            <a:pPr algn="l"/>
-            <a:r>
-              <a:rPr lang="vi-VN" i="0">
-                <a:solidFill>
-                  <a:srgbClr val="294B6B"/>
-                </a:solidFill>
-                <a:effectLst/>
-              </a:rPr>
-              <a:t>Tester mới có thể dùng recording và keywords, chuyên gia có IDE hoàn chỉnh để xây dựng kịch bản nâng cao.</a:t>
-            </a:r>
-            <a:endParaRPr lang="en-US" i="0">
-              <a:solidFill>
-                <a:srgbClr val="294B6B"/>
-              </a:solidFill>
-              <a:effectLst/>
-            </a:endParaRPr>
-          </a:p>
-          <a:p>
-            <a:pPr algn="l">
-              <a:spcBef>
-                <a:spcPts val="600"/>
-              </a:spcBef>
-            </a:pPr>
-            <a:r>
-              <a:rPr lang="vi-VN" b="1" i="0">
-                <a:solidFill>
-                  <a:srgbClr val="294B6B"/>
-                </a:solidFill>
-                <a:effectLst/>
-              </a:rPr>
-              <a:t>Cross-browser application: </a:t>
-            </a:r>
-            <a:endParaRPr lang="en-US" b="1" i="0">
-              <a:solidFill>
-                <a:srgbClr val="294B6B"/>
-              </a:solidFill>
-              <a:effectLst/>
-            </a:endParaRPr>
-          </a:p>
-          <a:p>
-            <a:pPr algn="l"/>
-            <a:r>
-              <a:rPr lang="vi-VN" i="0">
-                <a:solidFill>
-                  <a:srgbClr val="294B6B"/>
-                </a:solidFill>
-                <a:effectLst/>
-              </a:rPr>
-              <a:t>Hỗ trợ nhiều nền tảng, gồm Windows và OS X.</a:t>
-            </a:r>
-            <a:endParaRPr lang="en-US" i="0">
-              <a:solidFill>
-                <a:srgbClr val="294B6B"/>
-              </a:solidFill>
-              <a:effectLst/>
-            </a:endParaRPr>
-          </a:p>
-        </p:txBody>
-      </p:sp>
-      <p:sp>
-        <p:nvSpPr>
-          <p:cNvPr id="7" name="TextBox 6">
-            <a:extLst>
-              <a:ext uri="{FF2B5EF4-FFF2-40B4-BE49-F238E27FC236}">
-                <a16:creationId xmlns:a16="http://schemas.microsoft.com/office/drawing/2014/main" id="{8A309D49-4696-5E62-55E4-96782960BEF1}"/>
-              </a:ext>
-            </a:extLst>
-          </p:cNvPr>
-          <p:cNvSpPr txBox="1"/>
-          <p:nvPr/>
-        </p:nvSpPr>
-        <p:spPr>
-          <a:xfrm>
-            <a:off x="442310" y="1377181"/>
-            <a:ext cx="4939315" cy="2880494"/>
-          </a:xfrm>
-          <a:prstGeom prst="rect">
-            <a:avLst/>
-          </a:prstGeom>
-          <a:noFill/>
-        </p:spPr>
-        <p:txBody>
-          <a:bodyPr wrap="square" rtlCol="0">
-            <a:noAutofit/>
-          </a:bodyPr>
-          <a:lstStyle/>
-          <a:p>
-            <a:pPr algn="l"/>
-            <a:r>
-              <a:rPr lang="vi-VN" b="1" i="0">
-                <a:solidFill>
-                  <a:srgbClr val="294B6B"/>
-                </a:solidFill>
-                <a:effectLst/>
-              </a:rPr>
-              <a:t>Simple deployment: </a:t>
-            </a:r>
-            <a:endParaRPr lang="en-US" b="1" i="0">
-              <a:solidFill>
-                <a:srgbClr val="294B6B"/>
-              </a:solidFill>
-              <a:effectLst/>
-            </a:endParaRPr>
-          </a:p>
-          <a:p>
-            <a:pPr algn="l"/>
-            <a:r>
-              <a:rPr lang="vi-VN" i="0">
-                <a:solidFill>
-                  <a:srgbClr val="294B6B"/>
-                </a:solidFill>
-                <a:effectLst/>
-              </a:rPr>
-              <a:t>Gói triển khai duy nhất, chứa mọi thứ để triển khai công cụ kiểm tra tự động mạnh mẽ.</a:t>
-            </a:r>
-          </a:p>
-          <a:p>
-            <a:pPr algn="l">
-              <a:spcBef>
-                <a:spcPts val="600"/>
-              </a:spcBef>
-            </a:pPr>
-            <a:r>
-              <a:rPr lang="vi-VN" b="1" i="0">
-                <a:solidFill>
-                  <a:srgbClr val="294B6B"/>
-                </a:solidFill>
-                <a:effectLst/>
-              </a:rPr>
-              <a:t>Quick &amp; easy set-up: </a:t>
-            </a:r>
-            <a:endParaRPr lang="en-US" b="1" i="0">
-              <a:solidFill>
-                <a:srgbClr val="294B6B"/>
-              </a:solidFill>
-              <a:effectLst/>
-            </a:endParaRPr>
-          </a:p>
-          <a:p>
-            <a:pPr algn="l"/>
-            <a:r>
-              <a:rPr lang="vi-VN" i="0">
-                <a:solidFill>
-                  <a:srgbClr val="294B6B"/>
-                </a:solidFill>
-                <a:effectLst/>
-              </a:rPr>
-              <a:t>Cài đặt và thiết lập môi trường nhanh chóng với mẫu có sẵn, bao gồm object repositories và keyword libraries.</a:t>
-            </a:r>
-          </a:p>
-          <a:p>
-            <a:pPr algn="l">
-              <a:spcBef>
-                <a:spcPts val="600"/>
-              </a:spcBef>
-            </a:pPr>
-            <a:r>
-              <a:rPr lang="vi-VN" b="1" i="0">
-                <a:solidFill>
-                  <a:srgbClr val="294B6B"/>
-                </a:solidFill>
-                <a:effectLst/>
-              </a:rPr>
-              <a:t>Faster &amp; better results:</a:t>
-            </a:r>
-            <a:endParaRPr lang="en-US" b="1" i="0">
-              <a:solidFill>
-                <a:srgbClr val="294B6B"/>
-              </a:solidFill>
-              <a:effectLst/>
-            </a:endParaRPr>
-          </a:p>
-          <a:p>
-            <a:pPr algn="l"/>
-            <a:r>
-              <a:rPr lang="vi-VN" i="0">
-                <a:solidFill>
-                  <a:srgbClr val="294B6B"/>
-                </a:solidFill>
-                <a:effectLst/>
-              </a:rPr>
-              <a:t>Hướng dẫn chi tiết giúp tester nhanh chóng tạo, chạy test scripts, và báo cáo kết quả.</a:t>
-            </a:r>
-          </a:p>
-        </p:txBody>
-      </p:sp>
-      <p:pic>
-        <p:nvPicPr>
-          <p:cNvPr id="1034" name="Picture 10">
-            <a:extLst>
-              <a:ext uri="{FF2B5EF4-FFF2-40B4-BE49-F238E27FC236}">
-                <a16:creationId xmlns:a16="http://schemas.microsoft.com/office/drawing/2014/main" id="{5497EAF0-F429-BCCB-BE8D-2EACECBEFC94}"/>
-              </a:ext>
-            </a:extLst>
-          </p:cNvPr>
-          <p:cNvPicPr>
-            <a:picLocks noChangeAspect="1" noChangeArrowheads="1"/>
-          </p:cNvPicPr>
-          <p:nvPr/>
-        </p:nvPicPr>
-        <p:blipFill>
-          <a:blip r:embed="rId2">
-            <a:extLst>
-              <a:ext uri="{28A0092B-C50C-407E-A947-70E740481C1C}">
-                <a14:useLocalDpi xmlns:a14="http://schemas.microsoft.com/office/drawing/2010/main" val="0"/>
-              </a:ext>
-            </a:extLst>
-          </a:blip>
-          <a:srcRect/>
-          <a:stretch>
-            <a:fillRect/>
-          </a:stretch>
-        </p:blipFill>
-        <p:spPr bwMode="auto">
-          <a:xfrm>
-            <a:off x="6209874" y="1377181"/>
-            <a:ext cx="5539816" cy="3310276"/>
-          </a:xfrm>
-          <a:prstGeom prst="rect">
-            <a:avLst/>
-          </a:prstGeom>
-          <a:noFill/>
-          <a:extLst>
-            <a:ext uri="{909E8E84-426E-40DD-AFC4-6F175D3DCCD1}">
-              <a14:hiddenFill xmlns:a14="http://schemas.microsoft.com/office/drawing/2010/main">
-                <a:solidFill>
-                  <a:srgbClr val="FFFFFF"/>
-                </a:solidFill>
-              </a14:hiddenFill>
-            </a:ext>
-          </a:extLst>
-        </p:spPr>
-      </p:pic>
-    </p:spTree>
-    <p:extLst>
-      <p:ext uri="{BB962C8B-B14F-4D97-AF65-F5344CB8AC3E}">
-        <p14:creationId xmlns:p14="http://schemas.microsoft.com/office/powerpoint/2010/main" val="900212428"/>
-      </p:ext>
-    </p:extLst>
-  </p:cSld>
-  <p:clrMapOvr>
-    <a:masterClrMapping/>
-  </p:clrMapOvr>
-  <p:transition spd="slow">
-    <p:wipe dir="d"/>
-  </p:transition>
-  <p:timing>
-    <p:tnLst>
-      <p:par>
-        <p:cTn id="1" dur="indefinite" restart="never" nodeType="tmRoot">
-          <p:childTnLst>
-            <p:seq concurrent="1" nextAc="seek">
-              <p:cTn id="2" dur="indefinite" nodeType="mainSeq">
-                <p:childTnLst>
-                  <p:par>
-                    <p:cTn id="3" fill="hold">
-                      <p:stCondLst>
-                        <p:cond delay="indefinite"/>
-                        <p:cond evt="onBegin" delay="0">
-                          <p:tn val="2"/>
-                        </p:cond>
-                      </p:stCondLst>
-                      <p:childTnLst>
-                        <p:par>
-                          <p:cTn id="4" fill="hold">
-                            <p:stCondLst>
-                              <p:cond delay="0"/>
-                            </p:stCondLst>
-                            <p:childTnLst>
-                              <p:par>
-                                <p:cTn id="5" presetID="42" presetClass="entr" presetSubtype="0" fill="hold" nodeType="afterEffect">
-                                  <p:stCondLst>
-                                    <p:cond delay="0"/>
-                                  </p:stCondLst>
-                                  <p:childTnLst>
-                                    <p:set>
-                                      <p:cBhvr>
-                                        <p:cTn id="6" dur="1" fill="hold">
-                                          <p:stCondLst>
-                                            <p:cond delay="0"/>
-                                          </p:stCondLst>
-                                        </p:cTn>
-                                        <p:tgtEl>
-                                          <p:spTgt spid="1034"/>
-                                        </p:tgtEl>
-                                        <p:attrNameLst>
-                                          <p:attrName>style.visibility</p:attrName>
-                                        </p:attrNameLst>
-                                      </p:cBhvr>
-                                      <p:to>
-                                        <p:strVal val="visible"/>
-                                      </p:to>
-                                    </p:set>
-                                    <p:animEffect transition="in" filter="fade">
-                                      <p:cBhvr>
-                                        <p:cTn id="7" dur="1000"/>
-                                        <p:tgtEl>
-                                          <p:spTgt spid="1034"/>
-                                        </p:tgtEl>
-                                      </p:cBhvr>
-                                    </p:animEffect>
-                                    <p:anim calcmode="lin" valueType="num">
-                                      <p:cBhvr>
-                                        <p:cTn id="8" dur="1000" fill="hold"/>
-                                        <p:tgtEl>
-                                          <p:spTgt spid="1034"/>
-                                        </p:tgtEl>
-                                        <p:attrNameLst>
-                                          <p:attrName>ppt_x</p:attrName>
-                                        </p:attrNameLst>
-                                      </p:cBhvr>
-                                      <p:tavLst>
-                                        <p:tav tm="0">
-                                          <p:val>
-                                            <p:strVal val="#ppt_x"/>
-                                          </p:val>
-                                        </p:tav>
-                                        <p:tav tm="100000">
-                                          <p:val>
-                                            <p:strVal val="#ppt_x"/>
-                                          </p:val>
-                                        </p:tav>
-                                      </p:tavLst>
-                                    </p:anim>
-                                    <p:anim calcmode="lin" valueType="num">
-                                      <p:cBhvr>
-                                        <p:cTn id="9" dur="1000" fill="hold"/>
-                                        <p:tgtEl>
-                                          <p:spTgt spid="1034"/>
-                                        </p:tgtEl>
-                                        <p:attrNameLst>
-                                          <p:attrName>ppt_y</p:attrName>
-                                        </p:attrNameLst>
-                                      </p:cBhvr>
-                                      <p:tavLst>
-                                        <p:tav tm="0">
-                                          <p:val>
-                                            <p:strVal val="#ppt_y+.1"/>
-                                          </p:val>
-                                        </p:tav>
-                                        <p:tav tm="100000">
-                                          <p:val>
-                                            <p:strVal val="#ppt_y"/>
-                                          </p:val>
-                                        </p:tav>
-                                      </p:tavLst>
-                                    </p:anim>
-                                  </p:childTnLst>
-                                </p:cTn>
-                              </p:par>
-                            </p:childTnLst>
-                          </p:cTn>
-                        </p:par>
-                      </p:childTnLst>
-                    </p:cTn>
-                  </p:par>
-                </p:childTnLst>
-              </p:cTn>
-              <p:prevCondLst>
-                <p:cond evt="onPrev" delay="0">
-                  <p:tgtEl>
-                    <p:sldTgt/>
-                  </p:tgtEl>
-                </p:cond>
-              </p:prevCondLst>
-              <p:nextCondLst>
-                <p:cond evt="onNext" delay="0">
-                  <p:tgtEl>
-                    <p:sldTgt/>
-                  </p:tgtEl>
-                </p:cond>
-              </p:nextCondLst>
-            </p:seq>
-          </p:childTnLst>
-        </p:cTn>
-      </p:par>
-    </p:tnLst>
-  </p:timing>
-</p:sld>
-</file>
-
-<file path=ppt/slides/slide5.xml><?xml version="1.0" encoding="utf-8"?>
-<p:sld xmlns:a="http://schemas.openxmlformats.org/drawingml/2006/main" xmlns:r="http://schemas.openxmlformats.org/officeDocument/2006/relationships" xmlns:p="http://schemas.openxmlformats.org/presentationml/2006/main">
-  <p:cSld>
-    <p:spTree>
-      <p:nvGrpSpPr>
-        <p:cNvPr id="1" name="">
-          <a:extLst>
-            <a:ext uri="{FF2B5EF4-FFF2-40B4-BE49-F238E27FC236}">
-              <a16:creationId xmlns:a16="http://schemas.microsoft.com/office/drawing/2014/main" id="{A279174F-A9D4-8D62-E747-FBFCB451E46F}"/>
-            </a:ext>
-          </a:extLst>
-        </p:cNvPr>
-        <p:cNvGrpSpPr/>
-        <p:nvPr/>
-      </p:nvGrpSpPr>
-      <p:grpSpPr>
-        <a:xfrm>
-          <a:off x="0" y="0"/>
-          <a:ext cx="0" cy="0"/>
-          <a:chOff x="0" y="0"/>
-          <a:chExt cx="0" cy="0"/>
-        </a:xfrm>
-      </p:grpSpPr>
-      <p:pic>
-        <p:nvPicPr>
-          <p:cNvPr id="1028" name="Picture 4" descr="Làm quen với Katalon Studio | Kiểm Thử Tự Động">
-            <a:extLst>
-              <a:ext uri="{FF2B5EF4-FFF2-40B4-BE49-F238E27FC236}">
-                <a16:creationId xmlns:a16="http://schemas.microsoft.com/office/drawing/2014/main" id="{5081B6E0-2DDD-6B5A-EB0E-DE38EFA89D27}"/>
-              </a:ext>
-            </a:extLst>
-          </p:cNvPr>
-          <p:cNvPicPr>
-            <a:picLocks noChangeAspect="1" noChangeArrowheads="1"/>
-          </p:cNvPicPr>
-          <p:nvPr/>
-        </p:nvPicPr>
-        <p:blipFill>
-          <a:blip r:embed="rId3">
-            <a:extLst>
-              <a:ext uri="{28A0092B-C50C-407E-A947-70E740481C1C}">
-                <a14:useLocalDpi xmlns:a14="http://schemas.microsoft.com/office/drawing/2010/main" val="0"/>
-              </a:ext>
-            </a:extLst>
-          </a:blip>
-          <a:srcRect/>
-          <a:stretch>
-            <a:fillRect/>
-          </a:stretch>
-        </p:blipFill>
-        <p:spPr bwMode="auto">
-          <a:xfrm>
-            <a:off x="797859" y="957183"/>
-            <a:ext cx="10425659" cy="5814166"/>
-          </a:xfrm>
-          <a:prstGeom prst="rect">
-            <a:avLst/>
-          </a:prstGeom>
-          <a:noFill/>
-          <a:extLst>
-            <a:ext uri="{909E8E84-426E-40DD-AFC4-6F175D3DCCD1}">
-              <a14:hiddenFill xmlns:a14="http://schemas.microsoft.com/office/drawing/2010/main">
-                <a:solidFill>
-                  <a:srgbClr val="FFFFFF"/>
-                </a:solidFill>
-              </a14:hiddenFill>
-            </a:ext>
-          </a:extLst>
-        </p:spPr>
-      </p:pic>
-      <p:sp>
-        <p:nvSpPr>
-          <p:cNvPr id="5" name="Rectangle 4">
-            <a:extLst>
-              <a:ext uri="{FF2B5EF4-FFF2-40B4-BE49-F238E27FC236}">
-                <a16:creationId xmlns:a16="http://schemas.microsoft.com/office/drawing/2014/main" id="{1981F77E-DFB5-000B-ECF4-456078A27D7E}"/>
-              </a:ext>
-            </a:extLst>
-          </p:cNvPr>
-          <p:cNvSpPr/>
-          <p:nvPr/>
-        </p:nvSpPr>
-        <p:spPr>
-          <a:xfrm>
-            <a:off x="-1" y="0"/>
-            <a:ext cx="12192001" cy="957183"/>
-          </a:xfrm>
-          <a:prstGeom prst="rect">
-            <a:avLst/>
-          </a:prstGeom>
-          <a:solidFill>
-            <a:srgbClr val="00294F">
-              <a:alpha val="84000"/>
-            </a:srgbClr>
-          </a:solidFill>
-        </p:spPr>
-        <p:style>
-          <a:lnRef idx="2">
-            <a:schemeClr val="accent1">
-              <a:shade val="15000"/>
-            </a:schemeClr>
-          </a:lnRef>
-          <a:fillRef idx="1">
-            <a:schemeClr val="accent1"/>
-          </a:fillRef>
-          <a:effectRef idx="0">
-            <a:schemeClr val="accent1"/>
-          </a:effectRef>
-          <a:fontRef idx="minor">
-            <a:schemeClr val="lt1"/>
-          </a:fontRef>
-        </p:style>
-        <p:txBody>
-          <a:bodyPr lIns="365760" rtlCol="0" anchor="ctr"/>
-          <a:lstStyle/>
-          <a:p>
-            <a:r>
-              <a:rPr lang="en-US" sz="3200" b="1">
-                <a:solidFill>
-                  <a:schemeClr val="bg1"/>
-                </a:solidFill>
-              </a:rPr>
-              <a:t>SƠ LƯỢC VỀ GIAO DIỆN CHÍNH</a:t>
-            </a:r>
-          </a:p>
-        </p:txBody>
-      </p:sp>
-      <p:sp>
-        <p:nvSpPr>
-          <p:cNvPr id="3" name="TextBox 2">
-            <a:extLst>
-              <a:ext uri="{FF2B5EF4-FFF2-40B4-BE49-F238E27FC236}">
-                <a16:creationId xmlns:a16="http://schemas.microsoft.com/office/drawing/2014/main" id="{68EFFDB5-DD30-8A0F-2684-FEB946AD37D8}"/>
-              </a:ext>
-            </a:extLst>
-          </p:cNvPr>
-          <p:cNvSpPr txBox="1"/>
-          <p:nvPr/>
-        </p:nvSpPr>
-        <p:spPr>
-          <a:xfrm>
-            <a:off x="2241175" y="1029832"/>
-            <a:ext cx="5952565" cy="369332"/>
-          </a:xfrm>
-          <a:prstGeom prst="rect">
-            <a:avLst/>
-          </a:prstGeom>
-          <a:noFill/>
-        </p:spPr>
-        <p:txBody>
-          <a:bodyPr wrap="square" rtlCol="0">
-            <a:spAutoFit/>
-          </a:bodyPr>
-          <a:lstStyle/>
-          <a:p>
-            <a:pPr>
-              <a:spcBef>
-                <a:spcPts val="600"/>
-              </a:spcBef>
-            </a:pPr>
-            <a:r>
-              <a:rPr lang="en-US" b="1">
-                <a:solidFill>
-                  <a:srgbClr val="294B6B"/>
-                </a:solidFill>
-              </a:rPr>
-              <a:t>. </a:t>
-            </a:r>
-            <a:r>
-              <a:rPr lang="vi-VN" b="1">
-                <a:solidFill>
-                  <a:srgbClr val="294B6B"/>
-                </a:solidFill>
-              </a:rPr>
-              <a:t>Toolbar</a:t>
-            </a:r>
-            <a:r>
-              <a:rPr lang="vi-VN">
-                <a:solidFill>
-                  <a:srgbClr val="294B6B"/>
-                </a:solidFill>
-              </a:rPr>
-              <a:t>: Nơi có các nút tạo, chạy, và debug test case.</a:t>
-            </a:r>
-          </a:p>
-        </p:txBody>
-      </p:sp>
-      <p:sp>
-        <p:nvSpPr>
-          <p:cNvPr id="4" name="TextBox 3">
-            <a:extLst>
-              <a:ext uri="{FF2B5EF4-FFF2-40B4-BE49-F238E27FC236}">
-                <a16:creationId xmlns:a16="http://schemas.microsoft.com/office/drawing/2014/main" id="{BC4A83D8-41C0-6900-ABC2-294384EEFC95}"/>
-              </a:ext>
-            </a:extLst>
-          </p:cNvPr>
-          <p:cNvSpPr txBox="1"/>
-          <p:nvPr/>
-        </p:nvSpPr>
-        <p:spPr>
-          <a:xfrm>
-            <a:off x="2178422" y="6338047"/>
-            <a:ext cx="8005483" cy="646331"/>
-          </a:xfrm>
-          <a:prstGeom prst="rect">
-            <a:avLst/>
-          </a:prstGeom>
-          <a:noFill/>
-        </p:spPr>
-        <p:txBody>
-          <a:bodyPr wrap="square" rtlCol="0">
-            <a:spAutoFit/>
-          </a:bodyPr>
-          <a:lstStyle/>
-          <a:p>
-            <a:r>
-              <a:rPr lang="en-US" b="1">
-                <a:solidFill>
-                  <a:srgbClr val="294B6B"/>
-                </a:solidFill>
-              </a:rPr>
-              <a:t>. </a:t>
-            </a:r>
-            <a:r>
-              <a:rPr lang="vi-VN" b="1">
-                <a:solidFill>
-                  <a:srgbClr val="294B6B"/>
-                </a:solidFill>
-              </a:rPr>
-              <a:t>Project Explorer</a:t>
-            </a:r>
-            <a:r>
-              <a:rPr lang="vi-VN">
-                <a:solidFill>
-                  <a:srgbClr val="294B6B"/>
-                </a:solidFill>
-              </a:rPr>
-              <a:t>: Hiển thị cấu trúc dự án gồm test case, object repository.</a:t>
-            </a:r>
-          </a:p>
-          <a:p>
-            <a:endParaRPr lang="en-US"/>
-          </a:p>
-        </p:txBody>
-      </p:sp>
-      <p:sp>
-        <p:nvSpPr>
-          <p:cNvPr id="6" name="TextBox 5">
-            <a:extLst>
-              <a:ext uri="{FF2B5EF4-FFF2-40B4-BE49-F238E27FC236}">
-                <a16:creationId xmlns:a16="http://schemas.microsoft.com/office/drawing/2014/main" id="{847A17C2-5861-F7B7-6655-B7D235A231E8}"/>
-              </a:ext>
-            </a:extLst>
-          </p:cNvPr>
-          <p:cNvSpPr txBox="1"/>
-          <p:nvPr/>
-        </p:nvSpPr>
-        <p:spPr>
-          <a:xfrm>
-            <a:off x="10614212" y="3429000"/>
-            <a:ext cx="1577788" cy="1477328"/>
-          </a:xfrm>
-          <a:prstGeom prst="rect">
-            <a:avLst/>
-          </a:prstGeom>
-          <a:noFill/>
-        </p:spPr>
-        <p:txBody>
-          <a:bodyPr wrap="square" rtlCol="0">
-            <a:spAutoFit/>
-          </a:bodyPr>
-          <a:lstStyle/>
-          <a:p>
-            <a:r>
-              <a:rPr lang="vi-VN" b="1">
-                <a:solidFill>
-                  <a:srgbClr val="294B6B"/>
-                </a:solidFill>
-              </a:rPr>
-              <a:t>Editor</a:t>
-            </a:r>
-            <a:r>
-              <a:rPr lang="vi-VN">
-                <a:solidFill>
-                  <a:srgbClr val="294B6B"/>
-                </a:solidFill>
-              </a:rPr>
-              <a:t>: Khu vực viết code và chỉnh sửa test case.</a:t>
-            </a:r>
-          </a:p>
-          <a:p>
-            <a:endParaRPr lang="en-US"/>
-          </a:p>
-        </p:txBody>
-      </p:sp>
-      <p:sp>
-        <p:nvSpPr>
-          <p:cNvPr id="7" name="TextBox 6">
-            <a:extLst>
-              <a:ext uri="{FF2B5EF4-FFF2-40B4-BE49-F238E27FC236}">
-                <a16:creationId xmlns:a16="http://schemas.microsoft.com/office/drawing/2014/main" id="{D4C23A69-1DD4-7E6C-AA5A-AEC24826774F}"/>
-              </a:ext>
-            </a:extLst>
-          </p:cNvPr>
-          <p:cNvSpPr txBox="1"/>
-          <p:nvPr/>
-        </p:nvSpPr>
-        <p:spPr>
-          <a:xfrm>
-            <a:off x="4061306" y="5490124"/>
-            <a:ext cx="6463259" cy="369332"/>
-          </a:xfrm>
-          <a:prstGeom prst="rect">
-            <a:avLst/>
-          </a:prstGeom>
-          <a:noFill/>
-        </p:spPr>
-        <p:txBody>
-          <a:bodyPr wrap="square" rtlCol="0">
-            <a:spAutoFit/>
-          </a:bodyPr>
-          <a:lstStyle/>
-          <a:p>
-            <a:r>
-              <a:rPr lang="en-US" b="0" i="0">
-                <a:solidFill>
-                  <a:srgbClr val="294B6B"/>
-                </a:solidFill>
-                <a:effectLst/>
-                <a:latin typeface="Roboto" panose="02000000000000000000" pitchFamily="2" charset="0"/>
-              </a:rPr>
-              <a:t>Hiển thị các kết quả test, hỗ trợ chế độ Console và Log Viewer</a:t>
-            </a:r>
-            <a:endParaRPr lang="en-US">
-              <a:solidFill>
-                <a:srgbClr val="294B6B"/>
-              </a:solidFill>
-            </a:endParaRPr>
-          </a:p>
-        </p:txBody>
-      </p:sp>
-    </p:spTree>
-    <p:extLst>
-      <p:ext uri="{BB962C8B-B14F-4D97-AF65-F5344CB8AC3E}">
-        <p14:creationId xmlns:p14="http://schemas.microsoft.com/office/powerpoint/2010/main" val="1227983628"/>
-      </p:ext>
-    </p:extLst>
-  </p:cSld>
-  <p:clrMapOvr>
-    <a:masterClrMapping/>
-  </p:clrMapOvr>
-  <p:transition spd="slow">
-    <p:wipe dir="d"/>
-  </p:transition>
-  <p:timing>
-    <p:tnLst>
-      <p:par>
-        <p:cTn id="1" dur="indefinite" restart="never" nodeType="tmRoot">
-          <p:childTnLst>
-            <p:seq concurrent="1" nextAc="seek">
-              <p:cTn id="2" dur="indefinite" nodeType="mainSeq">
-                <p:childTnLst>
-                  <p:par>
-                    <p:cTn id="3" fill="hold">
-                      <p:stCondLst>
-                        <p:cond delay="indefinite"/>
-                        <p:cond evt="onBegin" delay="0">
-                          <p:tn val="2"/>
-                        </p:cond>
-                      </p:stCondLst>
-                      <p:childTnLst>
-                        <p:par>
-                          <p:cTn id="4" fill="hold">
-                            <p:stCondLst>
-                              <p:cond delay="0"/>
-                            </p:stCondLst>
-                            <p:childTnLst>
-                              <p:par>
-                                <p:cTn id="5" presetID="16" presetClass="entr" presetSubtype="21" fill="hold" grpId="0" nodeType="afterEffect">
-                                  <p:stCondLst>
-                                    <p:cond delay="0"/>
-                                  </p:stCondLst>
-                                  <p:childTnLst>
-                                    <p:set>
-                                      <p:cBhvr>
-                                        <p:cTn id="6" dur="1" fill="hold">
-                                          <p:stCondLst>
-                                            <p:cond delay="0"/>
-                                          </p:stCondLst>
-                                        </p:cTn>
-                                        <p:tgtEl>
-                                          <p:spTgt spid="3"/>
-                                        </p:tgtEl>
-                                        <p:attrNameLst>
-                                          <p:attrName>style.visibility</p:attrName>
-                                        </p:attrNameLst>
-                                      </p:cBhvr>
-                                      <p:to>
-                                        <p:strVal val="visible"/>
-                                      </p:to>
-                                    </p:set>
-                                    <p:animEffect transition="in" filter="barn(inVertical)">
-                                      <p:cBhvr>
-                                        <p:cTn id="7" dur="500"/>
-                                        <p:tgtEl>
-                                          <p:spTgt spid="3"/>
-                                        </p:tgtEl>
-                                      </p:cBhvr>
-                                    </p:animEffect>
-                                  </p:childTnLst>
-                                </p:cTn>
-                              </p:par>
-                            </p:childTnLst>
-                          </p:cTn>
-                        </p:par>
-                        <p:par>
-                          <p:cTn id="8" fill="hold">
-                            <p:stCondLst>
-                              <p:cond delay="500"/>
-                            </p:stCondLst>
-                            <p:childTnLst>
-                              <p:par>
-                                <p:cTn id="9" presetID="16" presetClass="entr" presetSubtype="21" fill="hold" grpId="0" nodeType="afterEffect">
-                                  <p:stCondLst>
-                                    <p:cond delay="0"/>
-                                  </p:stCondLst>
-                                  <p:childTnLst>
-                                    <p:set>
-                                      <p:cBhvr>
-                                        <p:cTn id="10" dur="1" fill="hold">
-                                          <p:stCondLst>
-                                            <p:cond delay="0"/>
-                                          </p:stCondLst>
-                                        </p:cTn>
-                                        <p:tgtEl>
-                                          <p:spTgt spid="4"/>
-                                        </p:tgtEl>
-                                        <p:attrNameLst>
-                                          <p:attrName>style.visibility</p:attrName>
-                                        </p:attrNameLst>
-                                      </p:cBhvr>
-                                      <p:to>
-                                        <p:strVal val="visible"/>
-                                      </p:to>
-                                    </p:set>
-                                    <p:animEffect transition="in" filter="barn(inVertical)">
-                                      <p:cBhvr>
-                                        <p:cTn id="11" dur="500"/>
-                                        <p:tgtEl>
-                                          <p:spTgt spid="4"/>
-                                        </p:tgtEl>
-                                      </p:cBhvr>
-                                    </p:animEffect>
-                                  </p:childTnLst>
-                                </p:cTn>
-                              </p:par>
-                            </p:childTnLst>
-                          </p:cTn>
-                        </p:par>
-                        <p:par>
-                          <p:cTn id="12" fill="hold">
-                            <p:stCondLst>
-                              <p:cond delay="1000"/>
-                            </p:stCondLst>
-                            <p:childTnLst>
-                              <p:par>
-                                <p:cTn id="13" presetID="16" presetClass="entr" presetSubtype="21" fill="hold" grpId="0" nodeType="afterEffect">
-                                  <p:stCondLst>
-                                    <p:cond delay="0"/>
-                                  </p:stCondLst>
-                                  <p:childTnLst>
-                                    <p:set>
-                                      <p:cBhvr>
-                                        <p:cTn id="14" dur="1" fill="hold">
-                                          <p:stCondLst>
-                                            <p:cond delay="0"/>
-                                          </p:stCondLst>
-                                        </p:cTn>
-                                        <p:tgtEl>
-                                          <p:spTgt spid="6"/>
-                                        </p:tgtEl>
-                                        <p:attrNameLst>
-                                          <p:attrName>style.visibility</p:attrName>
-                                        </p:attrNameLst>
-                                      </p:cBhvr>
-                                      <p:to>
-                                        <p:strVal val="visible"/>
-                                      </p:to>
-                                    </p:set>
-                                    <p:animEffect transition="in" filter="barn(inVertical)">
-                                      <p:cBhvr>
-                                        <p:cTn id="15" dur="500"/>
-                                        <p:tgtEl>
-                                          <p:spTgt spid="6"/>
-                                        </p:tgtEl>
-                                      </p:cBhvr>
-                                    </p:animEffect>
-                                  </p:childTnLst>
-                                </p:cTn>
-                              </p:par>
-                            </p:childTnLst>
-                          </p:cTn>
-                        </p:par>
-                        <p:par>
-                          <p:cTn id="16" fill="hold">
-                            <p:stCondLst>
-                              <p:cond delay="1500"/>
-                            </p:stCondLst>
-                            <p:childTnLst>
-                              <p:par>
-                                <p:cTn id="17" presetID="16" presetClass="entr" presetSubtype="21" fill="hold" grpId="0" nodeType="afterEffect">
-                                  <p:stCondLst>
-                                    <p:cond delay="0"/>
-                                  </p:stCondLst>
-                                  <p:childTnLst>
-                                    <p:set>
-                                      <p:cBhvr>
-                                        <p:cTn id="18" dur="1" fill="hold">
-                                          <p:stCondLst>
-                                            <p:cond delay="0"/>
-                                          </p:stCondLst>
-                                        </p:cTn>
-                                        <p:tgtEl>
-                                          <p:spTgt spid="7"/>
-                                        </p:tgtEl>
-                                        <p:attrNameLst>
-                                          <p:attrName>style.visibility</p:attrName>
-                                        </p:attrNameLst>
-                                      </p:cBhvr>
-                                      <p:to>
-                                        <p:strVal val="visible"/>
-                                      </p:to>
-                                    </p:set>
-                                    <p:animEffect transition="in" filter="barn(inVertical)">
-                                      <p:cBhvr>
-                                        <p:cTn id="19" dur="500"/>
-                                        <p:tgtEl>
-                                          <p:spTgt spid="7"/>
-                                        </p:tgtEl>
-                                      </p:cBhvr>
-                                    </p:animEffect>
-                                  </p:childTnLst>
-                                </p:cTn>
-                              </p:par>
-                            </p:childTnLst>
-                          </p:cTn>
-                        </p:par>
-                      </p:childTnLst>
-                    </p:cTn>
-                  </p:par>
-                </p:childTnLst>
-              </p:cTn>
-              <p:prevCondLst>
-                <p:cond evt="onPrev" delay="0">
-                  <p:tgtEl>
-                    <p:sldTgt/>
-                  </p:tgtEl>
-                </p:cond>
-              </p:prevCondLst>
-              <p:nextCondLst>
-                <p:cond evt="onNext" delay="0">
-                  <p:tgtEl>
-                    <p:sldTgt/>
-                  </p:tgtEl>
-                </p:cond>
-              </p:nextCondLst>
-            </p:seq>
-          </p:childTnLst>
-        </p:cTn>
-      </p:par>
-    </p:tnLst>
-    <p:bldLst>
-      <p:bldP spid="3" grpId="0"/>
-      <p:bldP spid="4" grpId="0"/>
-      <p:bldP spid="6" grpId="0"/>
-      <p:bldP spid="7" grpId="0"/>
-    </p:bldLst>
-  </p:timing>
-</p:sld>
-</file>
-
-<file path=ppt/slides/slide6.xml><?xml version="1.0" encoding="utf-8"?>
-<p:sld xmlns:a="http://schemas.openxmlformats.org/drawingml/2006/main" xmlns:r="http://schemas.openxmlformats.org/officeDocument/2006/relationships" xmlns:p="http://schemas.openxmlformats.org/presentationml/2006/main">
-  <p:cSld>
-    <p:spTree>
-      <p:nvGrpSpPr>
-        <p:cNvPr id="1" name=""/>
-        <p:cNvGrpSpPr/>
-        <p:nvPr/>
-      </p:nvGrpSpPr>
-      <p:grpSpPr>
-        <a:xfrm>
-          <a:off x="0" y="0"/>
-          <a:ext cx="0" cy="0"/>
-          <a:chOff x="0" y="0"/>
-          <a:chExt cx="0" cy="0"/>
-        </a:xfrm>
-      </p:grpSpPr>
-      <p:sp>
-        <p:nvSpPr>
-          <p:cNvPr id="4" name="Rectangle 3">
-            <a:extLst>
-              <a:ext uri="{FF2B5EF4-FFF2-40B4-BE49-F238E27FC236}">
-                <a16:creationId xmlns:a16="http://schemas.microsoft.com/office/drawing/2014/main" id="{CB8F3007-B302-4A3C-88ED-39C9A6DBE9ED}"/>
-              </a:ext>
-            </a:extLst>
-          </p:cNvPr>
-          <p:cNvSpPr/>
-          <p:nvPr/>
-        </p:nvSpPr>
-        <p:spPr>
-          <a:xfrm>
-            <a:off x="-1" y="0"/>
-            <a:ext cx="12192001" cy="957183"/>
-          </a:xfrm>
-          <a:prstGeom prst="rect">
-            <a:avLst/>
-          </a:prstGeom>
-          <a:solidFill>
-            <a:srgbClr val="00294F">
-              <a:alpha val="84000"/>
-            </a:srgbClr>
-          </a:solidFill>
-        </p:spPr>
-        <p:style>
-          <a:lnRef idx="2">
-            <a:schemeClr val="accent1">
-              <a:shade val="15000"/>
-            </a:schemeClr>
-          </a:lnRef>
-          <a:fillRef idx="1">
-            <a:schemeClr val="accent1"/>
-          </a:fillRef>
-          <a:effectRef idx="0">
-            <a:schemeClr val="accent1"/>
-          </a:effectRef>
-          <a:fontRef idx="minor">
-            <a:schemeClr val="lt1"/>
-          </a:fontRef>
-        </p:style>
-        <p:txBody>
-          <a:bodyPr lIns="365760" rtlCol="0" anchor="ctr"/>
-          <a:lstStyle/>
-          <a:p>
-            <a:r>
-              <a:rPr lang="en-US" sz="3200" b="1">
-                <a:solidFill>
-                  <a:schemeClr val="bg1"/>
-                </a:solidFill>
-              </a:rPr>
-              <a:t>SƠ LƯỢC VỀ GIAO DIỆN CHÍNH (tt)</a:t>
-            </a:r>
-          </a:p>
-        </p:txBody>
-      </p:sp>
-      <p:sp>
-        <p:nvSpPr>
-          <p:cNvPr id="11" name="TextBox 10">
-            <a:extLst>
-              <a:ext uri="{FF2B5EF4-FFF2-40B4-BE49-F238E27FC236}">
-                <a16:creationId xmlns:a16="http://schemas.microsoft.com/office/drawing/2014/main" id="{31FBFD46-5518-BF00-DBE0-F998412850E2}"/>
-              </a:ext>
-            </a:extLst>
-          </p:cNvPr>
-          <p:cNvSpPr txBox="1"/>
-          <p:nvPr/>
-        </p:nvSpPr>
-        <p:spPr>
-          <a:xfrm>
-            <a:off x="485772" y="1376979"/>
-            <a:ext cx="4857193" cy="3429721"/>
-          </a:xfrm>
-          <a:prstGeom prst="rect">
-            <a:avLst/>
-          </a:prstGeom>
-          <a:noFill/>
-        </p:spPr>
-        <p:txBody>
-          <a:bodyPr wrap="square">
-            <a:spAutoFit/>
-          </a:bodyPr>
-          <a:lstStyle/>
-          <a:p>
-            <a:pPr>
-              <a:lnSpc>
-                <a:spcPct val="107000"/>
-              </a:lnSpc>
-            </a:pPr>
-            <a:r>
-              <a:rPr lang="vi-VN" sz="2000" b="1" kern="100">
-                <a:solidFill>
-                  <a:srgbClr val="294B6B"/>
-                </a:solidFill>
-                <a:effectLst/>
-                <a:latin typeface="Arial (Body)"/>
-                <a:ea typeface="Calibri" panose="020F0502020204030204" pitchFamily="34" charset="0"/>
-                <a:cs typeface="Times New Roman" panose="02020603050405020304" pitchFamily="18" charset="0"/>
-              </a:rPr>
-              <a:t>Các thành phần quan trọng</a:t>
-            </a:r>
-            <a:r>
-              <a:rPr lang="en-US" sz="2000" b="1" kern="100">
-                <a:solidFill>
-                  <a:srgbClr val="294B6B"/>
-                </a:solidFill>
-                <a:effectLst/>
-                <a:latin typeface="Arial (Body)"/>
-                <a:ea typeface="Calibri" panose="020F0502020204030204" pitchFamily="34" charset="0"/>
-                <a:cs typeface="Times New Roman" panose="02020603050405020304" pitchFamily="18" charset="0"/>
-              </a:rPr>
-              <a:t> khác như</a:t>
-            </a:r>
-            <a:r>
-              <a:rPr lang="vi-VN" sz="2000" b="1" kern="100">
-                <a:solidFill>
-                  <a:srgbClr val="294B6B"/>
-                </a:solidFill>
-                <a:effectLst/>
-                <a:latin typeface="Arial (Body)"/>
-                <a:ea typeface="Calibri" panose="020F0502020204030204" pitchFamily="34" charset="0"/>
-                <a:cs typeface="Times New Roman" panose="02020603050405020304" pitchFamily="18" charset="0"/>
-              </a:rPr>
-              <a:t>:</a:t>
-            </a:r>
-            <a:endParaRPr lang="en-US" sz="2000" b="1" kern="100">
-              <a:solidFill>
-                <a:srgbClr val="294B6B"/>
-              </a:solidFill>
-              <a:effectLst/>
-              <a:latin typeface="Arial (Body)"/>
-              <a:ea typeface="Calibri" panose="020F0502020204030204" pitchFamily="34" charset="0"/>
-              <a:cs typeface="Times New Roman" panose="02020603050405020304" pitchFamily="18" charset="0"/>
-            </a:endParaRPr>
-          </a:p>
-          <a:p>
-            <a:pPr>
-              <a:lnSpc>
-                <a:spcPct val="107000"/>
-              </a:lnSpc>
-            </a:pPr>
-            <a:r>
-              <a:rPr lang="vi-VN" sz="2000" kern="100">
-                <a:solidFill>
-                  <a:srgbClr val="294B6B"/>
-                </a:solidFill>
-                <a:latin typeface="Arial (Body)"/>
-                <a:ea typeface="Calibri" panose="020F0502020204030204" pitchFamily="34" charset="0"/>
-                <a:cs typeface="Times New Roman" panose="02020603050405020304" pitchFamily="18" charset="0"/>
-              </a:rPr>
-              <a:t>- </a:t>
-            </a:r>
-            <a:r>
-              <a:rPr lang="vi-VN" sz="2000" b="1" kern="100">
-                <a:solidFill>
-                  <a:srgbClr val="294B6B"/>
-                </a:solidFill>
-                <a:latin typeface="Arial (Body)"/>
-                <a:ea typeface="Calibri" panose="020F0502020204030204" pitchFamily="34" charset="0"/>
-                <a:cs typeface="Times New Roman" panose="02020603050405020304" pitchFamily="18" charset="0"/>
-              </a:rPr>
-              <a:t>Test Cases</a:t>
-            </a:r>
-            <a:r>
-              <a:rPr lang="vi-VN" sz="2000" kern="100">
-                <a:solidFill>
-                  <a:srgbClr val="294B6B"/>
-                </a:solidFill>
-                <a:latin typeface="Arial (Body)"/>
-                <a:ea typeface="Calibri" panose="020F0502020204030204" pitchFamily="34" charset="0"/>
-                <a:cs typeface="Times New Roman" panose="02020603050405020304" pitchFamily="18" charset="0"/>
-              </a:rPr>
-              <a:t>: Các bước thực hiện test case, viết bằng Groovy hoặc keyword.</a:t>
-            </a:r>
-            <a:endParaRPr lang="vi-VN" sz="2000" b="1" kern="100">
-              <a:solidFill>
-                <a:srgbClr val="294B6B"/>
-              </a:solidFill>
-              <a:effectLst/>
-              <a:latin typeface="Arial (Body)"/>
-              <a:ea typeface="Calibri" panose="020F0502020204030204" pitchFamily="34" charset="0"/>
-              <a:cs typeface="Times New Roman" panose="02020603050405020304" pitchFamily="18" charset="0"/>
-            </a:endParaRPr>
-          </a:p>
-          <a:p>
-            <a:pPr>
-              <a:lnSpc>
-                <a:spcPct val="107000"/>
-              </a:lnSpc>
-            </a:pPr>
-            <a:r>
-              <a:rPr lang="vi-VN" i="1" kern="100">
-                <a:solidFill>
-                  <a:srgbClr val="294B6B"/>
-                </a:solidFill>
-                <a:effectLst/>
-                <a:latin typeface="Arial (Body)"/>
-                <a:ea typeface="Calibri" panose="020F0502020204030204" pitchFamily="34" charset="0"/>
-                <a:cs typeface="Times New Roman" panose="02020603050405020304" pitchFamily="18" charset="0"/>
-              </a:rPr>
-              <a:t>- </a:t>
-            </a:r>
-            <a:r>
-              <a:rPr lang="vi-VN" b="1" kern="100">
-                <a:solidFill>
-                  <a:srgbClr val="294B6B"/>
-                </a:solidFill>
-                <a:effectLst/>
-                <a:latin typeface="Arial (Body)"/>
-                <a:ea typeface="Calibri" panose="020F0502020204030204" pitchFamily="34" charset="0"/>
-                <a:cs typeface="Times New Roman" panose="02020603050405020304" pitchFamily="18" charset="0"/>
-              </a:rPr>
-              <a:t>Object Repository</a:t>
-            </a:r>
-            <a:r>
-              <a:rPr lang="vi-VN" kern="100">
-                <a:solidFill>
-                  <a:srgbClr val="294B6B"/>
-                </a:solidFill>
-                <a:effectLst/>
-                <a:latin typeface="Arial (Body)"/>
-                <a:ea typeface="Calibri" panose="020F0502020204030204" pitchFamily="34" charset="0"/>
-                <a:cs typeface="Times New Roman" panose="02020603050405020304" pitchFamily="18" charset="0"/>
-              </a:rPr>
-              <a:t>: Lưu trữ đối tượng giao diện ứng dụng (web, mobile, API) để tái sử dụng trong test case.</a:t>
-            </a:r>
-          </a:p>
-          <a:p>
-            <a:pPr>
-              <a:lnSpc>
-                <a:spcPct val="107000"/>
-              </a:lnSpc>
-            </a:pPr>
-            <a:r>
-              <a:rPr lang="vi-VN" kern="100">
-                <a:solidFill>
-                  <a:srgbClr val="294B6B"/>
-                </a:solidFill>
-                <a:effectLst/>
-                <a:latin typeface="Arial (Body)"/>
-                <a:ea typeface="Calibri" panose="020F0502020204030204" pitchFamily="34" charset="0"/>
-                <a:cs typeface="Times New Roman" panose="02020603050405020304" pitchFamily="18" charset="0"/>
-              </a:rPr>
-              <a:t>- </a:t>
-            </a:r>
-            <a:r>
-              <a:rPr lang="vi-VN" b="1" kern="100">
-                <a:solidFill>
-                  <a:srgbClr val="294B6B"/>
-                </a:solidFill>
-                <a:effectLst/>
-                <a:latin typeface="Arial (Body)"/>
-                <a:ea typeface="Calibri" panose="020F0502020204030204" pitchFamily="34" charset="0"/>
-                <a:cs typeface="Times New Roman" panose="02020603050405020304" pitchFamily="18" charset="0"/>
-              </a:rPr>
-              <a:t>Test Suites</a:t>
-            </a:r>
-            <a:r>
-              <a:rPr lang="vi-VN" kern="100">
-                <a:solidFill>
-                  <a:srgbClr val="294B6B"/>
-                </a:solidFill>
-                <a:effectLst/>
-                <a:latin typeface="Arial (Body)"/>
-                <a:ea typeface="Calibri" panose="020F0502020204030204" pitchFamily="34" charset="0"/>
-                <a:cs typeface="Times New Roman" panose="02020603050405020304" pitchFamily="18" charset="0"/>
-              </a:rPr>
-              <a:t>: Tập hợp các test case liên quan để quản lý hiệu quả.</a:t>
-            </a:r>
-          </a:p>
-          <a:p>
-            <a:pPr>
-              <a:lnSpc>
-                <a:spcPct val="107000"/>
-              </a:lnSpc>
-            </a:pPr>
-            <a:r>
-              <a:rPr lang="vi-VN" kern="100">
-                <a:solidFill>
-                  <a:srgbClr val="294B6B"/>
-                </a:solidFill>
-                <a:effectLst/>
-                <a:latin typeface="Arial (Body)"/>
-                <a:ea typeface="Calibri" panose="020F0502020204030204" pitchFamily="34" charset="0"/>
-                <a:cs typeface="Times New Roman" panose="02020603050405020304" pitchFamily="18" charset="0"/>
-              </a:rPr>
-              <a:t>- </a:t>
-            </a:r>
-            <a:r>
-              <a:rPr lang="vi-VN" b="1" kern="100">
-                <a:solidFill>
-                  <a:srgbClr val="294B6B"/>
-                </a:solidFill>
-                <a:effectLst/>
-                <a:latin typeface="Arial (Body)"/>
-                <a:ea typeface="Calibri" panose="020F0502020204030204" pitchFamily="34" charset="0"/>
-                <a:cs typeface="Times New Roman" panose="02020603050405020304" pitchFamily="18" charset="0"/>
-              </a:rPr>
-              <a:t>Keywords</a:t>
-            </a:r>
-            <a:r>
-              <a:rPr lang="vi-VN" kern="100">
-                <a:solidFill>
-                  <a:srgbClr val="294B6B"/>
-                </a:solidFill>
-                <a:effectLst/>
-                <a:latin typeface="Arial (Body)"/>
-                <a:ea typeface="Calibri" panose="020F0502020204030204" pitchFamily="34" charset="0"/>
-                <a:cs typeface="Times New Roman" panose="02020603050405020304" pitchFamily="18" charset="0"/>
-              </a:rPr>
-              <a:t>: Hàm hoặc phương thức định nghĩa trước để tái sử dụng code và modular hóa test case.</a:t>
-            </a:r>
-          </a:p>
-        </p:txBody>
-      </p:sp>
-      <p:pic>
-        <p:nvPicPr>
-          <p:cNvPr id="13" name="Picture 12">
-            <a:extLst>
-              <a:ext uri="{FF2B5EF4-FFF2-40B4-BE49-F238E27FC236}">
-                <a16:creationId xmlns:a16="http://schemas.microsoft.com/office/drawing/2014/main" id="{A7FA256E-E255-96F6-0A4B-8583E5567C9F}"/>
-              </a:ext>
-            </a:extLst>
-          </p:cNvPr>
-          <p:cNvPicPr>
-            <a:picLocks noChangeAspect="1"/>
-          </p:cNvPicPr>
-          <p:nvPr/>
-        </p:nvPicPr>
-        <p:blipFill>
-          <a:blip r:embed="rId2">
-            <a:extLst>
-              <a:ext uri="{28A0092B-C50C-407E-A947-70E740481C1C}">
-                <a14:useLocalDpi xmlns:a14="http://schemas.microsoft.com/office/drawing/2010/main" val="0"/>
-              </a:ext>
-            </a:extLst>
-          </a:blip>
-          <a:srcRect l="1137" t="2358" b="5061"/>
-          <a:stretch/>
-        </p:blipFill>
-        <p:spPr>
-          <a:xfrm>
-            <a:off x="4904816" y="759793"/>
-            <a:ext cx="7153274" cy="5338414"/>
-          </a:xfrm>
-          <a:prstGeom prst="rect">
-            <a:avLst/>
-          </a:prstGeom>
-          <a:solidFill>
-            <a:srgbClr val="FFFFFF">
-              <a:shade val="85000"/>
-            </a:srgbClr>
-          </a:solidFill>
-          <a:ln w="190500" cap="rnd">
-            <a:noFill/>
-          </a:ln>
-          <a:effectLst>
-            <a:outerShdw blurRad="36195" dist="12700" dir="11400000" algn="tl" rotWithShape="0">
-              <a:srgbClr val="000000">
-                <a:alpha val="33000"/>
-              </a:srgbClr>
-            </a:outerShdw>
-          </a:effectLst>
-          <a:scene3d>
-            <a:camera prst="perspectiveContrastingLeftFacing">
-              <a:rot lat="540000" lon="2100000" rev="0"/>
-            </a:camera>
-            <a:lightRig rig="soft" dir="t"/>
-          </a:scene3d>
-          <a:sp3d contourW="12700" prstMaterial="matte">
-            <a:bevelT w="63500" h="50800"/>
-            <a:contourClr>
-              <a:srgbClr val="C0C0C0"/>
-            </a:contourClr>
-          </a:sp3d>
-        </p:spPr>
-      </p:pic>
-      <p:sp>
-        <p:nvSpPr>
-          <p:cNvPr id="15" name="Oval 14">
-            <a:extLst>
-              <a:ext uri="{FF2B5EF4-FFF2-40B4-BE49-F238E27FC236}">
-                <a16:creationId xmlns:a16="http://schemas.microsoft.com/office/drawing/2014/main" id="{3D3FB200-B2D6-EA7D-B697-08D1C693B1AA}"/>
-              </a:ext>
-            </a:extLst>
-          </p:cNvPr>
-          <p:cNvSpPr/>
-          <p:nvPr/>
-        </p:nvSpPr>
-        <p:spPr>
-          <a:xfrm rot="176140">
-            <a:off x="6191250" y="2162175"/>
-            <a:ext cx="1371600" cy="400050"/>
-          </a:xfrm>
-          <a:prstGeom prst="ellipse">
-            <a:avLst/>
-          </a:prstGeom>
-          <a:noFill/>
-          <a:ln w="38100" cap="flat" cmpd="sng" algn="ctr">
-            <a:solidFill>
-              <a:schemeClr val="accent1"/>
-            </a:solidFill>
-            <a:prstDash val="solid"/>
-            <a:round/>
-            <a:headEnd type="none" w="med" len="med"/>
-            <a:tailEnd type="none" w="med" len="med"/>
-          </a:ln>
-        </p:spPr>
-        <p:style>
-          <a:lnRef idx="0">
-            <a:scrgbClr r="0" g="0" b="0"/>
-          </a:lnRef>
-          <a:fillRef idx="0">
-            <a:scrgbClr r="0" g="0" b="0"/>
-          </a:fillRef>
-          <a:effectRef idx="0">
-            <a:scrgbClr r="0" g="0" b="0"/>
-          </a:effectRef>
-          <a:fontRef idx="minor">
-            <a:schemeClr val="accent1"/>
-          </a:fontRef>
-        </p:style>
-        <p:txBody>
-          <a:bodyPr rtlCol="0" anchor="ctr"/>
-          <a:lstStyle/>
-          <a:p>
-            <a:pPr algn="ctr"/>
-            <a:endParaRPr lang="en-US"/>
-          </a:p>
-        </p:txBody>
-      </p:sp>
-      <p:sp>
-        <p:nvSpPr>
-          <p:cNvPr id="16" name="Oval 15">
-            <a:extLst>
-              <a:ext uri="{FF2B5EF4-FFF2-40B4-BE49-F238E27FC236}">
-                <a16:creationId xmlns:a16="http://schemas.microsoft.com/office/drawing/2014/main" id="{E59377F2-611A-5563-0416-DF67263908C5}"/>
-              </a:ext>
-            </a:extLst>
-          </p:cNvPr>
-          <p:cNvSpPr/>
-          <p:nvPr/>
-        </p:nvSpPr>
-        <p:spPr>
-          <a:xfrm rot="176140">
-            <a:off x="6276605" y="2612800"/>
-            <a:ext cx="1937577" cy="400050"/>
-          </a:xfrm>
-          <a:prstGeom prst="ellipse">
-            <a:avLst/>
-          </a:prstGeom>
-          <a:noFill/>
-          <a:ln w="38100" cap="flat" cmpd="sng" algn="ctr">
-            <a:solidFill>
-              <a:srgbClr val="FFFF00"/>
-            </a:solidFill>
-            <a:prstDash val="solid"/>
-            <a:round/>
-            <a:headEnd type="none" w="med" len="med"/>
-            <a:tailEnd type="none" w="med" len="med"/>
-          </a:ln>
-        </p:spPr>
-        <p:style>
-          <a:lnRef idx="0">
-            <a:scrgbClr r="0" g="0" b="0"/>
-          </a:lnRef>
-          <a:fillRef idx="0">
-            <a:scrgbClr r="0" g="0" b="0"/>
-          </a:fillRef>
-          <a:effectRef idx="0">
-            <a:scrgbClr r="0" g="0" b="0"/>
-          </a:effectRef>
-          <a:fontRef idx="minor">
-            <a:schemeClr val="accent1"/>
-          </a:fontRef>
-        </p:style>
-        <p:txBody>
-          <a:bodyPr rtlCol="0" anchor="ctr"/>
-          <a:lstStyle/>
-          <a:p>
-            <a:pPr algn="ctr"/>
-            <a:endParaRPr lang="en-US"/>
-          </a:p>
-        </p:txBody>
-      </p:sp>
-      <p:sp>
-        <p:nvSpPr>
-          <p:cNvPr id="17" name="Oval 16">
-            <a:extLst>
-              <a:ext uri="{FF2B5EF4-FFF2-40B4-BE49-F238E27FC236}">
-                <a16:creationId xmlns:a16="http://schemas.microsoft.com/office/drawing/2014/main" id="{D77339A8-40CD-5C2D-9EBF-022E23875B4E}"/>
-              </a:ext>
-            </a:extLst>
-          </p:cNvPr>
-          <p:cNvSpPr/>
-          <p:nvPr/>
-        </p:nvSpPr>
-        <p:spPr>
-          <a:xfrm rot="176140">
-            <a:off x="6279126" y="3040599"/>
-            <a:ext cx="1371600" cy="316040"/>
-          </a:xfrm>
-          <a:prstGeom prst="ellipse">
-            <a:avLst/>
-          </a:prstGeom>
-          <a:noFill/>
-          <a:ln w="38100" cap="flat" cmpd="sng" algn="ctr">
-            <a:solidFill>
-              <a:srgbClr val="C00000"/>
-            </a:solidFill>
-            <a:prstDash val="solid"/>
-            <a:round/>
-            <a:headEnd type="none" w="med" len="med"/>
-            <a:tailEnd type="none" w="med" len="med"/>
-          </a:ln>
-        </p:spPr>
-        <p:style>
-          <a:lnRef idx="0">
-            <a:scrgbClr r="0" g="0" b="0"/>
-          </a:lnRef>
-          <a:fillRef idx="0">
-            <a:scrgbClr r="0" g="0" b="0"/>
-          </a:fillRef>
-          <a:effectRef idx="0">
-            <a:scrgbClr r="0" g="0" b="0"/>
-          </a:effectRef>
-          <a:fontRef idx="minor">
-            <a:schemeClr val="accent1"/>
-          </a:fontRef>
-        </p:style>
-        <p:txBody>
-          <a:bodyPr rtlCol="0" anchor="ctr"/>
-          <a:lstStyle/>
-          <a:p>
-            <a:pPr algn="ctr"/>
-            <a:endParaRPr lang="en-US"/>
-          </a:p>
-        </p:txBody>
-      </p:sp>
-      <p:sp>
-        <p:nvSpPr>
-          <p:cNvPr id="2" name="Oval 1">
-            <a:extLst>
-              <a:ext uri="{FF2B5EF4-FFF2-40B4-BE49-F238E27FC236}">
-                <a16:creationId xmlns:a16="http://schemas.microsoft.com/office/drawing/2014/main" id="{F3E19D1E-9073-3527-0123-D758C89317EC}"/>
-              </a:ext>
-            </a:extLst>
-          </p:cNvPr>
-          <p:cNvSpPr/>
-          <p:nvPr/>
-        </p:nvSpPr>
-        <p:spPr>
-          <a:xfrm rot="598197">
-            <a:off x="6286126" y="3662492"/>
-            <a:ext cx="1207966" cy="319010"/>
-          </a:xfrm>
-          <a:prstGeom prst="ellipse">
-            <a:avLst/>
-          </a:prstGeom>
-          <a:noFill/>
-          <a:ln w="38100" cap="flat" cmpd="sng" algn="ctr">
-            <a:solidFill>
-              <a:srgbClr val="13AD17"/>
-            </a:solidFill>
-            <a:prstDash val="solid"/>
-            <a:round/>
-            <a:headEnd type="none" w="med" len="med"/>
-            <a:tailEnd type="none" w="med" len="med"/>
-          </a:ln>
-        </p:spPr>
-        <p:style>
-          <a:lnRef idx="0">
-            <a:scrgbClr r="0" g="0" b="0"/>
-          </a:lnRef>
-          <a:fillRef idx="0">
-            <a:scrgbClr r="0" g="0" b="0"/>
-          </a:fillRef>
-          <a:effectRef idx="0">
-            <a:scrgbClr r="0" g="0" b="0"/>
-          </a:effectRef>
-          <a:fontRef idx="minor">
-            <a:schemeClr val="accent1"/>
-          </a:fontRef>
-        </p:style>
-        <p:txBody>
-          <a:bodyPr rtlCol="0" anchor="ctr"/>
-          <a:lstStyle/>
-          <a:p>
-            <a:pPr algn="ctr"/>
-            <a:endParaRPr lang="en-US"/>
-          </a:p>
-        </p:txBody>
-      </p:sp>
-    </p:spTree>
-    <p:extLst>
-      <p:ext uri="{BB962C8B-B14F-4D97-AF65-F5344CB8AC3E}">
-        <p14:creationId xmlns:p14="http://schemas.microsoft.com/office/powerpoint/2010/main" val="2548120959"/>
-      </p:ext>
-    </p:extLst>
-  </p:cSld>
-  <p:clrMapOvr>
-    <a:masterClrMapping/>
-  </p:clrMapOvr>
-  <p:transition spd="slow">
-    <p:wipe dir="d"/>
-  </p:transition>
-  <p:timing>
-    <p:tnLst>
-      <p:par>
-        <p:cTn id="1" dur="indefinite" restart="never" nodeType="tmRoot">
-          <p:childTnLst>
-            <p:seq concurrent="1" nextAc="seek">
-              <p:cTn id="2" dur="indefinite" nodeType="mainSeq">
-                <p:childTnLst>
-                  <p:par>
-                    <p:cTn id="3" fill="hold">
-                      <p:stCondLst>
-                        <p:cond delay="indefinite"/>
-                        <p:cond evt="onBegin" delay="0">
-                          <p:tn val="2"/>
-                        </p:cond>
-                      </p:stCondLst>
-                      <p:childTnLst>
-                        <p:par>
-                          <p:cTn id="4" fill="hold">
-                            <p:stCondLst>
-                              <p:cond delay="0"/>
-                            </p:stCondLst>
-                            <p:childTnLst>
-                              <p:par>
-                                <p:cTn id="5" presetID="2" presetClass="entr" presetSubtype="4" fill="hold" grpId="0" nodeType="afterEffect">
-                                  <p:stCondLst>
-                                    <p:cond delay="0"/>
-                                  </p:stCondLst>
-                                  <p:childTnLst>
-                                    <p:set>
-                                      <p:cBhvr>
-                                        <p:cTn id="6" dur="1" fill="hold">
-                                          <p:stCondLst>
-                                            <p:cond delay="0"/>
-                                          </p:stCondLst>
-                                        </p:cTn>
-                                        <p:tgtEl>
-                                          <p:spTgt spid="15"/>
-                                        </p:tgtEl>
-                                        <p:attrNameLst>
-                                          <p:attrName>style.visibility</p:attrName>
-                                        </p:attrNameLst>
-                                      </p:cBhvr>
-                                      <p:to>
-                                        <p:strVal val="visible"/>
-                                      </p:to>
-                                    </p:set>
-                                    <p:anim calcmode="lin" valueType="num">
-                                      <p:cBhvr additive="base">
-                                        <p:cTn id="7" dur="500" fill="hold"/>
-                                        <p:tgtEl>
-                                          <p:spTgt spid="15"/>
-                                        </p:tgtEl>
-                                        <p:attrNameLst>
-                                          <p:attrName>ppt_x</p:attrName>
-                                        </p:attrNameLst>
-                                      </p:cBhvr>
-                                      <p:tavLst>
-                                        <p:tav tm="0">
-                                          <p:val>
-                                            <p:strVal val="#ppt_x"/>
-                                          </p:val>
-                                        </p:tav>
-                                        <p:tav tm="100000">
-                                          <p:val>
-                                            <p:strVal val="#ppt_x"/>
-                                          </p:val>
-                                        </p:tav>
-                                      </p:tavLst>
-                                    </p:anim>
-                                    <p:anim calcmode="lin" valueType="num">
-                                      <p:cBhvr additive="base">
-                                        <p:cTn id="8" dur="500" fill="hold"/>
-                                        <p:tgtEl>
-                                          <p:spTgt spid="15"/>
-                                        </p:tgtEl>
-                                        <p:attrNameLst>
-                                          <p:attrName>ppt_y</p:attrName>
-                                        </p:attrNameLst>
-                                      </p:cBhvr>
-                                      <p:tavLst>
-                                        <p:tav tm="0">
-                                          <p:val>
-                                            <p:strVal val="1+#ppt_h/2"/>
-                                          </p:val>
-                                        </p:tav>
-                                        <p:tav tm="100000">
-                                          <p:val>
-                                            <p:strVal val="#ppt_y"/>
-                                          </p:val>
-                                        </p:tav>
-                                      </p:tavLst>
-                                    </p:anim>
-                                  </p:childTnLst>
-                                </p:cTn>
-                              </p:par>
-                            </p:childTnLst>
-                          </p:cTn>
-                        </p:par>
-                        <p:par>
-                          <p:cTn id="9" fill="hold">
-                            <p:stCondLst>
-                              <p:cond delay="500"/>
-                            </p:stCondLst>
-                            <p:childTnLst>
-                              <p:par>
-                                <p:cTn id="10" presetID="2" presetClass="entr" presetSubtype="8" fill="hold" grpId="0" nodeType="afterEffect">
-                                  <p:stCondLst>
-                                    <p:cond delay="0"/>
-                                  </p:stCondLst>
-                                  <p:childTnLst>
-                                    <p:set>
-                                      <p:cBhvr>
-                                        <p:cTn id="11" dur="1" fill="hold">
-                                          <p:stCondLst>
-                                            <p:cond delay="0"/>
-                                          </p:stCondLst>
-                                        </p:cTn>
-                                        <p:tgtEl>
-                                          <p:spTgt spid="16"/>
-                                        </p:tgtEl>
-                                        <p:attrNameLst>
-                                          <p:attrName>style.visibility</p:attrName>
-                                        </p:attrNameLst>
-                                      </p:cBhvr>
-                                      <p:to>
-                                        <p:strVal val="visible"/>
-                                      </p:to>
-                                    </p:set>
-                                    <p:anim calcmode="lin" valueType="num">
-                                      <p:cBhvr additive="base">
-                                        <p:cTn id="12" dur="500" fill="hold"/>
-                                        <p:tgtEl>
-                                          <p:spTgt spid="16"/>
-                                        </p:tgtEl>
-                                        <p:attrNameLst>
-                                          <p:attrName>ppt_x</p:attrName>
-                                        </p:attrNameLst>
-                                      </p:cBhvr>
-                                      <p:tavLst>
-                                        <p:tav tm="0">
-                                          <p:val>
-                                            <p:strVal val="0-#ppt_w/2"/>
-                                          </p:val>
-                                        </p:tav>
-                                        <p:tav tm="100000">
-                                          <p:val>
-                                            <p:strVal val="#ppt_x"/>
-                                          </p:val>
-                                        </p:tav>
-                                      </p:tavLst>
-                                    </p:anim>
-                                    <p:anim calcmode="lin" valueType="num">
-                                      <p:cBhvr additive="base">
-                                        <p:cTn id="13" dur="500" fill="hold"/>
-                                        <p:tgtEl>
-                                          <p:spTgt spid="16"/>
-                                        </p:tgtEl>
-                                        <p:attrNameLst>
-                                          <p:attrName>ppt_y</p:attrName>
-                                        </p:attrNameLst>
-                                      </p:cBhvr>
-                                      <p:tavLst>
-                                        <p:tav tm="0">
-                                          <p:val>
-                                            <p:strVal val="#ppt_y"/>
-                                          </p:val>
-                                        </p:tav>
-                                        <p:tav tm="100000">
-                                          <p:val>
-                                            <p:strVal val="#ppt_y"/>
-                                          </p:val>
-                                        </p:tav>
-                                      </p:tavLst>
-                                    </p:anim>
-                                  </p:childTnLst>
-                                </p:cTn>
-                              </p:par>
-                            </p:childTnLst>
-                          </p:cTn>
-                        </p:par>
-                        <p:par>
-                          <p:cTn id="14" fill="hold">
-                            <p:stCondLst>
-                              <p:cond delay="1000"/>
-                            </p:stCondLst>
-                            <p:childTnLst>
-                              <p:par>
-                                <p:cTn id="15" presetID="2" presetClass="entr" presetSubtype="2" fill="hold" grpId="0" nodeType="afterEffect">
-                                  <p:stCondLst>
-                                    <p:cond delay="0"/>
-                                  </p:stCondLst>
-                                  <p:childTnLst>
-                                    <p:set>
-                                      <p:cBhvr>
-                                        <p:cTn id="16" dur="1" fill="hold">
-                                          <p:stCondLst>
-                                            <p:cond delay="0"/>
-                                          </p:stCondLst>
-                                        </p:cTn>
-                                        <p:tgtEl>
-                                          <p:spTgt spid="17"/>
-                                        </p:tgtEl>
-                                        <p:attrNameLst>
-                                          <p:attrName>style.visibility</p:attrName>
-                                        </p:attrNameLst>
-                                      </p:cBhvr>
-                                      <p:to>
-                                        <p:strVal val="visible"/>
-                                      </p:to>
-                                    </p:set>
-                                    <p:anim calcmode="lin" valueType="num">
-                                      <p:cBhvr additive="base">
-                                        <p:cTn id="17" dur="500" fill="hold"/>
-                                        <p:tgtEl>
-                                          <p:spTgt spid="17"/>
-                                        </p:tgtEl>
-                                        <p:attrNameLst>
-                                          <p:attrName>ppt_x</p:attrName>
-                                        </p:attrNameLst>
-                                      </p:cBhvr>
-                                      <p:tavLst>
-                                        <p:tav tm="0">
-                                          <p:val>
-                                            <p:strVal val="1+#ppt_w/2"/>
-                                          </p:val>
-                                        </p:tav>
-                                        <p:tav tm="100000">
-                                          <p:val>
-                                            <p:strVal val="#ppt_x"/>
-                                          </p:val>
-                                        </p:tav>
-                                      </p:tavLst>
-                                    </p:anim>
-                                    <p:anim calcmode="lin" valueType="num">
-                                      <p:cBhvr additive="base">
-                                        <p:cTn id="18" dur="500" fill="hold"/>
-                                        <p:tgtEl>
-                                          <p:spTgt spid="17"/>
-                                        </p:tgtEl>
-                                        <p:attrNameLst>
-                                          <p:attrName>ppt_y</p:attrName>
-                                        </p:attrNameLst>
-                                      </p:cBhvr>
-                                      <p:tavLst>
-                                        <p:tav tm="0">
-                                          <p:val>
-                                            <p:strVal val="#ppt_y"/>
-                                          </p:val>
-                                        </p:tav>
-                                        <p:tav tm="100000">
-                                          <p:val>
-                                            <p:strVal val="#ppt_y"/>
-                                          </p:val>
-                                        </p:tav>
-                                      </p:tavLst>
-                                    </p:anim>
-                                  </p:childTnLst>
-                                </p:cTn>
-                              </p:par>
-                            </p:childTnLst>
-                          </p:cTn>
-                        </p:par>
-                        <p:par>
-                          <p:cTn id="19" fill="hold">
-                            <p:stCondLst>
-                              <p:cond delay="1500"/>
-                            </p:stCondLst>
-                            <p:childTnLst>
-                              <p:par>
-                                <p:cTn id="20" presetID="2" presetClass="entr" presetSubtype="4" fill="hold" grpId="0" nodeType="afterEffect">
-                                  <p:stCondLst>
-                                    <p:cond delay="0"/>
-                                  </p:stCondLst>
-                                  <p:childTnLst>
-                                    <p:set>
-                                      <p:cBhvr>
-                                        <p:cTn id="21" dur="1" fill="hold">
-                                          <p:stCondLst>
-                                            <p:cond delay="0"/>
-                                          </p:stCondLst>
-                                        </p:cTn>
-                                        <p:tgtEl>
-                                          <p:spTgt spid="2"/>
-                                        </p:tgtEl>
-                                        <p:attrNameLst>
-                                          <p:attrName>style.visibility</p:attrName>
-                                        </p:attrNameLst>
-                                      </p:cBhvr>
-                                      <p:to>
-                                        <p:strVal val="visible"/>
-                                      </p:to>
-                                    </p:set>
-                                    <p:anim calcmode="lin" valueType="num">
-                                      <p:cBhvr additive="base">
-                                        <p:cTn id="22" dur="500" fill="hold"/>
-                                        <p:tgtEl>
-                                          <p:spTgt spid="2"/>
-                                        </p:tgtEl>
-                                        <p:attrNameLst>
-                                          <p:attrName>ppt_x</p:attrName>
-                                        </p:attrNameLst>
-                                      </p:cBhvr>
-                                      <p:tavLst>
-                                        <p:tav tm="0">
-                                          <p:val>
-                                            <p:strVal val="#ppt_x"/>
-                                          </p:val>
-                                        </p:tav>
-                                        <p:tav tm="100000">
-                                          <p:val>
-                                            <p:strVal val="#ppt_x"/>
-                                          </p:val>
-                                        </p:tav>
-                                      </p:tavLst>
-                                    </p:anim>
-                                    <p:anim calcmode="lin" valueType="num">
-                                      <p:cBhvr additive="base">
-                                        <p:cTn id="23" dur="500" fill="hold"/>
-                                        <p:tgtEl>
-                                          <p:spTgt spid="2"/>
-                                        </p:tgtEl>
-                                        <p:attrNameLst>
-                                          <p:attrName>ppt_y</p:attrName>
-                                        </p:attrNameLst>
-                                      </p:cBhvr>
-                                      <p:tavLst>
-                                        <p:tav tm="0">
-                                          <p:val>
-                                            <p:strVal val="1+#ppt_h/2"/>
-                                          </p:val>
-                                        </p:tav>
-                                        <p:tav tm="100000">
-                                          <p:val>
-                                            <p:strVal val="#ppt_y"/>
-                                          </p:val>
-                                        </p:tav>
-                                      </p:tavLst>
-                                    </p:anim>
-                                  </p:childTnLst>
-                                </p:cTn>
-                              </p:par>
-                            </p:childTnLst>
-                          </p:cTn>
-                        </p:par>
-                        <p:par>
-                          <p:cTn id="24" fill="hold">
-                            <p:stCondLst>
-                              <p:cond delay="2000"/>
-                            </p:stCondLst>
-                            <p:childTnLst>
-                              <p:par>
-                                <p:cTn id="25" presetID="6" presetClass="entr" presetSubtype="16" fill="hold" grpId="0" nodeType="afterEffect">
-                                  <p:stCondLst>
-                                    <p:cond delay="0"/>
-                                  </p:stCondLst>
-                                  <p:childTnLst>
-                                    <p:set>
-                                      <p:cBhvr>
-                                        <p:cTn id="26" dur="1" fill="hold">
-                                          <p:stCondLst>
-                                            <p:cond delay="0"/>
-                                          </p:stCondLst>
-                                        </p:cTn>
-                                        <p:tgtEl>
-                                          <p:spTgt spid="11"/>
-                                        </p:tgtEl>
-                                        <p:attrNameLst>
-                                          <p:attrName>style.visibility</p:attrName>
-                                        </p:attrNameLst>
-                                      </p:cBhvr>
-                                      <p:to>
-                                        <p:strVal val="visible"/>
-                                      </p:to>
-                                    </p:set>
-                                    <p:animEffect transition="in" filter="circle(in)">
-                                      <p:cBhvr>
-                                        <p:cTn id="27" dur="2000"/>
-                                        <p:tgtEl>
-                                          <p:spTgt spid="11"/>
-                                        </p:tgtEl>
-                                      </p:cBhvr>
-                                    </p:animEffect>
-                                  </p:childTnLst>
-                                </p:cTn>
-                              </p:par>
-                            </p:childTnLst>
-                          </p:cTn>
-                        </p:par>
-                      </p:childTnLst>
-                    </p:cTn>
-                  </p:par>
-                </p:childTnLst>
-              </p:cTn>
-              <p:prevCondLst>
-                <p:cond evt="onPrev" delay="0">
-                  <p:tgtEl>
-                    <p:sldTgt/>
-                  </p:tgtEl>
-                </p:cond>
-              </p:prevCondLst>
-              <p:nextCondLst>
-                <p:cond evt="onNext" delay="0">
-                  <p:tgtEl>
-                    <p:sldTgt/>
-                  </p:tgtEl>
-                </p:cond>
-              </p:nextCondLst>
-            </p:seq>
-          </p:childTnLst>
-        </p:cTn>
-      </p:par>
-    </p:tnLst>
-    <p:bldLst>
-      <p:bldP spid="11" grpId="0"/>
-      <p:bldP spid="15" grpId="0" animBg="1"/>
-      <p:bldP spid="16" grpId="0" animBg="1"/>
-      <p:bldP spid="17" grpId="0" animBg="1"/>
-      <p:bldP spid="2" grpId="0" animBg="1"/>
-    </p:bldLst>
-  </p:timing>
-</p:sld>
-</file>
-
-<file path=ppt/slides/slide7.xml><?xml version="1.0" encoding="utf-8"?>
-<p:sld xmlns:a="http://schemas.openxmlformats.org/drawingml/2006/main" xmlns:r="http://schemas.openxmlformats.org/officeDocument/2006/relationships" xmlns:p="http://schemas.openxmlformats.org/presentationml/2006/main">
-  <p:cSld>
-    <p:spTree>
-      <p:nvGrpSpPr>
-        <p:cNvPr id="1" name=""/>
-        <p:cNvGrpSpPr/>
-        <p:nvPr/>
-      </p:nvGrpSpPr>
-      <p:grpSpPr>
-        <a:xfrm>
-          <a:off x="0" y="0"/>
-          <a:ext cx="0" cy="0"/>
-          <a:chOff x="0" y="0"/>
-          <a:chExt cx="0" cy="0"/>
-        </a:xfrm>
-      </p:grpSpPr>
-      <p:sp>
-        <p:nvSpPr>
-          <p:cNvPr id="4" name="Rectangle 3">
-            <a:extLst>
-              <a:ext uri="{FF2B5EF4-FFF2-40B4-BE49-F238E27FC236}">
-                <a16:creationId xmlns:a16="http://schemas.microsoft.com/office/drawing/2014/main" id="{22B6AA97-988B-8621-AA02-3020285A154A}"/>
-              </a:ext>
-            </a:extLst>
-          </p:cNvPr>
-          <p:cNvSpPr/>
-          <p:nvPr/>
-        </p:nvSpPr>
-        <p:spPr>
-          <a:xfrm>
-            <a:off x="-1" y="0"/>
-            <a:ext cx="12192001" cy="957183"/>
-          </a:xfrm>
-          <a:prstGeom prst="rect">
-            <a:avLst/>
-          </a:prstGeom>
-          <a:solidFill>
-            <a:srgbClr val="00294F">
-              <a:alpha val="84000"/>
-            </a:srgbClr>
-          </a:solidFill>
-        </p:spPr>
-        <p:style>
-          <a:lnRef idx="2">
-            <a:schemeClr val="accent1">
-              <a:shade val="15000"/>
-            </a:schemeClr>
-          </a:lnRef>
-          <a:fillRef idx="1">
-            <a:schemeClr val="accent1"/>
-          </a:fillRef>
-          <a:effectRef idx="0">
-            <a:schemeClr val="accent1"/>
-          </a:effectRef>
-          <a:fontRef idx="minor">
-            <a:schemeClr val="lt1"/>
-          </a:fontRef>
-        </p:style>
-        <p:txBody>
-          <a:bodyPr lIns="365760" rtlCol="0" anchor="ctr"/>
-          <a:lstStyle/>
-          <a:p>
-            <a:endParaRPr lang="en-US" sz="3200" b="1">
-              <a:solidFill>
-                <a:schemeClr val="bg1"/>
-              </a:solidFill>
-            </a:endParaRPr>
-          </a:p>
-        </p:txBody>
-      </p:sp>
-      <p:pic>
-        <p:nvPicPr>
-          <p:cNvPr id="4098" name="Picture 2">
-            <a:extLst>
-              <a:ext uri="{FF2B5EF4-FFF2-40B4-BE49-F238E27FC236}">
-                <a16:creationId xmlns:a16="http://schemas.microsoft.com/office/drawing/2014/main" id="{AD514F7F-3173-2E2C-CDC9-521E3AEB73FB}"/>
-              </a:ext>
-            </a:extLst>
-          </p:cNvPr>
-          <p:cNvPicPr>
-            <a:picLocks noChangeAspect="1" noChangeArrowheads="1"/>
-          </p:cNvPicPr>
-          <p:nvPr/>
-        </p:nvPicPr>
-        <p:blipFill>
-          <a:blip r:embed="rId2">
-            <a:alphaModFix amt="20000"/>
-            <a:extLst>
-              <a:ext uri="{28A0092B-C50C-407E-A947-70E740481C1C}">
-                <a14:useLocalDpi xmlns:a14="http://schemas.microsoft.com/office/drawing/2010/main" val="0"/>
-              </a:ext>
-            </a:extLst>
-          </a:blip>
-          <a:srcRect/>
-          <a:stretch>
-            <a:fillRect/>
-          </a:stretch>
-        </p:blipFill>
-        <p:spPr bwMode="auto">
-          <a:xfrm>
-            <a:off x="2524520" y="1278028"/>
-            <a:ext cx="6440965" cy="4301943"/>
-          </a:xfrm>
-          <a:prstGeom prst="rect">
-            <a:avLst/>
-          </a:prstGeom>
-          <a:noFill/>
-          <a:extLst>
-            <a:ext uri="{909E8E84-426E-40DD-AFC4-6F175D3DCCD1}">
-              <a14:hiddenFill xmlns:a14="http://schemas.microsoft.com/office/drawing/2010/main">
-                <a:solidFill>
-                  <a:srgbClr val="FFFFFF"/>
-                </a:solidFill>
-              </a14:hiddenFill>
-            </a:ext>
-          </a:extLst>
-        </p:spPr>
-      </p:pic>
-    </p:spTree>
-    <p:extLst>
-      <p:ext uri="{BB962C8B-B14F-4D97-AF65-F5344CB8AC3E}">
-        <p14:creationId xmlns:p14="http://schemas.microsoft.com/office/powerpoint/2010/main" val="3416547598"/>
-      </p:ext>
-    </p:extLst>
-  </p:cSld>
-  <p:clrMapOvr>
-    <a:masterClrMapping/>
-  </p:clrMapOvr>
-</p:sld>
-</file>
-
-<file path=ppt/slides/slide8.xml><?xml version="1.0" encoding="utf-8"?>
+<file path=ppt/slides/slide10.xml><?xml version="1.0" encoding="utf-8"?>
 <p:sld xmlns:a="http://schemas.openxmlformats.org/drawingml/2006/main" xmlns:r="http://schemas.openxmlformats.org/officeDocument/2006/relationships" xmlns:p="http://schemas.openxmlformats.org/presentationml/2006/main">
   <p:cSld>
     <p:spTree>
@@ -9936,7 +6757,7 @@
 </p:sld>
 </file>
 
-<file path=ppt/slides/slide9.xml><?xml version="1.0" encoding="utf-8"?>
+<file path=ppt/slides/slide11.xml><?xml version="1.0" encoding="utf-8"?>
 <p:sld xmlns:a="http://schemas.openxmlformats.org/drawingml/2006/main" xmlns:r="http://schemas.openxmlformats.org/officeDocument/2006/relationships" xmlns:p="http://schemas.openxmlformats.org/presentationml/2006/main">
   <p:cSld>
     <p:spTree>
@@ -10264,6 +7085,3993 @@
   <p:transition spd="slow">
     <p:strips dir="ru"/>
   </p:transition>
+</p:sld>
+</file>
+
+<file path=ppt/slides/slide2.xml><?xml version="1.0" encoding="utf-8"?>
+<p:sld xmlns:a="http://schemas.openxmlformats.org/drawingml/2006/main" xmlns:r="http://schemas.openxmlformats.org/officeDocument/2006/relationships" xmlns:p="http://schemas.openxmlformats.org/presentationml/2006/main">
+  <p:cSld>
+    <p:spTree>
+      <p:nvGrpSpPr>
+        <p:cNvPr id="1" name=""/>
+        <p:cNvGrpSpPr/>
+        <p:nvPr/>
+      </p:nvGrpSpPr>
+      <p:grpSpPr>
+        <a:xfrm>
+          <a:off x="0" y="0"/>
+          <a:ext cx="0" cy="0"/>
+          <a:chOff x="0" y="0"/>
+          <a:chExt cx="0" cy="0"/>
+        </a:xfrm>
+      </p:grpSpPr>
+      <p:pic>
+        <p:nvPicPr>
+          <p:cNvPr id="13" name="Picture 12">
+            <a:extLst>
+              <a:ext uri="{FF2B5EF4-FFF2-40B4-BE49-F238E27FC236}">
+                <a16:creationId xmlns:a16="http://schemas.microsoft.com/office/drawing/2014/main" id="{C4550EF0-681C-C0CF-3083-BAB8CE9206E8}"/>
+              </a:ext>
+            </a:extLst>
+          </p:cNvPr>
+          <p:cNvPicPr>
+            <a:picLocks noChangeAspect="1"/>
+          </p:cNvPicPr>
+          <p:nvPr/>
+        </p:nvPicPr>
+        <p:blipFill>
+          <a:blip r:embed="rId2">
+            <a:extLst>
+              <a:ext uri="{28A0092B-C50C-407E-A947-70E740481C1C}">
+                <a14:useLocalDpi xmlns:a14="http://schemas.microsoft.com/office/drawing/2010/main" val="0"/>
+              </a:ext>
+            </a:extLst>
+          </a:blip>
+          <a:srcRect l="67001"/>
+          <a:stretch/>
+        </p:blipFill>
+        <p:spPr>
+          <a:xfrm>
+            <a:off x="9654988" y="1"/>
+            <a:ext cx="2537011" cy="6858000"/>
+          </a:xfrm>
+          <a:prstGeom prst="rect">
+            <a:avLst/>
+          </a:prstGeom>
+        </p:spPr>
+      </p:pic>
+      <p:sp>
+        <p:nvSpPr>
+          <p:cNvPr id="6" name="Rectangle 5">
+            <a:extLst>
+              <a:ext uri="{FF2B5EF4-FFF2-40B4-BE49-F238E27FC236}">
+                <a16:creationId xmlns:a16="http://schemas.microsoft.com/office/drawing/2014/main" id="{1DCA5715-44C4-E1E4-CC92-D621D3A71E36}"/>
+              </a:ext>
+            </a:extLst>
+          </p:cNvPr>
+          <p:cNvSpPr/>
+          <p:nvPr/>
+        </p:nvSpPr>
+        <p:spPr>
+          <a:xfrm>
+            <a:off x="0" y="0"/>
+            <a:ext cx="3505200" cy="6858000"/>
+          </a:xfrm>
+          <a:prstGeom prst="rect">
+            <a:avLst/>
+          </a:prstGeom>
+          <a:solidFill>
+            <a:srgbClr val="00294F">
+              <a:alpha val="84000"/>
+            </a:srgbClr>
+          </a:solidFill>
+        </p:spPr>
+        <p:style>
+          <a:lnRef idx="2">
+            <a:schemeClr val="accent1">
+              <a:shade val="15000"/>
+            </a:schemeClr>
+          </a:lnRef>
+          <a:fillRef idx="1">
+            <a:schemeClr val="accent1"/>
+          </a:fillRef>
+          <a:effectRef idx="0">
+            <a:schemeClr val="accent1"/>
+          </a:effectRef>
+          <a:fontRef idx="minor">
+            <a:schemeClr val="lt1"/>
+          </a:fontRef>
+        </p:style>
+        <p:txBody>
+          <a:bodyPr rtlCol="0" anchor="ctr"/>
+          <a:lstStyle/>
+          <a:p>
+            <a:pPr algn="ctr"/>
+            <a:endParaRPr lang="en-US"/>
+          </a:p>
+        </p:txBody>
+      </p:sp>
+      <p:sp>
+        <p:nvSpPr>
+          <p:cNvPr id="10" name="TextBox 9">
+            <a:extLst>
+              <a:ext uri="{FF2B5EF4-FFF2-40B4-BE49-F238E27FC236}">
+                <a16:creationId xmlns:a16="http://schemas.microsoft.com/office/drawing/2014/main" id="{49555B75-E8B8-A7DE-CD90-9A552E7EB4F4}"/>
+              </a:ext>
+            </a:extLst>
+          </p:cNvPr>
+          <p:cNvSpPr txBox="1"/>
+          <p:nvPr/>
+        </p:nvSpPr>
+        <p:spPr>
+          <a:xfrm>
+            <a:off x="1428947" y="1524405"/>
+            <a:ext cx="5612189" cy="584775"/>
+          </a:xfrm>
+          <a:prstGeom prst="rect">
+            <a:avLst/>
+          </a:prstGeom>
+          <a:noFill/>
+        </p:spPr>
+        <p:txBody>
+          <a:bodyPr wrap="square" rtlCol="0">
+            <a:spAutoFit/>
+          </a:bodyPr>
+          <a:lstStyle/>
+          <a:p>
+            <a:r>
+              <a:rPr lang="en-US" sz="3200" b="1">
+                <a:solidFill>
+                  <a:schemeClr val="bg1"/>
+                </a:solidFill>
+              </a:rPr>
+              <a:t>GIỚI THIỆU  </a:t>
+            </a:r>
+            <a:r>
+              <a:rPr lang="en-US" sz="3200" b="1">
+                <a:solidFill>
+                  <a:srgbClr val="294B6B"/>
+                </a:solidFill>
+              </a:rPr>
+              <a:t>TỔNG QUAN</a:t>
+            </a:r>
+          </a:p>
+        </p:txBody>
+      </p:sp>
+      <p:sp>
+        <p:nvSpPr>
+          <p:cNvPr id="11" name="TextBox 10">
+            <a:extLst>
+              <a:ext uri="{FF2B5EF4-FFF2-40B4-BE49-F238E27FC236}">
+                <a16:creationId xmlns:a16="http://schemas.microsoft.com/office/drawing/2014/main" id="{F11001F7-C7C7-FC8B-0496-2D62E7827CD7}"/>
+              </a:ext>
+            </a:extLst>
+          </p:cNvPr>
+          <p:cNvSpPr txBox="1"/>
+          <p:nvPr/>
+        </p:nvSpPr>
+        <p:spPr>
+          <a:xfrm>
+            <a:off x="3104991" y="2197414"/>
+            <a:ext cx="7872289" cy="2693045"/>
+          </a:xfrm>
+          <a:prstGeom prst="rect">
+            <a:avLst/>
+          </a:prstGeom>
+          <a:noFill/>
+        </p:spPr>
+        <p:txBody>
+          <a:bodyPr wrap="square" rtlCol="0">
+            <a:spAutoFit/>
+          </a:bodyPr>
+          <a:lstStyle/>
+          <a:p>
+            <a:pPr marL="285750" indent="-285750">
+              <a:spcBef>
+                <a:spcPts val="600"/>
+              </a:spcBef>
+              <a:buClr>
+                <a:schemeClr val="bg1"/>
+              </a:buClr>
+              <a:buFont typeface="Wingdings" panose="05000000000000000000" pitchFamily="2" charset="2"/>
+              <a:buChar char="Ø"/>
+            </a:pPr>
+            <a:r>
+              <a:rPr lang="en-US">
+                <a:solidFill>
+                  <a:srgbClr val="294B6B"/>
+                </a:solidFill>
+              </a:rPr>
+              <a:t> </a:t>
+            </a:r>
+            <a:r>
+              <a:rPr lang="en-US" sz="2400">
+                <a:solidFill>
+                  <a:srgbClr val="294B6B"/>
+                </a:solidFill>
+              </a:rPr>
+              <a:t>Giới  thiệu về Katalon Studio</a:t>
+            </a:r>
+          </a:p>
+          <a:p>
+            <a:pPr marL="285750" indent="-285750">
+              <a:spcBef>
+                <a:spcPts val="600"/>
+              </a:spcBef>
+              <a:buClr>
+                <a:schemeClr val="bg1"/>
+              </a:buClr>
+              <a:buFont typeface="Wingdings" panose="05000000000000000000" pitchFamily="2" charset="2"/>
+              <a:buChar char="Ø"/>
+            </a:pPr>
+            <a:r>
+              <a:rPr lang="en-US" sz="2400">
+                <a:solidFill>
+                  <a:srgbClr val="294B6B"/>
+                </a:solidFill>
+              </a:rPr>
+              <a:t> Mục đích sử dụng của Katalon Studio</a:t>
+            </a:r>
+          </a:p>
+          <a:p>
+            <a:pPr marL="285750" indent="-285750">
+              <a:spcBef>
+                <a:spcPts val="600"/>
+              </a:spcBef>
+              <a:buClr>
+                <a:schemeClr val="bg1"/>
+              </a:buClr>
+              <a:buFont typeface="Wingdings" panose="05000000000000000000" pitchFamily="2" charset="2"/>
+              <a:buChar char="Ø"/>
+            </a:pPr>
+            <a:r>
+              <a:rPr lang="en-US" sz="2400">
+                <a:solidFill>
+                  <a:srgbClr val="294B6B"/>
+                </a:solidFill>
+              </a:rPr>
+              <a:t> Các tính năng nổi bật của Katalon Studio</a:t>
+            </a:r>
+          </a:p>
+          <a:p>
+            <a:pPr marL="285750" indent="-285750">
+              <a:spcBef>
+                <a:spcPts val="600"/>
+              </a:spcBef>
+              <a:buClr>
+                <a:schemeClr val="bg1"/>
+              </a:buClr>
+              <a:buFont typeface="Wingdings" panose="05000000000000000000" pitchFamily="2" charset="2"/>
+              <a:buChar char="Ø"/>
+            </a:pPr>
+            <a:r>
+              <a:rPr lang="en-US" sz="2400">
+                <a:solidFill>
+                  <a:srgbClr val="294B6B"/>
+                </a:solidFill>
+              </a:rPr>
+              <a:t> Sơ lược về giao diện chính </a:t>
+            </a:r>
+          </a:p>
+          <a:p>
+            <a:pPr marL="285750" indent="-285750">
+              <a:spcBef>
+                <a:spcPts val="600"/>
+              </a:spcBef>
+              <a:buClr>
+                <a:schemeClr val="bg1"/>
+              </a:buClr>
+              <a:buFont typeface="Wingdings" panose="05000000000000000000" pitchFamily="2" charset="2"/>
+              <a:buChar char="Ø"/>
+            </a:pPr>
+            <a:r>
+              <a:rPr lang="en-US" sz="2400">
+                <a:solidFill>
+                  <a:srgbClr val="294B6B"/>
+                </a:solidFill>
+              </a:rPr>
+              <a:t> Các bước tạo test case, test suite và chạy thử nghiệm </a:t>
+            </a:r>
+          </a:p>
+          <a:p>
+            <a:pPr marL="285750" indent="-285750">
+              <a:spcBef>
+                <a:spcPts val="600"/>
+              </a:spcBef>
+              <a:buClr>
+                <a:schemeClr val="bg1"/>
+              </a:buClr>
+              <a:buFont typeface="Wingdings" panose="05000000000000000000" pitchFamily="2" charset="2"/>
+              <a:buChar char="Ø"/>
+            </a:pPr>
+            <a:r>
+              <a:rPr lang="en-US" sz="2400">
+                <a:solidFill>
+                  <a:srgbClr val="294B6B"/>
+                </a:solidFill>
+              </a:rPr>
+              <a:t> Ưu điểm và nhược điểm của Katalon Studio</a:t>
+            </a:r>
+          </a:p>
+        </p:txBody>
+      </p:sp>
+    </p:spTree>
+    <p:extLst>
+      <p:ext uri="{BB962C8B-B14F-4D97-AF65-F5344CB8AC3E}">
+        <p14:creationId xmlns:p14="http://schemas.microsoft.com/office/powerpoint/2010/main" val="1731030427"/>
+      </p:ext>
+    </p:extLst>
+  </p:cSld>
+  <p:clrMapOvr>
+    <a:masterClrMapping/>
+  </p:clrMapOvr>
+</p:sld>
+</file>
+
+<file path=ppt/slides/slide3.xml><?xml version="1.0" encoding="utf-8"?>
+<p:sld xmlns:a="http://schemas.openxmlformats.org/drawingml/2006/main" xmlns:r="http://schemas.openxmlformats.org/officeDocument/2006/relationships" xmlns:p="http://schemas.openxmlformats.org/presentationml/2006/main">
+  <p:cSld>
+    <p:spTree>
+      <p:nvGrpSpPr>
+        <p:cNvPr id="1" name=""/>
+        <p:cNvGrpSpPr/>
+        <p:nvPr/>
+      </p:nvGrpSpPr>
+      <p:grpSpPr>
+        <a:xfrm>
+          <a:off x="0" y="0"/>
+          <a:ext cx="0" cy="0"/>
+          <a:chOff x="0" y="0"/>
+          <a:chExt cx="0" cy="0"/>
+        </a:xfrm>
+      </p:grpSpPr>
+      <p:sp>
+        <p:nvSpPr>
+          <p:cNvPr id="4" name="Rectangle 3">
+            <a:extLst>
+              <a:ext uri="{FF2B5EF4-FFF2-40B4-BE49-F238E27FC236}">
+                <a16:creationId xmlns:a16="http://schemas.microsoft.com/office/drawing/2014/main" id="{888F8774-8A22-68B0-1646-859D8C367703}"/>
+              </a:ext>
+            </a:extLst>
+          </p:cNvPr>
+          <p:cNvSpPr/>
+          <p:nvPr/>
+        </p:nvSpPr>
+        <p:spPr>
+          <a:xfrm>
+            <a:off x="-1" y="0"/>
+            <a:ext cx="4528457" cy="6858000"/>
+          </a:xfrm>
+          <a:prstGeom prst="rect">
+            <a:avLst/>
+          </a:prstGeom>
+          <a:solidFill>
+            <a:srgbClr val="00294F">
+              <a:alpha val="84000"/>
+            </a:srgbClr>
+          </a:solidFill>
+        </p:spPr>
+        <p:style>
+          <a:lnRef idx="2">
+            <a:schemeClr val="accent1">
+              <a:shade val="15000"/>
+            </a:schemeClr>
+          </a:lnRef>
+          <a:fillRef idx="1">
+            <a:schemeClr val="accent1"/>
+          </a:fillRef>
+          <a:effectRef idx="0">
+            <a:schemeClr val="accent1"/>
+          </a:effectRef>
+          <a:fontRef idx="minor">
+            <a:schemeClr val="lt1"/>
+          </a:fontRef>
+        </p:style>
+        <p:txBody>
+          <a:bodyPr rtlCol="0" anchor="ctr"/>
+          <a:lstStyle/>
+          <a:p>
+            <a:pPr algn="ctr"/>
+            <a:endParaRPr lang="en-US"/>
+          </a:p>
+        </p:txBody>
+      </p:sp>
+      <p:sp>
+        <p:nvSpPr>
+          <p:cNvPr id="9" name="TextBox 8">
+            <a:extLst>
+              <a:ext uri="{FF2B5EF4-FFF2-40B4-BE49-F238E27FC236}">
+                <a16:creationId xmlns:a16="http://schemas.microsoft.com/office/drawing/2014/main" id="{477BBFE1-3789-995B-742F-D8EB6E2AB915}"/>
+              </a:ext>
+            </a:extLst>
+          </p:cNvPr>
+          <p:cNvSpPr txBox="1"/>
+          <p:nvPr/>
+        </p:nvSpPr>
+        <p:spPr>
+          <a:xfrm>
+            <a:off x="4737807" y="1757488"/>
+            <a:ext cx="5612189" cy="584775"/>
+          </a:xfrm>
+          <a:prstGeom prst="rect">
+            <a:avLst/>
+          </a:prstGeom>
+          <a:noFill/>
+        </p:spPr>
+        <p:txBody>
+          <a:bodyPr wrap="square" rtlCol="0">
+            <a:spAutoFit/>
+          </a:bodyPr>
+          <a:lstStyle/>
+          <a:p>
+            <a:r>
+              <a:rPr lang="en-US" sz="3200" b="1">
+                <a:solidFill>
+                  <a:srgbClr val="294B6B"/>
+                </a:solidFill>
+              </a:rPr>
+              <a:t>GIỚI THIỆU KATALON STUDIO</a:t>
+            </a:r>
+          </a:p>
+        </p:txBody>
+      </p:sp>
+      <p:sp>
+        <p:nvSpPr>
+          <p:cNvPr id="10" name="TextBox 9">
+            <a:extLst>
+              <a:ext uri="{FF2B5EF4-FFF2-40B4-BE49-F238E27FC236}">
+                <a16:creationId xmlns:a16="http://schemas.microsoft.com/office/drawing/2014/main" id="{986C11EF-B154-3C84-2C9D-A40B111D34B9}"/>
+              </a:ext>
+            </a:extLst>
+          </p:cNvPr>
+          <p:cNvSpPr txBox="1"/>
+          <p:nvPr/>
+        </p:nvSpPr>
+        <p:spPr>
+          <a:xfrm>
+            <a:off x="4781755" y="3023426"/>
+            <a:ext cx="5524295" cy="2616101"/>
+          </a:xfrm>
+          <a:prstGeom prst="rect">
+            <a:avLst/>
+          </a:prstGeom>
+          <a:noFill/>
+        </p:spPr>
+        <p:txBody>
+          <a:bodyPr wrap="square" rtlCol="0">
+            <a:spAutoFit/>
+          </a:bodyPr>
+          <a:lstStyle/>
+          <a:p>
+            <a:pPr marL="0" indent="0" algn="just">
+              <a:buNone/>
+            </a:pPr>
+            <a:r>
+              <a:rPr lang="en-US" b="1" i="1">
+                <a:solidFill>
+                  <a:srgbClr val="294B6B"/>
+                </a:solidFill>
+                <a:effectLst/>
+                <a:latin typeface="Ginto"/>
+              </a:rPr>
+              <a:t>Katalon Studio là gì?</a:t>
+            </a:r>
+          </a:p>
+          <a:p>
+            <a:pPr algn="just">
+              <a:spcBef>
+                <a:spcPts val="1200"/>
+              </a:spcBef>
+            </a:pPr>
+            <a:r>
+              <a:rPr lang="vi-VN" sz="1800">
+                <a:solidFill>
+                  <a:srgbClr val="294B6B"/>
+                </a:solidFill>
+              </a:rPr>
+              <a:t>Katalon Studio là một </a:t>
+            </a:r>
+            <a:r>
+              <a:rPr lang="en-US" sz="1800">
+                <a:solidFill>
+                  <a:srgbClr val="294B6B"/>
+                </a:solidFill>
+              </a:rPr>
+              <a:t>C</a:t>
+            </a:r>
+            <a:r>
+              <a:rPr lang="vi-VN" sz="1800">
+                <a:solidFill>
+                  <a:srgbClr val="294B6B"/>
+                </a:solidFill>
+              </a:rPr>
+              <a:t>ông </a:t>
+            </a:r>
+            <a:r>
+              <a:rPr lang="en-US" sz="1800">
+                <a:solidFill>
+                  <a:srgbClr val="294B6B"/>
+                </a:solidFill>
+              </a:rPr>
+              <a:t>C</a:t>
+            </a:r>
+            <a:r>
+              <a:rPr lang="vi-VN" sz="1800">
+                <a:solidFill>
+                  <a:srgbClr val="294B6B"/>
+                </a:solidFill>
+              </a:rPr>
+              <a:t>ụ </a:t>
+            </a:r>
+            <a:r>
+              <a:rPr lang="en-US" sz="1800">
+                <a:solidFill>
+                  <a:srgbClr val="294B6B"/>
+                </a:solidFill>
+              </a:rPr>
+              <a:t>K</a:t>
+            </a:r>
+            <a:r>
+              <a:rPr lang="vi-VN" sz="1800">
+                <a:solidFill>
+                  <a:srgbClr val="294B6B"/>
+                </a:solidFill>
+              </a:rPr>
+              <a:t>iểm </a:t>
+            </a:r>
+            <a:r>
+              <a:rPr lang="en-US" sz="1800">
+                <a:solidFill>
+                  <a:srgbClr val="294B6B"/>
+                </a:solidFill>
+              </a:rPr>
+              <a:t>T</a:t>
+            </a:r>
+            <a:r>
+              <a:rPr lang="vi-VN" sz="1800">
+                <a:solidFill>
+                  <a:srgbClr val="294B6B"/>
+                </a:solidFill>
+              </a:rPr>
+              <a:t>hử </a:t>
+            </a:r>
+            <a:r>
+              <a:rPr lang="en-US" sz="1800">
+                <a:solidFill>
+                  <a:srgbClr val="294B6B"/>
+                </a:solidFill>
+              </a:rPr>
+              <a:t>T</a:t>
+            </a:r>
+            <a:r>
+              <a:rPr lang="vi-VN" sz="1800">
+                <a:solidFill>
+                  <a:srgbClr val="294B6B"/>
+                </a:solidFill>
+              </a:rPr>
+              <a:t>ự </a:t>
+            </a:r>
+            <a:r>
+              <a:rPr lang="en-US" sz="1800">
+                <a:solidFill>
+                  <a:srgbClr val="294B6B"/>
+                </a:solidFill>
+              </a:rPr>
+              <a:t>Đ</a:t>
+            </a:r>
+            <a:r>
+              <a:rPr lang="vi-VN" sz="1800">
+                <a:solidFill>
+                  <a:srgbClr val="294B6B"/>
+                </a:solidFill>
+              </a:rPr>
+              <a:t>ộng, được sử dụng để kiểm thử các ứng dụng web, di động, API và desktop.</a:t>
+            </a:r>
+            <a:endParaRPr lang="en-US" sz="1800">
+              <a:solidFill>
+                <a:srgbClr val="294B6B"/>
+              </a:solidFill>
+            </a:endParaRPr>
+          </a:p>
+          <a:p>
+            <a:pPr algn="just">
+              <a:spcBef>
+                <a:spcPts val="1200"/>
+              </a:spcBef>
+            </a:pPr>
+            <a:r>
+              <a:rPr lang="vi-VN" sz="1800">
+                <a:solidFill>
+                  <a:srgbClr val="294B6B"/>
+                </a:solidFill>
+              </a:rPr>
+              <a:t>Katalon Studio tích hợp nhiều framework kiểm thử phổ biến như Selenium và Appium,</a:t>
+            </a:r>
+            <a:r>
+              <a:rPr lang="en-US" sz="1800">
+                <a:solidFill>
+                  <a:srgbClr val="294B6B"/>
+                </a:solidFill>
+              </a:rPr>
+              <a:t> </a:t>
+            </a:r>
+            <a:r>
+              <a:rPr lang="vi-VN" sz="1800">
+                <a:solidFill>
+                  <a:srgbClr val="294B6B"/>
+                </a:solidFill>
+              </a:rPr>
+              <a:t>giúp tạo và chạy test case nhanh chóng, phù hợp cho cả người mới và chuyên gia.</a:t>
+            </a:r>
+            <a:endParaRPr lang="en-US" sz="2400" i="0">
+              <a:solidFill>
+                <a:srgbClr val="294B6B"/>
+              </a:solidFill>
+              <a:effectLst/>
+              <a:latin typeface="Ginto"/>
+            </a:endParaRPr>
+          </a:p>
+        </p:txBody>
+      </p:sp>
+      <p:pic>
+        <p:nvPicPr>
+          <p:cNvPr id="4100" name="Picture 4">
+            <a:extLst>
+              <a:ext uri="{FF2B5EF4-FFF2-40B4-BE49-F238E27FC236}">
+                <a16:creationId xmlns:a16="http://schemas.microsoft.com/office/drawing/2014/main" id="{43681C7A-1B2A-088D-E2D9-7803104D491F}"/>
+              </a:ext>
+            </a:extLst>
+          </p:cNvPr>
+          <p:cNvPicPr>
+            <a:picLocks noChangeAspect="1" noChangeArrowheads="1"/>
+          </p:cNvPicPr>
+          <p:nvPr/>
+        </p:nvPicPr>
+        <p:blipFill>
+          <a:blip r:embed="rId2">
+            <a:extLst>
+              <a:ext uri="{28A0092B-C50C-407E-A947-70E740481C1C}">
+                <a14:useLocalDpi xmlns:a14="http://schemas.microsoft.com/office/drawing/2010/main" val="0"/>
+              </a:ext>
+            </a:extLst>
+          </a:blip>
+          <a:srcRect/>
+          <a:stretch>
+            <a:fillRect/>
+          </a:stretch>
+        </p:blipFill>
+        <p:spPr bwMode="auto">
+          <a:xfrm>
+            <a:off x="811087" y="1209675"/>
+            <a:ext cx="3717369" cy="4438650"/>
+          </a:xfrm>
+          <a:prstGeom prst="rect">
+            <a:avLst/>
+          </a:prstGeom>
+          <a:noFill/>
+          <a:extLst>
+            <a:ext uri="{909E8E84-426E-40DD-AFC4-6F175D3DCCD1}">
+              <a14:hiddenFill xmlns:a14="http://schemas.microsoft.com/office/drawing/2010/main">
+                <a:solidFill>
+                  <a:srgbClr val="FFFFFF"/>
+                </a:solidFill>
+              </a14:hiddenFill>
+            </a:ext>
+          </a:extLst>
+        </p:spPr>
+      </p:pic>
+    </p:spTree>
+    <p:extLst>
+      <p:ext uri="{BB962C8B-B14F-4D97-AF65-F5344CB8AC3E}">
+        <p14:creationId xmlns:p14="http://schemas.microsoft.com/office/powerpoint/2010/main" val="3292779711"/>
+      </p:ext>
+    </p:extLst>
+  </p:cSld>
+  <p:clrMapOvr>
+    <a:masterClrMapping/>
+  </p:clrMapOvr>
+  <p:transition spd="slow">
+    <p:wipe dir="r"/>
+  </p:transition>
+  <p:timing>
+    <p:tnLst>
+      <p:par>
+        <p:cTn id="1" dur="indefinite" restart="never" nodeType="tmRoot">
+          <p:childTnLst>
+            <p:seq concurrent="1" nextAc="seek">
+              <p:cTn id="2" dur="indefinite" nodeType="mainSeq">
+                <p:childTnLst>
+                  <p:par>
+                    <p:cTn id="3" fill="hold">
+                      <p:stCondLst>
+                        <p:cond delay="indefinite"/>
+                        <p:cond evt="onBegin" delay="0">
+                          <p:tn val="2"/>
+                        </p:cond>
+                      </p:stCondLst>
+                      <p:childTnLst>
+                        <p:par>
+                          <p:cTn id="4" fill="hold">
+                            <p:stCondLst>
+                              <p:cond delay="0"/>
+                            </p:stCondLst>
+                            <p:childTnLst>
+                              <p:par>
+                                <p:cTn id="5" presetID="42" presetClass="entr" presetSubtype="0" fill="hold" nodeType="afterEffect">
+                                  <p:stCondLst>
+                                    <p:cond delay="0"/>
+                                  </p:stCondLst>
+                                  <p:childTnLst>
+                                    <p:set>
+                                      <p:cBhvr>
+                                        <p:cTn id="6" dur="1" fill="hold">
+                                          <p:stCondLst>
+                                            <p:cond delay="0"/>
+                                          </p:stCondLst>
+                                        </p:cTn>
+                                        <p:tgtEl>
+                                          <p:spTgt spid="4100"/>
+                                        </p:tgtEl>
+                                        <p:attrNameLst>
+                                          <p:attrName>style.visibility</p:attrName>
+                                        </p:attrNameLst>
+                                      </p:cBhvr>
+                                      <p:to>
+                                        <p:strVal val="visible"/>
+                                      </p:to>
+                                    </p:set>
+                                    <p:animEffect transition="in" filter="fade">
+                                      <p:cBhvr>
+                                        <p:cTn id="7" dur="1000"/>
+                                        <p:tgtEl>
+                                          <p:spTgt spid="4100"/>
+                                        </p:tgtEl>
+                                      </p:cBhvr>
+                                    </p:animEffect>
+                                    <p:anim calcmode="lin" valueType="num">
+                                      <p:cBhvr>
+                                        <p:cTn id="8" dur="1000" fill="hold"/>
+                                        <p:tgtEl>
+                                          <p:spTgt spid="4100"/>
+                                        </p:tgtEl>
+                                        <p:attrNameLst>
+                                          <p:attrName>ppt_x</p:attrName>
+                                        </p:attrNameLst>
+                                      </p:cBhvr>
+                                      <p:tavLst>
+                                        <p:tav tm="0">
+                                          <p:val>
+                                            <p:strVal val="#ppt_x"/>
+                                          </p:val>
+                                        </p:tav>
+                                        <p:tav tm="100000">
+                                          <p:val>
+                                            <p:strVal val="#ppt_x"/>
+                                          </p:val>
+                                        </p:tav>
+                                      </p:tavLst>
+                                    </p:anim>
+                                    <p:anim calcmode="lin" valueType="num">
+                                      <p:cBhvr>
+                                        <p:cTn id="9" dur="1000" fill="hold"/>
+                                        <p:tgtEl>
+                                          <p:spTgt spid="4100"/>
+                                        </p:tgtEl>
+                                        <p:attrNameLst>
+                                          <p:attrName>ppt_y</p:attrName>
+                                        </p:attrNameLst>
+                                      </p:cBhvr>
+                                      <p:tavLst>
+                                        <p:tav tm="0">
+                                          <p:val>
+                                            <p:strVal val="#ppt_y+.1"/>
+                                          </p:val>
+                                        </p:tav>
+                                        <p:tav tm="100000">
+                                          <p:val>
+                                            <p:strVal val="#ppt_y"/>
+                                          </p:val>
+                                        </p:tav>
+                                      </p:tavLst>
+                                    </p:anim>
+                                  </p:childTnLst>
+                                </p:cTn>
+                              </p:par>
+                            </p:childTnLst>
+                          </p:cTn>
+                        </p:par>
+                      </p:childTnLst>
+                    </p:cTn>
+                  </p:par>
+                </p:childTnLst>
+              </p:cTn>
+              <p:prevCondLst>
+                <p:cond evt="onPrev" delay="0">
+                  <p:tgtEl>
+                    <p:sldTgt/>
+                  </p:tgtEl>
+                </p:cond>
+              </p:prevCondLst>
+              <p:nextCondLst>
+                <p:cond evt="onNext" delay="0">
+                  <p:tgtEl>
+                    <p:sldTgt/>
+                  </p:tgtEl>
+                </p:cond>
+              </p:nextCondLst>
+            </p:seq>
+          </p:childTnLst>
+        </p:cTn>
+      </p:par>
+    </p:tnLst>
+  </p:timing>
+</p:sld>
+</file>
+
+<file path=ppt/slides/slide4.xml><?xml version="1.0" encoding="utf-8"?>
+<p:sld xmlns:a="http://schemas.openxmlformats.org/drawingml/2006/main" xmlns:r="http://schemas.openxmlformats.org/officeDocument/2006/relationships" xmlns:p="http://schemas.openxmlformats.org/presentationml/2006/main">
+  <p:cSld>
+    <p:spTree>
+      <p:nvGrpSpPr>
+        <p:cNvPr id="1" name=""/>
+        <p:cNvGrpSpPr/>
+        <p:nvPr/>
+      </p:nvGrpSpPr>
+      <p:grpSpPr>
+        <a:xfrm>
+          <a:off x="0" y="0"/>
+          <a:ext cx="0" cy="0"/>
+          <a:chOff x="0" y="0"/>
+          <a:chExt cx="0" cy="0"/>
+        </a:xfrm>
+      </p:grpSpPr>
+      <p:sp>
+        <p:nvSpPr>
+          <p:cNvPr id="4" name="Rectangle 3">
+            <a:extLst>
+              <a:ext uri="{FF2B5EF4-FFF2-40B4-BE49-F238E27FC236}">
+                <a16:creationId xmlns:a16="http://schemas.microsoft.com/office/drawing/2014/main" id="{F1B4D161-82FA-56EE-D999-DCFE7D421635}"/>
+              </a:ext>
+            </a:extLst>
+          </p:cNvPr>
+          <p:cNvSpPr/>
+          <p:nvPr/>
+        </p:nvSpPr>
+        <p:spPr>
+          <a:xfrm>
+            <a:off x="-1" y="0"/>
+            <a:ext cx="12192001" cy="957183"/>
+          </a:xfrm>
+          <a:prstGeom prst="rect">
+            <a:avLst/>
+          </a:prstGeom>
+          <a:solidFill>
+            <a:srgbClr val="00294F">
+              <a:alpha val="84000"/>
+            </a:srgbClr>
+          </a:solidFill>
+        </p:spPr>
+        <p:style>
+          <a:lnRef idx="2">
+            <a:schemeClr val="accent1">
+              <a:shade val="15000"/>
+            </a:schemeClr>
+          </a:lnRef>
+          <a:fillRef idx="1">
+            <a:schemeClr val="accent1"/>
+          </a:fillRef>
+          <a:effectRef idx="0">
+            <a:schemeClr val="accent1"/>
+          </a:effectRef>
+          <a:fontRef idx="minor">
+            <a:schemeClr val="lt1"/>
+          </a:fontRef>
+        </p:style>
+        <p:txBody>
+          <a:bodyPr lIns="365760" rtlCol="0" anchor="ctr"/>
+          <a:lstStyle/>
+          <a:p>
+            <a:r>
+              <a:rPr lang="en-US" sz="3200" b="1">
+                <a:solidFill>
+                  <a:schemeClr val="bg1"/>
+                </a:solidFill>
+              </a:rPr>
+              <a:t>MỤC ĐÍCH SỬ DỤNG</a:t>
+            </a:r>
+          </a:p>
+        </p:txBody>
+      </p:sp>
+      <p:sp>
+        <p:nvSpPr>
+          <p:cNvPr id="5" name="TextBox 4">
+            <a:extLst>
+              <a:ext uri="{FF2B5EF4-FFF2-40B4-BE49-F238E27FC236}">
+                <a16:creationId xmlns:a16="http://schemas.microsoft.com/office/drawing/2014/main" id="{465C74E3-E7B6-B75A-458A-BDE4C5436003}"/>
+              </a:ext>
+            </a:extLst>
+          </p:cNvPr>
+          <p:cNvSpPr txBox="1"/>
+          <p:nvPr/>
+        </p:nvSpPr>
+        <p:spPr>
+          <a:xfrm>
+            <a:off x="5629833" y="4402318"/>
+            <a:ext cx="6005983" cy="1933575"/>
+          </a:xfrm>
+          <a:prstGeom prst="rect">
+            <a:avLst/>
+          </a:prstGeom>
+          <a:noFill/>
+        </p:spPr>
+        <p:txBody>
+          <a:bodyPr wrap="square" rtlCol="0">
+            <a:noAutofit/>
+          </a:bodyPr>
+          <a:lstStyle/>
+          <a:p>
+            <a:pPr marL="0" marR="0" lvl="0" indent="0" algn="l" defTabSz="914400" rtl="0" eaLnBrk="0" fontAlgn="base" latinLnBrk="0" hangingPunct="0">
+              <a:lnSpc>
+                <a:spcPct val="100000"/>
+              </a:lnSpc>
+              <a:spcBef>
+                <a:spcPts val="600"/>
+              </a:spcBef>
+              <a:spcAft>
+                <a:spcPct val="0"/>
+              </a:spcAft>
+              <a:buClrTx/>
+              <a:buSzTx/>
+              <a:buFontTx/>
+              <a:buChar char="•"/>
+              <a:tabLst/>
+            </a:pPr>
+            <a:r>
+              <a:rPr kumimoji="0" lang="en-US" altLang="en-US" sz="1800" b="1" i="0" u="none" strike="noStrike" cap="none" normalizeH="0" baseline="0">
+                <a:ln>
+                  <a:noFill/>
+                </a:ln>
+                <a:solidFill>
+                  <a:srgbClr val="294B6B"/>
+                </a:solidFill>
+                <a:effectLst/>
+                <a:latin typeface="Arial" panose="020B0604020202020204" pitchFamily="34" charset="0"/>
+              </a:rPr>
+              <a:t>Quản lý kịch bản kiểm thử</a:t>
+            </a:r>
+            <a:r>
+              <a:rPr kumimoji="0" lang="en-US" altLang="en-US" sz="1800" b="0" i="0" u="none" strike="noStrike" cap="none" normalizeH="0" baseline="0">
+                <a:ln>
+                  <a:noFill/>
+                </a:ln>
+                <a:solidFill>
+                  <a:srgbClr val="294B6B"/>
+                </a:solidFill>
+                <a:effectLst/>
+                <a:latin typeface="Arial" panose="020B0604020202020204" pitchFamily="34" charset="0"/>
+              </a:rPr>
+              <a:t>: Cung cấp giao diện trực quan giúp dễ dàng theo dõi, quản lý và duy trì các kịch bản kiểm thử.</a:t>
+            </a:r>
+          </a:p>
+          <a:p>
+            <a:pPr marL="0" marR="0" lvl="0" indent="0" algn="l" defTabSz="914400" rtl="0" eaLnBrk="0" fontAlgn="base" latinLnBrk="0" hangingPunct="0">
+              <a:lnSpc>
+                <a:spcPct val="100000"/>
+              </a:lnSpc>
+              <a:spcBef>
+                <a:spcPts val="600"/>
+              </a:spcBef>
+              <a:spcAft>
+                <a:spcPct val="0"/>
+              </a:spcAft>
+              <a:buClrTx/>
+              <a:buSzTx/>
+              <a:buFontTx/>
+              <a:buChar char="•"/>
+              <a:tabLst/>
+            </a:pPr>
+            <a:r>
+              <a:rPr kumimoji="0" lang="en-US" altLang="en-US" sz="1800" b="1" i="0" u="none" strike="noStrike" cap="none" normalizeH="0" baseline="0">
+                <a:ln>
+                  <a:noFill/>
+                </a:ln>
+                <a:solidFill>
+                  <a:srgbClr val="294B6B"/>
+                </a:solidFill>
+                <a:effectLst/>
+                <a:latin typeface="Arial" panose="020B0604020202020204" pitchFamily="34" charset="0"/>
+              </a:rPr>
+              <a:t>Tích hợp đa công cụ</a:t>
+            </a:r>
+            <a:r>
+              <a:rPr kumimoji="0" lang="en-US" altLang="en-US" sz="1800" b="0" i="0" u="none" strike="noStrike" cap="none" normalizeH="0" baseline="0">
+                <a:ln>
+                  <a:noFill/>
+                </a:ln>
+                <a:solidFill>
+                  <a:srgbClr val="294B6B"/>
+                </a:solidFill>
+                <a:effectLst/>
+                <a:latin typeface="Arial" panose="020B0604020202020204" pitchFamily="34" charset="0"/>
+              </a:rPr>
+              <a:t>: Katalon có thể tích hợp với các hệ thống quản lý kiểm thử và công cụ CI/CD như Jenkins, Git, JIRA, giúp đồng bộ quy trình phát triển phần mềm. </a:t>
+            </a:r>
+          </a:p>
+        </p:txBody>
+      </p:sp>
+      <p:sp>
+        <p:nvSpPr>
+          <p:cNvPr id="6" name="TextBox 5">
+            <a:extLst>
+              <a:ext uri="{FF2B5EF4-FFF2-40B4-BE49-F238E27FC236}">
+                <a16:creationId xmlns:a16="http://schemas.microsoft.com/office/drawing/2014/main" id="{AEE5AC4A-A46A-4388-72DE-BF75454EC323}"/>
+              </a:ext>
+            </a:extLst>
+          </p:cNvPr>
+          <p:cNvSpPr txBox="1"/>
+          <p:nvPr/>
+        </p:nvSpPr>
+        <p:spPr>
+          <a:xfrm>
+            <a:off x="5629834" y="1317488"/>
+            <a:ext cx="6005982" cy="3084830"/>
+          </a:xfrm>
+          <a:prstGeom prst="rect">
+            <a:avLst/>
+          </a:prstGeom>
+          <a:noFill/>
+        </p:spPr>
+        <p:txBody>
+          <a:bodyPr wrap="square" rtlCol="0">
+            <a:noAutofit/>
+          </a:bodyPr>
+          <a:lstStyle/>
+          <a:p>
+            <a:pPr marL="0" marR="0" lvl="0" indent="0" algn="l" defTabSz="914400" rtl="0" eaLnBrk="0" fontAlgn="base" latinLnBrk="0" hangingPunct="0">
+              <a:lnSpc>
+                <a:spcPct val="100000"/>
+              </a:lnSpc>
+              <a:spcBef>
+                <a:spcPts val="1200"/>
+              </a:spcBef>
+              <a:spcAft>
+                <a:spcPct val="0"/>
+              </a:spcAft>
+              <a:buClrTx/>
+              <a:buSzTx/>
+              <a:buFontTx/>
+              <a:buChar char="•"/>
+              <a:tabLst/>
+            </a:pPr>
+            <a:r>
+              <a:rPr kumimoji="0" lang="en-US" altLang="en-US" sz="1800" b="1" i="0" u="none" strike="noStrike" cap="none" normalizeH="0" baseline="0">
+                <a:ln>
+                  <a:noFill/>
+                </a:ln>
+                <a:solidFill>
+                  <a:srgbClr val="294B6B"/>
+                </a:solidFill>
+                <a:effectLst/>
+                <a:latin typeface="Arial" panose="020B0604020202020204" pitchFamily="34" charset="0"/>
+              </a:rPr>
+              <a:t>Tự động hóa kiểm thử</a:t>
+            </a:r>
+            <a:r>
+              <a:rPr kumimoji="0" lang="en-US" altLang="en-US" sz="1800" b="0" i="0" u="none" strike="noStrike" cap="none" normalizeH="0" baseline="0">
+                <a:ln>
+                  <a:noFill/>
+                </a:ln>
+                <a:solidFill>
+                  <a:srgbClr val="294B6B"/>
+                </a:solidFill>
+                <a:effectLst/>
+                <a:latin typeface="Arial" panose="020B0604020202020204" pitchFamily="34" charset="0"/>
+              </a:rPr>
+              <a:t>: Katalon giúp đơn giản hóa quy trình kiểm thử ứng dụng web, di động và API thông qua các kịch bản kiểm thử tự động.</a:t>
+            </a:r>
+          </a:p>
+          <a:p>
+            <a:pPr marL="0" marR="0" lvl="0" indent="0" algn="l" defTabSz="914400" rtl="0" eaLnBrk="0" fontAlgn="base" latinLnBrk="0" hangingPunct="0">
+              <a:lnSpc>
+                <a:spcPct val="100000"/>
+              </a:lnSpc>
+              <a:spcBef>
+                <a:spcPts val="1200"/>
+              </a:spcBef>
+              <a:spcAft>
+                <a:spcPct val="0"/>
+              </a:spcAft>
+              <a:buClrTx/>
+              <a:buSzTx/>
+              <a:buFontTx/>
+              <a:buChar char="•"/>
+              <a:tabLst/>
+            </a:pPr>
+            <a:r>
+              <a:rPr kumimoji="0" lang="en-US" altLang="en-US" sz="1800" b="1" i="0" u="none" strike="noStrike" cap="none" normalizeH="0" baseline="0">
+                <a:ln>
+                  <a:noFill/>
+                </a:ln>
+                <a:solidFill>
+                  <a:srgbClr val="294B6B"/>
+                </a:solidFill>
+                <a:effectLst/>
+                <a:latin typeface="Arial" panose="020B0604020202020204" pitchFamily="34" charset="0"/>
+              </a:rPr>
+              <a:t>Tiết kiệm thời gian và chi phí</a:t>
+            </a:r>
+            <a:r>
+              <a:rPr kumimoji="0" lang="en-US" altLang="en-US" sz="1800" b="0" i="0" u="none" strike="noStrike" cap="none" normalizeH="0" baseline="0">
+                <a:ln>
+                  <a:noFill/>
+                </a:ln>
+                <a:solidFill>
+                  <a:srgbClr val="294B6B"/>
+                </a:solidFill>
+                <a:effectLst/>
+                <a:latin typeface="Arial" panose="020B0604020202020204" pitchFamily="34" charset="0"/>
+              </a:rPr>
+              <a:t>: Nhờ tự động hóa, quá trình kiểm thử diễn ra nhanh chóng và hiệu quả hơn so với kiểm thử thủ công.</a:t>
+            </a:r>
+          </a:p>
+          <a:p>
+            <a:pPr marL="0" marR="0" lvl="0" indent="0" algn="l" defTabSz="914400" rtl="0" eaLnBrk="0" fontAlgn="base" latinLnBrk="0" hangingPunct="0">
+              <a:lnSpc>
+                <a:spcPct val="100000"/>
+              </a:lnSpc>
+              <a:spcBef>
+                <a:spcPts val="1200"/>
+              </a:spcBef>
+              <a:spcAft>
+                <a:spcPct val="0"/>
+              </a:spcAft>
+              <a:buClrTx/>
+              <a:buSzTx/>
+              <a:buFontTx/>
+              <a:buChar char="•"/>
+              <a:tabLst/>
+            </a:pPr>
+            <a:r>
+              <a:rPr kumimoji="0" lang="en-US" altLang="en-US" sz="1800" b="1" i="0" u="none" strike="noStrike" cap="none" normalizeH="0" baseline="0">
+                <a:ln>
+                  <a:noFill/>
+                </a:ln>
+                <a:solidFill>
+                  <a:srgbClr val="294B6B"/>
+                </a:solidFill>
+                <a:effectLst/>
+                <a:latin typeface="Arial" panose="020B0604020202020204" pitchFamily="34" charset="0"/>
+              </a:rPr>
+              <a:t>Hỗ trợ đa nền tảng</a:t>
+            </a:r>
+            <a:r>
+              <a:rPr kumimoji="0" lang="en-US" altLang="en-US" sz="1800" b="0" i="0" u="none" strike="noStrike" cap="none" normalizeH="0" baseline="0">
+                <a:ln>
+                  <a:noFill/>
+                </a:ln>
+                <a:solidFill>
+                  <a:srgbClr val="294B6B"/>
+                </a:solidFill>
+                <a:effectLst/>
+                <a:latin typeface="Arial" panose="020B0604020202020204" pitchFamily="34" charset="0"/>
+              </a:rPr>
+              <a:t>: Tương thích với các hệ điều hành như Windows, macOS, và Linux, phù hợp với nhiều môi trường phát triển khác nhau. </a:t>
+            </a:r>
+          </a:p>
+        </p:txBody>
+      </p:sp>
+      <p:sp>
+        <p:nvSpPr>
+          <p:cNvPr id="7" name="AutoShape 9">
+            <a:extLst>
+              <a:ext uri="{FF2B5EF4-FFF2-40B4-BE49-F238E27FC236}">
+                <a16:creationId xmlns:a16="http://schemas.microsoft.com/office/drawing/2014/main" id="{E6589678-1BCD-0B04-F031-D1A989C7DACA}"/>
+              </a:ext>
+            </a:extLst>
+          </p:cNvPr>
+          <p:cNvSpPr>
+            <a:spLocks noChangeAspect="1" noChangeArrowheads="1"/>
+          </p:cNvSpPr>
+          <p:nvPr/>
+        </p:nvSpPr>
+        <p:spPr bwMode="auto">
+          <a:xfrm>
+            <a:off x="5629835" y="3121275"/>
+            <a:ext cx="333404" cy="333404"/>
+          </a:xfrm>
+          <a:prstGeom prst="rect">
+            <a:avLst/>
+          </a:prstGeom>
+          <a:noFill/>
+          <a:extLst>
+            <a:ext uri="{909E8E84-426E-40DD-AFC4-6F175D3DCCD1}">
+              <a14:hiddenFill xmlns:a14="http://schemas.microsoft.com/office/drawing/2010/main">
+                <a:solidFill>
+                  <a:srgbClr val="FFFFFF"/>
+                </a:solidFill>
+              </a14:hiddenFill>
+            </a:ext>
+          </a:extLst>
+        </p:spPr>
+        <p:txBody>
+          <a:bodyPr vert="horz" wrap="square" lIns="91440" tIns="45720" rIns="91440" bIns="45720" numCol="1" anchor="t" anchorCtr="0" compatLnSpc="1">
+            <a:prstTxWarp prst="textNoShape">
+              <a:avLst/>
+            </a:prstTxWarp>
+          </a:bodyPr>
+          <a:lstStyle/>
+          <a:p>
+            <a:endParaRPr lang="en-US"/>
+          </a:p>
+        </p:txBody>
+      </p:sp>
+      <p:pic>
+        <p:nvPicPr>
+          <p:cNvPr id="8" name="Picture 7">
+            <a:extLst>
+              <a:ext uri="{FF2B5EF4-FFF2-40B4-BE49-F238E27FC236}">
+                <a16:creationId xmlns:a16="http://schemas.microsoft.com/office/drawing/2014/main" id="{F6CC2C6E-1C4D-07AB-F713-F0CF18EDF906}"/>
+              </a:ext>
+            </a:extLst>
+          </p:cNvPr>
+          <p:cNvPicPr>
+            <a:picLocks noChangeAspect="1"/>
+          </p:cNvPicPr>
+          <p:nvPr/>
+        </p:nvPicPr>
+        <p:blipFill>
+          <a:blip r:embed="rId2"/>
+          <a:srcRect l="9643" t="6037" r="12411" b="6151"/>
+          <a:stretch/>
+        </p:blipFill>
+        <p:spPr>
+          <a:xfrm>
+            <a:off x="500485" y="1874635"/>
+            <a:ext cx="4696301" cy="3988838"/>
+          </a:xfrm>
+          <a:prstGeom prst="ellipse">
+            <a:avLst/>
+          </a:prstGeom>
+          <a:ln>
+            <a:noFill/>
+          </a:ln>
+          <a:effectLst>
+            <a:softEdge rad="112500"/>
+          </a:effectLst>
+        </p:spPr>
+      </p:pic>
+    </p:spTree>
+    <p:extLst>
+      <p:ext uri="{BB962C8B-B14F-4D97-AF65-F5344CB8AC3E}">
+        <p14:creationId xmlns:p14="http://schemas.microsoft.com/office/powerpoint/2010/main" val="3618181950"/>
+      </p:ext>
+    </p:extLst>
+  </p:cSld>
+  <p:clrMapOvr>
+    <a:masterClrMapping/>
+  </p:clrMapOvr>
+  <p:timing>
+    <p:tnLst>
+      <p:par>
+        <p:cTn id="1" dur="indefinite" restart="never" nodeType="tmRoot">
+          <p:childTnLst>
+            <p:seq concurrent="1" nextAc="seek">
+              <p:cTn id="2" dur="indefinite" nodeType="mainSeq">
+                <p:childTnLst>
+                  <p:par>
+                    <p:cTn id="3" fill="hold">
+                      <p:stCondLst>
+                        <p:cond delay="indefinite"/>
+                        <p:cond evt="onBegin" delay="0">
+                          <p:tn val="2"/>
+                        </p:cond>
+                      </p:stCondLst>
+                      <p:childTnLst>
+                        <p:par>
+                          <p:cTn id="4" fill="hold">
+                            <p:stCondLst>
+                              <p:cond delay="0"/>
+                            </p:stCondLst>
+                            <p:childTnLst>
+                              <p:par>
+                                <p:cTn id="5" presetID="2" presetClass="entr" presetSubtype="8" fill="hold" nodeType="afterEffect">
+                                  <p:stCondLst>
+                                    <p:cond delay="0"/>
+                                  </p:stCondLst>
+                                  <p:childTnLst>
+                                    <p:set>
+                                      <p:cBhvr>
+                                        <p:cTn id="6" dur="1" fill="hold">
+                                          <p:stCondLst>
+                                            <p:cond delay="0"/>
+                                          </p:stCondLst>
+                                        </p:cTn>
+                                        <p:tgtEl>
+                                          <p:spTgt spid="8"/>
+                                        </p:tgtEl>
+                                        <p:attrNameLst>
+                                          <p:attrName>style.visibility</p:attrName>
+                                        </p:attrNameLst>
+                                      </p:cBhvr>
+                                      <p:to>
+                                        <p:strVal val="visible"/>
+                                      </p:to>
+                                    </p:set>
+                                    <p:anim calcmode="lin" valueType="num">
+                                      <p:cBhvr additive="base">
+                                        <p:cTn id="7" dur="750" fill="hold"/>
+                                        <p:tgtEl>
+                                          <p:spTgt spid="8"/>
+                                        </p:tgtEl>
+                                        <p:attrNameLst>
+                                          <p:attrName>ppt_x</p:attrName>
+                                        </p:attrNameLst>
+                                      </p:cBhvr>
+                                      <p:tavLst>
+                                        <p:tav tm="0">
+                                          <p:val>
+                                            <p:strVal val="0-#ppt_w/2"/>
+                                          </p:val>
+                                        </p:tav>
+                                        <p:tav tm="100000">
+                                          <p:val>
+                                            <p:strVal val="#ppt_x"/>
+                                          </p:val>
+                                        </p:tav>
+                                      </p:tavLst>
+                                    </p:anim>
+                                    <p:anim calcmode="lin" valueType="num">
+                                      <p:cBhvr additive="base">
+                                        <p:cTn id="8" dur="750" fill="hold"/>
+                                        <p:tgtEl>
+                                          <p:spTgt spid="8"/>
+                                        </p:tgtEl>
+                                        <p:attrNameLst>
+                                          <p:attrName>ppt_y</p:attrName>
+                                        </p:attrNameLst>
+                                      </p:cBhvr>
+                                      <p:tavLst>
+                                        <p:tav tm="0">
+                                          <p:val>
+                                            <p:strVal val="#ppt_y"/>
+                                          </p:val>
+                                        </p:tav>
+                                        <p:tav tm="100000">
+                                          <p:val>
+                                            <p:strVal val="#ppt_y"/>
+                                          </p:val>
+                                        </p:tav>
+                                      </p:tavLst>
+                                    </p:anim>
+                                  </p:childTnLst>
+                                </p:cTn>
+                              </p:par>
+                            </p:childTnLst>
+                          </p:cTn>
+                        </p:par>
+                      </p:childTnLst>
+                    </p:cTn>
+                  </p:par>
+                </p:childTnLst>
+              </p:cTn>
+              <p:prevCondLst>
+                <p:cond evt="onPrev" delay="0">
+                  <p:tgtEl>
+                    <p:sldTgt/>
+                  </p:tgtEl>
+                </p:cond>
+              </p:prevCondLst>
+              <p:nextCondLst>
+                <p:cond evt="onNext" delay="0">
+                  <p:tgtEl>
+                    <p:sldTgt/>
+                  </p:tgtEl>
+                </p:cond>
+              </p:nextCondLst>
+            </p:seq>
+          </p:childTnLst>
+        </p:cTn>
+      </p:par>
+    </p:tnLst>
+  </p:timing>
+</p:sld>
+</file>
+
+<file path=ppt/slides/slide5.xml><?xml version="1.0" encoding="utf-8"?>
+<p:sld xmlns:a="http://schemas.openxmlformats.org/drawingml/2006/main" xmlns:r="http://schemas.openxmlformats.org/officeDocument/2006/relationships" xmlns:p="http://schemas.openxmlformats.org/presentationml/2006/main">
+  <p:cSld>
+    <p:spTree>
+      <p:nvGrpSpPr>
+        <p:cNvPr id="1" name=""/>
+        <p:cNvGrpSpPr/>
+        <p:nvPr/>
+      </p:nvGrpSpPr>
+      <p:grpSpPr>
+        <a:xfrm>
+          <a:off x="0" y="0"/>
+          <a:ext cx="0" cy="0"/>
+          <a:chOff x="0" y="0"/>
+          <a:chExt cx="0" cy="0"/>
+        </a:xfrm>
+      </p:grpSpPr>
+      <p:sp>
+        <p:nvSpPr>
+          <p:cNvPr id="5" name="Rectangle 4">
+            <a:extLst>
+              <a:ext uri="{FF2B5EF4-FFF2-40B4-BE49-F238E27FC236}">
+                <a16:creationId xmlns:a16="http://schemas.microsoft.com/office/drawing/2014/main" id="{455066EB-9EF8-D7BC-4070-97E85CCAD78A}"/>
+              </a:ext>
+            </a:extLst>
+          </p:cNvPr>
+          <p:cNvSpPr/>
+          <p:nvPr/>
+        </p:nvSpPr>
+        <p:spPr>
+          <a:xfrm>
+            <a:off x="-1" y="0"/>
+            <a:ext cx="12192001" cy="957183"/>
+          </a:xfrm>
+          <a:prstGeom prst="rect">
+            <a:avLst/>
+          </a:prstGeom>
+          <a:solidFill>
+            <a:srgbClr val="00294F">
+              <a:alpha val="84000"/>
+            </a:srgbClr>
+          </a:solidFill>
+        </p:spPr>
+        <p:style>
+          <a:lnRef idx="2">
+            <a:schemeClr val="accent1">
+              <a:shade val="15000"/>
+            </a:schemeClr>
+          </a:lnRef>
+          <a:fillRef idx="1">
+            <a:schemeClr val="accent1"/>
+          </a:fillRef>
+          <a:effectRef idx="0">
+            <a:schemeClr val="accent1"/>
+          </a:effectRef>
+          <a:fontRef idx="minor">
+            <a:schemeClr val="lt1"/>
+          </a:fontRef>
+        </p:style>
+        <p:txBody>
+          <a:bodyPr lIns="365760" rtlCol="0" anchor="ctr"/>
+          <a:lstStyle/>
+          <a:p>
+            <a:r>
+              <a:rPr lang="en-US" sz="3200" b="1">
+                <a:solidFill>
+                  <a:schemeClr val="bg1"/>
+                </a:solidFill>
+              </a:rPr>
+              <a:t>CÁC TÍNH NĂNG NỔI BẬT</a:t>
+            </a:r>
+          </a:p>
+        </p:txBody>
+      </p:sp>
+      <p:sp>
+        <p:nvSpPr>
+          <p:cNvPr id="7" name="TextBox 6">
+            <a:extLst>
+              <a:ext uri="{FF2B5EF4-FFF2-40B4-BE49-F238E27FC236}">
+                <a16:creationId xmlns:a16="http://schemas.microsoft.com/office/drawing/2014/main" id="{8A309D49-4696-5E62-55E4-96782960BEF1}"/>
+              </a:ext>
+            </a:extLst>
+          </p:cNvPr>
+          <p:cNvSpPr txBox="1"/>
+          <p:nvPr/>
+        </p:nvSpPr>
+        <p:spPr>
+          <a:xfrm>
+            <a:off x="648499" y="1673016"/>
+            <a:ext cx="6110890" cy="2880494"/>
+          </a:xfrm>
+          <a:prstGeom prst="rect">
+            <a:avLst/>
+          </a:prstGeom>
+          <a:noFill/>
+        </p:spPr>
+        <p:txBody>
+          <a:bodyPr wrap="square" rtlCol="0">
+            <a:noAutofit/>
+          </a:bodyPr>
+          <a:lstStyle/>
+          <a:p>
+            <a:pPr algn="l">
+              <a:spcBef>
+                <a:spcPts val="600"/>
+              </a:spcBef>
+            </a:pPr>
+            <a:r>
+              <a:rPr lang="vi-VN" b="1" i="0">
+                <a:solidFill>
+                  <a:srgbClr val="294B6B"/>
+                </a:solidFill>
+                <a:effectLst/>
+              </a:rPr>
+              <a:t>Simple deployment: </a:t>
+            </a:r>
+            <a:endParaRPr lang="en-US" b="1" i="0">
+              <a:solidFill>
+                <a:srgbClr val="294B6B"/>
+              </a:solidFill>
+              <a:effectLst/>
+            </a:endParaRPr>
+          </a:p>
+          <a:p>
+            <a:pPr algn="l">
+              <a:spcBef>
+                <a:spcPts val="600"/>
+              </a:spcBef>
+            </a:pPr>
+            <a:r>
+              <a:rPr lang="vi-VN" i="0">
+                <a:solidFill>
+                  <a:srgbClr val="294B6B"/>
+                </a:solidFill>
+                <a:effectLst/>
+              </a:rPr>
+              <a:t>Gói triển khai duy nhất, chứa mọi thứ để triển khai công cụ kiểm tra tự động mạnh mẽ.</a:t>
+            </a:r>
+          </a:p>
+          <a:p>
+            <a:pPr algn="l">
+              <a:spcBef>
+                <a:spcPts val="600"/>
+              </a:spcBef>
+            </a:pPr>
+            <a:r>
+              <a:rPr lang="vi-VN" b="1" i="0">
+                <a:solidFill>
+                  <a:srgbClr val="294B6B"/>
+                </a:solidFill>
+                <a:effectLst/>
+              </a:rPr>
+              <a:t>Ease of use: </a:t>
+            </a:r>
+            <a:endParaRPr lang="en-US" b="1" i="0">
+              <a:solidFill>
+                <a:srgbClr val="294B6B"/>
+              </a:solidFill>
+              <a:effectLst/>
+            </a:endParaRPr>
+          </a:p>
+          <a:p>
+            <a:pPr algn="l">
+              <a:spcBef>
+                <a:spcPts val="600"/>
+              </a:spcBef>
+            </a:pPr>
+            <a:r>
+              <a:rPr lang="vi-VN" i="0">
+                <a:solidFill>
+                  <a:srgbClr val="294B6B"/>
+                </a:solidFill>
+                <a:effectLst/>
+              </a:rPr>
+              <a:t>Dễ sử dụng, ngay cả với kinh nghiệm lập trình tối thiểu.</a:t>
+            </a:r>
+          </a:p>
+          <a:p>
+            <a:pPr algn="l">
+              <a:spcBef>
+                <a:spcPts val="1200"/>
+              </a:spcBef>
+            </a:pPr>
+            <a:r>
+              <a:rPr lang="vi-VN" b="1" i="0">
+                <a:solidFill>
+                  <a:srgbClr val="294B6B"/>
+                </a:solidFill>
+                <a:effectLst/>
+              </a:rPr>
+              <a:t>Faster &amp; better results:</a:t>
+            </a:r>
+            <a:endParaRPr lang="en-US" b="1" i="0">
+              <a:solidFill>
+                <a:srgbClr val="294B6B"/>
+              </a:solidFill>
+              <a:effectLst/>
+            </a:endParaRPr>
+          </a:p>
+          <a:p>
+            <a:pPr algn="l"/>
+            <a:r>
+              <a:rPr lang="vi-VN" i="0">
+                <a:solidFill>
+                  <a:srgbClr val="294B6B"/>
+                </a:solidFill>
+                <a:effectLst/>
+              </a:rPr>
+              <a:t>Hướng dẫn chi tiết giúp tester nhanh chóng tạo, chạy test scripts, và báo cáo kết quả.</a:t>
+            </a:r>
+          </a:p>
+        </p:txBody>
+      </p:sp>
+      <p:pic>
+        <p:nvPicPr>
+          <p:cNvPr id="1034" name="Picture 10">
+            <a:extLst>
+              <a:ext uri="{FF2B5EF4-FFF2-40B4-BE49-F238E27FC236}">
+                <a16:creationId xmlns:a16="http://schemas.microsoft.com/office/drawing/2014/main" id="{5497EAF0-F429-BCCB-BE8D-2EACECBEFC94}"/>
+              </a:ext>
+            </a:extLst>
+          </p:cNvPr>
+          <p:cNvPicPr>
+            <a:picLocks noChangeAspect="1" noChangeArrowheads="1"/>
+          </p:cNvPicPr>
+          <p:nvPr/>
+        </p:nvPicPr>
+        <p:blipFill rotWithShape="1">
+          <a:blip r:embed="rId2">
+            <a:extLst>
+              <a:ext uri="{28A0092B-C50C-407E-A947-70E740481C1C}">
+                <a14:useLocalDpi xmlns:a14="http://schemas.microsoft.com/office/drawing/2010/main" val="0"/>
+              </a:ext>
+            </a:extLst>
+          </a:blip>
+          <a:srcRect r="48492"/>
+          <a:stretch/>
+        </p:blipFill>
+        <p:spPr bwMode="auto">
+          <a:xfrm>
+            <a:off x="7449671" y="1377181"/>
+            <a:ext cx="3953435" cy="5010912"/>
+          </a:xfrm>
+          <a:prstGeom prst="rect">
+            <a:avLst/>
+          </a:prstGeom>
+          <a:noFill/>
+          <a:extLst>
+            <a:ext uri="{909E8E84-426E-40DD-AFC4-6F175D3DCCD1}">
+              <a14:hiddenFill xmlns:a14="http://schemas.microsoft.com/office/drawing/2010/main">
+                <a:solidFill>
+                  <a:srgbClr val="FFFFFF"/>
+                </a:solidFill>
+              </a14:hiddenFill>
+            </a:ext>
+          </a:extLst>
+        </p:spPr>
+      </p:pic>
+    </p:spTree>
+    <p:extLst>
+      <p:ext uri="{BB962C8B-B14F-4D97-AF65-F5344CB8AC3E}">
+        <p14:creationId xmlns:p14="http://schemas.microsoft.com/office/powerpoint/2010/main" val="900212428"/>
+      </p:ext>
+    </p:extLst>
+  </p:cSld>
+  <p:clrMapOvr>
+    <a:masterClrMapping/>
+  </p:clrMapOvr>
+  <p:transition spd="slow">
+    <p:wipe dir="d"/>
+  </p:transition>
+  <p:timing>
+    <p:tnLst>
+      <p:par>
+        <p:cTn id="1" dur="indefinite" restart="never" nodeType="tmRoot">
+          <p:childTnLst>
+            <p:seq concurrent="1" nextAc="seek">
+              <p:cTn id="2" dur="indefinite" nodeType="mainSeq">
+                <p:childTnLst>
+                  <p:par>
+                    <p:cTn id="3" fill="hold">
+                      <p:stCondLst>
+                        <p:cond delay="indefinite"/>
+                        <p:cond evt="onBegin" delay="0">
+                          <p:tn val="2"/>
+                        </p:cond>
+                      </p:stCondLst>
+                      <p:childTnLst>
+                        <p:par>
+                          <p:cTn id="4" fill="hold">
+                            <p:stCondLst>
+                              <p:cond delay="0"/>
+                            </p:stCondLst>
+                            <p:childTnLst>
+                              <p:par>
+                                <p:cTn id="5" presetID="42" presetClass="entr" presetSubtype="0" fill="hold" nodeType="afterEffect">
+                                  <p:stCondLst>
+                                    <p:cond delay="0"/>
+                                  </p:stCondLst>
+                                  <p:childTnLst>
+                                    <p:set>
+                                      <p:cBhvr>
+                                        <p:cTn id="6" dur="1" fill="hold">
+                                          <p:stCondLst>
+                                            <p:cond delay="0"/>
+                                          </p:stCondLst>
+                                        </p:cTn>
+                                        <p:tgtEl>
+                                          <p:spTgt spid="1034"/>
+                                        </p:tgtEl>
+                                        <p:attrNameLst>
+                                          <p:attrName>style.visibility</p:attrName>
+                                        </p:attrNameLst>
+                                      </p:cBhvr>
+                                      <p:to>
+                                        <p:strVal val="visible"/>
+                                      </p:to>
+                                    </p:set>
+                                    <p:animEffect transition="in" filter="fade">
+                                      <p:cBhvr>
+                                        <p:cTn id="7" dur="1000"/>
+                                        <p:tgtEl>
+                                          <p:spTgt spid="1034"/>
+                                        </p:tgtEl>
+                                      </p:cBhvr>
+                                    </p:animEffect>
+                                    <p:anim calcmode="lin" valueType="num">
+                                      <p:cBhvr>
+                                        <p:cTn id="8" dur="1000" fill="hold"/>
+                                        <p:tgtEl>
+                                          <p:spTgt spid="1034"/>
+                                        </p:tgtEl>
+                                        <p:attrNameLst>
+                                          <p:attrName>ppt_x</p:attrName>
+                                        </p:attrNameLst>
+                                      </p:cBhvr>
+                                      <p:tavLst>
+                                        <p:tav tm="0">
+                                          <p:val>
+                                            <p:strVal val="#ppt_x"/>
+                                          </p:val>
+                                        </p:tav>
+                                        <p:tav tm="100000">
+                                          <p:val>
+                                            <p:strVal val="#ppt_x"/>
+                                          </p:val>
+                                        </p:tav>
+                                      </p:tavLst>
+                                    </p:anim>
+                                    <p:anim calcmode="lin" valueType="num">
+                                      <p:cBhvr>
+                                        <p:cTn id="9" dur="1000" fill="hold"/>
+                                        <p:tgtEl>
+                                          <p:spTgt spid="1034"/>
+                                        </p:tgtEl>
+                                        <p:attrNameLst>
+                                          <p:attrName>ppt_y</p:attrName>
+                                        </p:attrNameLst>
+                                      </p:cBhvr>
+                                      <p:tavLst>
+                                        <p:tav tm="0">
+                                          <p:val>
+                                            <p:strVal val="#ppt_y+.1"/>
+                                          </p:val>
+                                        </p:tav>
+                                        <p:tav tm="100000">
+                                          <p:val>
+                                            <p:strVal val="#ppt_y"/>
+                                          </p:val>
+                                        </p:tav>
+                                      </p:tavLst>
+                                    </p:anim>
+                                  </p:childTnLst>
+                                </p:cTn>
+                              </p:par>
+                            </p:childTnLst>
+                          </p:cTn>
+                        </p:par>
+                      </p:childTnLst>
+                    </p:cTn>
+                  </p:par>
+                </p:childTnLst>
+              </p:cTn>
+              <p:prevCondLst>
+                <p:cond evt="onPrev" delay="0">
+                  <p:tgtEl>
+                    <p:sldTgt/>
+                  </p:tgtEl>
+                </p:cond>
+              </p:prevCondLst>
+              <p:nextCondLst>
+                <p:cond evt="onNext" delay="0">
+                  <p:tgtEl>
+                    <p:sldTgt/>
+                  </p:tgtEl>
+                </p:cond>
+              </p:nextCondLst>
+            </p:seq>
+          </p:childTnLst>
+        </p:cTn>
+      </p:par>
+    </p:tnLst>
+  </p:timing>
+</p:sld>
+</file>
+
+<file path=ppt/slides/slide6.xml><?xml version="1.0" encoding="utf-8"?>
+<p:sld xmlns:a="http://schemas.openxmlformats.org/drawingml/2006/main" xmlns:r="http://schemas.openxmlformats.org/officeDocument/2006/relationships" xmlns:p="http://schemas.openxmlformats.org/presentationml/2006/main">
+  <p:cSld>
+    <p:spTree>
+      <p:nvGrpSpPr>
+        <p:cNvPr id="1" name=""/>
+        <p:cNvGrpSpPr/>
+        <p:nvPr/>
+      </p:nvGrpSpPr>
+      <p:grpSpPr>
+        <a:xfrm>
+          <a:off x="0" y="0"/>
+          <a:ext cx="0" cy="0"/>
+          <a:chOff x="0" y="0"/>
+          <a:chExt cx="0" cy="0"/>
+        </a:xfrm>
+      </p:grpSpPr>
+      <p:sp>
+        <p:nvSpPr>
+          <p:cNvPr id="4" name="Rectangle 3">
+            <a:extLst>
+              <a:ext uri="{FF2B5EF4-FFF2-40B4-BE49-F238E27FC236}">
+                <a16:creationId xmlns:a16="http://schemas.microsoft.com/office/drawing/2014/main" id="{5E873C9A-5893-6424-B3F2-1BB2F5D22127}"/>
+              </a:ext>
+            </a:extLst>
+          </p:cNvPr>
+          <p:cNvSpPr/>
+          <p:nvPr/>
+        </p:nvSpPr>
+        <p:spPr>
+          <a:xfrm>
+            <a:off x="-1" y="0"/>
+            <a:ext cx="12192001" cy="957183"/>
+          </a:xfrm>
+          <a:prstGeom prst="rect">
+            <a:avLst/>
+          </a:prstGeom>
+          <a:solidFill>
+            <a:srgbClr val="00294F">
+              <a:alpha val="84000"/>
+            </a:srgbClr>
+          </a:solidFill>
+        </p:spPr>
+        <p:style>
+          <a:lnRef idx="2">
+            <a:schemeClr val="accent1">
+              <a:shade val="15000"/>
+            </a:schemeClr>
+          </a:lnRef>
+          <a:fillRef idx="1">
+            <a:schemeClr val="accent1"/>
+          </a:fillRef>
+          <a:effectRef idx="0">
+            <a:schemeClr val="accent1"/>
+          </a:effectRef>
+          <a:fontRef idx="minor">
+            <a:schemeClr val="lt1"/>
+          </a:fontRef>
+        </p:style>
+        <p:txBody>
+          <a:bodyPr lIns="365760" rtlCol="0" anchor="ctr"/>
+          <a:lstStyle/>
+          <a:p>
+            <a:r>
+              <a:rPr lang="en-US" sz="3200" b="1">
+                <a:solidFill>
+                  <a:schemeClr val="bg1"/>
+                </a:solidFill>
+              </a:rPr>
+              <a:t>CÁC TÍNH NĂNG NỔI BẬT</a:t>
+            </a:r>
+          </a:p>
+        </p:txBody>
+      </p:sp>
+      <p:sp>
+        <p:nvSpPr>
+          <p:cNvPr id="5" name="TextBox 4">
+            <a:extLst>
+              <a:ext uri="{FF2B5EF4-FFF2-40B4-BE49-F238E27FC236}">
+                <a16:creationId xmlns:a16="http://schemas.microsoft.com/office/drawing/2014/main" id="{DB6E4B5B-22B8-31F1-42C1-AC061D845486}"/>
+              </a:ext>
+            </a:extLst>
+          </p:cNvPr>
+          <p:cNvSpPr txBox="1"/>
+          <p:nvPr/>
+        </p:nvSpPr>
+        <p:spPr>
+          <a:xfrm>
+            <a:off x="4482353" y="1567712"/>
+            <a:ext cx="7126941" cy="3722576"/>
+          </a:xfrm>
+          <a:prstGeom prst="rect">
+            <a:avLst/>
+          </a:prstGeom>
+          <a:noFill/>
+        </p:spPr>
+        <p:txBody>
+          <a:bodyPr wrap="square" rtlCol="0">
+            <a:noAutofit/>
+          </a:bodyPr>
+          <a:lstStyle/>
+          <a:p>
+            <a:pPr algn="l">
+              <a:spcBef>
+                <a:spcPts val="600"/>
+              </a:spcBef>
+            </a:pPr>
+            <a:r>
+              <a:rPr lang="vi-VN" b="1" i="0">
+                <a:solidFill>
+                  <a:srgbClr val="294B6B"/>
+                </a:solidFill>
+                <a:effectLst/>
+              </a:rPr>
+              <a:t>Quick &amp; easy set-up: </a:t>
+            </a:r>
+            <a:endParaRPr lang="en-US" b="1" i="0">
+              <a:solidFill>
+                <a:srgbClr val="294B6B"/>
+              </a:solidFill>
+              <a:effectLst/>
+            </a:endParaRPr>
+          </a:p>
+          <a:p>
+            <a:pPr algn="l">
+              <a:spcBef>
+                <a:spcPts val="600"/>
+              </a:spcBef>
+            </a:pPr>
+            <a:r>
+              <a:rPr lang="vi-VN" i="0">
+                <a:solidFill>
+                  <a:srgbClr val="294B6B"/>
+                </a:solidFill>
+                <a:effectLst/>
+              </a:rPr>
+              <a:t>Cài đặt và thiết lập môi trường nhanh chóng với mẫu có sẵn, bao gồm object repositories và keyword libraries.</a:t>
+            </a:r>
+          </a:p>
+          <a:p>
+            <a:pPr algn="l">
+              <a:spcBef>
+                <a:spcPts val="600"/>
+              </a:spcBef>
+            </a:pPr>
+            <a:r>
+              <a:rPr lang="vi-VN" b="1" i="0">
+                <a:solidFill>
+                  <a:srgbClr val="294B6B"/>
+                </a:solidFill>
+                <a:effectLst/>
+              </a:rPr>
+              <a:t>Flexible modes: </a:t>
+            </a:r>
+            <a:endParaRPr lang="en-US" b="1" i="0">
+              <a:solidFill>
+                <a:srgbClr val="294B6B"/>
+              </a:solidFill>
+              <a:effectLst/>
+            </a:endParaRPr>
+          </a:p>
+          <a:p>
+            <a:pPr algn="l">
+              <a:spcBef>
+                <a:spcPts val="600"/>
+              </a:spcBef>
+            </a:pPr>
+            <a:r>
+              <a:rPr lang="vi-VN" i="0">
+                <a:solidFill>
+                  <a:srgbClr val="294B6B"/>
+                </a:solidFill>
+                <a:effectLst/>
+              </a:rPr>
+              <a:t>Tester mới có thể dùng recording và keywords, chuyên gia có IDE hoàn chỉnh để xây dựng kịch bản nâng cao.</a:t>
+            </a:r>
+            <a:endParaRPr lang="en-US" i="0">
+              <a:solidFill>
+                <a:srgbClr val="294B6B"/>
+              </a:solidFill>
+              <a:effectLst/>
+            </a:endParaRPr>
+          </a:p>
+          <a:p>
+            <a:pPr algn="l">
+              <a:spcBef>
+                <a:spcPts val="600"/>
+              </a:spcBef>
+            </a:pPr>
+            <a:r>
+              <a:rPr lang="vi-VN" b="1" i="0">
+                <a:solidFill>
+                  <a:srgbClr val="294B6B"/>
+                </a:solidFill>
+                <a:effectLst/>
+              </a:rPr>
+              <a:t>Cross-browser application: </a:t>
+            </a:r>
+            <a:endParaRPr lang="en-US" b="1" i="0">
+              <a:solidFill>
+                <a:srgbClr val="294B6B"/>
+              </a:solidFill>
+              <a:effectLst/>
+            </a:endParaRPr>
+          </a:p>
+          <a:p>
+            <a:pPr algn="l">
+              <a:spcBef>
+                <a:spcPts val="600"/>
+              </a:spcBef>
+            </a:pPr>
+            <a:r>
+              <a:rPr lang="vi-VN" i="0">
+                <a:solidFill>
+                  <a:srgbClr val="294B6B"/>
+                </a:solidFill>
+                <a:effectLst/>
+              </a:rPr>
+              <a:t>Hỗ trợ nhiều nền tảng, gồm Windows và OS X.</a:t>
+            </a:r>
+            <a:endParaRPr lang="en-US" i="0">
+              <a:solidFill>
+                <a:srgbClr val="294B6B"/>
+              </a:solidFill>
+              <a:effectLst/>
+            </a:endParaRPr>
+          </a:p>
+        </p:txBody>
+      </p:sp>
+      <p:pic>
+        <p:nvPicPr>
+          <p:cNvPr id="7" name="Picture 10">
+            <a:extLst>
+              <a:ext uri="{FF2B5EF4-FFF2-40B4-BE49-F238E27FC236}">
+                <a16:creationId xmlns:a16="http://schemas.microsoft.com/office/drawing/2014/main" id="{21217B14-36FC-3F25-DD47-0AE4AFCC4089}"/>
+              </a:ext>
+            </a:extLst>
+          </p:cNvPr>
+          <p:cNvPicPr>
+            <a:picLocks noChangeAspect="1" noChangeArrowheads="1"/>
+          </p:cNvPicPr>
+          <p:nvPr/>
+        </p:nvPicPr>
+        <p:blipFill rotWithShape="1">
+          <a:blip r:embed="rId2">
+            <a:extLst>
+              <a:ext uri="{28A0092B-C50C-407E-A947-70E740481C1C}">
+                <a14:useLocalDpi xmlns:a14="http://schemas.microsoft.com/office/drawing/2010/main" val="0"/>
+              </a:ext>
+            </a:extLst>
+          </a:blip>
+          <a:srcRect l="51023"/>
+          <a:stretch/>
+        </p:blipFill>
+        <p:spPr bwMode="auto">
+          <a:xfrm>
+            <a:off x="442308" y="1287533"/>
+            <a:ext cx="3771103" cy="5007913"/>
+          </a:xfrm>
+          <a:prstGeom prst="rect">
+            <a:avLst/>
+          </a:prstGeom>
+          <a:noFill/>
+          <a:extLst>
+            <a:ext uri="{909E8E84-426E-40DD-AFC4-6F175D3DCCD1}">
+              <a14:hiddenFill xmlns:a14="http://schemas.microsoft.com/office/drawing/2010/main">
+                <a:solidFill>
+                  <a:srgbClr val="FFFFFF"/>
+                </a:solidFill>
+              </a14:hiddenFill>
+            </a:ext>
+          </a:extLst>
+        </p:spPr>
+      </p:pic>
+    </p:spTree>
+    <p:extLst>
+      <p:ext uri="{BB962C8B-B14F-4D97-AF65-F5344CB8AC3E}">
+        <p14:creationId xmlns:p14="http://schemas.microsoft.com/office/powerpoint/2010/main" val="1194760380"/>
+      </p:ext>
+    </p:extLst>
+  </p:cSld>
+  <p:clrMapOvr>
+    <a:masterClrMapping/>
+  </p:clrMapOvr>
+  <p:timing>
+    <p:tnLst>
+      <p:par>
+        <p:cTn id="1" dur="indefinite" restart="never" nodeType="tmRoot">
+          <p:childTnLst>
+            <p:seq concurrent="1" nextAc="seek">
+              <p:cTn id="2" dur="indefinite" nodeType="mainSeq">
+                <p:childTnLst>
+                  <p:par>
+                    <p:cTn id="3" fill="hold">
+                      <p:stCondLst>
+                        <p:cond delay="indefinite"/>
+                        <p:cond evt="onBegin" delay="0">
+                          <p:tn val="2"/>
+                        </p:cond>
+                      </p:stCondLst>
+                      <p:childTnLst>
+                        <p:par>
+                          <p:cTn id="4" fill="hold">
+                            <p:stCondLst>
+                              <p:cond delay="0"/>
+                            </p:stCondLst>
+                            <p:childTnLst>
+                              <p:par>
+                                <p:cTn id="5" presetID="47" presetClass="entr" presetSubtype="0" fill="hold" nodeType="afterEffect">
+                                  <p:stCondLst>
+                                    <p:cond delay="0"/>
+                                  </p:stCondLst>
+                                  <p:childTnLst>
+                                    <p:set>
+                                      <p:cBhvr>
+                                        <p:cTn id="6" dur="1" fill="hold">
+                                          <p:stCondLst>
+                                            <p:cond delay="0"/>
+                                          </p:stCondLst>
+                                        </p:cTn>
+                                        <p:tgtEl>
+                                          <p:spTgt spid="7"/>
+                                        </p:tgtEl>
+                                        <p:attrNameLst>
+                                          <p:attrName>style.visibility</p:attrName>
+                                        </p:attrNameLst>
+                                      </p:cBhvr>
+                                      <p:to>
+                                        <p:strVal val="visible"/>
+                                      </p:to>
+                                    </p:set>
+                                    <p:animEffect transition="in" filter="fade">
+                                      <p:cBhvr>
+                                        <p:cTn id="7" dur="1000"/>
+                                        <p:tgtEl>
+                                          <p:spTgt spid="7"/>
+                                        </p:tgtEl>
+                                      </p:cBhvr>
+                                    </p:animEffect>
+                                    <p:anim calcmode="lin" valueType="num">
+                                      <p:cBhvr>
+                                        <p:cTn id="8" dur="1000" fill="hold"/>
+                                        <p:tgtEl>
+                                          <p:spTgt spid="7"/>
+                                        </p:tgtEl>
+                                        <p:attrNameLst>
+                                          <p:attrName>ppt_x</p:attrName>
+                                        </p:attrNameLst>
+                                      </p:cBhvr>
+                                      <p:tavLst>
+                                        <p:tav tm="0">
+                                          <p:val>
+                                            <p:strVal val="#ppt_x"/>
+                                          </p:val>
+                                        </p:tav>
+                                        <p:tav tm="100000">
+                                          <p:val>
+                                            <p:strVal val="#ppt_x"/>
+                                          </p:val>
+                                        </p:tav>
+                                      </p:tavLst>
+                                    </p:anim>
+                                    <p:anim calcmode="lin" valueType="num">
+                                      <p:cBhvr>
+                                        <p:cTn id="9" dur="1000" fill="hold"/>
+                                        <p:tgtEl>
+                                          <p:spTgt spid="7"/>
+                                        </p:tgtEl>
+                                        <p:attrNameLst>
+                                          <p:attrName>ppt_y</p:attrName>
+                                        </p:attrNameLst>
+                                      </p:cBhvr>
+                                      <p:tavLst>
+                                        <p:tav tm="0">
+                                          <p:val>
+                                            <p:strVal val="#ppt_y-.1"/>
+                                          </p:val>
+                                        </p:tav>
+                                        <p:tav tm="100000">
+                                          <p:val>
+                                            <p:strVal val="#ppt_y"/>
+                                          </p:val>
+                                        </p:tav>
+                                      </p:tavLst>
+                                    </p:anim>
+                                  </p:childTnLst>
+                                </p:cTn>
+                              </p:par>
+                            </p:childTnLst>
+                          </p:cTn>
+                        </p:par>
+                      </p:childTnLst>
+                    </p:cTn>
+                  </p:par>
+                </p:childTnLst>
+              </p:cTn>
+              <p:prevCondLst>
+                <p:cond evt="onPrev" delay="0">
+                  <p:tgtEl>
+                    <p:sldTgt/>
+                  </p:tgtEl>
+                </p:cond>
+              </p:prevCondLst>
+              <p:nextCondLst>
+                <p:cond evt="onNext" delay="0">
+                  <p:tgtEl>
+                    <p:sldTgt/>
+                  </p:tgtEl>
+                </p:cond>
+              </p:nextCondLst>
+            </p:seq>
+          </p:childTnLst>
+        </p:cTn>
+      </p:par>
+    </p:tnLst>
+  </p:timing>
+</p:sld>
+</file>
+
+<file path=ppt/slides/slide7.xml><?xml version="1.0" encoding="utf-8"?>
+<p:sld xmlns:a="http://schemas.openxmlformats.org/drawingml/2006/main" xmlns:r="http://schemas.openxmlformats.org/officeDocument/2006/relationships" xmlns:p="http://schemas.openxmlformats.org/presentationml/2006/main">
+  <p:cSld>
+    <p:spTree>
+      <p:nvGrpSpPr>
+        <p:cNvPr id="1" name="">
+          <a:extLst>
+            <a:ext uri="{FF2B5EF4-FFF2-40B4-BE49-F238E27FC236}">
+              <a16:creationId xmlns:a16="http://schemas.microsoft.com/office/drawing/2014/main" id="{A279174F-A9D4-8D62-E747-FBFCB451E46F}"/>
+            </a:ext>
+          </a:extLst>
+        </p:cNvPr>
+        <p:cNvGrpSpPr/>
+        <p:nvPr/>
+      </p:nvGrpSpPr>
+      <p:grpSpPr>
+        <a:xfrm>
+          <a:off x="0" y="0"/>
+          <a:ext cx="0" cy="0"/>
+          <a:chOff x="0" y="0"/>
+          <a:chExt cx="0" cy="0"/>
+        </a:xfrm>
+      </p:grpSpPr>
+      <p:pic>
+        <p:nvPicPr>
+          <p:cNvPr id="1028" name="Picture 4" descr="Làm quen với Katalon Studio | Kiểm Thử Tự Động">
+            <a:extLst>
+              <a:ext uri="{FF2B5EF4-FFF2-40B4-BE49-F238E27FC236}">
+                <a16:creationId xmlns:a16="http://schemas.microsoft.com/office/drawing/2014/main" id="{5081B6E0-2DDD-6B5A-EB0E-DE38EFA89D27}"/>
+              </a:ext>
+            </a:extLst>
+          </p:cNvPr>
+          <p:cNvPicPr>
+            <a:picLocks noChangeAspect="1" noChangeArrowheads="1"/>
+          </p:cNvPicPr>
+          <p:nvPr/>
+        </p:nvPicPr>
+        <p:blipFill>
+          <a:blip r:embed="rId3">
+            <a:extLst>
+              <a:ext uri="{28A0092B-C50C-407E-A947-70E740481C1C}">
+                <a14:useLocalDpi xmlns:a14="http://schemas.microsoft.com/office/drawing/2010/main" val="0"/>
+              </a:ext>
+            </a:extLst>
+          </a:blip>
+          <a:srcRect/>
+          <a:stretch>
+            <a:fillRect/>
+          </a:stretch>
+        </p:blipFill>
+        <p:spPr bwMode="auto">
+          <a:xfrm>
+            <a:off x="797859" y="957183"/>
+            <a:ext cx="10425659" cy="5814166"/>
+          </a:xfrm>
+          <a:prstGeom prst="rect">
+            <a:avLst/>
+          </a:prstGeom>
+          <a:noFill/>
+          <a:extLst>
+            <a:ext uri="{909E8E84-426E-40DD-AFC4-6F175D3DCCD1}">
+              <a14:hiddenFill xmlns:a14="http://schemas.microsoft.com/office/drawing/2010/main">
+                <a:solidFill>
+                  <a:srgbClr val="FFFFFF"/>
+                </a:solidFill>
+              </a14:hiddenFill>
+            </a:ext>
+          </a:extLst>
+        </p:spPr>
+      </p:pic>
+      <p:sp>
+        <p:nvSpPr>
+          <p:cNvPr id="5" name="Rectangle 4">
+            <a:extLst>
+              <a:ext uri="{FF2B5EF4-FFF2-40B4-BE49-F238E27FC236}">
+                <a16:creationId xmlns:a16="http://schemas.microsoft.com/office/drawing/2014/main" id="{1981F77E-DFB5-000B-ECF4-456078A27D7E}"/>
+              </a:ext>
+            </a:extLst>
+          </p:cNvPr>
+          <p:cNvSpPr/>
+          <p:nvPr/>
+        </p:nvSpPr>
+        <p:spPr>
+          <a:xfrm>
+            <a:off x="-1" y="0"/>
+            <a:ext cx="12192001" cy="957183"/>
+          </a:xfrm>
+          <a:prstGeom prst="rect">
+            <a:avLst/>
+          </a:prstGeom>
+          <a:solidFill>
+            <a:srgbClr val="00294F">
+              <a:alpha val="84000"/>
+            </a:srgbClr>
+          </a:solidFill>
+        </p:spPr>
+        <p:style>
+          <a:lnRef idx="2">
+            <a:schemeClr val="accent1">
+              <a:shade val="15000"/>
+            </a:schemeClr>
+          </a:lnRef>
+          <a:fillRef idx="1">
+            <a:schemeClr val="accent1"/>
+          </a:fillRef>
+          <a:effectRef idx="0">
+            <a:schemeClr val="accent1"/>
+          </a:effectRef>
+          <a:fontRef idx="minor">
+            <a:schemeClr val="lt1"/>
+          </a:fontRef>
+        </p:style>
+        <p:txBody>
+          <a:bodyPr lIns="365760" rtlCol="0" anchor="ctr"/>
+          <a:lstStyle/>
+          <a:p>
+            <a:r>
+              <a:rPr lang="en-US" sz="3200" b="1">
+                <a:solidFill>
+                  <a:schemeClr val="bg1"/>
+                </a:solidFill>
+              </a:rPr>
+              <a:t>SƠ LƯỢC VỀ GIAO DIỆN CHÍNH</a:t>
+            </a:r>
+          </a:p>
+        </p:txBody>
+      </p:sp>
+      <p:sp>
+        <p:nvSpPr>
+          <p:cNvPr id="3" name="TextBox 2">
+            <a:extLst>
+              <a:ext uri="{FF2B5EF4-FFF2-40B4-BE49-F238E27FC236}">
+                <a16:creationId xmlns:a16="http://schemas.microsoft.com/office/drawing/2014/main" id="{68EFFDB5-DD30-8A0F-2684-FEB946AD37D8}"/>
+              </a:ext>
+            </a:extLst>
+          </p:cNvPr>
+          <p:cNvSpPr txBox="1"/>
+          <p:nvPr/>
+        </p:nvSpPr>
+        <p:spPr>
+          <a:xfrm>
+            <a:off x="2241175" y="1029832"/>
+            <a:ext cx="5952565" cy="369332"/>
+          </a:xfrm>
+          <a:prstGeom prst="rect">
+            <a:avLst/>
+          </a:prstGeom>
+          <a:noFill/>
+        </p:spPr>
+        <p:txBody>
+          <a:bodyPr wrap="square" rtlCol="0">
+            <a:spAutoFit/>
+          </a:bodyPr>
+          <a:lstStyle/>
+          <a:p>
+            <a:pPr>
+              <a:spcBef>
+                <a:spcPts val="600"/>
+              </a:spcBef>
+            </a:pPr>
+            <a:r>
+              <a:rPr lang="en-US" b="1">
+                <a:solidFill>
+                  <a:srgbClr val="294B6B"/>
+                </a:solidFill>
+              </a:rPr>
+              <a:t>. </a:t>
+            </a:r>
+            <a:r>
+              <a:rPr lang="vi-VN" b="1">
+                <a:solidFill>
+                  <a:srgbClr val="294B6B"/>
+                </a:solidFill>
+              </a:rPr>
+              <a:t>Toolbar</a:t>
+            </a:r>
+            <a:r>
+              <a:rPr lang="vi-VN">
+                <a:solidFill>
+                  <a:srgbClr val="294B6B"/>
+                </a:solidFill>
+              </a:rPr>
+              <a:t>: Nơi có các nút tạo, chạy, và debug test case.</a:t>
+            </a:r>
+          </a:p>
+        </p:txBody>
+      </p:sp>
+      <p:sp>
+        <p:nvSpPr>
+          <p:cNvPr id="4" name="TextBox 3">
+            <a:extLst>
+              <a:ext uri="{FF2B5EF4-FFF2-40B4-BE49-F238E27FC236}">
+                <a16:creationId xmlns:a16="http://schemas.microsoft.com/office/drawing/2014/main" id="{BC4A83D8-41C0-6900-ABC2-294384EEFC95}"/>
+              </a:ext>
+            </a:extLst>
+          </p:cNvPr>
+          <p:cNvSpPr txBox="1"/>
+          <p:nvPr/>
+        </p:nvSpPr>
+        <p:spPr>
+          <a:xfrm>
+            <a:off x="2178422" y="6338047"/>
+            <a:ext cx="8005483" cy="646331"/>
+          </a:xfrm>
+          <a:prstGeom prst="rect">
+            <a:avLst/>
+          </a:prstGeom>
+          <a:noFill/>
+        </p:spPr>
+        <p:txBody>
+          <a:bodyPr wrap="square" rtlCol="0">
+            <a:spAutoFit/>
+          </a:bodyPr>
+          <a:lstStyle/>
+          <a:p>
+            <a:r>
+              <a:rPr lang="en-US" b="1">
+                <a:solidFill>
+                  <a:srgbClr val="294B6B"/>
+                </a:solidFill>
+              </a:rPr>
+              <a:t>. </a:t>
+            </a:r>
+            <a:r>
+              <a:rPr lang="vi-VN" b="1">
+                <a:solidFill>
+                  <a:srgbClr val="294B6B"/>
+                </a:solidFill>
+              </a:rPr>
+              <a:t>Project Explorer</a:t>
+            </a:r>
+            <a:r>
+              <a:rPr lang="vi-VN">
+                <a:solidFill>
+                  <a:srgbClr val="294B6B"/>
+                </a:solidFill>
+              </a:rPr>
+              <a:t>: Hiển thị cấu trúc dự án gồm test case, object repository.</a:t>
+            </a:r>
+          </a:p>
+          <a:p>
+            <a:endParaRPr lang="en-US"/>
+          </a:p>
+        </p:txBody>
+      </p:sp>
+      <p:sp>
+        <p:nvSpPr>
+          <p:cNvPr id="6" name="TextBox 5">
+            <a:extLst>
+              <a:ext uri="{FF2B5EF4-FFF2-40B4-BE49-F238E27FC236}">
+                <a16:creationId xmlns:a16="http://schemas.microsoft.com/office/drawing/2014/main" id="{847A17C2-5861-F7B7-6655-B7D235A231E8}"/>
+              </a:ext>
+            </a:extLst>
+          </p:cNvPr>
+          <p:cNvSpPr txBox="1"/>
+          <p:nvPr/>
+        </p:nvSpPr>
+        <p:spPr>
+          <a:xfrm>
+            <a:off x="10614212" y="3429000"/>
+            <a:ext cx="1577788" cy="1477328"/>
+          </a:xfrm>
+          <a:prstGeom prst="rect">
+            <a:avLst/>
+          </a:prstGeom>
+          <a:noFill/>
+        </p:spPr>
+        <p:txBody>
+          <a:bodyPr wrap="square" rtlCol="0">
+            <a:spAutoFit/>
+          </a:bodyPr>
+          <a:lstStyle/>
+          <a:p>
+            <a:r>
+              <a:rPr lang="vi-VN" b="1">
+                <a:solidFill>
+                  <a:srgbClr val="294B6B"/>
+                </a:solidFill>
+              </a:rPr>
+              <a:t>Editor</a:t>
+            </a:r>
+            <a:r>
+              <a:rPr lang="vi-VN">
+                <a:solidFill>
+                  <a:srgbClr val="294B6B"/>
+                </a:solidFill>
+              </a:rPr>
+              <a:t>: Khu vực viết code và chỉnh sửa test case.</a:t>
+            </a:r>
+          </a:p>
+          <a:p>
+            <a:endParaRPr lang="en-US"/>
+          </a:p>
+        </p:txBody>
+      </p:sp>
+      <p:sp>
+        <p:nvSpPr>
+          <p:cNvPr id="7" name="TextBox 6">
+            <a:extLst>
+              <a:ext uri="{FF2B5EF4-FFF2-40B4-BE49-F238E27FC236}">
+                <a16:creationId xmlns:a16="http://schemas.microsoft.com/office/drawing/2014/main" id="{D4C23A69-1DD4-7E6C-AA5A-AEC24826774F}"/>
+              </a:ext>
+            </a:extLst>
+          </p:cNvPr>
+          <p:cNvSpPr txBox="1"/>
+          <p:nvPr/>
+        </p:nvSpPr>
+        <p:spPr>
+          <a:xfrm>
+            <a:off x="4061306" y="5490124"/>
+            <a:ext cx="6463259" cy="369332"/>
+          </a:xfrm>
+          <a:prstGeom prst="rect">
+            <a:avLst/>
+          </a:prstGeom>
+          <a:noFill/>
+        </p:spPr>
+        <p:txBody>
+          <a:bodyPr wrap="square" rtlCol="0">
+            <a:spAutoFit/>
+          </a:bodyPr>
+          <a:lstStyle/>
+          <a:p>
+            <a:r>
+              <a:rPr lang="en-US" b="0" i="0">
+                <a:solidFill>
+                  <a:srgbClr val="294B6B"/>
+                </a:solidFill>
+                <a:effectLst/>
+                <a:latin typeface="Roboto" panose="02000000000000000000" pitchFamily="2" charset="0"/>
+              </a:rPr>
+              <a:t>Hiển thị các kết quả test, hỗ trợ chế độ Console và Log Viewer</a:t>
+            </a:r>
+            <a:endParaRPr lang="en-US">
+              <a:solidFill>
+                <a:srgbClr val="294B6B"/>
+              </a:solidFill>
+            </a:endParaRPr>
+          </a:p>
+        </p:txBody>
+      </p:sp>
+    </p:spTree>
+    <p:extLst>
+      <p:ext uri="{BB962C8B-B14F-4D97-AF65-F5344CB8AC3E}">
+        <p14:creationId xmlns:p14="http://schemas.microsoft.com/office/powerpoint/2010/main" val="1227983628"/>
+      </p:ext>
+    </p:extLst>
+  </p:cSld>
+  <p:clrMapOvr>
+    <a:masterClrMapping/>
+  </p:clrMapOvr>
+  <p:transition spd="slow">
+    <p:wipe dir="d"/>
+  </p:transition>
+  <p:timing>
+    <p:tnLst>
+      <p:par>
+        <p:cTn id="1" dur="indefinite" restart="never" nodeType="tmRoot">
+          <p:childTnLst>
+            <p:seq concurrent="1" nextAc="seek">
+              <p:cTn id="2" dur="indefinite" nodeType="mainSeq">
+                <p:childTnLst>
+                  <p:par>
+                    <p:cTn id="3" fill="hold">
+                      <p:stCondLst>
+                        <p:cond delay="indefinite"/>
+                        <p:cond evt="onBegin" delay="0">
+                          <p:tn val="2"/>
+                        </p:cond>
+                      </p:stCondLst>
+                      <p:childTnLst>
+                        <p:par>
+                          <p:cTn id="4" fill="hold">
+                            <p:stCondLst>
+                              <p:cond delay="0"/>
+                            </p:stCondLst>
+                            <p:childTnLst>
+                              <p:par>
+                                <p:cTn id="5" presetID="16" presetClass="entr" presetSubtype="21" fill="hold" grpId="0" nodeType="afterEffect">
+                                  <p:stCondLst>
+                                    <p:cond delay="0"/>
+                                  </p:stCondLst>
+                                  <p:childTnLst>
+                                    <p:set>
+                                      <p:cBhvr>
+                                        <p:cTn id="6" dur="1" fill="hold">
+                                          <p:stCondLst>
+                                            <p:cond delay="0"/>
+                                          </p:stCondLst>
+                                        </p:cTn>
+                                        <p:tgtEl>
+                                          <p:spTgt spid="3"/>
+                                        </p:tgtEl>
+                                        <p:attrNameLst>
+                                          <p:attrName>style.visibility</p:attrName>
+                                        </p:attrNameLst>
+                                      </p:cBhvr>
+                                      <p:to>
+                                        <p:strVal val="visible"/>
+                                      </p:to>
+                                    </p:set>
+                                    <p:animEffect transition="in" filter="barn(inVertical)">
+                                      <p:cBhvr>
+                                        <p:cTn id="7" dur="500"/>
+                                        <p:tgtEl>
+                                          <p:spTgt spid="3"/>
+                                        </p:tgtEl>
+                                      </p:cBhvr>
+                                    </p:animEffect>
+                                  </p:childTnLst>
+                                </p:cTn>
+                              </p:par>
+                            </p:childTnLst>
+                          </p:cTn>
+                        </p:par>
+                        <p:par>
+                          <p:cTn id="8" fill="hold">
+                            <p:stCondLst>
+                              <p:cond delay="500"/>
+                            </p:stCondLst>
+                            <p:childTnLst>
+                              <p:par>
+                                <p:cTn id="9" presetID="16" presetClass="entr" presetSubtype="21" fill="hold" grpId="0" nodeType="afterEffect">
+                                  <p:stCondLst>
+                                    <p:cond delay="0"/>
+                                  </p:stCondLst>
+                                  <p:childTnLst>
+                                    <p:set>
+                                      <p:cBhvr>
+                                        <p:cTn id="10" dur="1" fill="hold">
+                                          <p:stCondLst>
+                                            <p:cond delay="0"/>
+                                          </p:stCondLst>
+                                        </p:cTn>
+                                        <p:tgtEl>
+                                          <p:spTgt spid="4"/>
+                                        </p:tgtEl>
+                                        <p:attrNameLst>
+                                          <p:attrName>style.visibility</p:attrName>
+                                        </p:attrNameLst>
+                                      </p:cBhvr>
+                                      <p:to>
+                                        <p:strVal val="visible"/>
+                                      </p:to>
+                                    </p:set>
+                                    <p:animEffect transition="in" filter="barn(inVertical)">
+                                      <p:cBhvr>
+                                        <p:cTn id="11" dur="500"/>
+                                        <p:tgtEl>
+                                          <p:spTgt spid="4"/>
+                                        </p:tgtEl>
+                                      </p:cBhvr>
+                                    </p:animEffect>
+                                  </p:childTnLst>
+                                </p:cTn>
+                              </p:par>
+                            </p:childTnLst>
+                          </p:cTn>
+                        </p:par>
+                        <p:par>
+                          <p:cTn id="12" fill="hold">
+                            <p:stCondLst>
+                              <p:cond delay="1000"/>
+                            </p:stCondLst>
+                            <p:childTnLst>
+                              <p:par>
+                                <p:cTn id="13" presetID="16" presetClass="entr" presetSubtype="21" fill="hold" grpId="0" nodeType="afterEffect">
+                                  <p:stCondLst>
+                                    <p:cond delay="0"/>
+                                  </p:stCondLst>
+                                  <p:childTnLst>
+                                    <p:set>
+                                      <p:cBhvr>
+                                        <p:cTn id="14" dur="1" fill="hold">
+                                          <p:stCondLst>
+                                            <p:cond delay="0"/>
+                                          </p:stCondLst>
+                                        </p:cTn>
+                                        <p:tgtEl>
+                                          <p:spTgt spid="6"/>
+                                        </p:tgtEl>
+                                        <p:attrNameLst>
+                                          <p:attrName>style.visibility</p:attrName>
+                                        </p:attrNameLst>
+                                      </p:cBhvr>
+                                      <p:to>
+                                        <p:strVal val="visible"/>
+                                      </p:to>
+                                    </p:set>
+                                    <p:animEffect transition="in" filter="barn(inVertical)">
+                                      <p:cBhvr>
+                                        <p:cTn id="15" dur="500"/>
+                                        <p:tgtEl>
+                                          <p:spTgt spid="6"/>
+                                        </p:tgtEl>
+                                      </p:cBhvr>
+                                    </p:animEffect>
+                                  </p:childTnLst>
+                                </p:cTn>
+                              </p:par>
+                            </p:childTnLst>
+                          </p:cTn>
+                        </p:par>
+                        <p:par>
+                          <p:cTn id="16" fill="hold">
+                            <p:stCondLst>
+                              <p:cond delay="1500"/>
+                            </p:stCondLst>
+                            <p:childTnLst>
+                              <p:par>
+                                <p:cTn id="17" presetID="16" presetClass="entr" presetSubtype="21" fill="hold" grpId="0" nodeType="afterEffect">
+                                  <p:stCondLst>
+                                    <p:cond delay="0"/>
+                                  </p:stCondLst>
+                                  <p:childTnLst>
+                                    <p:set>
+                                      <p:cBhvr>
+                                        <p:cTn id="18" dur="1" fill="hold">
+                                          <p:stCondLst>
+                                            <p:cond delay="0"/>
+                                          </p:stCondLst>
+                                        </p:cTn>
+                                        <p:tgtEl>
+                                          <p:spTgt spid="7"/>
+                                        </p:tgtEl>
+                                        <p:attrNameLst>
+                                          <p:attrName>style.visibility</p:attrName>
+                                        </p:attrNameLst>
+                                      </p:cBhvr>
+                                      <p:to>
+                                        <p:strVal val="visible"/>
+                                      </p:to>
+                                    </p:set>
+                                    <p:animEffect transition="in" filter="barn(inVertical)">
+                                      <p:cBhvr>
+                                        <p:cTn id="19" dur="500"/>
+                                        <p:tgtEl>
+                                          <p:spTgt spid="7"/>
+                                        </p:tgtEl>
+                                      </p:cBhvr>
+                                    </p:animEffect>
+                                  </p:childTnLst>
+                                </p:cTn>
+                              </p:par>
+                            </p:childTnLst>
+                          </p:cTn>
+                        </p:par>
+                      </p:childTnLst>
+                    </p:cTn>
+                  </p:par>
+                </p:childTnLst>
+              </p:cTn>
+              <p:prevCondLst>
+                <p:cond evt="onPrev" delay="0">
+                  <p:tgtEl>
+                    <p:sldTgt/>
+                  </p:tgtEl>
+                </p:cond>
+              </p:prevCondLst>
+              <p:nextCondLst>
+                <p:cond evt="onNext" delay="0">
+                  <p:tgtEl>
+                    <p:sldTgt/>
+                  </p:tgtEl>
+                </p:cond>
+              </p:nextCondLst>
+            </p:seq>
+          </p:childTnLst>
+        </p:cTn>
+      </p:par>
+    </p:tnLst>
+    <p:bldLst>
+      <p:bldP spid="3" grpId="0"/>
+      <p:bldP spid="4" grpId="0"/>
+      <p:bldP spid="6" grpId="0"/>
+      <p:bldP spid="7" grpId="0"/>
+    </p:bldLst>
+  </p:timing>
+</p:sld>
+</file>
+
+<file path=ppt/slides/slide8.xml><?xml version="1.0" encoding="utf-8"?>
+<p:sld xmlns:a="http://schemas.openxmlformats.org/drawingml/2006/main" xmlns:r="http://schemas.openxmlformats.org/officeDocument/2006/relationships" xmlns:p="http://schemas.openxmlformats.org/presentationml/2006/main">
+  <p:cSld>
+    <p:spTree>
+      <p:nvGrpSpPr>
+        <p:cNvPr id="1" name=""/>
+        <p:cNvGrpSpPr/>
+        <p:nvPr/>
+      </p:nvGrpSpPr>
+      <p:grpSpPr>
+        <a:xfrm>
+          <a:off x="0" y="0"/>
+          <a:ext cx="0" cy="0"/>
+          <a:chOff x="0" y="0"/>
+          <a:chExt cx="0" cy="0"/>
+        </a:xfrm>
+      </p:grpSpPr>
+      <p:sp>
+        <p:nvSpPr>
+          <p:cNvPr id="4" name="Rectangle 3">
+            <a:extLst>
+              <a:ext uri="{FF2B5EF4-FFF2-40B4-BE49-F238E27FC236}">
+                <a16:creationId xmlns:a16="http://schemas.microsoft.com/office/drawing/2014/main" id="{CB8F3007-B302-4A3C-88ED-39C9A6DBE9ED}"/>
+              </a:ext>
+            </a:extLst>
+          </p:cNvPr>
+          <p:cNvSpPr/>
+          <p:nvPr/>
+        </p:nvSpPr>
+        <p:spPr>
+          <a:xfrm>
+            <a:off x="-1" y="0"/>
+            <a:ext cx="12192001" cy="957183"/>
+          </a:xfrm>
+          <a:prstGeom prst="rect">
+            <a:avLst/>
+          </a:prstGeom>
+          <a:solidFill>
+            <a:srgbClr val="00294F">
+              <a:alpha val="84000"/>
+            </a:srgbClr>
+          </a:solidFill>
+        </p:spPr>
+        <p:style>
+          <a:lnRef idx="2">
+            <a:schemeClr val="accent1">
+              <a:shade val="15000"/>
+            </a:schemeClr>
+          </a:lnRef>
+          <a:fillRef idx="1">
+            <a:schemeClr val="accent1"/>
+          </a:fillRef>
+          <a:effectRef idx="0">
+            <a:schemeClr val="accent1"/>
+          </a:effectRef>
+          <a:fontRef idx="minor">
+            <a:schemeClr val="lt1"/>
+          </a:fontRef>
+        </p:style>
+        <p:txBody>
+          <a:bodyPr lIns="365760" rtlCol="0" anchor="ctr"/>
+          <a:lstStyle/>
+          <a:p>
+            <a:r>
+              <a:rPr lang="en-US" sz="3200" b="1">
+                <a:solidFill>
+                  <a:schemeClr val="bg1"/>
+                </a:solidFill>
+              </a:rPr>
+              <a:t>SƠ LƯỢC VỀ GIAO DIỆN CHÍNH (tt)</a:t>
+            </a:r>
+          </a:p>
+        </p:txBody>
+      </p:sp>
+      <p:sp>
+        <p:nvSpPr>
+          <p:cNvPr id="11" name="TextBox 10">
+            <a:extLst>
+              <a:ext uri="{FF2B5EF4-FFF2-40B4-BE49-F238E27FC236}">
+                <a16:creationId xmlns:a16="http://schemas.microsoft.com/office/drawing/2014/main" id="{31FBFD46-5518-BF00-DBE0-F998412850E2}"/>
+              </a:ext>
+            </a:extLst>
+          </p:cNvPr>
+          <p:cNvSpPr txBox="1"/>
+          <p:nvPr/>
+        </p:nvSpPr>
+        <p:spPr>
+          <a:xfrm>
+            <a:off x="485772" y="1376979"/>
+            <a:ext cx="5045173" cy="3737498"/>
+          </a:xfrm>
+          <a:prstGeom prst="rect">
+            <a:avLst/>
+          </a:prstGeom>
+          <a:noFill/>
+        </p:spPr>
+        <p:txBody>
+          <a:bodyPr wrap="square">
+            <a:spAutoFit/>
+          </a:bodyPr>
+          <a:lstStyle/>
+          <a:p>
+            <a:pPr>
+              <a:lnSpc>
+                <a:spcPct val="107000"/>
+              </a:lnSpc>
+            </a:pPr>
+            <a:r>
+              <a:rPr lang="vi-VN" sz="2000" b="1" kern="100">
+                <a:solidFill>
+                  <a:srgbClr val="294B6B"/>
+                </a:solidFill>
+                <a:effectLst/>
+                <a:latin typeface="Arial (Body)"/>
+                <a:ea typeface="Calibri" panose="020F0502020204030204" pitchFamily="34" charset="0"/>
+                <a:cs typeface="Times New Roman" panose="02020603050405020304" pitchFamily="18" charset="0"/>
+              </a:rPr>
+              <a:t>Các thành phần quan trọng</a:t>
+            </a:r>
+            <a:r>
+              <a:rPr lang="en-US" sz="2000" b="1" kern="100">
+                <a:solidFill>
+                  <a:srgbClr val="294B6B"/>
+                </a:solidFill>
+                <a:effectLst/>
+                <a:latin typeface="Arial (Body)"/>
+                <a:ea typeface="Calibri" panose="020F0502020204030204" pitchFamily="34" charset="0"/>
+                <a:cs typeface="Times New Roman" panose="02020603050405020304" pitchFamily="18" charset="0"/>
+              </a:rPr>
+              <a:t> khác như</a:t>
+            </a:r>
+            <a:r>
+              <a:rPr lang="vi-VN" sz="2000" b="1" kern="100">
+                <a:solidFill>
+                  <a:srgbClr val="294B6B"/>
+                </a:solidFill>
+                <a:effectLst/>
+                <a:latin typeface="Arial (Body)"/>
+                <a:ea typeface="Calibri" panose="020F0502020204030204" pitchFamily="34" charset="0"/>
+                <a:cs typeface="Times New Roman" panose="02020603050405020304" pitchFamily="18" charset="0"/>
+              </a:rPr>
+              <a:t>:</a:t>
+            </a:r>
+            <a:endParaRPr lang="en-US" sz="2000" b="1" kern="100">
+              <a:solidFill>
+                <a:srgbClr val="294B6B"/>
+              </a:solidFill>
+              <a:effectLst/>
+              <a:latin typeface="Arial (Body)"/>
+              <a:ea typeface="Calibri" panose="020F0502020204030204" pitchFamily="34" charset="0"/>
+              <a:cs typeface="Times New Roman" panose="02020603050405020304" pitchFamily="18" charset="0"/>
+            </a:endParaRPr>
+          </a:p>
+          <a:p>
+            <a:pPr>
+              <a:lnSpc>
+                <a:spcPct val="107000"/>
+              </a:lnSpc>
+              <a:spcBef>
+                <a:spcPts val="600"/>
+              </a:spcBef>
+            </a:pPr>
+            <a:r>
+              <a:rPr lang="vi-VN" sz="2000" kern="100">
+                <a:solidFill>
+                  <a:srgbClr val="294B6B"/>
+                </a:solidFill>
+                <a:latin typeface="Arial (Body)"/>
+                <a:ea typeface="Calibri" panose="020F0502020204030204" pitchFamily="34" charset="0"/>
+                <a:cs typeface="Times New Roman" panose="02020603050405020304" pitchFamily="18" charset="0"/>
+              </a:rPr>
+              <a:t>- </a:t>
+            </a:r>
+            <a:r>
+              <a:rPr lang="vi-VN" sz="2000" b="1" kern="100">
+                <a:solidFill>
+                  <a:srgbClr val="294B6B"/>
+                </a:solidFill>
+                <a:latin typeface="Arial (Body)"/>
+                <a:ea typeface="Calibri" panose="020F0502020204030204" pitchFamily="34" charset="0"/>
+                <a:cs typeface="Times New Roman" panose="02020603050405020304" pitchFamily="18" charset="0"/>
+              </a:rPr>
+              <a:t>Test Cases</a:t>
+            </a:r>
+            <a:r>
+              <a:rPr lang="vi-VN" sz="2000" kern="100">
+                <a:solidFill>
+                  <a:srgbClr val="294B6B"/>
+                </a:solidFill>
+                <a:latin typeface="Arial (Body)"/>
+                <a:ea typeface="Calibri" panose="020F0502020204030204" pitchFamily="34" charset="0"/>
+                <a:cs typeface="Times New Roman" panose="02020603050405020304" pitchFamily="18" charset="0"/>
+              </a:rPr>
+              <a:t>: Các bước thực hiện test case, viết bằng Groovy hoặc keyword.</a:t>
+            </a:r>
+            <a:endParaRPr lang="vi-VN" sz="2000" b="1" kern="100">
+              <a:solidFill>
+                <a:srgbClr val="294B6B"/>
+              </a:solidFill>
+              <a:effectLst/>
+              <a:latin typeface="Arial (Body)"/>
+              <a:ea typeface="Calibri" panose="020F0502020204030204" pitchFamily="34" charset="0"/>
+              <a:cs typeface="Times New Roman" panose="02020603050405020304" pitchFamily="18" charset="0"/>
+            </a:endParaRPr>
+          </a:p>
+          <a:p>
+            <a:pPr>
+              <a:lnSpc>
+                <a:spcPct val="107000"/>
+              </a:lnSpc>
+              <a:spcBef>
+                <a:spcPts val="600"/>
+              </a:spcBef>
+            </a:pPr>
+            <a:r>
+              <a:rPr lang="vi-VN" i="1" kern="100">
+                <a:solidFill>
+                  <a:srgbClr val="294B6B"/>
+                </a:solidFill>
+                <a:effectLst/>
+                <a:latin typeface="Arial (Body)"/>
+                <a:ea typeface="Calibri" panose="020F0502020204030204" pitchFamily="34" charset="0"/>
+                <a:cs typeface="Times New Roman" panose="02020603050405020304" pitchFamily="18" charset="0"/>
+              </a:rPr>
+              <a:t>- </a:t>
+            </a:r>
+            <a:r>
+              <a:rPr lang="vi-VN" b="1" kern="100">
+                <a:solidFill>
+                  <a:srgbClr val="294B6B"/>
+                </a:solidFill>
+                <a:effectLst/>
+                <a:latin typeface="Arial (Body)"/>
+                <a:ea typeface="Calibri" panose="020F0502020204030204" pitchFamily="34" charset="0"/>
+                <a:cs typeface="Times New Roman" panose="02020603050405020304" pitchFamily="18" charset="0"/>
+              </a:rPr>
+              <a:t>Object Repository</a:t>
+            </a:r>
+            <a:r>
+              <a:rPr lang="vi-VN" kern="100">
+                <a:solidFill>
+                  <a:srgbClr val="294B6B"/>
+                </a:solidFill>
+                <a:effectLst/>
+                <a:latin typeface="Arial (Body)"/>
+                <a:ea typeface="Calibri" panose="020F0502020204030204" pitchFamily="34" charset="0"/>
+                <a:cs typeface="Times New Roman" panose="02020603050405020304" pitchFamily="18" charset="0"/>
+              </a:rPr>
+              <a:t>: Lưu trữ đối tượng giao diện ứng dụng (web, mobile, API) để tái sử dụng trong test case.</a:t>
+            </a:r>
+          </a:p>
+          <a:p>
+            <a:pPr>
+              <a:lnSpc>
+                <a:spcPct val="107000"/>
+              </a:lnSpc>
+              <a:spcBef>
+                <a:spcPts val="600"/>
+              </a:spcBef>
+            </a:pPr>
+            <a:r>
+              <a:rPr lang="vi-VN" kern="100">
+                <a:solidFill>
+                  <a:srgbClr val="294B6B"/>
+                </a:solidFill>
+                <a:effectLst/>
+                <a:latin typeface="Arial (Body)"/>
+                <a:ea typeface="Calibri" panose="020F0502020204030204" pitchFamily="34" charset="0"/>
+                <a:cs typeface="Times New Roman" panose="02020603050405020304" pitchFamily="18" charset="0"/>
+              </a:rPr>
+              <a:t>- </a:t>
+            </a:r>
+            <a:r>
+              <a:rPr lang="vi-VN" b="1" kern="100">
+                <a:solidFill>
+                  <a:srgbClr val="294B6B"/>
+                </a:solidFill>
+                <a:effectLst/>
+                <a:latin typeface="Arial (Body)"/>
+                <a:ea typeface="Calibri" panose="020F0502020204030204" pitchFamily="34" charset="0"/>
+                <a:cs typeface="Times New Roman" panose="02020603050405020304" pitchFamily="18" charset="0"/>
+              </a:rPr>
+              <a:t>Test Suites</a:t>
+            </a:r>
+            <a:r>
+              <a:rPr lang="vi-VN" kern="100">
+                <a:solidFill>
+                  <a:srgbClr val="294B6B"/>
+                </a:solidFill>
+                <a:effectLst/>
+                <a:latin typeface="Arial (Body)"/>
+                <a:ea typeface="Calibri" panose="020F0502020204030204" pitchFamily="34" charset="0"/>
+                <a:cs typeface="Times New Roman" panose="02020603050405020304" pitchFamily="18" charset="0"/>
+              </a:rPr>
+              <a:t>: Tập hợp các test case liên quan để quản lý hiệu quả.</a:t>
+            </a:r>
+          </a:p>
+          <a:p>
+            <a:pPr>
+              <a:lnSpc>
+                <a:spcPct val="107000"/>
+              </a:lnSpc>
+              <a:spcBef>
+                <a:spcPts val="600"/>
+              </a:spcBef>
+            </a:pPr>
+            <a:r>
+              <a:rPr lang="vi-VN" kern="100">
+                <a:solidFill>
+                  <a:srgbClr val="294B6B"/>
+                </a:solidFill>
+                <a:effectLst/>
+                <a:latin typeface="Arial (Body)"/>
+                <a:ea typeface="Calibri" panose="020F0502020204030204" pitchFamily="34" charset="0"/>
+                <a:cs typeface="Times New Roman" panose="02020603050405020304" pitchFamily="18" charset="0"/>
+              </a:rPr>
+              <a:t>- </a:t>
+            </a:r>
+            <a:r>
+              <a:rPr lang="vi-VN" b="1" kern="100">
+                <a:solidFill>
+                  <a:srgbClr val="294B6B"/>
+                </a:solidFill>
+                <a:effectLst/>
+                <a:latin typeface="Arial (Body)"/>
+                <a:ea typeface="Calibri" panose="020F0502020204030204" pitchFamily="34" charset="0"/>
+                <a:cs typeface="Times New Roman" panose="02020603050405020304" pitchFamily="18" charset="0"/>
+              </a:rPr>
+              <a:t>Keywords</a:t>
+            </a:r>
+            <a:r>
+              <a:rPr lang="vi-VN" kern="100">
+                <a:solidFill>
+                  <a:srgbClr val="294B6B"/>
+                </a:solidFill>
+                <a:effectLst/>
+                <a:latin typeface="Arial (Body)"/>
+                <a:ea typeface="Calibri" panose="020F0502020204030204" pitchFamily="34" charset="0"/>
+                <a:cs typeface="Times New Roman" panose="02020603050405020304" pitchFamily="18" charset="0"/>
+              </a:rPr>
+              <a:t>: Hàm hoặc phương thức định nghĩa trước để tái sử dụng code và modular hóa test case.</a:t>
+            </a:r>
+          </a:p>
+        </p:txBody>
+      </p:sp>
+      <p:pic>
+        <p:nvPicPr>
+          <p:cNvPr id="13" name="Picture 12">
+            <a:extLst>
+              <a:ext uri="{FF2B5EF4-FFF2-40B4-BE49-F238E27FC236}">
+                <a16:creationId xmlns:a16="http://schemas.microsoft.com/office/drawing/2014/main" id="{A7FA256E-E255-96F6-0A4B-8583E5567C9F}"/>
+              </a:ext>
+            </a:extLst>
+          </p:cNvPr>
+          <p:cNvPicPr>
+            <a:picLocks noChangeAspect="1"/>
+          </p:cNvPicPr>
+          <p:nvPr/>
+        </p:nvPicPr>
+        <p:blipFill>
+          <a:blip r:embed="rId2">
+            <a:extLst>
+              <a:ext uri="{28A0092B-C50C-407E-A947-70E740481C1C}">
+                <a14:useLocalDpi xmlns:a14="http://schemas.microsoft.com/office/drawing/2010/main" val="0"/>
+              </a:ext>
+            </a:extLst>
+          </a:blip>
+          <a:srcRect l="1137" t="2358" b="5061"/>
+          <a:stretch/>
+        </p:blipFill>
+        <p:spPr>
+          <a:xfrm>
+            <a:off x="4904816" y="759793"/>
+            <a:ext cx="7153274" cy="5338414"/>
+          </a:xfrm>
+          <a:prstGeom prst="rect">
+            <a:avLst/>
+          </a:prstGeom>
+          <a:solidFill>
+            <a:srgbClr val="FFFFFF">
+              <a:shade val="85000"/>
+            </a:srgbClr>
+          </a:solidFill>
+          <a:ln w="190500" cap="rnd">
+            <a:noFill/>
+          </a:ln>
+          <a:effectLst>
+            <a:outerShdw blurRad="36195" dist="12700" dir="11400000" algn="tl" rotWithShape="0">
+              <a:srgbClr val="000000">
+                <a:alpha val="33000"/>
+              </a:srgbClr>
+            </a:outerShdw>
+          </a:effectLst>
+          <a:scene3d>
+            <a:camera prst="perspectiveContrastingLeftFacing">
+              <a:rot lat="540000" lon="2100000" rev="0"/>
+            </a:camera>
+            <a:lightRig rig="soft" dir="t"/>
+          </a:scene3d>
+          <a:sp3d contourW="12700" prstMaterial="matte">
+            <a:bevelT w="63500" h="50800"/>
+            <a:contourClr>
+              <a:srgbClr val="C0C0C0"/>
+            </a:contourClr>
+          </a:sp3d>
+        </p:spPr>
+      </p:pic>
+      <p:sp>
+        <p:nvSpPr>
+          <p:cNvPr id="15" name="Oval 14">
+            <a:extLst>
+              <a:ext uri="{FF2B5EF4-FFF2-40B4-BE49-F238E27FC236}">
+                <a16:creationId xmlns:a16="http://schemas.microsoft.com/office/drawing/2014/main" id="{3D3FB200-B2D6-EA7D-B697-08D1C693B1AA}"/>
+              </a:ext>
+            </a:extLst>
+          </p:cNvPr>
+          <p:cNvSpPr/>
+          <p:nvPr/>
+        </p:nvSpPr>
+        <p:spPr>
+          <a:xfrm rot="176140">
+            <a:off x="6191250" y="2162175"/>
+            <a:ext cx="1371600" cy="400050"/>
+          </a:xfrm>
+          <a:prstGeom prst="ellipse">
+            <a:avLst/>
+          </a:prstGeom>
+          <a:noFill/>
+          <a:ln w="38100" cap="flat" cmpd="sng" algn="ctr">
+            <a:solidFill>
+              <a:schemeClr val="accent1"/>
+            </a:solidFill>
+            <a:prstDash val="solid"/>
+            <a:round/>
+            <a:headEnd type="none" w="med" len="med"/>
+            <a:tailEnd type="none" w="med" len="med"/>
+          </a:ln>
+        </p:spPr>
+        <p:style>
+          <a:lnRef idx="0">
+            <a:scrgbClr r="0" g="0" b="0"/>
+          </a:lnRef>
+          <a:fillRef idx="0">
+            <a:scrgbClr r="0" g="0" b="0"/>
+          </a:fillRef>
+          <a:effectRef idx="0">
+            <a:scrgbClr r="0" g="0" b="0"/>
+          </a:effectRef>
+          <a:fontRef idx="minor">
+            <a:schemeClr val="accent1"/>
+          </a:fontRef>
+        </p:style>
+        <p:txBody>
+          <a:bodyPr rtlCol="0" anchor="ctr"/>
+          <a:lstStyle/>
+          <a:p>
+            <a:pPr algn="ctr"/>
+            <a:endParaRPr lang="en-US"/>
+          </a:p>
+        </p:txBody>
+      </p:sp>
+      <p:sp>
+        <p:nvSpPr>
+          <p:cNvPr id="16" name="Oval 15">
+            <a:extLst>
+              <a:ext uri="{FF2B5EF4-FFF2-40B4-BE49-F238E27FC236}">
+                <a16:creationId xmlns:a16="http://schemas.microsoft.com/office/drawing/2014/main" id="{E59377F2-611A-5563-0416-DF67263908C5}"/>
+              </a:ext>
+            </a:extLst>
+          </p:cNvPr>
+          <p:cNvSpPr/>
+          <p:nvPr/>
+        </p:nvSpPr>
+        <p:spPr>
+          <a:xfrm rot="176140">
+            <a:off x="6276605" y="2612800"/>
+            <a:ext cx="1937577" cy="400050"/>
+          </a:xfrm>
+          <a:prstGeom prst="ellipse">
+            <a:avLst/>
+          </a:prstGeom>
+          <a:noFill/>
+          <a:ln w="38100" cap="flat" cmpd="sng" algn="ctr">
+            <a:solidFill>
+              <a:srgbClr val="FFFF00"/>
+            </a:solidFill>
+            <a:prstDash val="solid"/>
+            <a:round/>
+            <a:headEnd type="none" w="med" len="med"/>
+            <a:tailEnd type="none" w="med" len="med"/>
+          </a:ln>
+        </p:spPr>
+        <p:style>
+          <a:lnRef idx="0">
+            <a:scrgbClr r="0" g="0" b="0"/>
+          </a:lnRef>
+          <a:fillRef idx="0">
+            <a:scrgbClr r="0" g="0" b="0"/>
+          </a:fillRef>
+          <a:effectRef idx="0">
+            <a:scrgbClr r="0" g="0" b="0"/>
+          </a:effectRef>
+          <a:fontRef idx="minor">
+            <a:schemeClr val="accent1"/>
+          </a:fontRef>
+        </p:style>
+        <p:txBody>
+          <a:bodyPr rtlCol="0" anchor="ctr"/>
+          <a:lstStyle/>
+          <a:p>
+            <a:pPr algn="ctr"/>
+            <a:endParaRPr lang="en-US"/>
+          </a:p>
+        </p:txBody>
+      </p:sp>
+      <p:sp>
+        <p:nvSpPr>
+          <p:cNvPr id="17" name="Oval 16">
+            <a:extLst>
+              <a:ext uri="{FF2B5EF4-FFF2-40B4-BE49-F238E27FC236}">
+                <a16:creationId xmlns:a16="http://schemas.microsoft.com/office/drawing/2014/main" id="{D77339A8-40CD-5C2D-9EBF-022E23875B4E}"/>
+              </a:ext>
+            </a:extLst>
+          </p:cNvPr>
+          <p:cNvSpPr/>
+          <p:nvPr/>
+        </p:nvSpPr>
+        <p:spPr>
+          <a:xfrm rot="176140">
+            <a:off x="6279126" y="3040599"/>
+            <a:ext cx="1371600" cy="316040"/>
+          </a:xfrm>
+          <a:prstGeom prst="ellipse">
+            <a:avLst/>
+          </a:prstGeom>
+          <a:noFill/>
+          <a:ln w="38100" cap="flat" cmpd="sng" algn="ctr">
+            <a:solidFill>
+              <a:srgbClr val="C00000"/>
+            </a:solidFill>
+            <a:prstDash val="solid"/>
+            <a:round/>
+            <a:headEnd type="none" w="med" len="med"/>
+            <a:tailEnd type="none" w="med" len="med"/>
+          </a:ln>
+        </p:spPr>
+        <p:style>
+          <a:lnRef idx="0">
+            <a:scrgbClr r="0" g="0" b="0"/>
+          </a:lnRef>
+          <a:fillRef idx="0">
+            <a:scrgbClr r="0" g="0" b="0"/>
+          </a:fillRef>
+          <a:effectRef idx="0">
+            <a:scrgbClr r="0" g="0" b="0"/>
+          </a:effectRef>
+          <a:fontRef idx="minor">
+            <a:schemeClr val="accent1"/>
+          </a:fontRef>
+        </p:style>
+        <p:txBody>
+          <a:bodyPr rtlCol="0" anchor="ctr"/>
+          <a:lstStyle/>
+          <a:p>
+            <a:pPr algn="ctr"/>
+            <a:endParaRPr lang="en-US"/>
+          </a:p>
+        </p:txBody>
+      </p:sp>
+      <p:sp>
+        <p:nvSpPr>
+          <p:cNvPr id="2" name="Oval 1">
+            <a:extLst>
+              <a:ext uri="{FF2B5EF4-FFF2-40B4-BE49-F238E27FC236}">
+                <a16:creationId xmlns:a16="http://schemas.microsoft.com/office/drawing/2014/main" id="{F3E19D1E-9073-3527-0123-D758C89317EC}"/>
+              </a:ext>
+            </a:extLst>
+          </p:cNvPr>
+          <p:cNvSpPr/>
+          <p:nvPr/>
+        </p:nvSpPr>
+        <p:spPr>
+          <a:xfrm rot="598197">
+            <a:off x="6286126" y="3662492"/>
+            <a:ext cx="1207966" cy="319010"/>
+          </a:xfrm>
+          <a:prstGeom prst="ellipse">
+            <a:avLst/>
+          </a:prstGeom>
+          <a:noFill/>
+          <a:ln w="38100" cap="flat" cmpd="sng" algn="ctr">
+            <a:solidFill>
+              <a:srgbClr val="13AD17"/>
+            </a:solidFill>
+            <a:prstDash val="solid"/>
+            <a:round/>
+            <a:headEnd type="none" w="med" len="med"/>
+            <a:tailEnd type="none" w="med" len="med"/>
+          </a:ln>
+        </p:spPr>
+        <p:style>
+          <a:lnRef idx="0">
+            <a:scrgbClr r="0" g="0" b="0"/>
+          </a:lnRef>
+          <a:fillRef idx="0">
+            <a:scrgbClr r="0" g="0" b="0"/>
+          </a:fillRef>
+          <a:effectRef idx="0">
+            <a:scrgbClr r="0" g="0" b="0"/>
+          </a:effectRef>
+          <a:fontRef idx="minor">
+            <a:schemeClr val="accent1"/>
+          </a:fontRef>
+        </p:style>
+        <p:txBody>
+          <a:bodyPr rtlCol="0" anchor="ctr"/>
+          <a:lstStyle/>
+          <a:p>
+            <a:pPr algn="ctr"/>
+            <a:endParaRPr lang="en-US"/>
+          </a:p>
+        </p:txBody>
+      </p:sp>
+    </p:spTree>
+    <p:extLst>
+      <p:ext uri="{BB962C8B-B14F-4D97-AF65-F5344CB8AC3E}">
+        <p14:creationId xmlns:p14="http://schemas.microsoft.com/office/powerpoint/2010/main" val="2548120959"/>
+      </p:ext>
+    </p:extLst>
+  </p:cSld>
+  <p:clrMapOvr>
+    <a:masterClrMapping/>
+  </p:clrMapOvr>
+  <p:transition spd="slow">
+    <p:wipe dir="d"/>
+  </p:transition>
+  <p:timing>
+    <p:tnLst>
+      <p:par>
+        <p:cTn id="1" dur="indefinite" restart="never" nodeType="tmRoot">
+          <p:childTnLst>
+            <p:seq concurrent="1" nextAc="seek">
+              <p:cTn id="2" dur="indefinite" nodeType="mainSeq">
+                <p:childTnLst>
+                  <p:par>
+                    <p:cTn id="3" fill="hold">
+                      <p:stCondLst>
+                        <p:cond delay="indefinite"/>
+                        <p:cond evt="onBegin" delay="0">
+                          <p:tn val="2"/>
+                        </p:cond>
+                      </p:stCondLst>
+                      <p:childTnLst>
+                        <p:par>
+                          <p:cTn id="4" fill="hold">
+                            <p:stCondLst>
+                              <p:cond delay="0"/>
+                            </p:stCondLst>
+                            <p:childTnLst>
+                              <p:par>
+                                <p:cTn id="5" presetID="2" presetClass="entr" presetSubtype="4" fill="hold" grpId="0" nodeType="afterEffect">
+                                  <p:stCondLst>
+                                    <p:cond delay="0"/>
+                                  </p:stCondLst>
+                                  <p:childTnLst>
+                                    <p:set>
+                                      <p:cBhvr>
+                                        <p:cTn id="6" dur="1" fill="hold">
+                                          <p:stCondLst>
+                                            <p:cond delay="0"/>
+                                          </p:stCondLst>
+                                        </p:cTn>
+                                        <p:tgtEl>
+                                          <p:spTgt spid="15"/>
+                                        </p:tgtEl>
+                                        <p:attrNameLst>
+                                          <p:attrName>style.visibility</p:attrName>
+                                        </p:attrNameLst>
+                                      </p:cBhvr>
+                                      <p:to>
+                                        <p:strVal val="visible"/>
+                                      </p:to>
+                                    </p:set>
+                                    <p:anim calcmode="lin" valueType="num">
+                                      <p:cBhvr additive="base">
+                                        <p:cTn id="7" dur="500" fill="hold"/>
+                                        <p:tgtEl>
+                                          <p:spTgt spid="15"/>
+                                        </p:tgtEl>
+                                        <p:attrNameLst>
+                                          <p:attrName>ppt_x</p:attrName>
+                                        </p:attrNameLst>
+                                      </p:cBhvr>
+                                      <p:tavLst>
+                                        <p:tav tm="0">
+                                          <p:val>
+                                            <p:strVal val="#ppt_x"/>
+                                          </p:val>
+                                        </p:tav>
+                                        <p:tav tm="100000">
+                                          <p:val>
+                                            <p:strVal val="#ppt_x"/>
+                                          </p:val>
+                                        </p:tav>
+                                      </p:tavLst>
+                                    </p:anim>
+                                    <p:anim calcmode="lin" valueType="num">
+                                      <p:cBhvr additive="base">
+                                        <p:cTn id="8" dur="500" fill="hold"/>
+                                        <p:tgtEl>
+                                          <p:spTgt spid="15"/>
+                                        </p:tgtEl>
+                                        <p:attrNameLst>
+                                          <p:attrName>ppt_y</p:attrName>
+                                        </p:attrNameLst>
+                                      </p:cBhvr>
+                                      <p:tavLst>
+                                        <p:tav tm="0">
+                                          <p:val>
+                                            <p:strVal val="1+#ppt_h/2"/>
+                                          </p:val>
+                                        </p:tav>
+                                        <p:tav tm="100000">
+                                          <p:val>
+                                            <p:strVal val="#ppt_y"/>
+                                          </p:val>
+                                        </p:tav>
+                                      </p:tavLst>
+                                    </p:anim>
+                                  </p:childTnLst>
+                                </p:cTn>
+                              </p:par>
+                            </p:childTnLst>
+                          </p:cTn>
+                        </p:par>
+                        <p:par>
+                          <p:cTn id="9" fill="hold">
+                            <p:stCondLst>
+                              <p:cond delay="500"/>
+                            </p:stCondLst>
+                            <p:childTnLst>
+                              <p:par>
+                                <p:cTn id="10" presetID="2" presetClass="entr" presetSubtype="8" fill="hold" grpId="0" nodeType="afterEffect">
+                                  <p:stCondLst>
+                                    <p:cond delay="0"/>
+                                  </p:stCondLst>
+                                  <p:childTnLst>
+                                    <p:set>
+                                      <p:cBhvr>
+                                        <p:cTn id="11" dur="1" fill="hold">
+                                          <p:stCondLst>
+                                            <p:cond delay="0"/>
+                                          </p:stCondLst>
+                                        </p:cTn>
+                                        <p:tgtEl>
+                                          <p:spTgt spid="16"/>
+                                        </p:tgtEl>
+                                        <p:attrNameLst>
+                                          <p:attrName>style.visibility</p:attrName>
+                                        </p:attrNameLst>
+                                      </p:cBhvr>
+                                      <p:to>
+                                        <p:strVal val="visible"/>
+                                      </p:to>
+                                    </p:set>
+                                    <p:anim calcmode="lin" valueType="num">
+                                      <p:cBhvr additive="base">
+                                        <p:cTn id="12" dur="500" fill="hold"/>
+                                        <p:tgtEl>
+                                          <p:spTgt spid="16"/>
+                                        </p:tgtEl>
+                                        <p:attrNameLst>
+                                          <p:attrName>ppt_x</p:attrName>
+                                        </p:attrNameLst>
+                                      </p:cBhvr>
+                                      <p:tavLst>
+                                        <p:tav tm="0">
+                                          <p:val>
+                                            <p:strVal val="0-#ppt_w/2"/>
+                                          </p:val>
+                                        </p:tav>
+                                        <p:tav tm="100000">
+                                          <p:val>
+                                            <p:strVal val="#ppt_x"/>
+                                          </p:val>
+                                        </p:tav>
+                                      </p:tavLst>
+                                    </p:anim>
+                                    <p:anim calcmode="lin" valueType="num">
+                                      <p:cBhvr additive="base">
+                                        <p:cTn id="13" dur="500" fill="hold"/>
+                                        <p:tgtEl>
+                                          <p:spTgt spid="16"/>
+                                        </p:tgtEl>
+                                        <p:attrNameLst>
+                                          <p:attrName>ppt_y</p:attrName>
+                                        </p:attrNameLst>
+                                      </p:cBhvr>
+                                      <p:tavLst>
+                                        <p:tav tm="0">
+                                          <p:val>
+                                            <p:strVal val="#ppt_y"/>
+                                          </p:val>
+                                        </p:tav>
+                                        <p:tav tm="100000">
+                                          <p:val>
+                                            <p:strVal val="#ppt_y"/>
+                                          </p:val>
+                                        </p:tav>
+                                      </p:tavLst>
+                                    </p:anim>
+                                  </p:childTnLst>
+                                </p:cTn>
+                              </p:par>
+                            </p:childTnLst>
+                          </p:cTn>
+                        </p:par>
+                        <p:par>
+                          <p:cTn id="14" fill="hold">
+                            <p:stCondLst>
+                              <p:cond delay="1000"/>
+                            </p:stCondLst>
+                            <p:childTnLst>
+                              <p:par>
+                                <p:cTn id="15" presetID="2" presetClass="entr" presetSubtype="2" fill="hold" grpId="0" nodeType="afterEffect">
+                                  <p:stCondLst>
+                                    <p:cond delay="0"/>
+                                  </p:stCondLst>
+                                  <p:childTnLst>
+                                    <p:set>
+                                      <p:cBhvr>
+                                        <p:cTn id="16" dur="1" fill="hold">
+                                          <p:stCondLst>
+                                            <p:cond delay="0"/>
+                                          </p:stCondLst>
+                                        </p:cTn>
+                                        <p:tgtEl>
+                                          <p:spTgt spid="17"/>
+                                        </p:tgtEl>
+                                        <p:attrNameLst>
+                                          <p:attrName>style.visibility</p:attrName>
+                                        </p:attrNameLst>
+                                      </p:cBhvr>
+                                      <p:to>
+                                        <p:strVal val="visible"/>
+                                      </p:to>
+                                    </p:set>
+                                    <p:anim calcmode="lin" valueType="num">
+                                      <p:cBhvr additive="base">
+                                        <p:cTn id="17" dur="500" fill="hold"/>
+                                        <p:tgtEl>
+                                          <p:spTgt spid="17"/>
+                                        </p:tgtEl>
+                                        <p:attrNameLst>
+                                          <p:attrName>ppt_x</p:attrName>
+                                        </p:attrNameLst>
+                                      </p:cBhvr>
+                                      <p:tavLst>
+                                        <p:tav tm="0">
+                                          <p:val>
+                                            <p:strVal val="1+#ppt_w/2"/>
+                                          </p:val>
+                                        </p:tav>
+                                        <p:tav tm="100000">
+                                          <p:val>
+                                            <p:strVal val="#ppt_x"/>
+                                          </p:val>
+                                        </p:tav>
+                                      </p:tavLst>
+                                    </p:anim>
+                                    <p:anim calcmode="lin" valueType="num">
+                                      <p:cBhvr additive="base">
+                                        <p:cTn id="18" dur="500" fill="hold"/>
+                                        <p:tgtEl>
+                                          <p:spTgt spid="17"/>
+                                        </p:tgtEl>
+                                        <p:attrNameLst>
+                                          <p:attrName>ppt_y</p:attrName>
+                                        </p:attrNameLst>
+                                      </p:cBhvr>
+                                      <p:tavLst>
+                                        <p:tav tm="0">
+                                          <p:val>
+                                            <p:strVal val="#ppt_y"/>
+                                          </p:val>
+                                        </p:tav>
+                                        <p:tav tm="100000">
+                                          <p:val>
+                                            <p:strVal val="#ppt_y"/>
+                                          </p:val>
+                                        </p:tav>
+                                      </p:tavLst>
+                                    </p:anim>
+                                  </p:childTnLst>
+                                </p:cTn>
+                              </p:par>
+                            </p:childTnLst>
+                          </p:cTn>
+                        </p:par>
+                        <p:par>
+                          <p:cTn id="19" fill="hold">
+                            <p:stCondLst>
+                              <p:cond delay="1500"/>
+                            </p:stCondLst>
+                            <p:childTnLst>
+                              <p:par>
+                                <p:cTn id="20" presetID="2" presetClass="entr" presetSubtype="4" fill="hold" grpId="0" nodeType="afterEffect">
+                                  <p:stCondLst>
+                                    <p:cond delay="0"/>
+                                  </p:stCondLst>
+                                  <p:childTnLst>
+                                    <p:set>
+                                      <p:cBhvr>
+                                        <p:cTn id="21" dur="1" fill="hold">
+                                          <p:stCondLst>
+                                            <p:cond delay="0"/>
+                                          </p:stCondLst>
+                                        </p:cTn>
+                                        <p:tgtEl>
+                                          <p:spTgt spid="2"/>
+                                        </p:tgtEl>
+                                        <p:attrNameLst>
+                                          <p:attrName>style.visibility</p:attrName>
+                                        </p:attrNameLst>
+                                      </p:cBhvr>
+                                      <p:to>
+                                        <p:strVal val="visible"/>
+                                      </p:to>
+                                    </p:set>
+                                    <p:anim calcmode="lin" valueType="num">
+                                      <p:cBhvr additive="base">
+                                        <p:cTn id="22" dur="500" fill="hold"/>
+                                        <p:tgtEl>
+                                          <p:spTgt spid="2"/>
+                                        </p:tgtEl>
+                                        <p:attrNameLst>
+                                          <p:attrName>ppt_x</p:attrName>
+                                        </p:attrNameLst>
+                                      </p:cBhvr>
+                                      <p:tavLst>
+                                        <p:tav tm="0">
+                                          <p:val>
+                                            <p:strVal val="#ppt_x"/>
+                                          </p:val>
+                                        </p:tav>
+                                        <p:tav tm="100000">
+                                          <p:val>
+                                            <p:strVal val="#ppt_x"/>
+                                          </p:val>
+                                        </p:tav>
+                                      </p:tavLst>
+                                    </p:anim>
+                                    <p:anim calcmode="lin" valueType="num">
+                                      <p:cBhvr additive="base">
+                                        <p:cTn id="23" dur="500" fill="hold"/>
+                                        <p:tgtEl>
+                                          <p:spTgt spid="2"/>
+                                        </p:tgtEl>
+                                        <p:attrNameLst>
+                                          <p:attrName>ppt_y</p:attrName>
+                                        </p:attrNameLst>
+                                      </p:cBhvr>
+                                      <p:tavLst>
+                                        <p:tav tm="0">
+                                          <p:val>
+                                            <p:strVal val="1+#ppt_h/2"/>
+                                          </p:val>
+                                        </p:tav>
+                                        <p:tav tm="100000">
+                                          <p:val>
+                                            <p:strVal val="#ppt_y"/>
+                                          </p:val>
+                                        </p:tav>
+                                      </p:tavLst>
+                                    </p:anim>
+                                  </p:childTnLst>
+                                </p:cTn>
+                              </p:par>
+                            </p:childTnLst>
+                          </p:cTn>
+                        </p:par>
+                        <p:par>
+                          <p:cTn id="24" fill="hold">
+                            <p:stCondLst>
+                              <p:cond delay="2000"/>
+                            </p:stCondLst>
+                            <p:childTnLst>
+                              <p:par>
+                                <p:cTn id="25" presetID="6" presetClass="entr" presetSubtype="16" fill="hold" grpId="0" nodeType="afterEffect">
+                                  <p:stCondLst>
+                                    <p:cond delay="0"/>
+                                  </p:stCondLst>
+                                  <p:childTnLst>
+                                    <p:set>
+                                      <p:cBhvr>
+                                        <p:cTn id="26" dur="1" fill="hold">
+                                          <p:stCondLst>
+                                            <p:cond delay="0"/>
+                                          </p:stCondLst>
+                                        </p:cTn>
+                                        <p:tgtEl>
+                                          <p:spTgt spid="11"/>
+                                        </p:tgtEl>
+                                        <p:attrNameLst>
+                                          <p:attrName>style.visibility</p:attrName>
+                                        </p:attrNameLst>
+                                      </p:cBhvr>
+                                      <p:to>
+                                        <p:strVal val="visible"/>
+                                      </p:to>
+                                    </p:set>
+                                    <p:animEffect transition="in" filter="circle(in)">
+                                      <p:cBhvr>
+                                        <p:cTn id="27" dur="2000"/>
+                                        <p:tgtEl>
+                                          <p:spTgt spid="11"/>
+                                        </p:tgtEl>
+                                      </p:cBhvr>
+                                    </p:animEffect>
+                                  </p:childTnLst>
+                                </p:cTn>
+                              </p:par>
+                            </p:childTnLst>
+                          </p:cTn>
+                        </p:par>
+                      </p:childTnLst>
+                    </p:cTn>
+                  </p:par>
+                </p:childTnLst>
+              </p:cTn>
+              <p:prevCondLst>
+                <p:cond evt="onPrev" delay="0">
+                  <p:tgtEl>
+                    <p:sldTgt/>
+                  </p:tgtEl>
+                </p:cond>
+              </p:prevCondLst>
+              <p:nextCondLst>
+                <p:cond evt="onNext" delay="0">
+                  <p:tgtEl>
+                    <p:sldTgt/>
+                  </p:tgtEl>
+                </p:cond>
+              </p:nextCondLst>
+            </p:seq>
+          </p:childTnLst>
+        </p:cTn>
+      </p:par>
+    </p:tnLst>
+    <p:bldLst>
+      <p:bldP spid="11" grpId="0"/>
+      <p:bldP spid="15" grpId="0" animBg="1"/>
+      <p:bldP spid="16" grpId="0" animBg="1"/>
+      <p:bldP spid="17" grpId="0" animBg="1"/>
+      <p:bldP spid="2" grpId="0" animBg="1"/>
+    </p:bldLst>
+  </p:timing>
+</p:sld>
+</file>
+
+<file path=ppt/slides/slide9.xml><?xml version="1.0" encoding="utf-8"?>
+<p:sld xmlns:a="http://schemas.openxmlformats.org/drawingml/2006/main" xmlns:r="http://schemas.openxmlformats.org/officeDocument/2006/relationships" xmlns:p="http://schemas.openxmlformats.org/presentationml/2006/main">
+  <p:cSld>
+    <p:spTree>
+      <p:nvGrpSpPr>
+        <p:cNvPr id="1" name=""/>
+        <p:cNvGrpSpPr/>
+        <p:nvPr/>
+      </p:nvGrpSpPr>
+      <p:grpSpPr>
+        <a:xfrm>
+          <a:off x="0" y="0"/>
+          <a:ext cx="0" cy="0"/>
+          <a:chOff x="0" y="0"/>
+          <a:chExt cx="0" cy="0"/>
+        </a:xfrm>
+      </p:grpSpPr>
+      <p:sp>
+        <p:nvSpPr>
+          <p:cNvPr id="4" name="Rectangle 3">
+            <a:extLst>
+              <a:ext uri="{FF2B5EF4-FFF2-40B4-BE49-F238E27FC236}">
+                <a16:creationId xmlns:a16="http://schemas.microsoft.com/office/drawing/2014/main" id="{22B6AA97-988B-8621-AA02-3020285A154A}"/>
+              </a:ext>
+            </a:extLst>
+          </p:cNvPr>
+          <p:cNvSpPr/>
+          <p:nvPr/>
+        </p:nvSpPr>
+        <p:spPr>
+          <a:xfrm>
+            <a:off x="-1" y="0"/>
+            <a:ext cx="12192001" cy="957183"/>
+          </a:xfrm>
+          <a:prstGeom prst="rect">
+            <a:avLst/>
+          </a:prstGeom>
+          <a:solidFill>
+            <a:srgbClr val="00294F">
+              <a:alpha val="84000"/>
+            </a:srgbClr>
+          </a:solidFill>
+        </p:spPr>
+        <p:style>
+          <a:lnRef idx="2">
+            <a:schemeClr val="accent1">
+              <a:shade val="15000"/>
+            </a:schemeClr>
+          </a:lnRef>
+          <a:fillRef idx="1">
+            <a:schemeClr val="accent1"/>
+          </a:fillRef>
+          <a:effectRef idx="0">
+            <a:schemeClr val="accent1"/>
+          </a:effectRef>
+          <a:fontRef idx="minor">
+            <a:schemeClr val="lt1"/>
+          </a:fontRef>
+        </p:style>
+        <p:txBody>
+          <a:bodyPr lIns="365760" rtlCol="0" anchor="ctr"/>
+          <a:lstStyle/>
+          <a:p>
+            <a:endParaRPr lang="en-US" sz="3200" b="1">
+              <a:solidFill>
+                <a:schemeClr val="bg1"/>
+              </a:solidFill>
+            </a:endParaRPr>
+          </a:p>
+        </p:txBody>
+      </p:sp>
+      <p:pic>
+        <p:nvPicPr>
+          <p:cNvPr id="4098" name="Picture 2">
+            <a:extLst>
+              <a:ext uri="{FF2B5EF4-FFF2-40B4-BE49-F238E27FC236}">
+                <a16:creationId xmlns:a16="http://schemas.microsoft.com/office/drawing/2014/main" id="{AD514F7F-3173-2E2C-CDC9-521E3AEB73FB}"/>
+              </a:ext>
+            </a:extLst>
+          </p:cNvPr>
+          <p:cNvPicPr>
+            <a:picLocks noChangeAspect="1" noChangeArrowheads="1"/>
+          </p:cNvPicPr>
+          <p:nvPr/>
+        </p:nvPicPr>
+        <p:blipFill>
+          <a:blip r:embed="rId2">
+            <a:alphaModFix amt="20000"/>
+            <a:extLst>
+              <a:ext uri="{28A0092B-C50C-407E-A947-70E740481C1C}">
+                <a14:useLocalDpi xmlns:a14="http://schemas.microsoft.com/office/drawing/2010/main" val="0"/>
+              </a:ext>
+            </a:extLst>
+          </a:blip>
+          <a:srcRect/>
+          <a:stretch>
+            <a:fillRect/>
+          </a:stretch>
+        </p:blipFill>
+        <p:spPr bwMode="auto">
+          <a:xfrm>
+            <a:off x="2524520" y="1278028"/>
+            <a:ext cx="6440965" cy="4301943"/>
+          </a:xfrm>
+          <a:prstGeom prst="rect">
+            <a:avLst/>
+          </a:prstGeom>
+          <a:noFill/>
+          <a:extLst>
+            <a:ext uri="{909E8E84-426E-40DD-AFC4-6F175D3DCCD1}">
+              <a14:hiddenFill xmlns:a14="http://schemas.microsoft.com/office/drawing/2010/main">
+                <a:solidFill>
+                  <a:srgbClr val="FFFFFF"/>
+                </a:solidFill>
+              </a14:hiddenFill>
+            </a:ext>
+          </a:extLst>
+        </p:spPr>
+      </p:pic>
+    </p:spTree>
+    <p:extLst>
+      <p:ext uri="{BB962C8B-B14F-4D97-AF65-F5344CB8AC3E}">
+        <p14:creationId xmlns:p14="http://schemas.microsoft.com/office/powerpoint/2010/main" val="3416547598"/>
+      </p:ext>
+    </p:extLst>
+  </p:cSld>
+  <p:clrMapOvr>
+    <a:masterClrMapping/>
+  </p:clrMapOvr>
 </p:sld>
 </file>
 

--- a/THTH_slide.pptx
+++ b/THTH_slide.pptx
@@ -5,20 +5,24 @@
     <p:sldMasterId id="2147483648" r:id="rId1"/>
   </p:sldMasterIdLst>
   <p:notesMasterIdLst>
-    <p:notesMasterId r:id="rId13"/>
+    <p:notesMasterId r:id="rId17"/>
   </p:notesMasterIdLst>
   <p:sldIdLst>
     <p:sldId id="257" r:id="rId2"/>
     <p:sldId id="266" r:id="rId3"/>
     <p:sldId id="258" r:id="rId4"/>
     <p:sldId id="262" r:id="rId5"/>
-    <p:sldId id="256" r:id="rId6"/>
-    <p:sldId id="265" r:id="rId7"/>
-    <p:sldId id="259" r:id="rId8"/>
-    <p:sldId id="263" r:id="rId9"/>
-    <p:sldId id="264" r:id="rId10"/>
-    <p:sldId id="260" r:id="rId11"/>
-    <p:sldId id="261" r:id="rId12"/>
+    <p:sldId id="267" r:id="rId6"/>
+    <p:sldId id="256" r:id="rId7"/>
+    <p:sldId id="265" r:id="rId8"/>
+    <p:sldId id="259" r:id="rId9"/>
+    <p:sldId id="263" r:id="rId10"/>
+    <p:sldId id="264" r:id="rId11"/>
+    <p:sldId id="268" r:id="rId12"/>
+    <p:sldId id="269" r:id="rId13"/>
+    <p:sldId id="270" r:id="rId14"/>
+    <p:sldId id="260" r:id="rId15"/>
+    <p:sldId id="261" r:id="rId16"/>
   </p:sldIdLst>
   <p:sldSz cx="12192000" cy="6858000"/>
   <p:notesSz cx="6858000" cy="9144000"/>
@@ -128,7 +132,7 @@
 <file path=ppt/revisionInfo.xml><?xml version="1.0" encoding="utf-8"?>
 <p1510:revInfo xmlns:a="http://schemas.openxmlformats.org/drawingml/2006/main" xmlns:r="http://schemas.openxmlformats.org/officeDocument/2006/relationships" xmlns:p1510="http://schemas.microsoft.com/office/powerpoint/2015/10/main">
   <p1510:revLst>
-    <p1510:client id="{654103E7-75BC-412B-8172-21505EEBEE43}" v="163" dt="2024-10-29T03:28:48.464"/>
+    <p1510:client id="{654103E7-75BC-412B-8172-21505EEBEE43}" v="362" dt="2024-11-02T06:23:00.991"/>
   </p1510:revLst>
 </p1510:revInfo>
 </file>
@@ -685,12 +689,12 @@
   <pc:docChgLst>
     <pc:chgData name="Minh Mẫn" userId="74e9d1b56e53dad3" providerId="LiveId" clId="{654103E7-75BC-412B-8172-21505EEBEE43}"/>
     <pc:docChg chg="undo custSel addSld modSld">
-      <pc:chgData name="Minh Mẫn" userId="74e9d1b56e53dad3" providerId="LiveId" clId="{654103E7-75BC-412B-8172-21505EEBEE43}" dt="2024-10-29T03:31:27.878" v="875" actId="1076"/>
+      <pc:chgData name="Minh Mẫn" userId="74e9d1b56e53dad3" providerId="LiveId" clId="{654103E7-75BC-412B-8172-21505EEBEE43}" dt="2024-11-02T06:23:00.991" v="1316"/>
       <pc:docMkLst>
         <pc:docMk/>
       </pc:docMkLst>
       <pc:sldChg chg="delSp modSp mod">
-        <pc:chgData name="Minh Mẫn" userId="74e9d1b56e53dad3" providerId="LiveId" clId="{654103E7-75BC-412B-8172-21505EEBEE43}" dt="2024-10-29T03:02:59.944" v="359" actId="14100"/>
+        <pc:chgData name="Minh Mẫn" userId="74e9d1b56e53dad3" providerId="LiveId" clId="{654103E7-75BC-412B-8172-21505EEBEE43}" dt="2024-11-01T03:09:17.422" v="946" actId="1076"/>
         <pc:sldMkLst>
           <pc:docMk/>
           <pc:sldMk cId="900212428" sldId="256"/>
@@ -704,7 +708,7 @@
           </ac:spMkLst>
         </pc:spChg>
         <pc:spChg chg="mod">
-          <ac:chgData name="Minh Mẫn" userId="74e9d1b56e53dad3" providerId="LiveId" clId="{654103E7-75BC-412B-8172-21505EEBEE43}" dt="2024-10-29T03:01:26.028" v="357" actId="1076"/>
+          <ac:chgData name="Minh Mẫn" userId="74e9d1b56e53dad3" providerId="LiveId" clId="{654103E7-75BC-412B-8172-21505EEBEE43}" dt="2024-11-01T03:09:17.422" v="946" actId="1076"/>
           <ac:spMkLst>
             <pc:docMk/>
             <pc:sldMk cId="900212428" sldId="256"/>
@@ -854,8 +858,8 @@
           </ac:cxnSpMkLst>
         </pc:cxnChg>
       </pc:sldChg>
-      <pc:sldChg chg="addSp delSp modSp new mod modAnim">
-        <pc:chgData name="Minh Mẫn" userId="74e9d1b56e53dad3" providerId="LiveId" clId="{654103E7-75BC-412B-8172-21505EEBEE43}" dt="2024-10-24T02:34:56.995" v="3"/>
+      <pc:sldChg chg="addSp delSp modSp new mod modTransition modAnim">
+        <pc:chgData name="Minh Mẫn" userId="74e9d1b56e53dad3" providerId="LiveId" clId="{654103E7-75BC-412B-8172-21505EEBEE43}" dt="2024-11-02T06:11:05.048" v="1251"/>
         <pc:sldMkLst>
           <pc:docMk/>
           <pc:sldMk cId="3618181950" sldId="262"/>
@@ -884,8 +888,8 @@
             <ac:spMk id="4" creationId="{F1B4D161-82FA-56EE-D999-DCFE7D421635}"/>
           </ac:spMkLst>
         </pc:spChg>
-        <pc:spChg chg="add mod">
-          <ac:chgData name="Minh Mẫn" userId="74e9d1b56e53dad3" providerId="LiveId" clId="{654103E7-75BC-412B-8172-21505EEBEE43}" dt="2024-10-24T02:34:56.995" v="3"/>
+        <pc:spChg chg="add del mod">
+          <ac:chgData name="Minh Mẫn" userId="74e9d1b56e53dad3" providerId="LiveId" clId="{654103E7-75BC-412B-8172-21505EEBEE43}" dt="2024-11-01T03:03:53.757" v="910" actId="478"/>
           <ac:spMkLst>
             <pc:docMk/>
             <pc:sldMk cId="3618181950" sldId="262"/>
@@ -893,7 +897,7 @@
           </ac:spMkLst>
         </pc:spChg>
         <pc:spChg chg="add mod">
-          <ac:chgData name="Minh Mẫn" userId="74e9d1b56e53dad3" providerId="LiveId" clId="{654103E7-75BC-412B-8172-21505EEBEE43}" dt="2024-10-24T02:34:56.995" v="3"/>
+          <ac:chgData name="Minh Mẫn" userId="74e9d1b56e53dad3" providerId="LiveId" clId="{654103E7-75BC-412B-8172-21505EEBEE43}" dt="2024-11-01T03:07:32.953" v="936" actId="1076"/>
           <ac:spMkLst>
             <pc:docMk/>
             <pc:sldMk cId="3618181950" sldId="262"/>
@@ -909,7 +913,7 @@
           </ac:spMkLst>
         </pc:spChg>
         <pc:picChg chg="add mod">
-          <ac:chgData name="Minh Mẫn" userId="74e9d1b56e53dad3" providerId="LiveId" clId="{654103E7-75BC-412B-8172-21505EEBEE43}" dt="2024-10-24T02:34:56.995" v="3"/>
+          <ac:chgData name="Minh Mẫn" userId="74e9d1b56e53dad3" providerId="LiveId" clId="{654103E7-75BC-412B-8172-21505EEBEE43}" dt="2024-11-01T03:08:37.591" v="942" actId="1076"/>
           <ac:picMkLst>
             <pc:docMk/>
             <pc:sldMk cId="3618181950" sldId="262"/>
@@ -918,7 +922,7 @@
         </pc:picChg>
       </pc:sldChg>
       <pc:sldChg chg="addSp delSp modSp new mod modTransition delAnim modAnim">
-        <pc:chgData name="Minh Mẫn" userId="74e9d1b56e53dad3" providerId="LiveId" clId="{654103E7-75BC-412B-8172-21505EEBEE43}" dt="2024-10-29T03:06:13.701" v="361" actId="14100"/>
+        <pc:chgData name="Minh Mẫn" userId="74e9d1b56e53dad3" providerId="LiveId" clId="{654103E7-75BC-412B-8172-21505EEBEE43}" dt="2024-11-02T05:29:38.064" v="1109" actId="255"/>
         <pc:sldMkLst>
           <pc:docMk/>
           <pc:sldMk cId="2548120959" sldId="263"/>
@@ -988,7 +992,7 @@
           </ac:spMkLst>
         </pc:spChg>
         <pc:spChg chg="add mod">
-          <ac:chgData name="Minh Mẫn" userId="74e9d1b56e53dad3" providerId="LiveId" clId="{654103E7-75BC-412B-8172-21505EEBEE43}" dt="2024-10-29T03:06:13.701" v="361" actId="14100"/>
+          <ac:chgData name="Minh Mẫn" userId="74e9d1b56e53dad3" providerId="LiveId" clId="{654103E7-75BC-412B-8172-21505EEBEE43}" dt="2024-11-02T05:29:38.064" v="1109" actId="255"/>
           <ac:spMkLst>
             <pc:docMk/>
             <pc:sldMk cId="2548120959" sldId="263"/>
@@ -1068,8 +1072,8 @@
           </ac:cxnSpMkLst>
         </pc:cxnChg>
       </pc:sldChg>
-      <pc:sldChg chg="addSp delSp modSp new mod modAnim">
-        <pc:chgData name="Minh Mẫn" userId="74e9d1b56e53dad3" providerId="LiveId" clId="{654103E7-75BC-412B-8172-21505EEBEE43}" dt="2024-10-29T00:01:34.091" v="283" actId="1076"/>
+      <pc:sldChg chg="addSp delSp modSp new mod modTransition modAnim">
+        <pc:chgData name="Minh Mẫn" userId="74e9d1b56e53dad3" providerId="LiveId" clId="{654103E7-75BC-412B-8172-21505EEBEE43}" dt="2024-11-02T06:16:13.237" v="1281"/>
         <pc:sldMkLst>
           <pc:docMk/>
           <pc:sldMk cId="3416547598" sldId="264"/>
@@ -1082,6 +1086,22 @@
             <ac:spMk id="2" creationId="{95A76FF9-788F-E816-E7DC-C295D127A337}"/>
           </ac:spMkLst>
         </pc:spChg>
+        <pc:spChg chg="add mod">
+          <ac:chgData name="Minh Mẫn" userId="74e9d1b56e53dad3" providerId="LiveId" clId="{654103E7-75BC-412B-8172-21505EEBEE43}" dt="2024-11-02T05:34:08.550" v="1142" actId="255"/>
+          <ac:spMkLst>
+            <pc:docMk/>
+            <pc:sldMk cId="3416547598" sldId="264"/>
+            <ac:spMk id="2" creationId="{B5641B7D-C0BF-3ED8-8E8B-D78E5533FC64}"/>
+          </ac:spMkLst>
+        </pc:spChg>
+        <pc:spChg chg="add mod">
+          <ac:chgData name="Minh Mẫn" userId="74e9d1b56e53dad3" providerId="LiveId" clId="{654103E7-75BC-412B-8172-21505EEBEE43}" dt="2024-11-02T05:29:55.976" v="1112" actId="14100"/>
+          <ac:spMkLst>
+            <pc:docMk/>
+            <pc:sldMk cId="3416547598" sldId="264"/>
+            <ac:spMk id="3" creationId="{098ADA79-81BC-14DE-4FB2-82F1E67BD7E9}"/>
+          </ac:spMkLst>
+        </pc:spChg>
         <pc:spChg chg="del">
           <ac:chgData name="Minh Mẫn" userId="74e9d1b56e53dad3" providerId="LiveId" clId="{654103E7-75BC-412B-8172-21505EEBEE43}" dt="2024-10-28T13:36:32.727" v="145" actId="478"/>
           <ac:spMkLst>
@@ -1091,7 +1111,7 @@
           </ac:spMkLst>
         </pc:spChg>
         <pc:spChg chg="add mod">
-          <ac:chgData name="Minh Mẫn" userId="74e9d1b56e53dad3" providerId="LiveId" clId="{654103E7-75BC-412B-8172-21505EEBEE43}" dt="2024-10-28T13:36:57.804" v="149" actId="20577"/>
+          <ac:chgData name="Minh Mẫn" userId="74e9d1b56e53dad3" providerId="LiveId" clId="{654103E7-75BC-412B-8172-21505EEBEE43}" dt="2024-11-01T03:12:31.390" v="1032" actId="20577"/>
           <ac:spMkLst>
             <pc:docMk/>
             <pc:sldMk cId="3416547598" sldId="264"/>
@@ -1106,12 +1126,28 @@
             <ac:spMk id="5" creationId="{33944FF3-35B8-13BA-8382-91449AF44E6B}"/>
           </ac:spMkLst>
         </pc:spChg>
+        <pc:spChg chg="add mod">
+          <ac:chgData name="Minh Mẫn" userId="74e9d1b56e53dad3" providerId="LiveId" clId="{654103E7-75BC-412B-8172-21505EEBEE43}" dt="2024-11-02T05:29:47.836" v="1110" actId="1076"/>
+          <ac:spMkLst>
+            <pc:docMk/>
+            <pc:sldMk cId="3416547598" sldId="264"/>
+            <ac:spMk id="6" creationId="{6ACDE66D-D1B4-E46D-38B8-9EFD60BDFC1A}"/>
+          </ac:spMkLst>
+        </pc:spChg>
         <pc:spChg chg="add del mod">
           <ac:chgData name="Minh Mẫn" userId="74e9d1b56e53dad3" providerId="LiveId" clId="{654103E7-75BC-412B-8172-21505EEBEE43}" dt="2024-10-28T13:37:02.934" v="150" actId="478"/>
           <ac:spMkLst>
             <pc:docMk/>
             <pc:sldMk cId="3416547598" sldId="264"/>
             <ac:spMk id="6" creationId="{DF79BA95-50B3-9C44-B940-19A01D78A092}"/>
+          </ac:spMkLst>
+        </pc:spChg>
+        <pc:spChg chg="add mod">
+          <ac:chgData name="Minh Mẫn" userId="74e9d1b56e53dad3" providerId="LiveId" clId="{654103E7-75BC-412B-8172-21505EEBEE43}" dt="2024-11-02T05:30:01.344" v="1113" actId="1076"/>
+          <ac:spMkLst>
+            <pc:docMk/>
+            <pc:sldMk cId="3416547598" sldId="264"/>
+            <ac:spMk id="7" creationId="{8755C15E-2D1B-BA7F-C8AA-FD46BCE7D18B}"/>
           </ac:spMkLst>
         </pc:spChg>
         <pc:spChg chg="add del mod">
@@ -1122,6 +1158,14 @@
             <ac:spMk id="12" creationId="{020693D7-E15A-D3AF-D407-C306A7CAA131}"/>
           </ac:spMkLst>
         </pc:spChg>
+        <pc:picChg chg="add mod">
+          <ac:chgData name="Minh Mẫn" userId="74e9d1b56e53dad3" providerId="LiveId" clId="{654103E7-75BC-412B-8172-21505EEBEE43}" dt="2024-11-02T05:28:40.468" v="1102" actId="14100"/>
+          <ac:picMkLst>
+            <pc:docMk/>
+            <pc:sldMk cId="3416547598" sldId="264"/>
+            <ac:picMk id="5" creationId="{2E46AC48-2284-C308-EED2-1A28BBA5B04C}"/>
+          </ac:picMkLst>
+        </pc:picChg>
         <pc:picChg chg="add del mod">
           <ac:chgData name="Minh Mẫn" userId="74e9d1b56e53dad3" providerId="LiveId" clId="{654103E7-75BC-412B-8172-21505EEBEE43}" dt="2024-10-28T13:37:06.286" v="152" actId="478"/>
           <ac:picMkLst>
@@ -1131,7 +1175,7 @@
           </ac:picMkLst>
         </pc:picChg>
         <pc:picChg chg="add mod">
-          <ac:chgData name="Minh Mẫn" userId="74e9d1b56e53dad3" providerId="LiveId" clId="{654103E7-75BC-412B-8172-21505EEBEE43}" dt="2024-10-29T00:01:34.091" v="283" actId="1076"/>
+          <ac:chgData name="Minh Mẫn" userId="74e9d1b56e53dad3" providerId="LiveId" clId="{654103E7-75BC-412B-8172-21505EEBEE43}" dt="2024-11-01T03:30:37.707" v="1062" actId="1076"/>
           <ac:picMkLst>
             <pc:docMk/>
             <pc:sldMk cId="3416547598" sldId="264"/>
@@ -1139,8 +1183,8 @@
           </ac:picMkLst>
         </pc:picChg>
       </pc:sldChg>
-      <pc:sldChg chg="addSp delSp modSp new mod modAnim">
-        <pc:chgData name="Minh Mẫn" userId="74e9d1b56e53dad3" providerId="LiveId" clId="{654103E7-75BC-412B-8172-21505EEBEE43}" dt="2024-10-29T03:03:57.253" v="360"/>
+      <pc:sldChg chg="addSp delSp modSp new mod modTransition modAnim">
+        <pc:chgData name="Minh Mẫn" userId="74e9d1b56e53dad3" providerId="LiveId" clId="{654103E7-75BC-412B-8172-21505EEBEE43}" dt="2024-11-02T06:11:39.521" v="1254"/>
         <pc:sldMkLst>
           <pc:docMk/>
           <pc:sldMk cId="1194760380" sldId="265"/>
@@ -1162,7 +1206,7 @@
           </ac:spMkLst>
         </pc:spChg>
         <pc:spChg chg="add mod">
-          <ac:chgData name="Minh Mẫn" userId="74e9d1b56e53dad3" providerId="LiveId" clId="{654103E7-75BC-412B-8172-21505EEBEE43}" dt="2024-10-29T02:53:40.449" v="287"/>
+          <ac:chgData name="Minh Mẫn" userId="74e9d1b56e53dad3" providerId="LiveId" clId="{654103E7-75BC-412B-8172-21505EEBEE43}" dt="2024-11-01T03:09:31.497" v="951" actId="20577"/>
           <ac:spMkLst>
             <pc:docMk/>
             <pc:sldMk cId="1194760380" sldId="265"/>
@@ -1170,7 +1214,7 @@
           </ac:spMkLst>
         </pc:spChg>
         <pc:spChg chg="add del mod">
-          <ac:chgData name="Minh Mẫn" userId="74e9d1b56e53dad3" providerId="LiveId" clId="{654103E7-75BC-412B-8172-21505EEBEE43}" dt="2024-10-29T02:58:37.864" v="319" actId="948"/>
+          <ac:chgData name="Minh Mẫn" userId="74e9d1b56e53dad3" providerId="LiveId" clId="{654103E7-75BC-412B-8172-21505EEBEE43}" dt="2024-11-01T03:09:07.505" v="945" actId="14100"/>
           <ac:spMkLst>
             <pc:docMk/>
             <pc:sldMk cId="1194760380" sldId="265"/>
@@ -1194,8 +1238,8 @@
           </ac:picMkLst>
         </pc:picChg>
       </pc:sldChg>
-      <pc:sldChg chg="addSp delSp modSp new mod modAnim">
-        <pc:chgData name="Minh Mẫn" userId="74e9d1b56e53dad3" providerId="LiveId" clId="{654103E7-75BC-412B-8172-21505EEBEE43}" dt="2024-10-29T03:31:27.878" v="875" actId="1076"/>
+      <pc:sldChg chg="addSp delSp modSp new mod modTransition modAnim">
+        <pc:chgData name="Minh Mẫn" userId="74e9d1b56e53dad3" providerId="LiveId" clId="{654103E7-75BC-412B-8172-21505EEBEE43}" dt="2024-11-02T06:10:26.555" v="1250"/>
         <pc:sldMkLst>
           <pc:docMk/>
           <pc:sldMk cId="1731030427" sldId="266"/>
@@ -1257,7 +1301,7 @@
           </ac:spMkLst>
         </pc:spChg>
         <pc:spChg chg="add mod">
-          <ac:chgData name="Minh Mẫn" userId="74e9d1b56e53dad3" providerId="LiveId" clId="{654103E7-75BC-412B-8172-21505EEBEE43}" dt="2024-10-29T03:31:27.878" v="875" actId="1076"/>
+          <ac:chgData name="Minh Mẫn" userId="74e9d1b56e53dad3" providerId="LiveId" clId="{654103E7-75BC-412B-8172-21505EEBEE43}" dt="2024-11-01T03:01:14.798" v="897" actId="20577"/>
           <ac:spMkLst>
             <pc:docMk/>
             <pc:sldMk cId="1731030427" sldId="266"/>
@@ -1273,11 +1317,367 @@
           </ac:picMkLst>
         </pc:picChg>
         <pc:picChg chg="add mod ord modCrop">
-          <ac:chgData name="Minh Mẫn" userId="74e9d1b56e53dad3" providerId="LiveId" clId="{654103E7-75BC-412B-8172-21505EEBEE43}" dt="2024-10-29T03:31:03.753" v="873" actId="14100"/>
+          <ac:chgData name="Minh Mẫn" userId="74e9d1b56e53dad3" providerId="LiveId" clId="{654103E7-75BC-412B-8172-21505EEBEE43}" dt="2024-11-01T03:01:24.630" v="898" actId="14100"/>
           <ac:picMkLst>
             <pc:docMk/>
             <pc:sldMk cId="1731030427" sldId="266"/>
             <ac:picMk id="13" creationId="{C4550EF0-681C-C0CF-3083-BAB8CE9206E8}"/>
+          </ac:picMkLst>
+        </pc:picChg>
+      </pc:sldChg>
+      <pc:sldChg chg="addSp delSp modSp new mod modTransition modAnim">
+        <pc:chgData name="Minh Mẫn" userId="74e9d1b56e53dad3" providerId="LiveId" clId="{654103E7-75BC-412B-8172-21505EEBEE43}" dt="2024-11-02T06:11:28.722" v="1253"/>
+        <pc:sldMkLst>
+          <pc:docMk/>
+          <pc:sldMk cId="3957964133" sldId="267"/>
+        </pc:sldMkLst>
+        <pc:spChg chg="del">
+          <ac:chgData name="Minh Mẫn" userId="74e9d1b56e53dad3" providerId="LiveId" clId="{654103E7-75BC-412B-8172-21505EEBEE43}" dt="2024-11-01T03:02:39.458" v="902" actId="478"/>
+          <ac:spMkLst>
+            <pc:docMk/>
+            <pc:sldMk cId="3957964133" sldId="267"/>
+            <ac:spMk id="2" creationId="{1D0BBD9A-2DE2-9D38-18B7-EAB57E82C3DA}"/>
+          </ac:spMkLst>
+        </pc:spChg>
+        <pc:spChg chg="del">
+          <ac:chgData name="Minh Mẫn" userId="74e9d1b56e53dad3" providerId="LiveId" clId="{654103E7-75BC-412B-8172-21505EEBEE43}" dt="2024-11-01T03:02:34.860" v="901" actId="478"/>
+          <ac:spMkLst>
+            <pc:docMk/>
+            <pc:sldMk cId="3957964133" sldId="267"/>
+            <ac:spMk id="3" creationId="{4F19EDBE-5EE4-ADA6-E2FF-AE04738216F8}"/>
+          </ac:spMkLst>
+        </pc:spChg>
+        <pc:spChg chg="add mod">
+          <ac:chgData name="Minh Mẫn" userId="74e9d1b56e53dad3" providerId="LiveId" clId="{654103E7-75BC-412B-8172-21505EEBEE43}" dt="2024-11-01T03:09:37.888" v="956" actId="20577"/>
+          <ac:spMkLst>
+            <pc:docMk/>
+            <pc:sldMk cId="3957964133" sldId="267"/>
+            <ac:spMk id="4" creationId="{F0C386EC-C296-1973-2A69-750DE02A7B79}"/>
+          </ac:spMkLst>
+        </pc:spChg>
+        <pc:spChg chg="add mod">
+          <ac:chgData name="Minh Mẫn" userId="74e9d1b56e53dad3" providerId="LiveId" clId="{654103E7-75BC-412B-8172-21505EEBEE43}" dt="2024-11-01T03:08:10.672" v="938" actId="14100"/>
+          <ac:spMkLst>
+            <pc:docMk/>
+            <pc:sldMk cId="3957964133" sldId="267"/>
+            <ac:spMk id="5" creationId="{5ECD2F11-F00B-8F5A-A587-365909327BAB}"/>
+          </ac:spMkLst>
+        </pc:spChg>
+        <pc:spChg chg="add del mod">
+          <ac:chgData name="Minh Mẫn" userId="74e9d1b56e53dad3" providerId="LiveId" clId="{654103E7-75BC-412B-8172-21505EEBEE43}" dt="2024-11-01T03:03:19.079" v="904" actId="478"/>
+          <ac:spMkLst>
+            <pc:docMk/>
+            <pc:sldMk cId="3957964133" sldId="267"/>
+            <ac:spMk id="6" creationId="{FCC4D871-B841-4853-DC8A-41D01F13046A}"/>
+          </ac:spMkLst>
+        </pc:spChg>
+        <pc:spChg chg="add mod">
+          <ac:chgData name="Minh Mẫn" userId="74e9d1b56e53dad3" providerId="LiveId" clId="{654103E7-75BC-412B-8172-21505EEBEE43}" dt="2024-11-01T03:02:47.022" v="903"/>
+          <ac:spMkLst>
+            <pc:docMk/>
+            <pc:sldMk cId="3957964133" sldId="267"/>
+            <ac:spMk id="7" creationId="{9D3E916B-08DC-751E-39BB-4C4F656CFCEE}"/>
+          </ac:spMkLst>
+        </pc:spChg>
+        <pc:picChg chg="add mod">
+          <ac:chgData name="Minh Mẫn" userId="74e9d1b56e53dad3" providerId="LiveId" clId="{654103E7-75BC-412B-8172-21505EEBEE43}" dt="2024-11-01T03:08:46.019" v="944" actId="14100"/>
+          <ac:picMkLst>
+            <pc:docMk/>
+            <pc:sldMk cId="3957964133" sldId="267"/>
+            <ac:picMk id="8" creationId="{46BC10D5-D51C-509B-5957-5123511533B6}"/>
+          </ac:picMkLst>
+        </pc:picChg>
+      </pc:sldChg>
+      <pc:sldChg chg="addSp delSp modSp new mod modTransition modAnim">
+        <pc:chgData name="Minh Mẫn" userId="74e9d1b56e53dad3" providerId="LiveId" clId="{654103E7-75BC-412B-8172-21505EEBEE43}" dt="2024-11-02T06:15:01.739" v="1271"/>
+        <pc:sldMkLst>
+          <pc:docMk/>
+          <pc:sldMk cId="1543889935" sldId="268"/>
+        </pc:sldMkLst>
+        <pc:spChg chg="del">
+          <ac:chgData name="Minh Mẫn" userId="74e9d1b56e53dad3" providerId="LiveId" clId="{654103E7-75BC-412B-8172-21505EEBEE43}" dt="2024-11-02T05:30:14.884" v="1116" actId="478"/>
+          <ac:spMkLst>
+            <pc:docMk/>
+            <pc:sldMk cId="1543889935" sldId="268"/>
+            <ac:spMk id="2" creationId="{907505BB-3300-8AE6-CAE7-924848C13205}"/>
+          </ac:spMkLst>
+        </pc:spChg>
+        <pc:spChg chg="del">
+          <ac:chgData name="Minh Mẫn" userId="74e9d1b56e53dad3" providerId="LiveId" clId="{654103E7-75BC-412B-8172-21505EEBEE43}" dt="2024-11-02T05:30:12.681" v="1115" actId="478"/>
+          <ac:spMkLst>
+            <pc:docMk/>
+            <pc:sldMk cId="1543889935" sldId="268"/>
+            <ac:spMk id="3" creationId="{495DE3BE-8E4F-1952-6719-18CDC44A4678}"/>
+          </ac:spMkLst>
+        </pc:spChg>
+        <pc:spChg chg="add mod">
+          <ac:chgData name="Minh Mẫn" userId="74e9d1b56e53dad3" providerId="LiveId" clId="{654103E7-75BC-412B-8172-21505EEBEE43}" dt="2024-11-02T05:30:22.838" v="1117"/>
+          <ac:spMkLst>
+            <pc:docMk/>
+            <pc:sldMk cId="1543889935" sldId="268"/>
+            <ac:spMk id="4" creationId="{6A8D1C93-7E1D-06EB-E421-61CB33E81B48}"/>
+          </ac:spMkLst>
+        </pc:spChg>
+        <pc:spChg chg="add mod">
+          <ac:chgData name="Minh Mẫn" userId="74e9d1b56e53dad3" providerId="LiveId" clId="{654103E7-75BC-412B-8172-21505EEBEE43}" dt="2024-11-02T05:34:17.482" v="1143" actId="2711"/>
+          <ac:spMkLst>
+            <pc:docMk/>
+            <pc:sldMk cId="1543889935" sldId="268"/>
+            <ac:spMk id="6" creationId="{2835C201-B2AF-B389-A6D1-530AF59DE488}"/>
+          </ac:spMkLst>
+        </pc:spChg>
+        <pc:spChg chg="add del mod ord">
+          <ac:chgData name="Minh Mẫn" userId="74e9d1b56e53dad3" providerId="LiveId" clId="{654103E7-75BC-412B-8172-21505EEBEE43}" dt="2024-11-02T05:32:49.887" v="1137" actId="478"/>
+          <ac:spMkLst>
+            <pc:docMk/>
+            <pc:sldMk cId="1543889935" sldId="268"/>
+            <ac:spMk id="8" creationId="{5FCE2FA8-A15C-3BD2-4F27-52E5ED1847CA}"/>
+          </ac:spMkLst>
+        </pc:spChg>
+        <pc:spChg chg="add del mod">
+          <ac:chgData name="Minh Mẫn" userId="74e9d1b56e53dad3" providerId="LiveId" clId="{654103E7-75BC-412B-8172-21505EEBEE43}" dt="2024-11-02T05:32:53.465" v="1139" actId="478"/>
+          <ac:spMkLst>
+            <pc:docMk/>
+            <pc:sldMk cId="1543889935" sldId="268"/>
+            <ac:spMk id="9" creationId="{ADF73AE1-A684-799A-3F62-6167209338C7}"/>
+          </ac:spMkLst>
+        </pc:spChg>
+        <pc:spChg chg="add del mod">
+          <ac:chgData name="Minh Mẫn" userId="74e9d1b56e53dad3" providerId="LiveId" clId="{654103E7-75BC-412B-8172-21505EEBEE43}" dt="2024-11-02T05:32:52.280" v="1138" actId="478"/>
+          <ac:spMkLst>
+            <pc:docMk/>
+            <pc:sldMk cId="1543889935" sldId="268"/>
+            <ac:spMk id="10" creationId="{4A98D80D-D02E-DF5B-366D-BA8F002BFDD3}"/>
+          </ac:spMkLst>
+        </pc:spChg>
+        <pc:spChg chg="add mod">
+          <ac:chgData name="Minh Mẫn" userId="74e9d1b56e53dad3" providerId="LiveId" clId="{654103E7-75BC-412B-8172-21505EEBEE43}" dt="2024-11-02T05:35:58.969" v="1158" actId="1076"/>
+          <ac:spMkLst>
+            <pc:docMk/>
+            <pc:sldMk cId="1543889935" sldId="268"/>
+            <ac:spMk id="12" creationId="{306318B8-E9AC-7828-9F9D-916F11891558}"/>
+          </ac:spMkLst>
+        </pc:spChg>
+        <pc:spChg chg="add mod">
+          <ac:chgData name="Minh Mẫn" userId="74e9d1b56e53dad3" providerId="LiveId" clId="{654103E7-75BC-412B-8172-21505EEBEE43}" dt="2024-11-02T05:35:50.038" v="1156" actId="14100"/>
+          <ac:spMkLst>
+            <pc:docMk/>
+            <pc:sldMk cId="1543889935" sldId="268"/>
+            <ac:spMk id="13" creationId="{EDA772A4-ED74-5B74-1073-47B050040D69}"/>
+          </ac:spMkLst>
+        </pc:spChg>
+        <pc:picChg chg="add mod">
+          <ac:chgData name="Minh Mẫn" userId="74e9d1b56e53dad3" providerId="LiveId" clId="{654103E7-75BC-412B-8172-21505EEBEE43}" dt="2024-11-02T05:32:57.037" v="1140" actId="1076"/>
+          <ac:picMkLst>
+            <pc:docMk/>
+            <pc:sldMk cId="1543889935" sldId="268"/>
+            <ac:picMk id="5" creationId="{5FEE905C-814C-B832-B67C-786BF77A4B58}"/>
+          </ac:picMkLst>
+        </pc:picChg>
+        <pc:picChg chg="add del mod">
+          <ac:chgData name="Minh Mẫn" userId="74e9d1b56e53dad3" providerId="LiveId" clId="{654103E7-75BC-412B-8172-21505EEBEE43}" dt="2024-11-02T05:31:24.024" v="1122" actId="478"/>
+          <ac:picMkLst>
+            <pc:docMk/>
+            <pc:sldMk cId="1543889935" sldId="268"/>
+            <ac:picMk id="7" creationId="{B5A0E2C8-C50C-0D79-8BF1-15FB51D91D18}"/>
+          </ac:picMkLst>
+        </pc:picChg>
+        <pc:picChg chg="add mod">
+          <ac:chgData name="Minh Mẫn" userId="74e9d1b56e53dad3" providerId="LiveId" clId="{654103E7-75BC-412B-8172-21505EEBEE43}" dt="2024-11-02T05:35:55.483" v="1157" actId="1076"/>
+          <ac:picMkLst>
+            <pc:docMk/>
+            <pc:sldMk cId="1543889935" sldId="268"/>
+            <ac:picMk id="11" creationId="{0B615106-001F-2062-8AE3-EA3AFC0CF2E8}"/>
+          </ac:picMkLst>
+        </pc:picChg>
+      </pc:sldChg>
+      <pc:sldChg chg="addSp delSp modSp new mod modTransition modAnim">
+        <pc:chgData name="Minh Mẫn" userId="74e9d1b56e53dad3" providerId="LiveId" clId="{654103E7-75BC-412B-8172-21505EEBEE43}" dt="2024-11-02T06:22:15.319" v="1314"/>
+        <pc:sldMkLst>
+          <pc:docMk/>
+          <pc:sldMk cId="2465009391" sldId="269"/>
+        </pc:sldMkLst>
+        <pc:spChg chg="del">
+          <ac:chgData name="Minh Mẫn" userId="74e9d1b56e53dad3" providerId="LiveId" clId="{654103E7-75BC-412B-8172-21505EEBEE43}" dt="2024-11-02T05:37:15.835" v="1161" actId="478"/>
+          <ac:spMkLst>
+            <pc:docMk/>
+            <pc:sldMk cId="2465009391" sldId="269"/>
+            <ac:spMk id="2" creationId="{0BDF9F73-AF8C-33A5-8EC1-2B7A69A315A0}"/>
+          </ac:spMkLst>
+        </pc:spChg>
+        <pc:spChg chg="del">
+          <ac:chgData name="Minh Mẫn" userId="74e9d1b56e53dad3" providerId="LiveId" clId="{654103E7-75BC-412B-8172-21505EEBEE43}" dt="2024-11-02T05:37:14.694" v="1160" actId="478"/>
+          <ac:spMkLst>
+            <pc:docMk/>
+            <pc:sldMk cId="2465009391" sldId="269"/>
+            <ac:spMk id="3" creationId="{739C4A38-7ABE-4224-3BCA-6626CF474D94}"/>
+          </ac:spMkLst>
+        </pc:spChg>
+        <pc:spChg chg="add mod">
+          <ac:chgData name="Minh Mẫn" userId="74e9d1b56e53dad3" providerId="LiveId" clId="{654103E7-75BC-412B-8172-21505EEBEE43}" dt="2024-11-02T05:37:26.375" v="1162"/>
+          <ac:spMkLst>
+            <pc:docMk/>
+            <pc:sldMk cId="2465009391" sldId="269"/>
+            <ac:spMk id="4" creationId="{67D8C60E-104A-70D2-5406-A7C6B42B2454}"/>
+          </ac:spMkLst>
+        </pc:spChg>
+        <pc:spChg chg="add mod">
+          <ac:chgData name="Minh Mẫn" userId="74e9d1b56e53dad3" providerId="LiveId" clId="{654103E7-75BC-412B-8172-21505EEBEE43}" dt="2024-11-02T06:18:21.441" v="1297" actId="1076"/>
+          <ac:spMkLst>
+            <pc:docMk/>
+            <pc:sldMk cId="2465009391" sldId="269"/>
+            <ac:spMk id="6" creationId="{8C9E27C0-DE76-FACB-5450-49C79CCE8DDB}"/>
+          </ac:spMkLst>
+        </pc:spChg>
+        <pc:spChg chg="add del mod">
+          <ac:chgData name="Minh Mẫn" userId="74e9d1b56e53dad3" providerId="LiveId" clId="{654103E7-75BC-412B-8172-21505EEBEE43}" dt="2024-11-02T05:38:50.705" v="1165" actId="478"/>
+          <ac:spMkLst>
+            <pc:docMk/>
+            <pc:sldMk cId="2465009391" sldId="269"/>
+            <ac:spMk id="8" creationId="{23453F69-3FE2-FF59-95C8-8677EA22F109}"/>
+          </ac:spMkLst>
+        </pc:spChg>
+        <pc:spChg chg="add del mod">
+          <ac:chgData name="Minh Mẫn" userId="74e9d1b56e53dad3" providerId="LiveId" clId="{654103E7-75BC-412B-8172-21505EEBEE43}" dt="2024-11-02T05:38:46.612" v="1164" actId="478"/>
+          <ac:spMkLst>
+            <pc:docMk/>
+            <pc:sldMk cId="2465009391" sldId="269"/>
+            <ac:spMk id="9" creationId="{A1773092-140A-588B-16B3-4F7DF1DA9B12}"/>
+          </ac:spMkLst>
+        </pc:spChg>
+        <pc:picChg chg="add mod">
+          <ac:chgData name="Minh Mẫn" userId="74e9d1b56e53dad3" providerId="LiveId" clId="{654103E7-75BC-412B-8172-21505EEBEE43}" dt="2024-11-02T05:37:26.375" v="1162"/>
+          <ac:picMkLst>
+            <pc:docMk/>
+            <pc:sldMk cId="2465009391" sldId="269"/>
+            <ac:picMk id="5" creationId="{359502B8-E7DB-EA0A-8D13-2A0EFE4BB437}"/>
+          </ac:picMkLst>
+        </pc:picChg>
+        <pc:picChg chg="add del mod">
+          <ac:chgData name="Minh Mẫn" userId="74e9d1b56e53dad3" providerId="LiveId" clId="{654103E7-75BC-412B-8172-21505EEBEE43}" dt="2024-11-02T05:38:43.569" v="1163" actId="478"/>
+          <ac:picMkLst>
+            <pc:docMk/>
+            <pc:sldMk cId="2465009391" sldId="269"/>
+            <ac:picMk id="7" creationId="{79E66CB9-9953-DF7E-807B-9BFF468AB7D6}"/>
+          </ac:picMkLst>
+        </pc:picChg>
+        <pc:picChg chg="add mod">
+          <ac:chgData name="Minh Mẫn" userId="74e9d1b56e53dad3" providerId="LiveId" clId="{654103E7-75BC-412B-8172-21505EEBEE43}" dt="2024-11-02T06:00:42.649" v="1202" actId="1076"/>
+          <ac:picMkLst>
+            <pc:docMk/>
+            <pc:sldMk cId="2465009391" sldId="269"/>
+            <ac:picMk id="10" creationId="{270C6FEC-6B35-9BEB-2B73-7EB19E32A7BA}"/>
+          </ac:picMkLst>
+        </pc:picChg>
+        <pc:picChg chg="add mod">
+          <ac:chgData name="Minh Mẫn" userId="74e9d1b56e53dad3" providerId="LiveId" clId="{654103E7-75BC-412B-8172-21505EEBEE43}" dt="2024-11-02T06:18:15.386" v="1296" actId="1076"/>
+          <ac:picMkLst>
+            <pc:docMk/>
+            <pc:sldMk cId="2465009391" sldId="269"/>
+            <ac:picMk id="11" creationId="{75A45BD2-2F4C-3D40-2087-2CC5A5A38B9B}"/>
+          </ac:picMkLst>
+        </pc:picChg>
+      </pc:sldChg>
+      <pc:sldChg chg="addSp delSp modSp new mod modTransition modAnim">
+        <pc:chgData name="Minh Mẫn" userId="74e9d1b56e53dad3" providerId="LiveId" clId="{654103E7-75BC-412B-8172-21505EEBEE43}" dt="2024-11-02T06:23:00.991" v="1316"/>
+        <pc:sldMkLst>
+          <pc:docMk/>
+          <pc:sldMk cId="3398337658" sldId="270"/>
+        </pc:sldMkLst>
+        <pc:spChg chg="del">
+          <ac:chgData name="Minh Mẫn" userId="74e9d1b56e53dad3" providerId="LiveId" clId="{654103E7-75BC-412B-8172-21505EEBEE43}" dt="2024-11-02T06:01:57.352" v="1205" actId="478"/>
+          <ac:spMkLst>
+            <pc:docMk/>
+            <pc:sldMk cId="3398337658" sldId="270"/>
+            <ac:spMk id="2" creationId="{83868932-A2E3-0F4A-29CB-ACEFF4F266C0}"/>
+          </ac:spMkLst>
+        </pc:spChg>
+        <pc:spChg chg="del">
+          <ac:chgData name="Minh Mẫn" userId="74e9d1b56e53dad3" providerId="LiveId" clId="{654103E7-75BC-412B-8172-21505EEBEE43}" dt="2024-11-02T06:01:56.530" v="1204" actId="478"/>
+          <ac:spMkLst>
+            <pc:docMk/>
+            <pc:sldMk cId="3398337658" sldId="270"/>
+            <ac:spMk id="3" creationId="{53B54548-1951-1285-5592-EEF358BF6680}"/>
+          </ac:spMkLst>
+        </pc:spChg>
+        <pc:spChg chg="add del">
+          <ac:chgData name="Minh Mẫn" userId="74e9d1b56e53dad3" providerId="LiveId" clId="{654103E7-75BC-412B-8172-21505EEBEE43}" dt="2024-11-02T06:02:01.487" v="1207" actId="22"/>
+          <ac:spMkLst>
+            <pc:docMk/>
+            <pc:sldMk cId="3398337658" sldId="270"/>
+            <ac:spMk id="5" creationId="{983456CA-FCCB-964D-DA06-F45F3BBC58ED}"/>
+          </ac:spMkLst>
+        </pc:spChg>
+        <pc:spChg chg="add mod">
+          <ac:chgData name="Minh Mẫn" userId="74e9d1b56e53dad3" providerId="LiveId" clId="{654103E7-75BC-412B-8172-21505EEBEE43}" dt="2024-11-02T06:02:11.501" v="1208"/>
+          <ac:spMkLst>
+            <pc:docMk/>
+            <pc:sldMk cId="3398337658" sldId="270"/>
+            <ac:spMk id="6" creationId="{5AFC5125-C713-B841-C53F-602522B99216}"/>
+          </ac:spMkLst>
+        </pc:spChg>
+        <pc:spChg chg="add mod">
+          <ac:chgData name="Minh Mẫn" userId="74e9d1b56e53dad3" providerId="LiveId" clId="{654103E7-75BC-412B-8172-21505EEBEE43}" dt="2024-11-02T06:07:09.264" v="1235" actId="1076"/>
+          <ac:spMkLst>
+            <pc:docMk/>
+            <pc:sldMk cId="3398337658" sldId="270"/>
+            <ac:spMk id="8" creationId="{073B168B-CC93-876B-21DA-4B441E372DA3}"/>
+          </ac:spMkLst>
+        </pc:spChg>
+        <pc:spChg chg="add del mod">
+          <ac:chgData name="Minh Mẫn" userId="74e9d1b56e53dad3" providerId="LiveId" clId="{654103E7-75BC-412B-8172-21505EEBEE43}" dt="2024-11-02T06:02:20.033" v="1210" actId="478"/>
+          <ac:spMkLst>
+            <pc:docMk/>
+            <pc:sldMk cId="3398337658" sldId="270"/>
+            <ac:spMk id="10" creationId="{3AF5A65C-9FDA-BA06-ADA7-C9698904882C}"/>
+          </ac:spMkLst>
+        </pc:spChg>
+        <pc:spChg chg="add del mod">
+          <ac:chgData name="Minh Mẫn" userId="74e9d1b56e53dad3" providerId="LiveId" clId="{654103E7-75BC-412B-8172-21505EEBEE43}" dt="2024-11-02T06:02:23.338" v="1212" actId="478"/>
+          <ac:spMkLst>
+            <pc:docMk/>
+            <pc:sldMk cId="3398337658" sldId="270"/>
+            <ac:spMk id="11" creationId="{9C584466-B8DA-9C66-93E3-56DB8EA97FF9}"/>
+          </ac:spMkLst>
+        </pc:spChg>
+        <pc:spChg chg="add del mod">
+          <ac:chgData name="Minh Mẫn" userId="74e9d1b56e53dad3" providerId="LiveId" clId="{654103E7-75BC-412B-8172-21505EEBEE43}" dt="2024-11-02T06:02:21.686" v="1211" actId="478"/>
+          <ac:spMkLst>
+            <pc:docMk/>
+            <pc:sldMk cId="3398337658" sldId="270"/>
+            <ac:spMk id="12" creationId="{F584AC23-DBFF-CB0F-833D-3915D21D1C48}"/>
+          </ac:spMkLst>
+        </pc:spChg>
+        <pc:spChg chg="add mod">
+          <ac:chgData name="Minh Mẫn" userId="74e9d1b56e53dad3" providerId="LiveId" clId="{654103E7-75BC-412B-8172-21505EEBEE43}" dt="2024-11-02T06:07:38.268" v="1240" actId="1582"/>
+          <ac:spMkLst>
+            <pc:docMk/>
+            <pc:sldMk cId="3398337658" sldId="270"/>
+            <ac:spMk id="14" creationId="{DA3C1F09-D7AA-417C-578B-67B0BFB117E3}"/>
+          </ac:spMkLst>
+        </pc:spChg>
+        <pc:picChg chg="add mod">
+          <ac:chgData name="Minh Mẫn" userId="74e9d1b56e53dad3" providerId="LiveId" clId="{654103E7-75BC-412B-8172-21505EEBEE43}" dt="2024-11-02T06:02:11.501" v="1208"/>
+          <ac:picMkLst>
+            <pc:docMk/>
+            <pc:sldMk cId="3398337658" sldId="270"/>
+            <ac:picMk id="7" creationId="{F47D19F6-9009-056B-AD55-D8F8FD81E60D}"/>
+          </ac:picMkLst>
+        </pc:picChg>
+        <pc:picChg chg="add del mod">
+          <ac:chgData name="Minh Mẫn" userId="74e9d1b56e53dad3" providerId="LiveId" clId="{654103E7-75BC-412B-8172-21505EEBEE43}" dt="2024-11-02T06:02:18.638" v="1209" actId="478"/>
+          <ac:picMkLst>
+            <pc:docMk/>
+            <pc:sldMk cId="3398337658" sldId="270"/>
+            <ac:picMk id="9" creationId="{095B36D7-CFD6-AC19-6C2A-54AFE5C264A8}"/>
+          </ac:picMkLst>
+        </pc:picChg>
+        <pc:picChg chg="add mod">
+          <ac:chgData name="Minh Mẫn" userId="74e9d1b56e53dad3" providerId="LiveId" clId="{654103E7-75BC-412B-8172-21505EEBEE43}" dt="2024-11-02T06:07:12.196" v="1236" actId="1076"/>
+          <ac:picMkLst>
+            <pc:docMk/>
+            <pc:sldMk cId="3398337658" sldId="270"/>
+            <ac:picMk id="13" creationId="{FBF22C17-7967-AB81-5B20-B98F0DA88B58}"/>
           </ac:picMkLst>
         </pc:picChg>
       </pc:sldChg>
@@ -1368,7 +1768,7 @@
           <a:p>
             <a:fld id="{8C48E02A-F628-4B0A-897C-4569DE103C05}" type="datetimeFigureOut">
               <a:rPr lang="en-US" smtClean="0"/>
-              <a:t>29-10-2024</a:t>
+              <a:t>02-11-2024</a:t>
             </a:fld>
             <a:endParaRPr lang="en-US"/>
           </a:p>
@@ -1700,7 +2100,7 @@
           <a:p>
             <a:fld id="{70058831-6BEE-47A0-9B1B-AE1C63E202B2}" type="slidenum">
               <a:rPr lang="en-US" smtClean="0"/>
-              <a:t>7</a:t>
+              <a:t>8</a:t>
             </a:fld>
             <a:endParaRPr lang="en-US"/>
           </a:p>
@@ -1866,7 +2266,7 @@
           <a:p>
             <a:fld id="{0DDA1736-F120-4305-85B4-E3F6D7A6DF38}" type="datetimeFigureOut">
               <a:rPr lang="en-US" smtClean="0"/>
-              <a:t>29-10-2024</a:t>
+              <a:t>02-11-2024</a:t>
             </a:fld>
             <a:endParaRPr lang="en-US"/>
           </a:p>
@@ -2064,7 +2464,7 @@
           <a:p>
             <a:fld id="{0DDA1736-F120-4305-85B4-E3F6D7A6DF38}" type="datetimeFigureOut">
               <a:rPr lang="en-US" smtClean="0"/>
-              <a:t>29-10-2024</a:t>
+              <a:t>02-11-2024</a:t>
             </a:fld>
             <a:endParaRPr lang="en-US"/>
           </a:p>
@@ -2272,7 +2672,7 @@
           <a:p>
             <a:fld id="{0DDA1736-F120-4305-85B4-E3F6D7A6DF38}" type="datetimeFigureOut">
               <a:rPr lang="en-US" smtClean="0"/>
-              <a:t>29-10-2024</a:t>
+              <a:t>02-11-2024</a:t>
             </a:fld>
             <a:endParaRPr lang="en-US"/>
           </a:p>
@@ -2470,7 +2870,7 @@
           <a:p>
             <a:fld id="{0DDA1736-F120-4305-85B4-E3F6D7A6DF38}" type="datetimeFigureOut">
               <a:rPr lang="en-US" smtClean="0"/>
-              <a:t>29-10-2024</a:t>
+              <a:t>02-11-2024</a:t>
             </a:fld>
             <a:endParaRPr lang="en-US"/>
           </a:p>
@@ -2745,7 +3145,7 @@
           <a:p>
             <a:fld id="{0DDA1736-F120-4305-85B4-E3F6D7A6DF38}" type="datetimeFigureOut">
               <a:rPr lang="en-US" smtClean="0"/>
-              <a:t>29-10-2024</a:t>
+              <a:t>02-11-2024</a:t>
             </a:fld>
             <a:endParaRPr lang="en-US"/>
           </a:p>
@@ -3010,7 +3410,7 @@
           <a:p>
             <a:fld id="{0DDA1736-F120-4305-85B4-E3F6D7A6DF38}" type="datetimeFigureOut">
               <a:rPr lang="en-US" smtClean="0"/>
-              <a:t>29-10-2024</a:t>
+              <a:t>02-11-2024</a:t>
             </a:fld>
             <a:endParaRPr lang="en-US"/>
           </a:p>
@@ -3422,7 +3822,7 @@
           <a:p>
             <a:fld id="{0DDA1736-F120-4305-85B4-E3F6D7A6DF38}" type="datetimeFigureOut">
               <a:rPr lang="en-US" smtClean="0"/>
-              <a:t>29-10-2024</a:t>
+              <a:t>02-11-2024</a:t>
             </a:fld>
             <a:endParaRPr lang="en-US"/>
           </a:p>
@@ -3563,7 +3963,7 @@
           <a:p>
             <a:fld id="{0DDA1736-F120-4305-85B4-E3F6D7A6DF38}" type="datetimeFigureOut">
               <a:rPr lang="en-US" smtClean="0"/>
-              <a:t>29-10-2024</a:t>
+              <a:t>02-11-2024</a:t>
             </a:fld>
             <a:endParaRPr lang="en-US"/>
           </a:p>
@@ -3676,7 +4076,7 @@
           <a:p>
             <a:fld id="{0DDA1736-F120-4305-85B4-E3F6D7A6DF38}" type="datetimeFigureOut">
               <a:rPr lang="en-US" smtClean="0"/>
-              <a:t>29-10-2024</a:t>
+              <a:t>02-11-2024</a:t>
             </a:fld>
             <a:endParaRPr lang="en-US"/>
           </a:p>
@@ -3987,7 +4387,7 @@
           <a:p>
             <a:fld id="{0DDA1736-F120-4305-85B4-E3F6D7A6DF38}" type="datetimeFigureOut">
               <a:rPr lang="en-US" smtClean="0"/>
-              <a:t>29-10-2024</a:t>
+              <a:t>02-11-2024</a:t>
             </a:fld>
             <a:endParaRPr lang="en-US"/>
           </a:p>
@@ -4275,7 +4675,7 @@
           <a:p>
             <a:fld id="{0DDA1736-F120-4305-85B4-E3F6D7A6DF38}" type="datetimeFigureOut">
               <a:rPr lang="en-US" smtClean="0"/>
-              <a:t>29-10-2024</a:t>
+              <a:t>02-11-2024</a:t>
             </a:fld>
             <a:endParaRPr lang="en-US"/>
           </a:p>
@@ -4516,7 +4916,7 @@
           <a:p>
             <a:fld id="{0DDA1736-F120-4305-85B4-E3F6D7A6DF38}" type="datetimeFigureOut">
               <a:rPr lang="en-US" smtClean="0"/>
-              <a:t>29-10-2024</a:t>
+              <a:t>02-11-2024</a:t>
             </a:fld>
             <a:endParaRPr lang="en-US"/>
           </a:p>
@@ -5538,6 +5938,2866 @@
 </file>
 
 <file path=ppt/slides/slide10.xml><?xml version="1.0" encoding="utf-8"?>
+<p:sld xmlns:a="http://schemas.openxmlformats.org/drawingml/2006/main" xmlns:r="http://schemas.openxmlformats.org/officeDocument/2006/relationships" xmlns:p="http://schemas.openxmlformats.org/presentationml/2006/main">
+  <p:cSld>
+    <p:spTree>
+      <p:nvGrpSpPr>
+        <p:cNvPr id="1" name=""/>
+        <p:cNvGrpSpPr/>
+        <p:nvPr/>
+      </p:nvGrpSpPr>
+      <p:grpSpPr>
+        <a:xfrm>
+          <a:off x="0" y="0"/>
+          <a:ext cx="0" cy="0"/>
+          <a:chOff x="0" y="0"/>
+          <a:chExt cx="0" cy="0"/>
+        </a:xfrm>
+      </p:grpSpPr>
+      <p:sp>
+        <p:nvSpPr>
+          <p:cNvPr id="4" name="Rectangle 3">
+            <a:extLst>
+              <a:ext uri="{FF2B5EF4-FFF2-40B4-BE49-F238E27FC236}">
+                <a16:creationId xmlns:a16="http://schemas.microsoft.com/office/drawing/2014/main" id="{22B6AA97-988B-8621-AA02-3020285A154A}"/>
+              </a:ext>
+            </a:extLst>
+          </p:cNvPr>
+          <p:cNvSpPr/>
+          <p:nvPr/>
+        </p:nvSpPr>
+        <p:spPr>
+          <a:xfrm>
+            <a:off x="-1" y="0"/>
+            <a:ext cx="12192001" cy="957183"/>
+          </a:xfrm>
+          <a:prstGeom prst="rect">
+            <a:avLst/>
+          </a:prstGeom>
+          <a:solidFill>
+            <a:srgbClr val="00294F">
+              <a:alpha val="84000"/>
+            </a:srgbClr>
+          </a:solidFill>
+        </p:spPr>
+        <p:style>
+          <a:lnRef idx="2">
+            <a:schemeClr val="accent1">
+              <a:shade val="15000"/>
+            </a:schemeClr>
+          </a:lnRef>
+          <a:fillRef idx="1">
+            <a:schemeClr val="accent1"/>
+          </a:fillRef>
+          <a:effectRef idx="0">
+            <a:schemeClr val="accent1"/>
+          </a:effectRef>
+          <a:fontRef idx="minor">
+            <a:schemeClr val="lt1"/>
+          </a:fontRef>
+        </p:style>
+        <p:txBody>
+          <a:bodyPr lIns="365760" rtlCol="0" anchor="ctr"/>
+          <a:lstStyle/>
+          <a:p>
+            <a:r>
+              <a:rPr lang="en-US" sz="3200" b="1">
+                <a:solidFill>
+                  <a:schemeClr val="bg1"/>
+                </a:solidFill>
+              </a:rPr>
+              <a:t>CÁC BƯỚC CƠ BẢN LÀM VIỆC VỚI KATALON STUDIO</a:t>
+            </a:r>
+          </a:p>
+        </p:txBody>
+      </p:sp>
+      <p:pic>
+        <p:nvPicPr>
+          <p:cNvPr id="4098" name="Picture 2">
+            <a:extLst>
+              <a:ext uri="{FF2B5EF4-FFF2-40B4-BE49-F238E27FC236}">
+                <a16:creationId xmlns:a16="http://schemas.microsoft.com/office/drawing/2014/main" id="{AD514F7F-3173-2E2C-CDC9-521E3AEB73FB}"/>
+              </a:ext>
+            </a:extLst>
+          </p:cNvPr>
+          <p:cNvPicPr>
+            <a:picLocks noChangeAspect="1" noChangeArrowheads="1"/>
+          </p:cNvPicPr>
+          <p:nvPr/>
+        </p:nvPicPr>
+        <p:blipFill>
+          <a:blip r:embed="rId2">
+            <a:alphaModFix amt="20000"/>
+            <a:extLst>
+              <a:ext uri="{28A0092B-C50C-407E-A947-70E740481C1C}">
+                <a14:useLocalDpi xmlns:a14="http://schemas.microsoft.com/office/drawing/2010/main" val="0"/>
+              </a:ext>
+            </a:extLst>
+          </a:blip>
+          <a:srcRect/>
+          <a:stretch>
+            <a:fillRect/>
+          </a:stretch>
+        </p:blipFill>
+        <p:spPr bwMode="auto">
+          <a:xfrm>
+            <a:off x="2478010" y="1286993"/>
+            <a:ext cx="10805998" cy="7217364"/>
+          </a:xfrm>
+          <a:prstGeom prst="rect">
+            <a:avLst/>
+          </a:prstGeom>
+          <a:noFill/>
+          <a:extLst>
+            <a:ext uri="{909E8E84-426E-40DD-AFC4-6F175D3DCCD1}">
+              <a14:hiddenFill xmlns:a14="http://schemas.microsoft.com/office/drawing/2010/main">
+                <a:solidFill>
+                  <a:srgbClr val="FFFFFF"/>
+                </a:solidFill>
+              </a14:hiddenFill>
+            </a:ext>
+          </a:extLst>
+        </p:spPr>
+      </p:pic>
+      <p:sp>
+        <p:nvSpPr>
+          <p:cNvPr id="2" name="TextBox 1">
+            <a:extLst>
+              <a:ext uri="{FF2B5EF4-FFF2-40B4-BE49-F238E27FC236}">
+                <a16:creationId xmlns:a16="http://schemas.microsoft.com/office/drawing/2014/main" id="{B5641B7D-C0BF-3ED8-8E8B-D78E5533FC64}"/>
+              </a:ext>
+            </a:extLst>
+          </p:cNvPr>
+          <p:cNvSpPr txBox="1"/>
+          <p:nvPr/>
+        </p:nvSpPr>
+        <p:spPr>
+          <a:xfrm>
+            <a:off x="462329" y="1192507"/>
+            <a:ext cx="7471436" cy="1056379"/>
+          </a:xfrm>
+          <a:prstGeom prst="rect">
+            <a:avLst/>
+          </a:prstGeom>
+          <a:noFill/>
+        </p:spPr>
+        <p:txBody>
+          <a:bodyPr wrap="square">
+            <a:spAutoFit/>
+          </a:bodyPr>
+          <a:lstStyle/>
+          <a:p>
+            <a:pPr>
+              <a:lnSpc>
+                <a:spcPct val="107000"/>
+              </a:lnSpc>
+            </a:pPr>
+            <a:r>
+              <a:rPr lang="en-US" sz="2000" b="1" kern="100">
+                <a:solidFill>
+                  <a:srgbClr val="294B6B"/>
+                </a:solidFill>
+                <a:effectLst/>
+                <a:latin typeface="Arial (Body)"/>
+                <a:ea typeface="Calibri" panose="020F0502020204030204" pitchFamily="34" charset="0"/>
+                <a:cs typeface="Times New Roman" panose="02020603050405020304" pitchFamily="18" charset="0"/>
+              </a:rPr>
+              <a:t>Tạo project: </a:t>
+            </a:r>
+          </a:p>
+          <a:p>
+            <a:pPr>
+              <a:lnSpc>
+                <a:spcPct val="107000"/>
+              </a:lnSpc>
+            </a:pPr>
+            <a:r>
+              <a:rPr lang="en-US">
+                <a:solidFill>
+                  <a:srgbClr val="294B6B"/>
+                </a:solidFill>
+                <a:latin typeface="Arial (Body)"/>
+              </a:rPr>
+              <a:t>Chọn </a:t>
+            </a:r>
+            <a:r>
+              <a:rPr lang="en-US" b="1">
+                <a:solidFill>
+                  <a:srgbClr val="294B6B"/>
+                </a:solidFill>
+                <a:latin typeface="Arial (Body)"/>
+              </a:rPr>
+              <a:t>File &gt; New &gt; Project</a:t>
+            </a:r>
+            <a:r>
+              <a:rPr lang="en-US" sz="2000">
+                <a:solidFill>
+                  <a:srgbClr val="294B6B"/>
+                </a:solidFill>
+                <a:latin typeface="Arial (Body)"/>
+              </a:rPr>
+              <a:t>.</a:t>
+            </a:r>
+            <a:r>
+              <a:rPr lang="en-US" sz="2000" b="1" kern="100">
+                <a:solidFill>
+                  <a:srgbClr val="294B6B"/>
+                </a:solidFill>
+                <a:effectLst/>
+                <a:latin typeface="Arial (Body)"/>
+                <a:ea typeface="Calibri" panose="020F0502020204030204" pitchFamily="34" charset="0"/>
+                <a:cs typeface="Times New Roman" panose="02020603050405020304" pitchFamily="18" charset="0"/>
+              </a:rPr>
+              <a:t>  </a:t>
+            </a:r>
+          </a:p>
+          <a:p>
+            <a:pPr>
+              <a:lnSpc>
+                <a:spcPct val="107000"/>
+              </a:lnSpc>
+            </a:pPr>
+            <a:endParaRPr lang="en-US" sz="2000" b="1" kern="100">
+              <a:solidFill>
+                <a:srgbClr val="294B6B"/>
+              </a:solidFill>
+              <a:effectLst/>
+              <a:latin typeface="Arial (Body)"/>
+              <a:ea typeface="Calibri" panose="020F0502020204030204" pitchFamily="34" charset="0"/>
+              <a:cs typeface="Times New Roman" panose="02020603050405020304" pitchFamily="18" charset="0"/>
+            </a:endParaRPr>
+          </a:p>
+        </p:txBody>
+      </p:sp>
+      <p:pic>
+        <p:nvPicPr>
+          <p:cNvPr id="5" name="Picture 4">
+            <a:extLst>
+              <a:ext uri="{FF2B5EF4-FFF2-40B4-BE49-F238E27FC236}">
+                <a16:creationId xmlns:a16="http://schemas.microsoft.com/office/drawing/2014/main" id="{2E46AC48-2284-C308-EED2-1A28BBA5B04C}"/>
+              </a:ext>
+            </a:extLst>
+          </p:cNvPr>
+          <p:cNvPicPr>
+            <a:picLocks noChangeAspect="1"/>
+          </p:cNvPicPr>
+          <p:nvPr/>
+        </p:nvPicPr>
+        <p:blipFill>
+          <a:blip r:embed="rId3"/>
+          <a:stretch>
+            <a:fillRect/>
+          </a:stretch>
+        </p:blipFill>
+        <p:spPr>
+          <a:xfrm>
+            <a:off x="784389" y="2249376"/>
+            <a:ext cx="7520965" cy="4250036"/>
+          </a:xfrm>
+          <a:prstGeom prst="rect">
+            <a:avLst/>
+          </a:prstGeom>
+        </p:spPr>
+      </p:pic>
+      <p:sp>
+        <p:nvSpPr>
+          <p:cNvPr id="3" name="Oval 2">
+            <a:extLst>
+              <a:ext uri="{FF2B5EF4-FFF2-40B4-BE49-F238E27FC236}">
+                <a16:creationId xmlns:a16="http://schemas.microsoft.com/office/drawing/2014/main" id="{098ADA79-81BC-14DE-4FB2-82F1E67BD7E9}"/>
+              </a:ext>
+            </a:extLst>
+          </p:cNvPr>
+          <p:cNvSpPr/>
+          <p:nvPr/>
+        </p:nvSpPr>
+        <p:spPr>
+          <a:xfrm>
+            <a:off x="1062295" y="2505914"/>
+            <a:ext cx="555812" cy="371757"/>
+          </a:xfrm>
+          <a:prstGeom prst="ellipse">
+            <a:avLst/>
+          </a:prstGeom>
+          <a:noFill/>
+          <a:ln w="28575" cap="flat" cmpd="sng" algn="ctr">
+            <a:solidFill>
+              <a:srgbClr val="C00000"/>
+            </a:solidFill>
+            <a:prstDash val="solid"/>
+            <a:round/>
+            <a:headEnd type="none" w="med" len="med"/>
+            <a:tailEnd type="none" w="med" len="med"/>
+          </a:ln>
+        </p:spPr>
+        <p:style>
+          <a:lnRef idx="0">
+            <a:scrgbClr r="0" g="0" b="0"/>
+          </a:lnRef>
+          <a:fillRef idx="0">
+            <a:scrgbClr r="0" g="0" b="0"/>
+          </a:fillRef>
+          <a:effectRef idx="0">
+            <a:scrgbClr r="0" g="0" b="0"/>
+          </a:effectRef>
+          <a:fontRef idx="minor">
+            <a:schemeClr val="dk1"/>
+          </a:fontRef>
+        </p:style>
+        <p:txBody>
+          <a:bodyPr rtlCol="0" anchor="ctr"/>
+          <a:lstStyle/>
+          <a:p>
+            <a:pPr algn="ctr"/>
+            <a:endParaRPr lang="en-US"/>
+          </a:p>
+        </p:txBody>
+      </p:sp>
+      <p:sp>
+        <p:nvSpPr>
+          <p:cNvPr id="6" name="Oval 5">
+            <a:extLst>
+              <a:ext uri="{FF2B5EF4-FFF2-40B4-BE49-F238E27FC236}">
+                <a16:creationId xmlns:a16="http://schemas.microsoft.com/office/drawing/2014/main" id="{6ACDE66D-D1B4-E46D-38B8-9EFD60BDFC1A}"/>
+              </a:ext>
+            </a:extLst>
+          </p:cNvPr>
+          <p:cNvSpPr/>
+          <p:nvPr/>
+        </p:nvSpPr>
+        <p:spPr>
+          <a:xfrm>
+            <a:off x="660104" y="2141937"/>
+            <a:ext cx="555812" cy="537883"/>
+          </a:xfrm>
+          <a:prstGeom prst="ellipse">
+            <a:avLst/>
+          </a:prstGeom>
+          <a:noFill/>
+          <a:ln w="28575" cap="flat" cmpd="sng" algn="ctr">
+            <a:solidFill>
+              <a:srgbClr val="C00000"/>
+            </a:solidFill>
+            <a:prstDash val="solid"/>
+            <a:round/>
+            <a:headEnd type="none" w="med" len="med"/>
+            <a:tailEnd type="none" w="med" len="med"/>
+          </a:ln>
+        </p:spPr>
+        <p:style>
+          <a:lnRef idx="0">
+            <a:scrgbClr r="0" g="0" b="0"/>
+          </a:lnRef>
+          <a:fillRef idx="0">
+            <a:scrgbClr r="0" g="0" b="0"/>
+          </a:fillRef>
+          <a:effectRef idx="0">
+            <a:scrgbClr r="0" g="0" b="0"/>
+          </a:effectRef>
+          <a:fontRef idx="minor">
+            <a:schemeClr val="dk1"/>
+          </a:fontRef>
+        </p:style>
+        <p:txBody>
+          <a:bodyPr rtlCol="0" anchor="ctr"/>
+          <a:lstStyle/>
+          <a:p>
+            <a:pPr algn="ctr"/>
+            <a:endParaRPr lang="en-US"/>
+          </a:p>
+        </p:txBody>
+      </p:sp>
+      <p:sp>
+        <p:nvSpPr>
+          <p:cNvPr id="7" name="Oval 6">
+            <a:extLst>
+              <a:ext uri="{FF2B5EF4-FFF2-40B4-BE49-F238E27FC236}">
+                <a16:creationId xmlns:a16="http://schemas.microsoft.com/office/drawing/2014/main" id="{8755C15E-2D1B-BA7F-C8AA-FD46BCE7D18B}"/>
+              </a:ext>
+            </a:extLst>
+          </p:cNvPr>
+          <p:cNvSpPr/>
+          <p:nvPr/>
+        </p:nvSpPr>
+        <p:spPr>
+          <a:xfrm>
+            <a:off x="6248358" y="2505914"/>
+            <a:ext cx="1022018" cy="420781"/>
+          </a:xfrm>
+          <a:prstGeom prst="ellipse">
+            <a:avLst/>
+          </a:prstGeom>
+          <a:noFill/>
+          <a:ln w="28575" cap="flat" cmpd="sng" algn="ctr">
+            <a:solidFill>
+              <a:srgbClr val="C00000"/>
+            </a:solidFill>
+            <a:prstDash val="solid"/>
+            <a:round/>
+            <a:headEnd type="none" w="med" len="med"/>
+            <a:tailEnd type="none" w="med" len="med"/>
+          </a:ln>
+        </p:spPr>
+        <p:style>
+          <a:lnRef idx="0">
+            <a:scrgbClr r="0" g="0" b="0"/>
+          </a:lnRef>
+          <a:fillRef idx="0">
+            <a:scrgbClr r="0" g="0" b="0"/>
+          </a:fillRef>
+          <a:effectRef idx="0">
+            <a:scrgbClr r="0" g="0" b="0"/>
+          </a:effectRef>
+          <a:fontRef idx="minor">
+            <a:schemeClr val="dk1"/>
+          </a:fontRef>
+        </p:style>
+        <p:txBody>
+          <a:bodyPr rtlCol="0" anchor="ctr"/>
+          <a:lstStyle/>
+          <a:p>
+            <a:pPr algn="ctr"/>
+            <a:endParaRPr lang="en-US"/>
+          </a:p>
+        </p:txBody>
+      </p:sp>
+    </p:spTree>
+    <p:extLst>
+      <p:ext uri="{BB962C8B-B14F-4D97-AF65-F5344CB8AC3E}">
+        <p14:creationId xmlns:p14="http://schemas.microsoft.com/office/powerpoint/2010/main" val="3416547598"/>
+      </p:ext>
+    </p:extLst>
+  </p:cSld>
+  <p:clrMapOvr>
+    <a:masterClrMapping/>
+  </p:clrMapOvr>
+  <mc:AlternateContent xmlns:mc="http://schemas.openxmlformats.org/markup-compatibility/2006">
+    <mc:Choice xmlns:p14="http://schemas.microsoft.com/office/powerpoint/2010/main" Requires="p14">
+      <p:transition spd="slow" p14:dur="1500">
+        <p:split orient="vert"/>
+      </p:transition>
+    </mc:Choice>
+    <mc:Fallback>
+      <p:transition spd="slow">
+        <p:split orient="vert"/>
+      </p:transition>
+    </mc:Fallback>
+  </mc:AlternateContent>
+  <p:timing>
+    <p:tnLst>
+      <p:par>
+        <p:cTn id="1" dur="indefinite" restart="never" nodeType="tmRoot">
+          <p:childTnLst>
+            <p:seq concurrent="1" nextAc="seek">
+              <p:cTn id="2" dur="indefinite" nodeType="mainSeq">
+                <p:childTnLst>
+                  <p:par>
+                    <p:cTn id="3" fill="hold">
+                      <p:stCondLst>
+                        <p:cond delay="indefinite"/>
+                        <p:cond evt="onBegin" delay="0">
+                          <p:tn val="2"/>
+                        </p:cond>
+                      </p:stCondLst>
+                      <p:childTnLst>
+                        <p:par>
+                          <p:cTn id="4" fill="hold">
+                            <p:stCondLst>
+                              <p:cond delay="0"/>
+                            </p:stCondLst>
+                            <p:childTnLst>
+                              <p:par>
+                                <p:cTn id="5" presetID="6" presetClass="entr" presetSubtype="16" fill="hold" grpId="0" nodeType="afterEffect">
+                                  <p:stCondLst>
+                                    <p:cond delay="0"/>
+                                  </p:stCondLst>
+                                  <p:childTnLst>
+                                    <p:set>
+                                      <p:cBhvr>
+                                        <p:cTn id="6" dur="1" fill="hold">
+                                          <p:stCondLst>
+                                            <p:cond delay="0"/>
+                                          </p:stCondLst>
+                                        </p:cTn>
+                                        <p:tgtEl>
+                                          <p:spTgt spid="2"/>
+                                        </p:tgtEl>
+                                        <p:attrNameLst>
+                                          <p:attrName>style.visibility</p:attrName>
+                                        </p:attrNameLst>
+                                      </p:cBhvr>
+                                      <p:to>
+                                        <p:strVal val="visible"/>
+                                      </p:to>
+                                    </p:set>
+                                    <p:animEffect transition="in" filter="circle(in)">
+                                      <p:cBhvr>
+                                        <p:cTn id="7" dur="2000"/>
+                                        <p:tgtEl>
+                                          <p:spTgt spid="2"/>
+                                        </p:tgtEl>
+                                      </p:cBhvr>
+                                    </p:animEffect>
+                                  </p:childTnLst>
+                                </p:cTn>
+                              </p:par>
+                            </p:childTnLst>
+                          </p:cTn>
+                        </p:par>
+                        <p:par>
+                          <p:cTn id="8" fill="hold">
+                            <p:stCondLst>
+                              <p:cond delay="2000"/>
+                            </p:stCondLst>
+                            <p:childTnLst>
+                              <p:par>
+                                <p:cTn id="9" presetID="42" presetClass="entr" presetSubtype="0" fill="hold" grpId="0" nodeType="afterEffect">
+                                  <p:stCondLst>
+                                    <p:cond delay="0"/>
+                                  </p:stCondLst>
+                                  <p:childTnLst>
+                                    <p:set>
+                                      <p:cBhvr>
+                                        <p:cTn id="10" dur="1" fill="hold">
+                                          <p:stCondLst>
+                                            <p:cond delay="0"/>
+                                          </p:stCondLst>
+                                        </p:cTn>
+                                        <p:tgtEl>
+                                          <p:spTgt spid="6"/>
+                                        </p:tgtEl>
+                                        <p:attrNameLst>
+                                          <p:attrName>style.visibility</p:attrName>
+                                        </p:attrNameLst>
+                                      </p:cBhvr>
+                                      <p:to>
+                                        <p:strVal val="visible"/>
+                                      </p:to>
+                                    </p:set>
+                                    <p:animEffect transition="in" filter="fade">
+                                      <p:cBhvr>
+                                        <p:cTn id="11" dur="750"/>
+                                        <p:tgtEl>
+                                          <p:spTgt spid="6"/>
+                                        </p:tgtEl>
+                                      </p:cBhvr>
+                                    </p:animEffect>
+                                    <p:anim calcmode="lin" valueType="num">
+                                      <p:cBhvr>
+                                        <p:cTn id="12" dur="750" fill="hold"/>
+                                        <p:tgtEl>
+                                          <p:spTgt spid="6"/>
+                                        </p:tgtEl>
+                                        <p:attrNameLst>
+                                          <p:attrName>ppt_x</p:attrName>
+                                        </p:attrNameLst>
+                                      </p:cBhvr>
+                                      <p:tavLst>
+                                        <p:tav tm="0">
+                                          <p:val>
+                                            <p:strVal val="#ppt_x"/>
+                                          </p:val>
+                                        </p:tav>
+                                        <p:tav tm="100000">
+                                          <p:val>
+                                            <p:strVal val="#ppt_x"/>
+                                          </p:val>
+                                        </p:tav>
+                                      </p:tavLst>
+                                    </p:anim>
+                                    <p:anim calcmode="lin" valueType="num">
+                                      <p:cBhvr>
+                                        <p:cTn id="13" dur="750" fill="hold"/>
+                                        <p:tgtEl>
+                                          <p:spTgt spid="6"/>
+                                        </p:tgtEl>
+                                        <p:attrNameLst>
+                                          <p:attrName>ppt_y</p:attrName>
+                                        </p:attrNameLst>
+                                      </p:cBhvr>
+                                      <p:tavLst>
+                                        <p:tav tm="0">
+                                          <p:val>
+                                            <p:strVal val="#ppt_y+.1"/>
+                                          </p:val>
+                                        </p:tav>
+                                        <p:tav tm="100000">
+                                          <p:val>
+                                            <p:strVal val="#ppt_y"/>
+                                          </p:val>
+                                        </p:tav>
+                                      </p:tavLst>
+                                    </p:anim>
+                                  </p:childTnLst>
+                                </p:cTn>
+                              </p:par>
+                            </p:childTnLst>
+                          </p:cTn>
+                        </p:par>
+                        <p:par>
+                          <p:cTn id="14" fill="hold">
+                            <p:stCondLst>
+                              <p:cond delay="2750"/>
+                            </p:stCondLst>
+                            <p:childTnLst>
+                              <p:par>
+                                <p:cTn id="15" presetID="42" presetClass="entr" presetSubtype="0" fill="hold" grpId="0" nodeType="afterEffect">
+                                  <p:stCondLst>
+                                    <p:cond delay="0"/>
+                                  </p:stCondLst>
+                                  <p:childTnLst>
+                                    <p:set>
+                                      <p:cBhvr>
+                                        <p:cTn id="16" dur="1" fill="hold">
+                                          <p:stCondLst>
+                                            <p:cond delay="0"/>
+                                          </p:stCondLst>
+                                        </p:cTn>
+                                        <p:tgtEl>
+                                          <p:spTgt spid="3"/>
+                                        </p:tgtEl>
+                                        <p:attrNameLst>
+                                          <p:attrName>style.visibility</p:attrName>
+                                        </p:attrNameLst>
+                                      </p:cBhvr>
+                                      <p:to>
+                                        <p:strVal val="visible"/>
+                                      </p:to>
+                                    </p:set>
+                                    <p:animEffect transition="in" filter="fade">
+                                      <p:cBhvr>
+                                        <p:cTn id="17" dur="750"/>
+                                        <p:tgtEl>
+                                          <p:spTgt spid="3"/>
+                                        </p:tgtEl>
+                                      </p:cBhvr>
+                                    </p:animEffect>
+                                    <p:anim calcmode="lin" valueType="num">
+                                      <p:cBhvr>
+                                        <p:cTn id="18" dur="750" fill="hold"/>
+                                        <p:tgtEl>
+                                          <p:spTgt spid="3"/>
+                                        </p:tgtEl>
+                                        <p:attrNameLst>
+                                          <p:attrName>ppt_x</p:attrName>
+                                        </p:attrNameLst>
+                                      </p:cBhvr>
+                                      <p:tavLst>
+                                        <p:tav tm="0">
+                                          <p:val>
+                                            <p:strVal val="#ppt_x"/>
+                                          </p:val>
+                                        </p:tav>
+                                        <p:tav tm="100000">
+                                          <p:val>
+                                            <p:strVal val="#ppt_x"/>
+                                          </p:val>
+                                        </p:tav>
+                                      </p:tavLst>
+                                    </p:anim>
+                                    <p:anim calcmode="lin" valueType="num">
+                                      <p:cBhvr>
+                                        <p:cTn id="19" dur="750" fill="hold"/>
+                                        <p:tgtEl>
+                                          <p:spTgt spid="3"/>
+                                        </p:tgtEl>
+                                        <p:attrNameLst>
+                                          <p:attrName>ppt_y</p:attrName>
+                                        </p:attrNameLst>
+                                      </p:cBhvr>
+                                      <p:tavLst>
+                                        <p:tav tm="0">
+                                          <p:val>
+                                            <p:strVal val="#ppt_y+.1"/>
+                                          </p:val>
+                                        </p:tav>
+                                        <p:tav tm="100000">
+                                          <p:val>
+                                            <p:strVal val="#ppt_y"/>
+                                          </p:val>
+                                        </p:tav>
+                                      </p:tavLst>
+                                    </p:anim>
+                                  </p:childTnLst>
+                                </p:cTn>
+                              </p:par>
+                            </p:childTnLst>
+                          </p:cTn>
+                        </p:par>
+                        <p:par>
+                          <p:cTn id="20" fill="hold">
+                            <p:stCondLst>
+                              <p:cond delay="3500"/>
+                            </p:stCondLst>
+                            <p:childTnLst>
+                              <p:par>
+                                <p:cTn id="21" presetID="42" presetClass="entr" presetSubtype="0" fill="hold" grpId="0" nodeType="afterEffect">
+                                  <p:stCondLst>
+                                    <p:cond delay="0"/>
+                                  </p:stCondLst>
+                                  <p:childTnLst>
+                                    <p:set>
+                                      <p:cBhvr>
+                                        <p:cTn id="22" dur="1" fill="hold">
+                                          <p:stCondLst>
+                                            <p:cond delay="0"/>
+                                          </p:stCondLst>
+                                        </p:cTn>
+                                        <p:tgtEl>
+                                          <p:spTgt spid="7"/>
+                                        </p:tgtEl>
+                                        <p:attrNameLst>
+                                          <p:attrName>style.visibility</p:attrName>
+                                        </p:attrNameLst>
+                                      </p:cBhvr>
+                                      <p:to>
+                                        <p:strVal val="visible"/>
+                                      </p:to>
+                                    </p:set>
+                                    <p:animEffect transition="in" filter="fade">
+                                      <p:cBhvr>
+                                        <p:cTn id="23" dur="750"/>
+                                        <p:tgtEl>
+                                          <p:spTgt spid="7"/>
+                                        </p:tgtEl>
+                                      </p:cBhvr>
+                                    </p:animEffect>
+                                    <p:anim calcmode="lin" valueType="num">
+                                      <p:cBhvr>
+                                        <p:cTn id="24" dur="750" fill="hold"/>
+                                        <p:tgtEl>
+                                          <p:spTgt spid="7"/>
+                                        </p:tgtEl>
+                                        <p:attrNameLst>
+                                          <p:attrName>ppt_x</p:attrName>
+                                        </p:attrNameLst>
+                                      </p:cBhvr>
+                                      <p:tavLst>
+                                        <p:tav tm="0">
+                                          <p:val>
+                                            <p:strVal val="#ppt_x"/>
+                                          </p:val>
+                                        </p:tav>
+                                        <p:tav tm="100000">
+                                          <p:val>
+                                            <p:strVal val="#ppt_x"/>
+                                          </p:val>
+                                        </p:tav>
+                                      </p:tavLst>
+                                    </p:anim>
+                                    <p:anim calcmode="lin" valueType="num">
+                                      <p:cBhvr>
+                                        <p:cTn id="25" dur="750" fill="hold"/>
+                                        <p:tgtEl>
+                                          <p:spTgt spid="7"/>
+                                        </p:tgtEl>
+                                        <p:attrNameLst>
+                                          <p:attrName>ppt_y</p:attrName>
+                                        </p:attrNameLst>
+                                      </p:cBhvr>
+                                      <p:tavLst>
+                                        <p:tav tm="0">
+                                          <p:val>
+                                            <p:strVal val="#ppt_y+.1"/>
+                                          </p:val>
+                                        </p:tav>
+                                        <p:tav tm="100000">
+                                          <p:val>
+                                            <p:strVal val="#ppt_y"/>
+                                          </p:val>
+                                        </p:tav>
+                                      </p:tavLst>
+                                    </p:anim>
+                                  </p:childTnLst>
+                                </p:cTn>
+                              </p:par>
+                            </p:childTnLst>
+                          </p:cTn>
+                        </p:par>
+                      </p:childTnLst>
+                    </p:cTn>
+                  </p:par>
+                </p:childTnLst>
+              </p:cTn>
+              <p:prevCondLst>
+                <p:cond evt="onPrev" delay="0">
+                  <p:tgtEl>
+                    <p:sldTgt/>
+                  </p:tgtEl>
+                </p:cond>
+              </p:prevCondLst>
+              <p:nextCondLst>
+                <p:cond evt="onNext" delay="0">
+                  <p:tgtEl>
+                    <p:sldTgt/>
+                  </p:tgtEl>
+                </p:cond>
+              </p:nextCondLst>
+            </p:seq>
+          </p:childTnLst>
+        </p:cTn>
+      </p:par>
+    </p:tnLst>
+    <p:bldLst>
+      <p:bldP spid="2" grpId="0"/>
+      <p:bldP spid="3" grpId="0" animBg="1"/>
+      <p:bldP spid="6" grpId="0" animBg="1"/>
+      <p:bldP spid="7" grpId="0" animBg="1"/>
+    </p:bldLst>
+  </p:timing>
+</p:sld>
+</file>
+
+<file path=ppt/slides/slide11.xml><?xml version="1.0" encoding="utf-8"?>
+<p:sld xmlns:a="http://schemas.openxmlformats.org/drawingml/2006/main" xmlns:r="http://schemas.openxmlformats.org/officeDocument/2006/relationships" xmlns:p="http://schemas.openxmlformats.org/presentationml/2006/main">
+  <p:cSld>
+    <p:spTree>
+      <p:nvGrpSpPr>
+        <p:cNvPr id="1" name=""/>
+        <p:cNvGrpSpPr/>
+        <p:nvPr/>
+      </p:nvGrpSpPr>
+      <p:grpSpPr>
+        <a:xfrm>
+          <a:off x="0" y="0"/>
+          <a:ext cx="0" cy="0"/>
+          <a:chOff x="0" y="0"/>
+          <a:chExt cx="0" cy="0"/>
+        </a:xfrm>
+      </p:grpSpPr>
+      <p:sp>
+        <p:nvSpPr>
+          <p:cNvPr id="4" name="Rectangle 3">
+            <a:extLst>
+              <a:ext uri="{FF2B5EF4-FFF2-40B4-BE49-F238E27FC236}">
+                <a16:creationId xmlns:a16="http://schemas.microsoft.com/office/drawing/2014/main" id="{6A8D1C93-7E1D-06EB-E421-61CB33E81B48}"/>
+              </a:ext>
+            </a:extLst>
+          </p:cNvPr>
+          <p:cNvSpPr/>
+          <p:nvPr/>
+        </p:nvSpPr>
+        <p:spPr>
+          <a:xfrm>
+            <a:off x="-1" y="0"/>
+            <a:ext cx="12192001" cy="957183"/>
+          </a:xfrm>
+          <a:prstGeom prst="rect">
+            <a:avLst/>
+          </a:prstGeom>
+          <a:solidFill>
+            <a:srgbClr val="00294F">
+              <a:alpha val="84000"/>
+            </a:srgbClr>
+          </a:solidFill>
+        </p:spPr>
+        <p:style>
+          <a:lnRef idx="2">
+            <a:schemeClr val="accent1">
+              <a:shade val="15000"/>
+            </a:schemeClr>
+          </a:lnRef>
+          <a:fillRef idx="1">
+            <a:schemeClr val="accent1"/>
+          </a:fillRef>
+          <a:effectRef idx="0">
+            <a:schemeClr val="accent1"/>
+          </a:effectRef>
+          <a:fontRef idx="minor">
+            <a:schemeClr val="lt1"/>
+          </a:fontRef>
+        </p:style>
+        <p:txBody>
+          <a:bodyPr lIns="365760" rtlCol="0" anchor="ctr"/>
+          <a:lstStyle/>
+          <a:p>
+            <a:r>
+              <a:rPr lang="en-US" sz="3200" b="1">
+                <a:solidFill>
+                  <a:schemeClr val="bg1"/>
+                </a:solidFill>
+              </a:rPr>
+              <a:t>CÁC BƯỚC CƠ BẢN LÀM VIỆC VỚI KATALON STUDIO</a:t>
+            </a:r>
+          </a:p>
+        </p:txBody>
+      </p:sp>
+      <p:pic>
+        <p:nvPicPr>
+          <p:cNvPr id="5" name="Picture 2">
+            <a:extLst>
+              <a:ext uri="{FF2B5EF4-FFF2-40B4-BE49-F238E27FC236}">
+                <a16:creationId xmlns:a16="http://schemas.microsoft.com/office/drawing/2014/main" id="{5FEE905C-814C-B832-B67C-786BF77A4B58}"/>
+              </a:ext>
+            </a:extLst>
+          </p:cNvPr>
+          <p:cNvPicPr>
+            <a:picLocks noChangeAspect="1" noChangeArrowheads="1"/>
+          </p:cNvPicPr>
+          <p:nvPr/>
+        </p:nvPicPr>
+        <p:blipFill>
+          <a:blip r:embed="rId2">
+            <a:alphaModFix amt="20000"/>
+            <a:extLst>
+              <a:ext uri="{28A0092B-C50C-407E-A947-70E740481C1C}">
+                <a14:useLocalDpi xmlns:a14="http://schemas.microsoft.com/office/drawing/2010/main" val="0"/>
+              </a:ext>
+            </a:extLst>
+          </a:blip>
+          <a:srcRect/>
+          <a:stretch>
+            <a:fillRect/>
+          </a:stretch>
+        </p:blipFill>
+        <p:spPr bwMode="auto">
+          <a:xfrm>
+            <a:off x="-1480485" y="1192507"/>
+            <a:ext cx="10805998" cy="7217364"/>
+          </a:xfrm>
+          <a:prstGeom prst="rect">
+            <a:avLst/>
+          </a:prstGeom>
+          <a:noFill/>
+          <a:extLst>
+            <a:ext uri="{909E8E84-426E-40DD-AFC4-6F175D3DCCD1}">
+              <a14:hiddenFill xmlns:a14="http://schemas.microsoft.com/office/drawing/2010/main">
+                <a:solidFill>
+                  <a:srgbClr val="FFFFFF"/>
+                </a:solidFill>
+              </a14:hiddenFill>
+            </a:ext>
+          </a:extLst>
+        </p:spPr>
+      </p:pic>
+      <p:sp>
+        <p:nvSpPr>
+          <p:cNvPr id="6" name="TextBox 5">
+            <a:extLst>
+              <a:ext uri="{FF2B5EF4-FFF2-40B4-BE49-F238E27FC236}">
+                <a16:creationId xmlns:a16="http://schemas.microsoft.com/office/drawing/2014/main" id="{2835C201-B2AF-B389-A6D1-530AF59DE488}"/>
+              </a:ext>
+            </a:extLst>
+          </p:cNvPr>
+          <p:cNvSpPr txBox="1"/>
+          <p:nvPr/>
+        </p:nvSpPr>
+        <p:spPr>
+          <a:xfrm>
+            <a:off x="462329" y="1192507"/>
+            <a:ext cx="7471436" cy="1396729"/>
+          </a:xfrm>
+          <a:prstGeom prst="rect">
+            <a:avLst/>
+          </a:prstGeom>
+          <a:noFill/>
+        </p:spPr>
+        <p:txBody>
+          <a:bodyPr wrap="square">
+            <a:spAutoFit/>
+          </a:bodyPr>
+          <a:lstStyle/>
+          <a:p>
+            <a:pPr>
+              <a:lnSpc>
+                <a:spcPct val="107000"/>
+              </a:lnSpc>
+              <a:spcBef>
+                <a:spcPts val="600"/>
+              </a:spcBef>
+            </a:pPr>
+            <a:r>
+              <a:rPr lang="en-US" sz="2000" b="1" kern="100">
+                <a:solidFill>
+                  <a:srgbClr val="294B6B"/>
+                </a:solidFill>
+                <a:effectLst/>
+                <a:latin typeface="Arial (Body)"/>
+                <a:ea typeface="Calibri" panose="020F0502020204030204" pitchFamily="34" charset="0"/>
+                <a:cs typeface="Times New Roman" panose="02020603050405020304" pitchFamily="18" charset="0"/>
+              </a:rPr>
+              <a:t>Tạo project: </a:t>
+            </a:r>
+          </a:p>
+          <a:p>
+            <a:pPr>
+              <a:lnSpc>
+                <a:spcPct val="107000"/>
+              </a:lnSpc>
+              <a:spcBef>
+                <a:spcPts val="600"/>
+              </a:spcBef>
+            </a:pPr>
+            <a:r>
+              <a:rPr lang="en-US">
+                <a:solidFill>
+                  <a:srgbClr val="294B6B"/>
+                </a:solidFill>
+                <a:latin typeface="Arial (Body)"/>
+              </a:rPr>
+              <a:t>Trong cửa sổ "New Project," đặt tên cho project và chọn loại project (Web, API, Mobile).</a:t>
+            </a:r>
+            <a:r>
+              <a:rPr lang="en-US" b="1" kern="100">
+                <a:solidFill>
+                  <a:srgbClr val="294B6B"/>
+                </a:solidFill>
+                <a:effectLst/>
+                <a:latin typeface="Arial (Body)"/>
+                <a:ea typeface="Calibri" panose="020F0502020204030204" pitchFamily="34" charset="0"/>
+                <a:cs typeface="Times New Roman" panose="02020603050405020304" pitchFamily="18" charset="0"/>
+              </a:rPr>
+              <a:t>  </a:t>
+            </a:r>
+          </a:p>
+          <a:p>
+            <a:pPr>
+              <a:lnSpc>
+                <a:spcPct val="107000"/>
+              </a:lnSpc>
+            </a:pPr>
+            <a:endParaRPr lang="en-US" sz="2000" b="1" kern="100">
+              <a:solidFill>
+                <a:srgbClr val="294B6B"/>
+              </a:solidFill>
+              <a:effectLst/>
+              <a:latin typeface="Arial (Body)"/>
+              <a:ea typeface="Calibri" panose="020F0502020204030204" pitchFamily="34" charset="0"/>
+              <a:cs typeface="Times New Roman" panose="02020603050405020304" pitchFamily="18" charset="0"/>
+            </a:endParaRPr>
+          </a:p>
+        </p:txBody>
+      </p:sp>
+      <p:pic>
+        <p:nvPicPr>
+          <p:cNvPr id="11" name="Picture 10">
+            <a:extLst>
+              <a:ext uri="{FF2B5EF4-FFF2-40B4-BE49-F238E27FC236}">
+                <a16:creationId xmlns:a16="http://schemas.microsoft.com/office/drawing/2014/main" id="{0B615106-001F-2062-8AE3-EA3AFC0CF2E8}"/>
+              </a:ext>
+            </a:extLst>
+          </p:cNvPr>
+          <p:cNvPicPr>
+            <a:picLocks noChangeAspect="1"/>
+          </p:cNvPicPr>
+          <p:nvPr/>
+        </p:nvPicPr>
+        <p:blipFill>
+          <a:blip r:embed="rId3">
+            <a:extLst>
+              <a:ext uri="{28A0092B-C50C-407E-A947-70E740481C1C}">
+                <a14:useLocalDpi xmlns:a14="http://schemas.microsoft.com/office/drawing/2010/main" val="0"/>
+              </a:ext>
+            </a:extLst>
+          </a:blip>
+          <a:stretch>
+            <a:fillRect/>
+          </a:stretch>
+        </p:blipFill>
+        <p:spPr>
+          <a:xfrm>
+            <a:off x="3806189" y="2102941"/>
+            <a:ext cx="7735232" cy="4561735"/>
+          </a:xfrm>
+          <a:prstGeom prst="rect">
+            <a:avLst/>
+          </a:prstGeom>
+        </p:spPr>
+      </p:pic>
+      <p:sp>
+        <p:nvSpPr>
+          <p:cNvPr id="12" name="Oval 11">
+            <a:extLst>
+              <a:ext uri="{FF2B5EF4-FFF2-40B4-BE49-F238E27FC236}">
+                <a16:creationId xmlns:a16="http://schemas.microsoft.com/office/drawing/2014/main" id="{306318B8-E9AC-7828-9F9D-916F11891558}"/>
+              </a:ext>
+            </a:extLst>
+          </p:cNvPr>
+          <p:cNvSpPr/>
+          <p:nvPr/>
+        </p:nvSpPr>
+        <p:spPr>
+          <a:xfrm>
+            <a:off x="3903344" y="2824560"/>
+            <a:ext cx="657225" cy="311597"/>
+          </a:xfrm>
+          <a:prstGeom prst="ellipse">
+            <a:avLst/>
+          </a:prstGeom>
+          <a:noFill/>
+          <a:ln w="28575" cap="flat" cmpd="sng" algn="ctr">
+            <a:solidFill>
+              <a:srgbClr val="FFFF00"/>
+            </a:solidFill>
+            <a:prstDash val="solid"/>
+            <a:round/>
+            <a:headEnd type="none" w="med" len="med"/>
+            <a:tailEnd type="none" w="med" len="med"/>
+          </a:ln>
+        </p:spPr>
+        <p:style>
+          <a:lnRef idx="0">
+            <a:scrgbClr r="0" g="0" b="0"/>
+          </a:lnRef>
+          <a:fillRef idx="0">
+            <a:scrgbClr r="0" g="0" b="0"/>
+          </a:fillRef>
+          <a:effectRef idx="0">
+            <a:scrgbClr r="0" g="0" b="0"/>
+          </a:effectRef>
+          <a:fontRef idx="minor">
+            <a:schemeClr val="dk1"/>
+          </a:fontRef>
+        </p:style>
+        <p:txBody>
+          <a:bodyPr rtlCol="0" anchor="ctr"/>
+          <a:lstStyle/>
+          <a:p>
+            <a:pPr algn="ctr"/>
+            <a:endParaRPr lang="en-US"/>
+          </a:p>
+        </p:txBody>
+      </p:sp>
+      <p:sp>
+        <p:nvSpPr>
+          <p:cNvPr id="13" name="Oval 12">
+            <a:extLst>
+              <a:ext uri="{FF2B5EF4-FFF2-40B4-BE49-F238E27FC236}">
+                <a16:creationId xmlns:a16="http://schemas.microsoft.com/office/drawing/2014/main" id="{EDA772A4-ED74-5B74-1073-47B050040D69}"/>
+              </a:ext>
+            </a:extLst>
+          </p:cNvPr>
+          <p:cNvSpPr/>
+          <p:nvPr/>
+        </p:nvSpPr>
+        <p:spPr>
+          <a:xfrm>
+            <a:off x="3806189" y="3232301"/>
+            <a:ext cx="851536" cy="311596"/>
+          </a:xfrm>
+          <a:prstGeom prst="ellipse">
+            <a:avLst/>
+          </a:prstGeom>
+          <a:noFill/>
+          <a:ln w="28575" cap="flat" cmpd="sng" algn="ctr">
+            <a:solidFill>
+              <a:srgbClr val="FFFF00"/>
+            </a:solidFill>
+            <a:prstDash val="solid"/>
+            <a:round/>
+            <a:headEnd type="none" w="med" len="med"/>
+            <a:tailEnd type="none" w="med" len="med"/>
+          </a:ln>
+        </p:spPr>
+        <p:style>
+          <a:lnRef idx="0">
+            <a:scrgbClr r="0" g="0" b="0"/>
+          </a:lnRef>
+          <a:fillRef idx="0">
+            <a:scrgbClr r="0" g="0" b="0"/>
+          </a:fillRef>
+          <a:effectRef idx="0">
+            <a:scrgbClr r="0" g="0" b="0"/>
+          </a:effectRef>
+          <a:fontRef idx="minor">
+            <a:schemeClr val="dk1"/>
+          </a:fontRef>
+        </p:style>
+        <p:txBody>
+          <a:bodyPr rtlCol="0" anchor="ctr"/>
+          <a:lstStyle/>
+          <a:p>
+            <a:pPr algn="ctr"/>
+            <a:endParaRPr lang="en-US"/>
+          </a:p>
+        </p:txBody>
+      </p:sp>
+    </p:spTree>
+    <p:extLst>
+      <p:ext uri="{BB962C8B-B14F-4D97-AF65-F5344CB8AC3E}">
+        <p14:creationId xmlns:p14="http://schemas.microsoft.com/office/powerpoint/2010/main" val="1543889935"/>
+      </p:ext>
+    </p:extLst>
+  </p:cSld>
+  <p:clrMapOvr>
+    <a:masterClrMapping/>
+  </p:clrMapOvr>
+  <p:transition spd="slow">
+    <p:push dir="u"/>
+  </p:transition>
+  <p:timing>
+    <p:tnLst>
+      <p:par>
+        <p:cTn id="1" dur="indefinite" restart="never" nodeType="tmRoot">
+          <p:childTnLst>
+            <p:seq concurrent="1" nextAc="seek">
+              <p:cTn id="2" dur="indefinite" nodeType="mainSeq">
+                <p:childTnLst>
+                  <p:par>
+                    <p:cTn id="3" fill="hold">
+                      <p:stCondLst>
+                        <p:cond delay="indefinite"/>
+                        <p:cond evt="onBegin" delay="0">
+                          <p:tn val="2"/>
+                        </p:cond>
+                      </p:stCondLst>
+                      <p:childTnLst>
+                        <p:par>
+                          <p:cTn id="4" fill="hold">
+                            <p:stCondLst>
+                              <p:cond delay="0"/>
+                            </p:stCondLst>
+                            <p:childTnLst>
+                              <p:par>
+                                <p:cTn id="5" presetID="6" presetClass="entr" presetSubtype="16" fill="hold" grpId="0" nodeType="afterEffect">
+                                  <p:stCondLst>
+                                    <p:cond delay="0"/>
+                                  </p:stCondLst>
+                                  <p:childTnLst>
+                                    <p:set>
+                                      <p:cBhvr>
+                                        <p:cTn id="6" dur="1" fill="hold">
+                                          <p:stCondLst>
+                                            <p:cond delay="0"/>
+                                          </p:stCondLst>
+                                        </p:cTn>
+                                        <p:tgtEl>
+                                          <p:spTgt spid="6"/>
+                                        </p:tgtEl>
+                                        <p:attrNameLst>
+                                          <p:attrName>style.visibility</p:attrName>
+                                        </p:attrNameLst>
+                                      </p:cBhvr>
+                                      <p:to>
+                                        <p:strVal val="visible"/>
+                                      </p:to>
+                                    </p:set>
+                                    <p:animEffect transition="in" filter="circle(in)">
+                                      <p:cBhvr>
+                                        <p:cTn id="7" dur="2000"/>
+                                        <p:tgtEl>
+                                          <p:spTgt spid="6"/>
+                                        </p:tgtEl>
+                                      </p:cBhvr>
+                                    </p:animEffect>
+                                  </p:childTnLst>
+                                </p:cTn>
+                              </p:par>
+                            </p:childTnLst>
+                          </p:cTn>
+                        </p:par>
+                        <p:par>
+                          <p:cTn id="8" fill="hold">
+                            <p:stCondLst>
+                              <p:cond delay="2000"/>
+                            </p:stCondLst>
+                            <p:childTnLst>
+                              <p:par>
+                                <p:cTn id="9" presetID="21" presetClass="entr" presetSubtype="1" fill="hold" nodeType="afterEffect">
+                                  <p:stCondLst>
+                                    <p:cond delay="0"/>
+                                  </p:stCondLst>
+                                  <p:childTnLst>
+                                    <p:set>
+                                      <p:cBhvr>
+                                        <p:cTn id="10" dur="1" fill="hold">
+                                          <p:stCondLst>
+                                            <p:cond delay="0"/>
+                                          </p:stCondLst>
+                                        </p:cTn>
+                                        <p:tgtEl>
+                                          <p:spTgt spid="11"/>
+                                        </p:tgtEl>
+                                        <p:attrNameLst>
+                                          <p:attrName>style.visibility</p:attrName>
+                                        </p:attrNameLst>
+                                      </p:cBhvr>
+                                      <p:to>
+                                        <p:strVal val="visible"/>
+                                      </p:to>
+                                    </p:set>
+                                    <p:animEffect transition="in" filter="wheel(1)">
+                                      <p:cBhvr>
+                                        <p:cTn id="11" dur="1500"/>
+                                        <p:tgtEl>
+                                          <p:spTgt spid="11"/>
+                                        </p:tgtEl>
+                                      </p:cBhvr>
+                                    </p:animEffect>
+                                  </p:childTnLst>
+                                </p:cTn>
+                              </p:par>
+                            </p:childTnLst>
+                          </p:cTn>
+                        </p:par>
+                        <p:par>
+                          <p:cTn id="12" fill="hold">
+                            <p:stCondLst>
+                              <p:cond delay="3500"/>
+                            </p:stCondLst>
+                            <p:childTnLst>
+                              <p:par>
+                                <p:cTn id="13" presetID="31" presetClass="entr" presetSubtype="0" fill="hold" grpId="0" nodeType="afterEffect">
+                                  <p:stCondLst>
+                                    <p:cond delay="0"/>
+                                  </p:stCondLst>
+                                  <p:childTnLst>
+                                    <p:set>
+                                      <p:cBhvr>
+                                        <p:cTn id="14" dur="1" fill="hold">
+                                          <p:stCondLst>
+                                            <p:cond delay="0"/>
+                                          </p:stCondLst>
+                                        </p:cTn>
+                                        <p:tgtEl>
+                                          <p:spTgt spid="12"/>
+                                        </p:tgtEl>
+                                        <p:attrNameLst>
+                                          <p:attrName>style.visibility</p:attrName>
+                                        </p:attrNameLst>
+                                      </p:cBhvr>
+                                      <p:to>
+                                        <p:strVal val="visible"/>
+                                      </p:to>
+                                    </p:set>
+                                    <p:anim calcmode="lin" valueType="num">
+                                      <p:cBhvr>
+                                        <p:cTn id="15" dur="750" fill="hold"/>
+                                        <p:tgtEl>
+                                          <p:spTgt spid="12"/>
+                                        </p:tgtEl>
+                                        <p:attrNameLst>
+                                          <p:attrName>ppt_w</p:attrName>
+                                        </p:attrNameLst>
+                                      </p:cBhvr>
+                                      <p:tavLst>
+                                        <p:tav tm="0">
+                                          <p:val>
+                                            <p:fltVal val="0"/>
+                                          </p:val>
+                                        </p:tav>
+                                        <p:tav tm="100000">
+                                          <p:val>
+                                            <p:strVal val="#ppt_w"/>
+                                          </p:val>
+                                        </p:tav>
+                                      </p:tavLst>
+                                    </p:anim>
+                                    <p:anim calcmode="lin" valueType="num">
+                                      <p:cBhvr>
+                                        <p:cTn id="16" dur="750" fill="hold"/>
+                                        <p:tgtEl>
+                                          <p:spTgt spid="12"/>
+                                        </p:tgtEl>
+                                        <p:attrNameLst>
+                                          <p:attrName>ppt_h</p:attrName>
+                                        </p:attrNameLst>
+                                      </p:cBhvr>
+                                      <p:tavLst>
+                                        <p:tav tm="0">
+                                          <p:val>
+                                            <p:fltVal val="0"/>
+                                          </p:val>
+                                        </p:tav>
+                                        <p:tav tm="100000">
+                                          <p:val>
+                                            <p:strVal val="#ppt_h"/>
+                                          </p:val>
+                                        </p:tav>
+                                      </p:tavLst>
+                                    </p:anim>
+                                    <p:anim calcmode="lin" valueType="num">
+                                      <p:cBhvr>
+                                        <p:cTn id="17" dur="750" fill="hold"/>
+                                        <p:tgtEl>
+                                          <p:spTgt spid="12"/>
+                                        </p:tgtEl>
+                                        <p:attrNameLst>
+                                          <p:attrName>style.rotation</p:attrName>
+                                        </p:attrNameLst>
+                                      </p:cBhvr>
+                                      <p:tavLst>
+                                        <p:tav tm="0">
+                                          <p:val>
+                                            <p:fltVal val="90"/>
+                                          </p:val>
+                                        </p:tav>
+                                        <p:tav tm="100000">
+                                          <p:val>
+                                            <p:fltVal val="0"/>
+                                          </p:val>
+                                        </p:tav>
+                                      </p:tavLst>
+                                    </p:anim>
+                                    <p:animEffect transition="in" filter="fade">
+                                      <p:cBhvr>
+                                        <p:cTn id="18" dur="750"/>
+                                        <p:tgtEl>
+                                          <p:spTgt spid="12"/>
+                                        </p:tgtEl>
+                                      </p:cBhvr>
+                                    </p:animEffect>
+                                  </p:childTnLst>
+                                </p:cTn>
+                              </p:par>
+                            </p:childTnLst>
+                          </p:cTn>
+                        </p:par>
+                        <p:par>
+                          <p:cTn id="19" fill="hold">
+                            <p:stCondLst>
+                              <p:cond delay="4250"/>
+                            </p:stCondLst>
+                            <p:childTnLst>
+                              <p:par>
+                                <p:cTn id="20" presetID="31" presetClass="entr" presetSubtype="0" fill="hold" grpId="0" nodeType="afterEffect">
+                                  <p:stCondLst>
+                                    <p:cond delay="0"/>
+                                  </p:stCondLst>
+                                  <p:childTnLst>
+                                    <p:set>
+                                      <p:cBhvr>
+                                        <p:cTn id="21" dur="1" fill="hold">
+                                          <p:stCondLst>
+                                            <p:cond delay="0"/>
+                                          </p:stCondLst>
+                                        </p:cTn>
+                                        <p:tgtEl>
+                                          <p:spTgt spid="13"/>
+                                        </p:tgtEl>
+                                        <p:attrNameLst>
+                                          <p:attrName>style.visibility</p:attrName>
+                                        </p:attrNameLst>
+                                      </p:cBhvr>
+                                      <p:to>
+                                        <p:strVal val="visible"/>
+                                      </p:to>
+                                    </p:set>
+                                    <p:anim calcmode="lin" valueType="num">
+                                      <p:cBhvr>
+                                        <p:cTn id="22" dur="750" fill="hold"/>
+                                        <p:tgtEl>
+                                          <p:spTgt spid="13"/>
+                                        </p:tgtEl>
+                                        <p:attrNameLst>
+                                          <p:attrName>ppt_w</p:attrName>
+                                        </p:attrNameLst>
+                                      </p:cBhvr>
+                                      <p:tavLst>
+                                        <p:tav tm="0">
+                                          <p:val>
+                                            <p:fltVal val="0"/>
+                                          </p:val>
+                                        </p:tav>
+                                        <p:tav tm="100000">
+                                          <p:val>
+                                            <p:strVal val="#ppt_w"/>
+                                          </p:val>
+                                        </p:tav>
+                                      </p:tavLst>
+                                    </p:anim>
+                                    <p:anim calcmode="lin" valueType="num">
+                                      <p:cBhvr>
+                                        <p:cTn id="23" dur="750" fill="hold"/>
+                                        <p:tgtEl>
+                                          <p:spTgt spid="13"/>
+                                        </p:tgtEl>
+                                        <p:attrNameLst>
+                                          <p:attrName>ppt_h</p:attrName>
+                                        </p:attrNameLst>
+                                      </p:cBhvr>
+                                      <p:tavLst>
+                                        <p:tav tm="0">
+                                          <p:val>
+                                            <p:fltVal val="0"/>
+                                          </p:val>
+                                        </p:tav>
+                                        <p:tav tm="100000">
+                                          <p:val>
+                                            <p:strVal val="#ppt_h"/>
+                                          </p:val>
+                                        </p:tav>
+                                      </p:tavLst>
+                                    </p:anim>
+                                    <p:anim calcmode="lin" valueType="num">
+                                      <p:cBhvr>
+                                        <p:cTn id="24" dur="750" fill="hold"/>
+                                        <p:tgtEl>
+                                          <p:spTgt spid="13"/>
+                                        </p:tgtEl>
+                                        <p:attrNameLst>
+                                          <p:attrName>style.rotation</p:attrName>
+                                        </p:attrNameLst>
+                                      </p:cBhvr>
+                                      <p:tavLst>
+                                        <p:tav tm="0">
+                                          <p:val>
+                                            <p:fltVal val="90"/>
+                                          </p:val>
+                                        </p:tav>
+                                        <p:tav tm="100000">
+                                          <p:val>
+                                            <p:fltVal val="0"/>
+                                          </p:val>
+                                        </p:tav>
+                                      </p:tavLst>
+                                    </p:anim>
+                                    <p:animEffect transition="in" filter="fade">
+                                      <p:cBhvr>
+                                        <p:cTn id="25" dur="750"/>
+                                        <p:tgtEl>
+                                          <p:spTgt spid="13"/>
+                                        </p:tgtEl>
+                                      </p:cBhvr>
+                                    </p:animEffect>
+                                  </p:childTnLst>
+                                </p:cTn>
+                              </p:par>
+                            </p:childTnLst>
+                          </p:cTn>
+                        </p:par>
+                      </p:childTnLst>
+                    </p:cTn>
+                  </p:par>
+                </p:childTnLst>
+              </p:cTn>
+              <p:prevCondLst>
+                <p:cond evt="onPrev" delay="0">
+                  <p:tgtEl>
+                    <p:sldTgt/>
+                  </p:tgtEl>
+                </p:cond>
+              </p:prevCondLst>
+              <p:nextCondLst>
+                <p:cond evt="onNext" delay="0">
+                  <p:tgtEl>
+                    <p:sldTgt/>
+                  </p:tgtEl>
+                </p:cond>
+              </p:nextCondLst>
+            </p:seq>
+          </p:childTnLst>
+        </p:cTn>
+      </p:par>
+    </p:tnLst>
+    <p:bldLst>
+      <p:bldP spid="6" grpId="0"/>
+      <p:bldP spid="12" grpId="0" animBg="1"/>
+      <p:bldP spid="13" grpId="0" animBg="1"/>
+    </p:bldLst>
+  </p:timing>
+</p:sld>
+</file>
+
+<file path=ppt/slides/slide12.xml><?xml version="1.0" encoding="utf-8"?>
+<p:sld xmlns:a="http://schemas.openxmlformats.org/drawingml/2006/main" xmlns:r="http://schemas.openxmlformats.org/officeDocument/2006/relationships" xmlns:p="http://schemas.openxmlformats.org/presentationml/2006/main">
+  <p:cSld>
+    <p:spTree>
+      <p:nvGrpSpPr>
+        <p:cNvPr id="1" name=""/>
+        <p:cNvGrpSpPr/>
+        <p:nvPr/>
+      </p:nvGrpSpPr>
+      <p:grpSpPr>
+        <a:xfrm>
+          <a:off x="0" y="0"/>
+          <a:ext cx="0" cy="0"/>
+          <a:chOff x="0" y="0"/>
+          <a:chExt cx="0" cy="0"/>
+        </a:xfrm>
+      </p:grpSpPr>
+      <p:sp>
+        <p:nvSpPr>
+          <p:cNvPr id="4" name="Rectangle 3">
+            <a:extLst>
+              <a:ext uri="{FF2B5EF4-FFF2-40B4-BE49-F238E27FC236}">
+                <a16:creationId xmlns:a16="http://schemas.microsoft.com/office/drawing/2014/main" id="{67D8C60E-104A-70D2-5406-A7C6B42B2454}"/>
+              </a:ext>
+            </a:extLst>
+          </p:cNvPr>
+          <p:cNvSpPr/>
+          <p:nvPr/>
+        </p:nvSpPr>
+        <p:spPr>
+          <a:xfrm>
+            <a:off x="-1" y="0"/>
+            <a:ext cx="12192001" cy="957183"/>
+          </a:xfrm>
+          <a:prstGeom prst="rect">
+            <a:avLst/>
+          </a:prstGeom>
+          <a:solidFill>
+            <a:srgbClr val="00294F">
+              <a:alpha val="84000"/>
+            </a:srgbClr>
+          </a:solidFill>
+        </p:spPr>
+        <p:style>
+          <a:lnRef idx="2">
+            <a:schemeClr val="accent1">
+              <a:shade val="15000"/>
+            </a:schemeClr>
+          </a:lnRef>
+          <a:fillRef idx="1">
+            <a:schemeClr val="accent1"/>
+          </a:fillRef>
+          <a:effectRef idx="0">
+            <a:schemeClr val="accent1"/>
+          </a:effectRef>
+          <a:fontRef idx="minor">
+            <a:schemeClr val="lt1"/>
+          </a:fontRef>
+        </p:style>
+        <p:txBody>
+          <a:bodyPr lIns="365760" rtlCol="0" anchor="ctr"/>
+          <a:lstStyle/>
+          <a:p>
+            <a:r>
+              <a:rPr lang="en-US" sz="3200" b="1">
+                <a:solidFill>
+                  <a:schemeClr val="bg1"/>
+                </a:solidFill>
+              </a:rPr>
+              <a:t>CÁC BƯỚC CƠ BẢN LÀM VIỆC VỚI KATALON STUDIO</a:t>
+            </a:r>
+          </a:p>
+        </p:txBody>
+      </p:sp>
+      <p:pic>
+        <p:nvPicPr>
+          <p:cNvPr id="5" name="Picture 2">
+            <a:extLst>
+              <a:ext uri="{FF2B5EF4-FFF2-40B4-BE49-F238E27FC236}">
+                <a16:creationId xmlns:a16="http://schemas.microsoft.com/office/drawing/2014/main" id="{359502B8-E7DB-EA0A-8D13-2A0EFE4BB437}"/>
+              </a:ext>
+            </a:extLst>
+          </p:cNvPr>
+          <p:cNvPicPr>
+            <a:picLocks noChangeAspect="1" noChangeArrowheads="1"/>
+          </p:cNvPicPr>
+          <p:nvPr/>
+        </p:nvPicPr>
+        <p:blipFill>
+          <a:blip r:embed="rId2">
+            <a:alphaModFix amt="20000"/>
+            <a:extLst>
+              <a:ext uri="{28A0092B-C50C-407E-A947-70E740481C1C}">
+                <a14:useLocalDpi xmlns:a14="http://schemas.microsoft.com/office/drawing/2010/main" val="0"/>
+              </a:ext>
+            </a:extLst>
+          </a:blip>
+          <a:srcRect/>
+          <a:stretch>
+            <a:fillRect/>
+          </a:stretch>
+        </p:blipFill>
+        <p:spPr bwMode="auto">
+          <a:xfrm>
+            <a:off x="-1480485" y="1192507"/>
+            <a:ext cx="10805998" cy="7217364"/>
+          </a:xfrm>
+          <a:prstGeom prst="rect">
+            <a:avLst/>
+          </a:prstGeom>
+          <a:noFill/>
+          <a:extLst>
+            <a:ext uri="{909E8E84-426E-40DD-AFC4-6F175D3DCCD1}">
+              <a14:hiddenFill xmlns:a14="http://schemas.microsoft.com/office/drawing/2010/main">
+                <a:solidFill>
+                  <a:srgbClr val="FFFFFF"/>
+                </a:solidFill>
+              </a14:hiddenFill>
+            </a:ext>
+          </a:extLst>
+        </p:spPr>
+      </p:pic>
+      <p:sp>
+        <p:nvSpPr>
+          <p:cNvPr id="6" name="TextBox 5">
+            <a:extLst>
+              <a:ext uri="{FF2B5EF4-FFF2-40B4-BE49-F238E27FC236}">
+                <a16:creationId xmlns:a16="http://schemas.microsoft.com/office/drawing/2014/main" id="{8C9E27C0-DE76-FACB-5450-49C79CCE8DDB}"/>
+              </a:ext>
+            </a:extLst>
+          </p:cNvPr>
+          <p:cNvSpPr txBox="1"/>
+          <p:nvPr/>
+        </p:nvSpPr>
+        <p:spPr>
+          <a:xfrm>
+            <a:off x="424229" y="1440139"/>
+            <a:ext cx="7471436" cy="3243388"/>
+          </a:xfrm>
+          <a:prstGeom prst="rect">
+            <a:avLst/>
+          </a:prstGeom>
+          <a:noFill/>
+        </p:spPr>
+        <p:txBody>
+          <a:bodyPr wrap="square">
+            <a:spAutoFit/>
+          </a:bodyPr>
+          <a:lstStyle/>
+          <a:p>
+            <a:pPr>
+              <a:lnSpc>
+                <a:spcPct val="107000"/>
+              </a:lnSpc>
+              <a:spcBef>
+                <a:spcPts val="600"/>
+              </a:spcBef>
+            </a:pPr>
+            <a:r>
+              <a:rPr lang="en-US" sz="2000" b="1" kern="100">
+                <a:solidFill>
+                  <a:srgbClr val="294B6B"/>
+                </a:solidFill>
+                <a:effectLst/>
+                <a:latin typeface="Arial (Body)"/>
+                <a:ea typeface="Calibri" panose="020F0502020204030204" pitchFamily="34" charset="0"/>
+                <a:cs typeface="Times New Roman" panose="02020603050405020304" pitchFamily="18" charset="0"/>
+              </a:rPr>
+              <a:t>Tạo </a:t>
+            </a:r>
+            <a:r>
+              <a:rPr lang="en-US" sz="2000" b="1" kern="100">
+                <a:solidFill>
+                  <a:srgbClr val="294B6B"/>
+                </a:solidFill>
+                <a:latin typeface="Arial (Body)"/>
+                <a:ea typeface="Calibri" panose="020F0502020204030204" pitchFamily="34" charset="0"/>
+                <a:cs typeface="Times New Roman" panose="02020603050405020304" pitchFamily="18" charset="0"/>
+              </a:rPr>
+              <a:t>T</a:t>
+            </a:r>
+            <a:r>
+              <a:rPr lang="en-US" sz="2000" b="1" kern="100">
+                <a:solidFill>
+                  <a:srgbClr val="294B6B"/>
+                </a:solidFill>
+                <a:effectLst/>
+                <a:latin typeface="Arial (Body)"/>
+                <a:ea typeface="Calibri" panose="020F0502020204030204" pitchFamily="34" charset="0"/>
+                <a:cs typeface="Times New Roman" panose="02020603050405020304" pitchFamily="18" charset="0"/>
+              </a:rPr>
+              <a:t>est Case: </a:t>
+            </a:r>
+          </a:p>
+          <a:p>
+            <a:pPr>
+              <a:lnSpc>
+                <a:spcPct val="107000"/>
+              </a:lnSpc>
+              <a:spcBef>
+                <a:spcPts val="600"/>
+              </a:spcBef>
+            </a:pPr>
+            <a:r>
+              <a:rPr lang="en-US">
+                <a:solidFill>
+                  <a:srgbClr val="294B6B"/>
+                </a:solidFill>
+                <a:latin typeface="Arial (Body)"/>
+              </a:rPr>
+              <a:t>Nhấn chuột phải vào thư mục </a:t>
+            </a:r>
+            <a:r>
+              <a:rPr lang="en-US" b="1">
+                <a:solidFill>
+                  <a:srgbClr val="294B6B"/>
+                </a:solidFill>
+                <a:latin typeface="Arial (Body)"/>
+              </a:rPr>
+              <a:t>Test Cases</a:t>
+            </a:r>
+            <a:r>
+              <a:rPr lang="en-US">
+                <a:solidFill>
+                  <a:srgbClr val="294B6B"/>
+                </a:solidFill>
+                <a:latin typeface="Arial (Body)"/>
+              </a:rPr>
+              <a:t>, chọn </a:t>
+            </a:r>
+            <a:r>
+              <a:rPr lang="en-US" b="1">
+                <a:solidFill>
+                  <a:srgbClr val="294B6B"/>
+                </a:solidFill>
+                <a:latin typeface="Arial (Body)"/>
+              </a:rPr>
+              <a:t>New &gt; Test Case</a:t>
+            </a:r>
+            <a:r>
+              <a:rPr lang="en-US">
+                <a:solidFill>
+                  <a:srgbClr val="294B6B"/>
+                </a:solidFill>
+                <a:latin typeface="Arial (Body)"/>
+              </a:rPr>
+              <a:t> để tạo một test case mới.</a:t>
+            </a:r>
+          </a:p>
+          <a:p>
+            <a:pPr>
+              <a:spcBef>
+                <a:spcPts val="600"/>
+              </a:spcBef>
+            </a:pPr>
+            <a:r>
+              <a:rPr lang="vi-VN" b="1">
+                <a:solidFill>
+                  <a:srgbClr val="294B6B"/>
+                </a:solidFill>
+                <a:latin typeface="Arial (Body)"/>
+              </a:rPr>
+              <a:t>Sử dụng Record</a:t>
+            </a:r>
+            <a:r>
+              <a:rPr lang="vi-VN">
+                <a:solidFill>
+                  <a:srgbClr val="294B6B"/>
+                </a:solidFill>
+                <a:latin typeface="Arial (Body)"/>
+              </a:rPr>
+              <a:t>:</a:t>
+            </a:r>
+            <a:endParaRPr lang="en-US">
+              <a:solidFill>
+                <a:srgbClr val="294B6B"/>
+              </a:solidFill>
+              <a:latin typeface="Arial (Body)"/>
+            </a:endParaRPr>
+          </a:p>
+          <a:p>
+            <a:pPr>
+              <a:spcBef>
+                <a:spcPts val="600"/>
+              </a:spcBef>
+            </a:pPr>
+            <a:r>
+              <a:rPr lang="vi-VN">
+                <a:solidFill>
+                  <a:srgbClr val="294B6B"/>
+                </a:solidFill>
+                <a:latin typeface="Arial (Body)"/>
+              </a:rPr>
+              <a:t>Nhấn vào nút </a:t>
+            </a:r>
+            <a:r>
+              <a:rPr lang="vi-VN" b="1">
+                <a:solidFill>
+                  <a:srgbClr val="294B6B"/>
+                </a:solidFill>
+                <a:latin typeface="Arial (Body)"/>
+              </a:rPr>
+              <a:t>Record Web</a:t>
+            </a:r>
+            <a:r>
+              <a:rPr lang="vi-VN">
+                <a:solidFill>
+                  <a:srgbClr val="294B6B"/>
+                </a:solidFill>
+                <a:latin typeface="Arial (Body)"/>
+              </a:rPr>
+              <a:t> để ghi lại các thao tác trên trình duyệt.</a:t>
+            </a:r>
+          </a:p>
+          <a:p>
+            <a:pPr>
+              <a:spcBef>
+                <a:spcPts val="600"/>
+              </a:spcBef>
+            </a:pPr>
+            <a:r>
+              <a:rPr lang="vi-VN">
+                <a:solidFill>
+                  <a:srgbClr val="294B6B"/>
+                </a:solidFill>
+                <a:latin typeface="Arial (Body)"/>
+              </a:rPr>
+              <a:t>Chọn trình duyệt bạn muốn sử dụng, nhập URL, và nhấn </a:t>
+            </a:r>
+            <a:r>
+              <a:rPr lang="vi-VN" b="1">
+                <a:solidFill>
+                  <a:srgbClr val="294B6B"/>
+                </a:solidFill>
+                <a:latin typeface="Arial (Body)"/>
+              </a:rPr>
+              <a:t>Record</a:t>
+            </a:r>
+            <a:r>
+              <a:rPr lang="vi-VN">
+                <a:solidFill>
+                  <a:srgbClr val="294B6B"/>
+                </a:solidFill>
+                <a:latin typeface="Arial (Body)"/>
+              </a:rPr>
+              <a:t>.</a:t>
+            </a:r>
+          </a:p>
+          <a:p>
+            <a:pPr>
+              <a:spcBef>
+                <a:spcPts val="600"/>
+              </a:spcBef>
+            </a:pPr>
+            <a:r>
+              <a:rPr lang="vi-VN">
+                <a:solidFill>
+                  <a:srgbClr val="294B6B"/>
+                </a:solidFill>
+                <a:latin typeface="Arial (Body)"/>
+              </a:rPr>
+              <a:t>Thực hiện các thao tác cần thiết (như điền form, nhấn nút).</a:t>
+            </a:r>
+          </a:p>
+          <a:p>
+            <a:pPr>
+              <a:spcBef>
+                <a:spcPts val="600"/>
+              </a:spcBef>
+            </a:pPr>
+            <a:r>
+              <a:rPr lang="vi-VN">
+                <a:solidFill>
+                  <a:srgbClr val="294B6B"/>
+                </a:solidFill>
+                <a:latin typeface="Arial (Body)"/>
+              </a:rPr>
+              <a:t>Nhấn </a:t>
+            </a:r>
+            <a:r>
+              <a:rPr lang="vi-VN" b="1">
+                <a:solidFill>
+                  <a:srgbClr val="294B6B"/>
+                </a:solidFill>
+                <a:latin typeface="Arial (Body)"/>
+              </a:rPr>
+              <a:t>Stop</a:t>
+            </a:r>
+            <a:r>
+              <a:rPr lang="vi-VN">
+                <a:solidFill>
+                  <a:srgbClr val="294B6B"/>
+                </a:solidFill>
+                <a:latin typeface="Arial (Body)"/>
+              </a:rPr>
+              <a:t> khi hoàn tất và lưu lại các bước ghi.</a:t>
+            </a:r>
+          </a:p>
+          <a:p>
+            <a:pPr>
+              <a:lnSpc>
+                <a:spcPct val="107000"/>
+              </a:lnSpc>
+              <a:spcBef>
+                <a:spcPts val="600"/>
+              </a:spcBef>
+            </a:pPr>
+            <a:endParaRPr lang="en-US" sz="2000" b="1" kern="100">
+              <a:solidFill>
+                <a:srgbClr val="294B6B"/>
+              </a:solidFill>
+              <a:effectLst/>
+              <a:latin typeface="Arial (Body)"/>
+              <a:ea typeface="Calibri" panose="020F0502020204030204" pitchFamily="34" charset="0"/>
+              <a:cs typeface="Times New Roman" panose="02020603050405020304" pitchFamily="18" charset="0"/>
+            </a:endParaRPr>
+          </a:p>
+        </p:txBody>
+      </p:sp>
+      <p:pic>
+        <p:nvPicPr>
+          <p:cNvPr id="10" name="Picture 9">
+            <a:extLst>
+              <a:ext uri="{FF2B5EF4-FFF2-40B4-BE49-F238E27FC236}">
+                <a16:creationId xmlns:a16="http://schemas.microsoft.com/office/drawing/2014/main" id="{270C6FEC-6B35-9BEB-2B73-7EB19E32A7BA}"/>
+              </a:ext>
+            </a:extLst>
+          </p:cNvPr>
+          <p:cNvPicPr>
+            <a:picLocks noChangeAspect="1"/>
+          </p:cNvPicPr>
+          <p:nvPr/>
+        </p:nvPicPr>
+        <p:blipFill>
+          <a:blip r:embed="rId3"/>
+          <a:stretch>
+            <a:fillRect/>
+          </a:stretch>
+        </p:blipFill>
+        <p:spPr>
+          <a:xfrm>
+            <a:off x="7448550" y="2257210"/>
+            <a:ext cx="4533900" cy="2914650"/>
+          </a:xfrm>
+          <a:prstGeom prst="rect">
+            <a:avLst/>
+          </a:prstGeom>
+        </p:spPr>
+      </p:pic>
+      <p:pic>
+        <p:nvPicPr>
+          <p:cNvPr id="11" name="Picture 10">
+            <a:extLst>
+              <a:ext uri="{FF2B5EF4-FFF2-40B4-BE49-F238E27FC236}">
+                <a16:creationId xmlns:a16="http://schemas.microsoft.com/office/drawing/2014/main" id="{75A45BD2-2F4C-3D40-2087-2CC5A5A38B9B}"/>
+              </a:ext>
+            </a:extLst>
+          </p:cNvPr>
+          <p:cNvPicPr>
+            <a:picLocks noChangeAspect="1"/>
+          </p:cNvPicPr>
+          <p:nvPr/>
+        </p:nvPicPr>
+        <p:blipFill>
+          <a:blip r:embed="rId4">
+            <a:extLst>
+              <a:ext uri="{28A0092B-C50C-407E-A947-70E740481C1C}">
+                <a14:useLocalDpi xmlns:a14="http://schemas.microsoft.com/office/drawing/2010/main" val="0"/>
+              </a:ext>
+            </a:extLst>
+          </a:blip>
+          <a:stretch>
+            <a:fillRect/>
+          </a:stretch>
+        </p:blipFill>
+        <p:spPr>
+          <a:xfrm>
+            <a:off x="519429" y="4801189"/>
+            <a:ext cx="5576570" cy="1471930"/>
+          </a:xfrm>
+          <a:prstGeom prst="rect">
+            <a:avLst/>
+          </a:prstGeom>
+        </p:spPr>
+      </p:pic>
+    </p:spTree>
+    <p:extLst>
+      <p:ext uri="{BB962C8B-B14F-4D97-AF65-F5344CB8AC3E}">
+        <p14:creationId xmlns:p14="http://schemas.microsoft.com/office/powerpoint/2010/main" val="2465009391"/>
+      </p:ext>
+    </p:extLst>
+  </p:cSld>
+  <p:clrMapOvr>
+    <a:masterClrMapping/>
+  </p:clrMapOvr>
+  <p:timing>
+    <p:tnLst>
+      <p:par>
+        <p:cTn id="1" dur="indefinite" restart="never" nodeType="tmRoot">
+          <p:childTnLst>
+            <p:seq concurrent="1" nextAc="seek">
+              <p:cTn id="2" dur="indefinite" nodeType="mainSeq">
+                <p:childTnLst>
+                  <p:par>
+                    <p:cTn id="3" fill="hold">
+                      <p:stCondLst>
+                        <p:cond delay="indefinite"/>
+                        <p:cond evt="onBegin" delay="0">
+                          <p:tn val="2"/>
+                        </p:cond>
+                      </p:stCondLst>
+                      <p:childTnLst>
+                        <p:par>
+                          <p:cTn id="4" fill="hold">
+                            <p:stCondLst>
+                              <p:cond delay="0"/>
+                            </p:stCondLst>
+                            <p:childTnLst>
+                              <p:par>
+                                <p:cTn id="5" presetID="42" presetClass="entr" presetSubtype="0" fill="hold" nodeType="afterEffect">
+                                  <p:stCondLst>
+                                    <p:cond delay="0"/>
+                                  </p:stCondLst>
+                                  <p:childTnLst>
+                                    <p:set>
+                                      <p:cBhvr>
+                                        <p:cTn id="6" dur="1" fill="hold">
+                                          <p:stCondLst>
+                                            <p:cond delay="0"/>
+                                          </p:stCondLst>
+                                        </p:cTn>
+                                        <p:tgtEl>
+                                          <p:spTgt spid="10"/>
+                                        </p:tgtEl>
+                                        <p:attrNameLst>
+                                          <p:attrName>style.visibility</p:attrName>
+                                        </p:attrNameLst>
+                                      </p:cBhvr>
+                                      <p:to>
+                                        <p:strVal val="visible"/>
+                                      </p:to>
+                                    </p:set>
+                                    <p:animEffect transition="in" filter="fade">
+                                      <p:cBhvr>
+                                        <p:cTn id="7" dur="1000"/>
+                                        <p:tgtEl>
+                                          <p:spTgt spid="10"/>
+                                        </p:tgtEl>
+                                      </p:cBhvr>
+                                    </p:animEffect>
+                                    <p:anim calcmode="lin" valueType="num">
+                                      <p:cBhvr>
+                                        <p:cTn id="8" dur="1000" fill="hold"/>
+                                        <p:tgtEl>
+                                          <p:spTgt spid="10"/>
+                                        </p:tgtEl>
+                                        <p:attrNameLst>
+                                          <p:attrName>ppt_x</p:attrName>
+                                        </p:attrNameLst>
+                                      </p:cBhvr>
+                                      <p:tavLst>
+                                        <p:tav tm="0">
+                                          <p:val>
+                                            <p:strVal val="#ppt_x"/>
+                                          </p:val>
+                                        </p:tav>
+                                        <p:tav tm="100000">
+                                          <p:val>
+                                            <p:strVal val="#ppt_x"/>
+                                          </p:val>
+                                        </p:tav>
+                                      </p:tavLst>
+                                    </p:anim>
+                                    <p:anim calcmode="lin" valueType="num">
+                                      <p:cBhvr>
+                                        <p:cTn id="9" dur="1000" fill="hold"/>
+                                        <p:tgtEl>
+                                          <p:spTgt spid="10"/>
+                                        </p:tgtEl>
+                                        <p:attrNameLst>
+                                          <p:attrName>ppt_y</p:attrName>
+                                        </p:attrNameLst>
+                                      </p:cBhvr>
+                                      <p:tavLst>
+                                        <p:tav tm="0">
+                                          <p:val>
+                                            <p:strVal val="#ppt_y+.1"/>
+                                          </p:val>
+                                        </p:tav>
+                                        <p:tav tm="100000">
+                                          <p:val>
+                                            <p:strVal val="#ppt_y"/>
+                                          </p:val>
+                                        </p:tav>
+                                      </p:tavLst>
+                                    </p:anim>
+                                  </p:childTnLst>
+                                </p:cTn>
+                              </p:par>
+                            </p:childTnLst>
+                          </p:cTn>
+                        </p:par>
+                        <p:par>
+                          <p:cTn id="10" fill="hold">
+                            <p:stCondLst>
+                              <p:cond delay="1000"/>
+                            </p:stCondLst>
+                            <p:childTnLst>
+                              <p:par>
+                                <p:cTn id="11" presetID="47" presetClass="entr" presetSubtype="0" fill="hold" nodeType="afterEffect">
+                                  <p:stCondLst>
+                                    <p:cond delay="0"/>
+                                  </p:stCondLst>
+                                  <p:childTnLst>
+                                    <p:set>
+                                      <p:cBhvr>
+                                        <p:cTn id="12" dur="1" fill="hold">
+                                          <p:stCondLst>
+                                            <p:cond delay="0"/>
+                                          </p:stCondLst>
+                                        </p:cTn>
+                                        <p:tgtEl>
+                                          <p:spTgt spid="11"/>
+                                        </p:tgtEl>
+                                        <p:attrNameLst>
+                                          <p:attrName>style.visibility</p:attrName>
+                                        </p:attrNameLst>
+                                      </p:cBhvr>
+                                      <p:to>
+                                        <p:strVal val="visible"/>
+                                      </p:to>
+                                    </p:set>
+                                    <p:animEffect transition="in" filter="fade">
+                                      <p:cBhvr>
+                                        <p:cTn id="13" dur="1000"/>
+                                        <p:tgtEl>
+                                          <p:spTgt spid="11"/>
+                                        </p:tgtEl>
+                                      </p:cBhvr>
+                                    </p:animEffect>
+                                    <p:anim calcmode="lin" valueType="num">
+                                      <p:cBhvr>
+                                        <p:cTn id="14" dur="1000" fill="hold"/>
+                                        <p:tgtEl>
+                                          <p:spTgt spid="11"/>
+                                        </p:tgtEl>
+                                        <p:attrNameLst>
+                                          <p:attrName>ppt_x</p:attrName>
+                                        </p:attrNameLst>
+                                      </p:cBhvr>
+                                      <p:tavLst>
+                                        <p:tav tm="0">
+                                          <p:val>
+                                            <p:strVal val="#ppt_x"/>
+                                          </p:val>
+                                        </p:tav>
+                                        <p:tav tm="100000">
+                                          <p:val>
+                                            <p:strVal val="#ppt_x"/>
+                                          </p:val>
+                                        </p:tav>
+                                      </p:tavLst>
+                                    </p:anim>
+                                    <p:anim calcmode="lin" valueType="num">
+                                      <p:cBhvr>
+                                        <p:cTn id="15" dur="1000" fill="hold"/>
+                                        <p:tgtEl>
+                                          <p:spTgt spid="11"/>
+                                        </p:tgtEl>
+                                        <p:attrNameLst>
+                                          <p:attrName>ppt_y</p:attrName>
+                                        </p:attrNameLst>
+                                      </p:cBhvr>
+                                      <p:tavLst>
+                                        <p:tav tm="0">
+                                          <p:val>
+                                            <p:strVal val="#ppt_y-.1"/>
+                                          </p:val>
+                                        </p:tav>
+                                        <p:tav tm="100000">
+                                          <p:val>
+                                            <p:strVal val="#ppt_y"/>
+                                          </p:val>
+                                        </p:tav>
+                                      </p:tavLst>
+                                    </p:anim>
+                                  </p:childTnLst>
+                                </p:cTn>
+                              </p:par>
+                            </p:childTnLst>
+                          </p:cTn>
+                        </p:par>
+                      </p:childTnLst>
+                    </p:cTn>
+                  </p:par>
+                </p:childTnLst>
+              </p:cTn>
+              <p:prevCondLst>
+                <p:cond evt="onPrev" delay="0">
+                  <p:tgtEl>
+                    <p:sldTgt/>
+                  </p:tgtEl>
+                </p:cond>
+              </p:prevCondLst>
+              <p:nextCondLst>
+                <p:cond evt="onNext" delay="0">
+                  <p:tgtEl>
+                    <p:sldTgt/>
+                  </p:tgtEl>
+                </p:cond>
+              </p:nextCondLst>
+            </p:seq>
+          </p:childTnLst>
+        </p:cTn>
+      </p:par>
+    </p:tnLst>
+  </p:timing>
+</p:sld>
+</file>
+
+<file path=ppt/slides/slide13.xml><?xml version="1.0" encoding="utf-8"?>
+<p:sld xmlns:a="http://schemas.openxmlformats.org/drawingml/2006/main" xmlns:r="http://schemas.openxmlformats.org/officeDocument/2006/relationships" xmlns:p="http://schemas.openxmlformats.org/presentationml/2006/main">
+  <p:cSld>
+    <p:spTree>
+      <p:nvGrpSpPr>
+        <p:cNvPr id="1" name=""/>
+        <p:cNvGrpSpPr/>
+        <p:nvPr/>
+      </p:nvGrpSpPr>
+      <p:grpSpPr>
+        <a:xfrm>
+          <a:off x="0" y="0"/>
+          <a:ext cx="0" cy="0"/>
+          <a:chOff x="0" y="0"/>
+          <a:chExt cx="0" cy="0"/>
+        </a:xfrm>
+      </p:grpSpPr>
+      <p:sp>
+        <p:nvSpPr>
+          <p:cNvPr id="6" name="Rectangle 5">
+            <a:extLst>
+              <a:ext uri="{FF2B5EF4-FFF2-40B4-BE49-F238E27FC236}">
+                <a16:creationId xmlns:a16="http://schemas.microsoft.com/office/drawing/2014/main" id="{5AFC5125-C713-B841-C53F-602522B99216}"/>
+              </a:ext>
+            </a:extLst>
+          </p:cNvPr>
+          <p:cNvSpPr/>
+          <p:nvPr/>
+        </p:nvSpPr>
+        <p:spPr>
+          <a:xfrm>
+            <a:off x="-1" y="0"/>
+            <a:ext cx="12192001" cy="957183"/>
+          </a:xfrm>
+          <a:prstGeom prst="rect">
+            <a:avLst/>
+          </a:prstGeom>
+          <a:solidFill>
+            <a:srgbClr val="00294F">
+              <a:alpha val="84000"/>
+            </a:srgbClr>
+          </a:solidFill>
+        </p:spPr>
+        <p:style>
+          <a:lnRef idx="2">
+            <a:schemeClr val="accent1">
+              <a:shade val="15000"/>
+            </a:schemeClr>
+          </a:lnRef>
+          <a:fillRef idx="1">
+            <a:schemeClr val="accent1"/>
+          </a:fillRef>
+          <a:effectRef idx="0">
+            <a:schemeClr val="accent1"/>
+          </a:effectRef>
+          <a:fontRef idx="minor">
+            <a:schemeClr val="lt1"/>
+          </a:fontRef>
+        </p:style>
+        <p:txBody>
+          <a:bodyPr lIns="365760" rtlCol="0" anchor="ctr"/>
+          <a:lstStyle/>
+          <a:p>
+            <a:r>
+              <a:rPr lang="en-US" sz="3200" b="1">
+                <a:solidFill>
+                  <a:schemeClr val="bg1"/>
+                </a:solidFill>
+              </a:rPr>
+              <a:t>CÁC BƯỚC CƠ BẢN LÀM VIỆC VỚI KATALON STUDIO</a:t>
+            </a:r>
+          </a:p>
+        </p:txBody>
+      </p:sp>
+      <p:pic>
+        <p:nvPicPr>
+          <p:cNvPr id="7" name="Picture 2">
+            <a:extLst>
+              <a:ext uri="{FF2B5EF4-FFF2-40B4-BE49-F238E27FC236}">
+                <a16:creationId xmlns:a16="http://schemas.microsoft.com/office/drawing/2014/main" id="{F47D19F6-9009-056B-AD55-D8F8FD81E60D}"/>
+              </a:ext>
+            </a:extLst>
+          </p:cNvPr>
+          <p:cNvPicPr>
+            <a:picLocks noChangeAspect="1" noChangeArrowheads="1"/>
+          </p:cNvPicPr>
+          <p:nvPr/>
+        </p:nvPicPr>
+        <p:blipFill>
+          <a:blip r:embed="rId2">
+            <a:alphaModFix amt="20000"/>
+            <a:extLst>
+              <a:ext uri="{28A0092B-C50C-407E-A947-70E740481C1C}">
+                <a14:useLocalDpi xmlns:a14="http://schemas.microsoft.com/office/drawing/2010/main" val="0"/>
+              </a:ext>
+            </a:extLst>
+          </a:blip>
+          <a:srcRect/>
+          <a:stretch>
+            <a:fillRect/>
+          </a:stretch>
+        </p:blipFill>
+        <p:spPr bwMode="auto">
+          <a:xfrm>
+            <a:off x="2478010" y="1286993"/>
+            <a:ext cx="10805998" cy="7217364"/>
+          </a:xfrm>
+          <a:prstGeom prst="rect">
+            <a:avLst/>
+          </a:prstGeom>
+          <a:noFill/>
+          <a:extLst>
+            <a:ext uri="{909E8E84-426E-40DD-AFC4-6F175D3DCCD1}">
+              <a14:hiddenFill xmlns:a14="http://schemas.microsoft.com/office/drawing/2010/main">
+                <a:solidFill>
+                  <a:srgbClr val="FFFFFF"/>
+                </a:solidFill>
+              </a14:hiddenFill>
+            </a:ext>
+          </a:extLst>
+        </p:spPr>
+      </p:pic>
+      <p:sp>
+        <p:nvSpPr>
+          <p:cNvPr id="8" name="TextBox 7">
+            <a:extLst>
+              <a:ext uri="{FF2B5EF4-FFF2-40B4-BE49-F238E27FC236}">
+                <a16:creationId xmlns:a16="http://schemas.microsoft.com/office/drawing/2014/main" id="{073B168B-CC93-876B-21DA-4B441E372DA3}"/>
+              </a:ext>
+            </a:extLst>
+          </p:cNvPr>
+          <p:cNvSpPr txBox="1"/>
+          <p:nvPr/>
+        </p:nvSpPr>
+        <p:spPr>
+          <a:xfrm>
+            <a:off x="548052" y="1602436"/>
+            <a:ext cx="4505327" cy="2439707"/>
+          </a:xfrm>
+          <a:prstGeom prst="rect">
+            <a:avLst/>
+          </a:prstGeom>
+          <a:noFill/>
+        </p:spPr>
+        <p:txBody>
+          <a:bodyPr wrap="square">
+            <a:spAutoFit/>
+          </a:bodyPr>
+          <a:lstStyle/>
+          <a:p>
+            <a:pPr>
+              <a:lnSpc>
+                <a:spcPct val="107000"/>
+              </a:lnSpc>
+              <a:spcBef>
+                <a:spcPts val="1200"/>
+              </a:spcBef>
+            </a:pPr>
+            <a:r>
+              <a:rPr lang="en-US" sz="2000" b="1">
+                <a:solidFill>
+                  <a:srgbClr val="294B6B"/>
+                </a:solidFill>
+                <a:latin typeface="Arial (Body)"/>
+              </a:rPr>
+              <a:t>Tạo Script</a:t>
+            </a:r>
+            <a:r>
+              <a:rPr lang="en-US" sz="2000" b="1" kern="100">
+                <a:solidFill>
+                  <a:srgbClr val="294B6B"/>
+                </a:solidFill>
+                <a:effectLst/>
+                <a:latin typeface="Arial (Body)"/>
+                <a:ea typeface="Calibri" panose="020F0502020204030204" pitchFamily="34" charset="0"/>
+                <a:cs typeface="Times New Roman" panose="02020603050405020304" pitchFamily="18" charset="0"/>
+              </a:rPr>
+              <a:t>: </a:t>
+            </a:r>
+          </a:p>
+          <a:p>
+            <a:pPr>
+              <a:lnSpc>
+                <a:spcPct val="107000"/>
+              </a:lnSpc>
+              <a:spcBef>
+                <a:spcPts val="1200"/>
+              </a:spcBef>
+            </a:pPr>
+            <a:r>
+              <a:rPr lang="en-US">
+                <a:solidFill>
+                  <a:srgbClr val="294B6B"/>
+                </a:solidFill>
+                <a:latin typeface="Arial (Body)"/>
+              </a:rPr>
+              <a:t>Ghi lại các thao tác </a:t>
+            </a:r>
+            <a:r>
+              <a:rPr lang="vi-VN">
+                <a:solidFill>
+                  <a:srgbClr val="294B6B"/>
+                </a:solidFill>
+                <a:latin typeface="Arial (Body)"/>
+              </a:rPr>
+              <a:t>thực hiện các bước</a:t>
+            </a:r>
+            <a:r>
+              <a:rPr lang="en-US">
+                <a:solidFill>
+                  <a:srgbClr val="294B6B"/>
+                </a:solidFill>
+                <a:latin typeface="Arial (Body)"/>
+              </a:rPr>
+              <a:t> và tạo </a:t>
+            </a:r>
+            <a:r>
+              <a:rPr lang="en-US" b="1">
+                <a:solidFill>
+                  <a:srgbClr val="294B6B"/>
+                </a:solidFill>
+                <a:latin typeface="Arial (Body)"/>
+              </a:rPr>
+              <a:t>Script</a:t>
+            </a:r>
+            <a:r>
+              <a:rPr lang="en-US">
+                <a:solidFill>
+                  <a:srgbClr val="294B6B"/>
+                </a:solidFill>
+                <a:latin typeface="Arial (Body)"/>
+              </a:rPr>
+              <a:t> tự động.</a:t>
+            </a:r>
+          </a:p>
+          <a:p>
+            <a:pPr>
+              <a:lnSpc>
+                <a:spcPct val="107000"/>
+              </a:lnSpc>
+              <a:spcBef>
+                <a:spcPts val="600"/>
+              </a:spcBef>
+            </a:pPr>
+            <a:r>
+              <a:rPr lang="vi-VN">
+                <a:solidFill>
+                  <a:srgbClr val="294B6B"/>
+                </a:solidFill>
+                <a:latin typeface="Arial (Body)"/>
+              </a:rPr>
+              <a:t>Khi nhấn </a:t>
+            </a:r>
+            <a:r>
+              <a:rPr lang="vi-VN" b="1">
+                <a:solidFill>
+                  <a:srgbClr val="294B6B"/>
+                </a:solidFill>
+                <a:latin typeface="Arial (Body)"/>
+              </a:rPr>
+              <a:t>Save Script</a:t>
+            </a:r>
+            <a:r>
+              <a:rPr lang="vi-VN">
+                <a:solidFill>
+                  <a:srgbClr val="294B6B"/>
+                </a:solidFill>
+                <a:latin typeface="Arial (Body)"/>
+              </a:rPr>
+              <a:t>, các bước này sẽ được lưu lại thành một script kiểm thử trong Katalon.</a:t>
+            </a:r>
+            <a:r>
+              <a:rPr lang="en-US" b="1" kern="100">
+                <a:solidFill>
+                  <a:srgbClr val="294B6B"/>
+                </a:solidFill>
+                <a:effectLst/>
+                <a:latin typeface="Arial (Body)"/>
+                <a:ea typeface="Calibri" panose="020F0502020204030204" pitchFamily="34" charset="0"/>
+                <a:cs typeface="Times New Roman" panose="02020603050405020304" pitchFamily="18" charset="0"/>
+              </a:rPr>
+              <a:t>  </a:t>
+            </a:r>
+          </a:p>
+          <a:p>
+            <a:pPr>
+              <a:lnSpc>
+                <a:spcPct val="107000"/>
+              </a:lnSpc>
+            </a:pPr>
+            <a:endParaRPr lang="en-US" sz="2000" b="1" kern="100">
+              <a:solidFill>
+                <a:srgbClr val="294B6B"/>
+              </a:solidFill>
+              <a:effectLst/>
+              <a:latin typeface="Arial (Body)"/>
+              <a:ea typeface="Calibri" panose="020F0502020204030204" pitchFamily="34" charset="0"/>
+              <a:cs typeface="Times New Roman" panose="02020603050405020304" pitchFamily="18" charset="0"/>
+            </a:endParaRPr>
+          </a:p>
+        </p:txBody>
+      </p:sp>
+      <p:pic>
+        <p:nvPicPr>
+          <p:cNvPr id="13" name="Picture 12">
+            <a:extLst>
+              <a:ext uri="{FF2B5EF4-FFF2-40B4-BE49-F238E27FC236}">
+                <a16:creationId xmlns:a16="http://schemas.microsoft.com/office/drawing/2014/main" id="{FBF22C17-7967-AB81-5B20-B98F0DA88B58}"/>
+              </a:ext>
+            </a:extLst>
+          </p:cNvPr>
+          <p:cNvPicPr>
+            <a:picLocks noChangeAspect="1"/>
+          </p:cNvPicPr>
+          <p:nvPr/>
+        </p:nvPicPr>
+        <p:blipFill>
+          <a:blip r:embed="rId3">
+            <a:extLst>
+              <a:ext uri="{28A0092B-C50C-407E-A947-70E740481C1C}">
+                <a14:useLocalDpi xmlns:a14="http://schemas.microsoft.com/office/drawing/2010/main" val="0"/>
+              </a:ext>
+            </a:extLst>
+          </a:blip>
+          <a:stretch>
+            <a:fillRect/>
+          </a:stretch>
+        </p:blipFill>
+        <p:spPr>
+          <a:xfrm>
+            <a:off x="5415329" y="2312760"/>
+            <a:ext cx="5402580" cy="4069080"/>
+          </a:xfrm>
+          <a:prstGeom prst="rect">
+            <a:avLst/>
+          </a:prstGeom>
+        </p:spPr>
+      </p:pic>
+      <p:sp>
+        <p:nvSpPr>
+          <p:cNvPr id="14" name="Rectangle 13">
+            <a:extLst>
+              <a:ext uri="{FF2B5EF4-FFF2-40B4-BE49-F238E27FC236}">
+                <a16:creationId xmlns:a16="http://schemas.microsoft.com/office/drawing/2014/main" id="{DA3C1F09-D7AA-417C-578B-67B0BFB117E3}"/>
+              </a:ext>
+            </a:extLst>
+          </p:cNvPr>
+          <p:cNvSpPr/>
+          <p:nvPr/>
+        </p:nvSpPr>
+        <p:spPr>
+          <a:xfrm>
+            <a:off x="5591175" y="3533775"/>
+            <a:ext cx="3629025" cy="1038225"/>
+          </a:xfrm>
+          <a:prstGeom prst="rect">
+            <a:avLst/>
+          </a:prstGeom>
+          <a:noFill/>
+          <a:ln w="19050" cap="flat" cmpd="sng" algn="ctr">
+            <a:solidFill>
+              <a:srgbClr val="13AD17"/>
+            </a:solidFill>
+            <a:prstDash val="solid"/>
+            <a:round/>
+            <a:headEnd type="none" w="med" len="med"/>
+            <a:tailEnd type="none" w="med" len="med"/>
+          </a:ln>
+        </p:spPr>
+        <p:style>
+          <a:lnRef idx="0">
+            <a:scrgbClr r="0" g="0" b="0"/>
+          </a:lnRef>
+          <a:fillRef idx="0">
+            <a:scrgbClr r="0" g="0" b="0"/>
+          </a:fillRef>
+          <a:effectRef idx="0">
+            <a:scrgbClr r="0" g="0" b="0"/>
+          </a:effectRef>
+          <a:fontRef idx="minor">
+            <a:schemeClr val="dk1"/>
+          </a:fontRef>
+        </p:style>
+        <p:txBody>
+          <a:bodyPr rtlCol="0" anchor="ctr"/>
+          <a:lstStyle/>
+          <a:p>
+            <a:pPr algn="ctr"/>
+            <a:endParaRPr lang="en-US"/>
+          </a:p>
+        </p:txBody>
+      </p:sp>
+    </p:spTree>
+    <p:extLst>
+      <p:ext uri="{BB962C8B-B14F-4D97-AF65-F5344CB8AC3E}">
+        <p14:creationId xmlns:p14="http://schemas.microsoft.com/office/powerpoint/2010/main" val="3398337658"/>
+      </p:ext>
+    </p:extLst>
+  </p:cSld>
+  <p:clrMapOvr>
+    <a:masterClrMapping/>
+  </p:clrMapOvr>
+  <p:transition spd="slow">
+    <p:fade/>
+  </p:transition>
+  <p:timing>
+    <p:tnLst>
+      <p:par>
+        <p:cTn id="1" dur="indefinite" restart="never" nodeType="tmRoot">
+          <p:childTnLst>
+            <p:seq concurrent="1" nextAc="seek">
+              <p:cTn id="2" dur="indefinite" nodeType="mainSeq">
+                <p:childTnLst>
+                  <p:par>
+                    <p:cTn id="3" fill="hold">
+                      <p:stCondLst>
+                        <p:cond delay="indefinite"/>
+                        <p:cond evt="onBegin" delay="0">
+                          <p:tn val="2"/>
+                        </p:cond>
+                      </p:stCondLst>
+                      <p:childTnLst>
+                        <p:par>
+                          <p:cTn id="4" fill="hold">
+                            <p:stCondLst>
+                              <p:cond delay="0"/>
+                            </p:stCondLst>
+                            <p:childTnLst>
+                              <p:par>
+                                <p:cTn id="5" presetID="6" presetClass="entr" presetSubtype="16" fill="hold" grpId="0" nodeType="afterEffect">
+                                  <p:stCondLst>
+                                    <p:cond delay="0"/>
+                                  </p:stCondLst>
+                                  <p:childTnLst>
+                                    <p:set>
+                                      <p:cBhvr>
+                                        <p:cTn id="6" dur="1" fill="hold">
+                                          <p:stCondLst>
+                                            <p:cond delay="0"/>
+                                          </p:stCondLst>
+                                        </p:cTn>
+                                        <p:tgtEl>
+                                          <p:spTgt spid="8"/>
+                                        </p:tgtEl>
+                                        <p:attrNameLst>
+                                          <p:attrName>style.visibility</p:attrName>
+                                        </p:attrNameLst>
+                                      </p:cBhvr>
+                                      <p:to>
+                                        <p:strVal val="visible"/>
+                                      </p:to>
+                                    </p:set>
+                                    <p:animEffect transition="in" filter="circle(in)">
+                                      <p:cBhvr>
+                                        <p:cTn id="7" dur="2000"/>
+                                        <p:tgtEl>
+                                          <p:spTgt spid="8"/>
+                                        </p:tgtEl>
+                                      </p:cBhvr>
+                                    </p:animEffect>
+                                  </p:childTnLst>
+                                </p:cTn>
+                              </p:par>
+                            </p:childTnLst>
+                          </p:cTn>
+                        </p:par>
+                        <p:par>
+                          <p:cTn id="8" fill="hold">
+                            <p:stCondLst>
+                              <p:cond delay="2000"/>
+                            </p:stCondLst>
+                            <p:childTnLst>
+                              <p:par>
+                                <p:cTn id="9" presetID="45" presetClass="entr" presetSubtype="0" fill="hold" grpId="0" nodeType="afterEffect">
+                                  <p:stCondLst>
+                                    <p:cond delay="0"/>
+                                  </p:stCondLst>
+                                  <p:childTnLst>
+                                    <p:set>
+                                      <p:cBhvr>
+                                        <p:cTn id="10" dur="1" fill="hold">
+                                          <p:stCondLst>
+                                            <p:cond delay="0"/>
+                                          </p:stCondLst>
+                                        </p:cTn>
+                                        <p:tgtEl>
+                                          <p:spTgt spid="14"/>
+                                        </p:tgtEl>
+                                        <p:attrNameLst>
+                                          <p:attrName>style.visibility</p:attrName>
+                                        </p:attrNameLst>
+                                      </p:cBhvr>
+                                      <p:to>
+                                        <p:strVal val="visible"/>
+                                      </p:to>
+                                    </p:set>
+                                    <p:animEffect transition="in" filter="fade">
+                                      <p:cBhvr>
+                                        <p:cTn id="11" dur="1250"/>
+                                        <p:tgtEl>
+                                          <p:spTgt spid="14"/>
+                                        </p:tgtEl>
+                                      </p:cBhvr>
+                                    </p:animEffect>
+                                    <p:anim calcmode="lin" valueType="num">
+                                      <p:cBhvr>
+                                        <p:cTn id="12" dur="1250" fill="hold"/>
+                                        <p:tgtEl>
+                                          <p:spTgt spid="14"/>
+                                        </p:tgtEl>
+                                        <p:attrNameLst>
+                                          <p:attrName>ppt_w</p:attrName>
+                                        </p:attrNameLst>
+                                      </p:cBhvr>
+                                      <p:tavLst>
+                                        <p:tav tm="0" fmla="#ppt_w*sin(2.5*pi*$)">
+                                          <p:val>
+                                            <p:fltVal val="0"/>
+                                          </p:val>
+                                        </p:tav>
+                                        <p:tav tm="100000">
+                                          <p:val>
+                                            <p:fltVal val="1"/>
+                                          </p:val>
+                                        </p:tav>
+                                      </p:tavLst>
+                                    </p:anim>
+                                    <p:anim calcmode="lin" valueType="num">
+                                      <p:cBhvr>
+                                        <p:cTn id="13" dur="1250" fill="hold"/>
+                                        <p:tgtEl>
+                                          <p:spTgt spid="14"/>
+                                        </p:tgtEl>
+                                        <p:attrNameLst>
+                                          <p:attrName>ppt_h</p:attrName>
+                                        </p:attrNameLst>
+                                      </p:cBhvr>
+                                      <p:tavLst>
+                                        <p:tav tm="0">
+                                          <p:val>
+                                            <p:strVal val="#ppt_h"/>
+                                          </p:val>
+                                        </p:tav>
+                                        <p:tav tm="100000">
+                                          <p:val>
+                                            <p:strVal val="#ppt_h"/>
+                                          </p:val>
+                                        </p:tav>
+                                      </p:tavLst>
+                                    </p:anim>
+                                  </p:childTnLst>
+                                </p:cTn>
+                              </p:par>
+                            </p:childTnLst>
+                          </p:cTn>
+                        </p:par>
+                      </p:childTnLst>
+                    </p:cTn>
+                  </p:par>
+                </p:childTnLst>
+              </p:cTn>
+              <p:prevCondLst>
+                <p:cond evt="onPrev" delay="0">
+                  <p:tgtEl>
+                    <p:sldTgt/>
+                  </p:tgtEl>
+                </p:cond>
+              </p:prevCondLst>
+              <p:nextCondLst>
+                <p:cond evt="onNext" delay="0">
+                  <p:tgtEl>
+                    <p:sldTgt/>
+                  </p:tgtEl>
+                </p:cond>
+              </p:nextCondLst>
+            </p:seq>
+          </p:childTnLst>
+        </p:cTn>
+      </p:par>
+    </p:tnLst>
+    <p:bldLst>
+      <p:bldP spid="8" grpId="0"/>
+      <p:bldP spid="14" grpId="0" animBg="1"/>
+    </p:bldLst>
+  </p:timing>
+</p:sld>
+</file>
+
+<file path=ppt/slides/slide14.xml><?xml version="1.0" encoding="utf-8"?>
 <p:sld xmlns:a="http://schemas.openxmlformats.org/drawingml/2006/main" xmlns:r="http://schemas.openxmlformats.org/officeDocument/2006/relationships" xmlns:p="http://schemas.openxmlformats.org/presentationml/2006/main">
   <p:cSld>
     <p:spTree>
@@ -6757,7 +10017,7 @@
 </p:sld>
 </file>
 
-<file path=ppt/slides/slide11.xml><?xml version="1.0" encoding="utf-8"?>
+<file path=ppt/slides/slide15.xml><?xml version="1.0" encoding="utf-8"?>
 <p:sld xmlns:a="http://schemas.openxmlformats.org/drawingml/2006/main" xmlns:r="http://schemas.openxmlformats.org/officeDocument/2006/relationships" xmlns:p="http://schemas.openxmlformats.org/presentationml/2006/main">
   <p:cSld>
     <p:spTree>
@@ -7133,7 +10393,7 @@
         <p:spPr>
           <a:xfrm>
             <a:off x="9654988" y="1"/>
-            <a:ext cx="2537011" cy="6858000"/>
+            <a:ext cx="2537012" cy="6858000"/>
           </a:xfrm>
           <a:prstGeom prst="rect">
             <a:avLst/>
@@ -7253,7 +10513,7 @@
         <p:spPr>
           <a:xfrm>
             <a:off x="3104991" y="2197414"/>
-            <a:ext cx="7872289" cy="2693045"/>
+            <a:ext cx="7872289" cy="3139321"/>
           </a:xfrm>
           <a:prstGeom prst="rect">
             <a:avLst/>
@@ -7391,6 +10651,26 @@
                 </a:solidFill>
               </a:rPr>
               <a:t> Ưu điểm và nhược điểm của Katalon Studio</a:t>
+            </a:r>
+          </a:p>
+          <a:p>
+            <a:pPr marL="285750" indent="-285750">
+              <a:spcBef>
+                <a:spcPts val="600"/>
+              </a:spcBef>
+              <a:buClr>
+                <a:schemeClr val="bg1"/>
+              </a:buClr>
+              <a:buFont typeface="Wingdings" panose="05000000000000000000" pitchFamily="2" charset="2"/>
+              <a:buChar char="Ø"/>
+            </a:pPr>
+            <a:r>
+              <a:rPr lang="en-US" sz="2400">
+                <a:solidFill>
+                  <a:srgbClr val="294B6B"/>
+                </a:solidFill>
+              </a:rPr>
+              <a:t> Video demo</a:t>
             </a:r>
           </a:p>
         </p:txBody>
@@ -7405,6 +10685,136 @@
   <p:clrMapOvr>
     <a:masterClrMapping/>
   </p:clrMapOvr>
+  <p:transition spd="slow">
+    <p:push dir="u"/>
+  </p:transition>
+  <p:timing>
+    <p:tnLst>
+      <p:par>
+        <p:cTn id="1" dur="indefinite" restart="never" nodeType="tmRoot">
+          <p:childTnLst>
+            <p:seq concurrent="1" nextAc="seek">
+              <p:cTn id="2" dur="indefinite" nodeType="mainSeq">
+                <p:childTnLst>
+                  <p:par>
+                    <p:cTn id="3" fill="hold">
+                      <p:stCondLst>
+                        <p:cond delay="indefinite"/>
+                        <p:cond evt="onBegin" delay="0">
+                          <p:tn val="2"/>
+                        </p:cond>
+                      </p:stCondLst>
+                      <p:childTnLst>
+                        <p:par>
+                          <p:cTn id="4" fill="hold">
+                            <p:stCondLst>
+                              <p:cond delay="0"/>
+                            </p:stCondLst>
+                            <p:childTnLst>
+                              <p:par>
+                                <p:cTn id="5" presetID="2" presetClass="entr" presetSubtype="2" fill="hold" grpId="0" nodeType="afterEffect">
+                                  <p:stCondLst>
+                                    <p:cond delay="0"/>
+                                  </p:stCondLst>
+                                  <p:childTnLst>
+                                    <p:set>
+                                      <p:cBhvr>
+                                        <p:cTn id="6" dur="1" fill="hold">
+                                          <p:stCondLst>
+                                            <p:cond delay="0"/>
+                                          </p:stCondLst>
+                                        </p:cTn>
+                                        <p:tgtEl>
+                                          <p:spTgt spid="11"/>
+                                        </p:tgtEl>
+                                        <p:attrNameLst>
+                                          <p:attrName>style.visibility</p:attrName>
+                                        </p:attrNameLst>
+                                      </p:cBhvr>
+                                      <p:to>
+                                        <p:strVal val="visible"/>
+                                      </p:to>
+                                    </p:set>
+                                    <p:anim calcmode="lin" valueType="num">
+                                      <p:cBhvr additive="base">
+                                        <p:cTn id="7" dur="500" fill="hold"/>
+                                        <p:tgtEl>
+                                          <p:spTgt spid="11"/>
+                                        </p:tgtEl>
+                                        <p:attrNameLst>
+                                          <p:attrName>ppt_x</p:attrName>
+                                        </p:attrNameLst>
+                                      </p:cBhvr>
+                                      <p:tavLst>
+                                        <p:tav tm="0">
+                                          <p:val>
+                                            <p:strVal val="1+#ppt_w/2"/>
+                                          </p:val>
+                                        </p:tav>
+                                        <p:tav tm="100000">
+                                          <p:val>
+                                            <p:strVal val="#ppt_x"/>
+                                          </p:val>
+                                        </p:tav>
+                                      </p:tavLst>
+                                    </p:anim>
+                                    <p:anim calcmode="lin" valueType="num">
+                                      <p:cBhvr additive="base">
+                                        <p:cTn id="8" dur="500" fill="hold"/>
+                                        <p:tgtEl>
+                                          <p:spTgt spid="11"/>
+                                        </p:tgtEl>
+                                        <p:attrNameLst>
+                                          <p:attrName>ppt_y</p:attrName>
+                                        </p:attrNameLst>
+                                      </p:cBhvr>
+                                      <p:tavLst>
+                                        <p:tav tm="0">
+                                          <p:val>
+                                            <p:strVal val="#ppt_y"/>
+                                          </p:val>
+                                        </p:tav>
+                                        <p:tav tm="100000">
+                                          <p:val>
+                                            <p:strVal val="#ppt_y"/>
+                                          </p:val>
+                                        </p:tav>
+                                      </p:tavLst>
+                                    </p:anim>
+                                  </p:childTnLst>
+                                </p:cTn>
+                              </p:par>
+                            </p:childTnLst>
+                          </p:cTn>
+                        </p:par>
+                      </p:childTnLst>
+                    </p:cTn>
+                  </p:par>
+                </p:childTnLst>
+              </p:cTn>
+              <p:prevCondLst>
+                <p:cond evt="onPrev" delay="0">
+                  <p:tgtEl>
+                    <p:sldTgt/>
+                  </p:tgtEl>
+                </p:cond>
+              </p:prevCondLst>
+              <p:nextCondLst>
+                <p:cond evt="onNext" delay="0">
+                  <p:tgtEl>
+                    <p:sldTgt/>
+                  </p:tgtEl>
+                </p:cond>
+              </p:nextCondLst>
+            </p:seq>
+          </p:childTnLst>
+        </p:cTn>
+      </p:par>
+    </p:tnLst>
+    <p:bldLst>
+      <p:bldP spid="11" grpId="0"/>
+    </p:bldLst>
+  </p:timing>
 </p:sld>
 </file>
 
@@ -7984,10 +11394,10 @@
       </p:sp>
       <p:sp>
         <p:nvSpPr>
-          <p:cNvPr id="5" name="TextBox 4">
+          <p:cNvPr id="6" name="TextBox 5">
             <a:extLst>
               <a:ext uri="{FF2B5EF4-FFF2-40B4-BE49-F238E27FC236}">
-                <a16:creationId xmlns:a16="http://schemas.microsoft.com/office/drawing/2014/main" id="{465C74E3-E7B6-B75A-458A-BDE4C5436003}"/>
+                <a16:creationId xmlns:a16="http://schemas.microsoft.com/office/drawing/2014/main" id="{AEE5AC4A-A46A-4388-72DE-BF75454EC323}"/>
               </a:ext>
             </a:extLst>
           </p:cNvPr>
@@ -7996,8 +11406,8 @@
         </p:nvSpPr>
         <p:spPr>
           <a:xfrm>
-            <a:off x="5629833" y="4402318"/>
-            <a:ext cx="6005983" cy="1933575"/>
+            <a:off x="5629835" y="2089122"/>
+            <a:ext cx="6005982" cy="4267410"/>
           </a:xfrm>
           <a:prstGeom prst="rect">
             <a:avLst/>
@@ -8037,7 +11447,7 @@
                 <a:effectLst/>
                 <a:latin typeface="Arial" panose="020B0604020202020204" pitchFamily="34" charset="0"/>
               </a:rPr>
-              <a:t>Quản lý kịch bản kiểm thử</a:t>
+              <a:t>Tự động hóa kiểm thử</a:t>
             </a:r>
             <a:r>
               <a:rPr kumimoji="0" lang="en-US" altLang="en-US" sz="1800" b="0" i="0" u="none" strike="noStrike" cap="none" normalizeH="0" baseline="0">
@@ -8050,7 +11460,36 @@
                 <a:effectLst/>
                 <a:latin typeface="Arial" panose="020B0604020202020204" pitchFamily="34" charset="0"/>
               </a:rPr>
-              <a:t>: Cung cấp giao diện trực quan giúp dễ dàng theo dõi, quản lý và duy trì các kịch bản kiểm thử.</a:t>
+              <a:t>: </a:t>
+            </a:r>
+          </a:p>
+          <a:p>
+            <a:pPr marL="0" marR="0" lvl="0" indent="0" algn="l" defTabSz="914400" rtl="0" eaLnBrk="0" fontAlgn="base" latinLnBrk="0" hangingPunct="0">
+              <a:lnSpc>
+                <a:spcPct val="100000"/>
+              </a:lnSpc>
+              <a:spcBef>
+                <a:spcPts val="600"/>
+              </a:spcBef>
+              <a:spcAft>
+                <a:spcPct val="0"/>
+              </a:spcAft>
+              <a:buClrTx/>
+              <a:buSzTx/>
+              <a:tabLst/>
+            </a:pPr>
+            <a:r>
+              <a:rPr kumimoji="0" lang="en-US" altLang="en-US" sz="1800" b="0" i="0" u="none" strike="noStrike" cap="none" normalizeH="0" baseline="0">
+                <a:ln>
+                  <a:noFill/>
+                </a:ln>
+                <a:solidFill>
+                  <a:srgbClr val="294B6B"/>
+                </a:solidFill>
+                <a:effectLst/>
+                <a:latin typeface="Arial" panose="020B0604020202020204" pitchFamily="34" charset="0"/>
+              </a:rPr>
+              <a:t>Katalon giúp đơn giản hóa quy trình kiểm thử ứng dụng web, di động và API thông qua các kịch bản kiểm thử tự động.</a:t>
             </a:r>
           </a:p>
           <a:p>
@@ -8081,7 +11520,7 @@
                 <a:effectLst/>
                 <a:latin typeface="Arial" panose="020B0604020202020204" pitchFamily="34" charset="0"/>
               </a:rPr>
-              <a:t>Tích hợp đa công cụ</a:t>
+              <a:t>Tiết kiệm thời gian và chi phí</a:t>
             </a:r>
             <a:r>
               <a:rPr kumimoji="0" lang="en-US" altLang="en-US" sz="1800" b="0" i="0" u="none" strike="noStrike" cap="none" normalizeH="0" baseline="0">
@@ -8094,45 +11533,45 @@
                 <a:effectLst/>
                 <a:latin typeface="Arial" panose="020B0604020202020204" pitchFamily="34" charset="0"/>
               </a:rPr>
-              <a:t>: Katalon có thể tích hợp với các hệ thống quản lý kiểm thử và công cụ CI/CD như Jenkins, Git, JIRA, giúp đồng bộ quy trình phát triển phần mềm. </a:t>
-            </a:r>
-          </a:p>
-        </p:txBody>
-      </p:sp>
-      <p:sp>
-        <p:nvSpPr>
-          <p:cNvPr id="6" name="TextBox 5">
-            <a:extLst>
-              <a:ext uri="{FF2B5EF4-FFF2-40B4-BE49-F238E27FC236}">
-                <a16:creationId xmlns:a16="http://schemas.microsoft.com/office/drawing/2014/main" id="{AEE5AC4A-A46A-4388-72DE-BF75454EC323}"/>
-              </a:ext>
-            </a:extLst>
-          </p:cNvPr>
-          <p:cNvSpPr txBox="1"/>
-          <p:nvPr/>
-        </p:nvSpPr>
-        <p:spPr>
-          <a:xfrm>
-            <a:off x="5629834" y="1317488"/>
-            <a:ext cx="6005982" cy="3084830"/>
-          </a:xfrm>
-          <a:prstGeom prst="rect">
-            <a:avLst/>
-          </a:prstGeom>
-          <a:noFill/>
-        </p:spPr>
-        <p:txBody>
-          <a:bodyPr wrap="square" rtlCol="0">
-            <a:noAutofit/>
-          </a:bodyPr>
-          <a:lstStyle/>
+              <a:t>: </a:t>
+            </a:r>
+          </a:p>
           <a:p>
             <a:pPr marL="0" marR="0" lvl="0" indent="0" algn="l" defTabSz="914400" rtl="0" eaLnBrk="0" fontAlgn="base" latinLnBrk="0" hangingPunct="0">
               <a:lnSpc>
                 <a:spcPct val="100000"/>
               </a:lnSpc>
               <a:spcBef>
-                <a:spcPts val="1200"/>
+                <a:spcPts val="600"/>
+              </a:spcBef>
+              <a:spcAft>
+                <a:spcPct val="0"/>
+              </a:spcAft>
+              <a:buClrTx/>
+              <a:buSzTx/>
+              <a:tabLst/>
+            </a:pPr>
+            <a:r>
+              <a:rPr kumimoji="0" lang="en-US" altLang="en-US" sz="1800" b="0" i="0" u="none" strike="noStrike" cap="none" normalizeH="0" baseline="0">
+                <a:ln>
+                  <a:noFill/>
+                </a:ln>
+                <a:solidFill>
+                  <a:srgbClr val="294B6B"/>
+                </a:solidFill>
+                <a:effectLst/>
+                <a:latin typeface="Arial" panose="020B0604020202020204" pitchFamily="34" charset="0"/>
+              </a:rPr>
+              <a:t>Nhờ tự động hóa, quá trình kiểm thử diễn ra nhanh chóng và hiệu quả hơn so với kiểm thử thủ công.</a:t>
+            </a:r>
+          </a:p>
+          <a:p>
+            <a:pPr marL="0" marR="0" lvl="0" indent="0" algn="l" defTabSz="914400" rtl="0" eaLnBrk="0" fontAlgn="base" latinLnBrk="0" hangingPunct="0">
+              <a:lnSpc>
+                <a:spcPct val="100000"/>
+              </a:lnSpc>
+              <a:spcBef>
+                <a:spcPts val="600"/>
               </a:spcBef>
               <a:spcAft>
                 <a:spcPct val="0"/>
@@ -8154,7 +11593,7 @@
                 <a:effectLst/>
                 <a:latin typeface="Arial" panose="020B0604020202020204" pitchFamily="34" charset="0"/>
               </a:rPr>
-              <a:t>Tự động hóa kiểm thử</a:t>
+              <a:t>Hỗ trợ đa nền tảng</a:t>
             </a:r>
             <a:r>
               <a:rPr kumimoji="0" lang="en-US" altLang="en-US" sz="1800" b="0" i="0" u="none" strike="noStrike" cap="none" normalizeH="0" baseline="0">
@@ -8167,7 +11606,7 @@
                 <a:effectLst/>
                 <a:latin typeface="Arial" panose="020B0604020202020204" pitchFamily="34" charset="0"/>
               </a:rPr>
-              <a:t>: Katalon giúp đơn giản hóa quy trình kiểm thử ứng dụng web, di động và API thông qua các kịch bản kiểm thử tự động.</a:t>
+              <a:t>: </a:t>
             </a:r>
           </a:p>
           <a:p>
@@ -8176,30 +11615,15 @@
                 <a:spcPct val="100000"/>
               </a:lnSpc>
               <a:spcBef>
-                <a:spcPts val="1200"/>
+                <a:spcPts val="600"/>
               </a:spcBef>
               <a:spcAft>
                 <a:spcPct val="0"/>
               </a:spcAft>
               <a:buClrTx/>
               <a:buSzTx/>
-              <a:buFontTx/>
-              <a:buChar char="•"/>
               <a:tabLst/>
             </a:pPr>
-            <a:r>
-              <a:rPr kumimoji="0" lang="en-US" altLang="en-US" sz="1800" b="1" i="0" u="none" strike="noStrike" cap="none" normalizeH="0" baseline="0">
-                <a:ln>
-                  <a:noFill/>
-                </a:ln>
-                <a:solidFill>
-                  <a:srgbClr val="294B6B"/>
-                </a:solidFill>
-                <a:effectLst/>
-                <a:latin typeface="Arial" panose="020B0604020202020204" pitchFamily="34" charset="0"/>
-              </a:rPr>
-              <a:t>Tiết kiệm thời gian và chi phí</a:t>
-            </a:r>
             <a:r>
               <a:rPr kumimoji="0" lang="en-US" altLang="en-US" sz="1800" b="0" i="0" u="none" strike="noStrike" cap="none" normalizeH="0" baseline="0">
                 <a:ln>
@@ -8211,51 +11635,7 @@
                 <a:effectLst/>
                 <a:latin typeface="Arial" panose="020B0604020202020204" pitchFamily="34" charset="0"/>
               </a:rPr>
-              <a:t>: Nhờ tự động hóa, quá trình kiểm thử diễn ra nhanh chóng và hiệu quả hơn so với kiểm thử thủ công.</a:t>
-            </a:r>
-          </a:p>
-          <a:p>
-            <a:pPr marL="0" marR="0" lvl="0" indent="0" algn="l" defTabSz="914400" rtl="0" eaLnBrk="0" fontAlgn="base" latinLnBrk="0" hangingPunct="0">
-              <a:lnSpc>
-                <a:spcPct val="100000"/>
-              </a:lnSpc>
-              <a:spcBef>
-                <a:spcPts val="1200"/>
-              </a:spcBef>
-              <a:spcAft>
-                <a:spcPct val="0"/>
-              </a:spcAft>
-              <a:buClrTx/>
-              <a:buSzTx/>
-              <a:buFontTx/>
-              <a:buChar char="•"/>
-              <a:tabLst/>
-            </a:pPr>
-            <a:r>
-              <a:rPr kumimoji="0" lang="en-US" altLang="en-US" sz="1800" b="1" i="0" u="none" strike="noStrike" cap="none" normalizeH="0" baseline="0">
-                <a:ln>
-                  <a:noFill/>
-                </a:ln>
-                <a:solidFill>
-                  <a:srgbClr val="294B6B"/>
-                </a:solidFill>
-                <a:effectLst/>
-                <a:latin typeface="Arial" panose="020B0604020202020204" pitchFamily="34" charset="0"/>
-              </a:rPr>
-              <a:t>Hỗ trợ đa nền tảng</a:t>
-            </a:r>
-            <a:r>
-              <a:rPr kumimoji="0" lang="en-US" altLang="en-US" sz="1800" b="0" i="0" u="none" strike="noStrike" cap="none" normalizeH="0" baseline="0">
-                <a:ln>
-                  <a:noFill/>
-                </a:ln>
-                <a:solidFill>
-                  <a:srgbClr val="294B6B"/>
-                </a:solidFill>
-                <a:effectLst/>
-                <a:latin typeface="Arial" panose="020B0604020202020204" pitchFamily="34" charset="0"/>
-              </a:rPr>
-              <a:t>: Tương thích với các hệ điều hành như Windows, macOS, và Linux, phù hợp với nhiều môi trường phát triển khác nhau. </a:t>
+              <a:t>Tương thích với các hệ điều hành như Windows, macOS, và Linux, phù hợp với nhiều môi trường phát triển khác nhau. </a:t>
             </a:r>
           </a:p>
         </p:txBody>
@@ -8326,8 +11706,8 @@
         </p:blipFill>
         <p:spPr>
           <a:xfrm>
-            <a:off x="500485" y="1874635"/>
-            <a:ext cx="4696301" cy="3988838"/>
+            <a:off x="209412" y="1649505"/>
+            <a:ext cx="5250094" cy="4572556"/>
           </a:xfrm>
           <a:prstGeom prst="ellipse">
             <a:avLst/>
@@ -8350,6 +11730,478 @@
   <p:clrMapOvr>
     <a:masterClrMapping/>
   </p:clrMapOvr>
+  <p:transition spd="slow">
+    <p:wipe/>
+  </p:transition>
+  <p:timing>
+    <p:tnLst>
+      <p:par>
+        <p:cTn id="1" dur="indefinite" restart="never" nodeType="tmRoot">
+          <p:childTnLst>
+            <p:seq concurrent="1" nextAc="seek">
+              <p:cTn id="2" dur="indefinite" nodeType="mainSeq">
+                <p:childTnLst>
+                  <p:par>
+                    <p:cTn id="3" fill="hold">
+                      <p:stCondLst>
+                        <p:cond delay="indefinite"/>
+                        <p:cond evt="onBegin" delay="0">
+                          <p:tn val="2"/>
+                        </p:cond>
+                      </p:stCondLst>
+                      <p:childTnLst>
+                        <p:par>
+                          <p:cTn id="4" fill="hold">
+                            <p:stCondLst>
+                              <p:cond delay="0"/>
+                            </p:stCondLst>
+                            <p:childTnLst>
+                              <p:par>
+                                <p:cTn id="5" presetID="2" presetClass="entr" presetSubtype="2" fill="hold" nodeType="afterEffect">
+                                  <p:stCondLst>
+                                    <p:cond delay="0"/>
+                                  </p:stCondLst>
+                                  <p:childTnLst>
+                                    <p:set>
+                                      <p:cBhvr>
+                                        <p:cTn id="6" dur="1" fill="hold">
+                                          <p:stCondLst>
+                                            <p:cond delay="0"/>
+                                          </p:stCondLst>
+                                        </p:cTn>
+                                        <p:tgtEl>
+                                          <p:spTgt spid="8"/>
+                                        </p:tgtEl>
+                                        <p:attrNameLst>
+                                          <p:attrName>style.visibility</p:attrName>
+                                        </p:attrNameLst>
+                                      </p:cBhvr>
+                                      <p:to>
+                                        <p:strVal val="visible"/>
+                                      </p:to>
+                                    </p:set>
+                                    <p:anim calcmode="lin" valueType="num">
+                                      <p:cBhvr additive="base">
+                                        <p:cTn id="7" dur="750" fill="hold"/>
+                                        <p:tgtEl>
+                                          <p:spTgt spid="8"/>
+                                        </p:tgtEl>
+                                        <p:attrNameLst>
+                                          <p:attrName>ppt_x</p:attrName>
+                                        </p:attrNameLst>
+                                      </p:cBhvr>
+                                      <p:tavLst>
+                                        <p:tav tm="0">
+                                          <p:val>
+                                            <p:strVal val="1+#ppt_w/2"/>
+                                          </p:val>
+                                        </p:tav>
+                                        <p:tav tm="100000">
+                                          <p:val>
+                                            <p:strVal val="#ppt_x"/>
+                                          </p:val>
+                                        </p:tav>
+                                      </p:tavLst>
+                                    </p:anim>
+                                    <p:anim calcmode="lin" valueType="num">
+                                      <p:cBhvr additive="base">
+                                        <p:cTn id="8" dur="750" fill="hold"/>
+                                        <p:tgtEl>
+                                          <p:spTgt spid="8"/>
+                                        </p:tgtEl>
+                                        <p:attrNameLst>
+                                          <p:attrName>ppt_y</p:attrName>
+                                        </p:attrNameLst>
+                                      </p:cBhvr>
+                                      <p:tavLst>
+                                        <p:tav tm="0">
+                                          <p:val>
+                                            <p:strVal val="#ppt_y"/>
+                                          </p:val>
+                                        </p:tav>
+                                        <p:tav tm="100000">
+                                          <p:val>
+                                            <p:strVal val="#ppt_y"/>
+                                          </p:val>
+                                        </p:tav>
+                                      </p:tavLst>
+                                    </p:anim>
+                                  </p:childTnLst>
+                                </p:cTn>
+                              </p:par>
+                            </p:childTnLst>
+                          </p:cTn>
+                        </p:par>
+                      </p:childTnLst>
+                    </p:cTn>
+                  </p:par>
+                </p:childTnLst>
+              </p:cTn>
+              <p:prevCondLst>
+                <p:cond evt="onPrev" delay="0">
+                  <p:tgtEl>
+                    <p:sldTgt/>
+                  </p:tgtEl>
+                </p:cond>
+              </p:prevCondLst>
+              <p:nextCondLst>
+                <p:cond evt="onNext" delay="0">
+                  <p:tgtEl>
+                    <p:sldTgt/>
+                  </p:tgtEl>
+                </p:cond>
+              </p:nextCondLst>
+            </p:seq>
+          </p:childTnLst>
+        </p:cTn>
+      </p:par>
+    </p:tnLst>
+  </p:timing>
+</p:sld>
+</file>
+
+<file path=ppt/slides/slide5.xml><?xml version="1.0" encoding="utf-8"?>
+<p:sld xmlns:a="http://schemas.openxmlformats.org/drawingml/2006/main" xmlns:r="http://schemas.openxmlformats.org/officeDocument/2006/relationships" xmlns:p="http://schemas.openxmlformats.org/presentationml/2006/main">
+  <p:cSld>
+    <p:spTree>
+      <p:nvGrpSpPr>
+        <p:cNvPr id="1" name=""/>
+        <p:cNvGrpSpPr/>
+        <p:nvPr/>
+      </p:nvGrpSpPr>
+      <p:grpSpPr>
+        <a:xfrm>
+          <a:off x="0" y="0"/>
+          <a:ext cx="0" cy="0"/>
+          <a:chOff x="0" y="0"/>
+          <a:chExt cx="0" cy="0"/>
+        </a:xfrm>
+      </p:grpSpPr>
+      <p:sp>
+        <p:nvSpPr>
+          <p:cNvPr id="4" name="Rectangle 3">
+            <a:extLst>
+              <a:ext uri="{FF2B5EF4-FFF2-40B4-BE49-F238E27FC236}">
+                <a16:creationId xmlns:a16="http://schemas.microsoft.com/office/drawing/2014/main" id="{F0C386EC-C296-1973-2A69-750DE02A7B79}"/>
+              </a:ext>
+            </a:extLst>
+          </p:cNvPr>
+          <p:cNvSpPr/>
+          <p:nvPr/>
+        </p:nvSpPr>
+        <p:spPr>
+          <a:xfrm>
+            <a:off x="-1" y="0"/>
+            <a:ext cx="12192001" cy="957183"/>
+          </a:xfrm>
+          <a:prstGeom prst="rect">
+            <a:avLst/>
+          </a:prstGeom>
+          <a:solidFill>
+            <a:srgbClr val="00294F">
+              <a:alpha val="84000"/>
+            </a:srgbClr>
+          </a:solidFill>
+        </p:spPr>
+        <p:style>
+          <a:lnRef idx="2">
+            <a:schemeClr val="accent1">
+              <a:shade val="15000"/>
+            </a:schemeClr>
+          </a:lnRef>
+          <a:fillRef idx="1">
+            <a:schemeClr val="accent1"/>
+          </a:fillRef>
+          <a:effectRef idx="0">
+            <a:schemeClr val="accent1"/>
+          </a:effectRef>
+          <a:fontRef idx="minor">
+            <a:schemeClr val="lt1"/>
+          </a:fontRef>
+        </p:style>
+        <p:txBody>
+          <a:bodyPr lIns="365760" rtlCol="0" anchor="ctr"/>
+          <a:lstStyle/>
+          <a:p>
+            <a:r>
+              <a:rPr lang="en-US" sz="3200" b="1">
+                <a:solidFill>
+                  <a:schemeClr val="bg1"/>
+                </a:solidFill>
+              </a:rPr>
+              <a:t>MỤC ĐÍCH SỬ DỤNG (tt)</a:t>
+            </a:r>
+          </a:p>
+        </p:txBody>
+      </p:sp>
+      <p:sp>
+        <p:nvSpPr>
+          <p:cNvPr id="5" name="TextBox 4">
+            <a:extLst>
+              <a:ext uri="{FF2B5EF4-FFF2-40B4-BE49-F238E27FC236}">
+                <a16:creationId xmlns:a16="http://schemas.microsoft.com/office/drawing/2014/main" id="{5ECD2F11-F00B-8F5A-A587-365909327BAB}"/>
+              </a:ext>
+            </a:extLst>
+          </p:cNvPr>
+          <p:cNvSpPr txBox="1"/>
+          <p:nvPr/>
+        </p:nvSpPr>
+        <p:spPr>
+          <a:xfrm>
+            <a:off x="530419" y="2513899"/>
+            <a:ext cx="5698342" cy="2649772"/>
+          </a:xfrm>
+          <a:prstGeom prst="rect">
+            <a:avLst/>
+          </a:prstGeom>
+          <a:noFill/>
+        </p:spPr>
+        <p:txBody>
+          <a:bodyPr wrap="square" rtlCol="0">
+            <a:noAutofit/>
+          </a:bodyPr>
+          <a:lstStyle/>
+          <a:p>
+            <a:pPr marL="0" marR="0" lvl="0" indent="0" algn="l" defTabSz="914400" rtl="0" eaLnBrk="0" fontAlgn="base" latinLnBrk="0" hangingPunct="0">
+              <a:lnSpc>
+                <a:spcPct val="100000"/>
+              </a:lnSpc>
+              <a:spcBef>
+                <a:spcPts val="600"/>
+              </a:spcBef>
+              <a:spcAft>
+                <a:spcPct val="0"/>
+              </a:spcAft>
+              <a:buClrTx/>
+              <a:buSzTx/>
+              <a:buFontTx/>
+              <a:buChar char="•"/>
+              <a:tabLst/>
+            </a:pPr>
+            <a:r>
+              <a:rPr kumimoji="0" lang="en-US" altLang="en-US" sz="1800" b="1" i="0" u="none" strike="noStrike" cap="none" normalizeH="0" baseline="0">
+                <a:ln>
+                  <a:noFill/>
+                </a:ln>
+                <a:solidFill>
+                  <a:srgbClr val="294B6B"/>
+                </a:solidFill>
+                <a:effectLst/>
+                <a:latin typeface="Arial" panose="020B0604020202020204" pitchFamily="34" charset="0"/>
+              </a:rPr>
+              <a:t>Quản lý kịch bản kiểm thử</a:t>
+            </a:r>
+            <a:r>
+              <a:rPr kumimoji="0" lang="en-US" altLang="en-US" sz="1800" b="0" i="0" u="none" strike="noStrike" cap="none" normalizeH="0" baseline="0">
+                <a:ln>
+                  <a:noFill/>
+                </a:ln>
+                <a:solidFill>
+                  <a:srgbClr val="294B6B"/>
+                </a:solidFill>
+                <a:effectLst/>
+                <a:latin typeface="Arial" panose="020B0604020202020204" pitchFamily="34" charset="0"/>
+              </a:rPr>
+              <a:t>: </a:t>
+            </a:r>
+          </a:p>
+          <a:p>
+            <a:pPr marL="0" marR="0" lvl="0" indent="0" algn="l" defTabSz="914400" rtl="0" eaLnBrk="0" fontAlgn="base" latinLnBrk="0" hangingPunct="0">
+              <a:lnSpc>
+                <a:spcPct val="100000"/>
+              </a:lnSpc>
+              <a:spcBef>
+                <a:spcPts val="600"/>
+              </a:spcBef>
+              <a:spcAft>
+                <a:spcPct val="0"/>
+              </a:spcAft>
+              <a:buClrTx/>
+              <a:buSzTx/>
+              <a:tabLst/>
+            </a:pPr>
+            <a:r>
+              <a:rPr kumimoji="0" lang="en-US" altLang="en-US" sz="1800" b="0" i="0" u="none" strike="noStrike" cap="none" normalizeH="0" baseline="0">
+                <a:ln>
+                  <a:noFill/>
+                </a:ln>
+                <a:solidFill>
+                  <a:srgbClr val="294B6B"/>
+                </a:solidFill>
+                <a:effectLst/>
+                <a:latin typeface="Arial" panose="020B0604020202020204" pitchFamily="34" charset="0"/>
+              </a:rPr>
+              <a:t>Cung cấp giao diện trực quan giúp dễ dàng theo dõi, quản lý và duy trì các kịch bản kiểm thử.</a:t>
+            </a:r>
+          </a:p>
+          <a:p>
+            <a:pPr marL="0" marR="0" lvl="0" indent="0" algn="l" defTabSz="914400" rtl="0" eaLnBrk="0" fontAlgn="base" latinLnBrk="0" hangingPunct="0">
+              <a:lnSpc>
+                <a:spcPct val="100000"/>
+              </a:lnSpc>
+              <a:spcBef>
+                <a:spcPts val="600"/>
+              </a:spcBef>
+              <a:spcAft>
+                <a:spcPct val="0"/>
+              </a:spcAft>
+              <a:buClrTx/>
+              <a:buSzTx/>
+              <a:buFontTx/>
+              <a:buChar char="•"/>
+              <a:tabLst/>
+            </a:pPr>
+            <a:r>
+              <a:rPr kumimoji="0" lang="en-US" altLang="en-US" sz="1800" b="1" i="0" u="none" strike="noStrike" cap="none" normalizeH="0" baseline="0">
+                <a:ln>
+                  <a:noFill/>
+                </a:ln>
+                <a:solidFill>
+                  <a:srgbClr val="294B6B"/>
+                </a:solidFill>
+                <a:effectLst/>
+                <a:latin typeface="Arial" panose="020B0604020202020204" pitchFamily="34" charset="0"/>
+              </a:rPr>
+              <a:t>Tích hợp đa công cụ</a:t>
+            </a:r>
+            <a:r>
+              <a:rPr kumimoji="0" lang="en-US" altLang="en-US" sz="1800" b="0" i="0" u="none" strike="noStrike" cap="none" normalizeH="0" baseline="0">
+                <a:ln>
+                  <a:noFill/>
+                </a:ln>
+                <a:solidFill>
+                  <a:srgbClr val="294B6B"/>
+                </a:solidFill>
+                <a:effectLst/>
+                <a:latin typeface="Arial" panose="020B0604020202020204" pitchFamily="34" charset="0"/>
+              </a:rPr>
+              <a:t>: </a:t>
+            </a:r>
+          </a:p>
+          <a:p>
+            <a:pPr marL="0" marR="0" lvl="0" indent="0" algn="l" defTabSz="914400" rtl="0" eaLnBrk="0" fontAlgn="base" latinLnBrk="0" hangingPunct="0">
+              <a:lnSpc>
+                <a:spcPct val="100000"/>
+              </a:lnSpc>
+              <a:spcBef>
+                <a:spcPts val="600"/>
+              </a:spcBef>
+              <a:spcAft>
+                <a:spcPct val="0"/>
+              </a:spcAft>
+              <a:buClrTx/>
+              <a:buSzTx/>
+              <a:tabLst/>
+            </a:pPr>
+            <a:r>
+              <a:rPr kumimoji="0" lang="en-US" altLang="en-US" sz="1800" b="0" i="0" u="none" strike="noStrike" cap="none" normalizeH="0" baseline="0">
+                <a:ln>
+                  <a:noFill/>
+                </a:ln>
+                <a:solidFill>
+                  <a:srgbClr val="294B6B"/>
+                </a:solidFill>
+                <a:effectLst/>
+                <a:latin typeface="Arial" panose="020B0604020202020204" pitchFamily="34" charset="0"/>
+              </a:rPr>
+              <a:t>Katalon có thể tích hợp với các hệ thống quản lý kiểm thử và công cụ CI/CD như Jenkins, Git, JIRA, giúp đồng bộ quy trình phát triển phần mềm. </a:t>
+            </a:r>
+          </a:p>
+        </p:txBody>
+      </p:sp>
+      <p:sp>
+        <p:nvSpPr>
+          <p:cNvPr id="7" name="AutoShape 9">
+            <a:extLst>
+              <a:ext uri="{FF2B5EF4-FFF2-40B4-BE49-F238E27FC236}">
+                <a16:creationId xmlns:a16="http://schemas.microsoft.com/office/drawing/2014/main" id="{9D3E916B-08DC-751E-39BB-4C4F656CFCEE}"/>
+              </a:ext>
+            </a:extLst>
+          </p:cNvPr>
+          <p:cNvSpPr>
+            <a:spLocks noChangeAspect="1" noChangeArrowheads="1"/>
+          </p:cNvSpPr>
+          <p:nvPr/>
+        </p:nvSpPr>
+        <p:spPr bwMode="auto">
+          <a:xfrm>
+            <a:off x="5629835" y="3121275"/>
+            <a:ext cx="333404" cy="333404"/>
+          </a:xfrm>
+          <a:prstGeom prst="rect">
+            <a:avLst/>
+          </a:prstGeom>
+          <a:noFill/>
+          <a:extLst>
+            <a:ext uri="{909E8E84-426E-40DD-AFC4-6F175D3DCCD1}">
+              <a14:hiddenFill xmlns:a14="http://schemas.microsoft.com/office/drawing/2010/main">
+                <a:solidFill>
+                  <a:srgbClr val="FFFFFF"/>
+                </a:solidFill>
+              </a14:hiddenFill>
+            </a:ext>
+          </a:extLst>
+        </p:spPr>
+        <p:txBody>
+          <a:bodyPr vert="horz" wrap="square" lIns="91440" tIns="45720" rIns="91440" bIns="45720" numCol="1" anchor="t" anchorCtr="0" compatLnSpc="1">
+            <a:prstTxWarp prst="textNoShape">
+              <a:avLst/>
+            </a:prstTxWarp>
+          </a:bodyPr>
+          <a:lstStyle/>
+          <a:p>
+            <a:endParaRPr lang="en-US"/>
+          </a:p>
+        </p:txBody>
+      </p:sp>
+      <p:pic>
+        <p:nvPicPr>
+          <p:cNvPr id="8" name="Picture 7">
+            <a:extLst>
+              <a:ext uri="{FF2B5EF4-FFF2-40B4-BE49-F238E27FC236}">
+                <a16:creationId xmlns:a16="http://schemas.microsoft.com/office/drawing/2014/main" id="{46BC10D5-D51C-509B-5957-5123511533B6}"/>
+              </a:ext>
+            </a:extLst>
+          </p:cNvPr>
+          <p:cNvPicPr>
+            <a:picLocks noChangeAspect="1"/>
+          </p:cNvPicPr>
+          <p:nvPr/>
+        </p:nvPicPr>
+        <p:blipFill>
+          <a:blip r:embed="rId2"/>
+          <a:srcRect l="9643" t="6037" r="12411" b="6151"/>
+          <a:stretch/>
+        </p:blipFill>
+        <p:spPr>
+          <a:xfrm>
+            <a:off x="5898776" y="1238140"/>
+            <a:ext cx="5762805" cy="4920613"/>
+          </a:xfrm>
+          <a:prstGeom prst="ellipse">
+            <a:avLst/>
+          </a:prstGeom>
+          <a:ln>
+            <a:noFill/>
+          </a:ln>
+          <a:effectLst>
+            <a:softEdge rad="112500"/>
+          </a:effectLst>
+        </p:spPr>
+      </p:pic>
+    </p:spTree>
+    <p:extLst>
+      <p:ext uri="{BB962C8B-B14F-4D97-AF65-F5344CB8AC3E}">
+        <p14:creationId xmlns:p14="http://schemas.microsoft.com/office/powerpoint/2010/main" val="3957964133"/>
+      </p:ext>
+    </p:extLst>
+  </p:cSld>
+  <p:clrMapOvr>
+    <a:masterClrMapping/>
+  </p:clrMapOvr>
+  <p:transition spd="slow">
+    <p:wipe dir="r"/>
+  </p:transition>
   <p:timing>
     <p:tnLst>
       <p:par>
@@ -8477,7 +12329,7 @@
 </p:sld>
 </file>
 
-<file path=ppt/slides/slide5.xml><?xml version="1.0" encoding="utf-8"?>
+<file path=ppt/slides/slide6.xml><?xml version="1.0" encoding="utf-8"?>
 <p:sld xmlns:a="http://schemas.openxmlformats.org/drawingml/2006/main" xmlns:r="http://schemas.openxmlformats.org/officeDocument/2006/relationships" xmlns:p="http://schemas.openxmlformats.org/presentationml/2006/main">
   <p:cSld>
     <p:spTree>
@@ -8565,7 +12417,7 @@
         </p:nvSpPr>
         <p:spPr>
           <a:xfrm>
-            <a:off x="648499" y="1673016"/>
+            <a:off x="684358" y="2076428"/>
             <a:ext cx="6110890" cy="2880494"/>
           </a:xfrm>
           <a:prstGeom prst="rect">
@@ -8883,7 +12735,7 @@
 </p:sld>
 </file>
 
-<file path=ppt/slides/slide6.xml><?xml version="1.0" encoding="utf-8"?>
+<file path=ppt/slides/slide7.xml><?xml version="1.0" encoding="utf-8"?>
 <p:sld xmlns:a="http://schemas.openxmlformats.org/drawingml/2006/main" xmlns:r="http://schemas.openxmlformats.org/officeDocument/2006/relationships" xmlns:p="http://schemas.openxmlformats.org/presentationml/2006/main">
   <p:cSld>
     <p:spTree>
@@ -8952,7 +12804,7 @@
                   <a:schemeClr val="bg1"/>
                 </a:solidFill>
               </a:rPr>
-              <a:t>CÁC TÍNH NĂNG NỔI BẬT</a:t>
+              <a:t>CÁC TÍNH NĂNG NỔI BẬT (tt)</a:t>
             </a:r>
           </a:p>
         </p:txBody>
@@ -8971,8 +12823,8 @@
         </p:nvSpPr>
         <p:spPr>
           <a:xfrm>
-            <a:off x="4482353" y="1567712"/>
-            <a:ext cx="7126941" cy="3722576"/>
+            <a:off x="4715437" y="1989054"/>
+            <a:ext cx="6938682" cy="3040147"/>
           </a:xfrm>
           <a:prstGeom prst="rect">
             <a:avLst/>
@@ -9167,6 +13019,9 @@
   <p:clrMapOvr>
     <a:masterClrMapping/>
   </p:clrMapOvr>
+  <p:transition spd="slow">
+    <p:push dir="u"/>
+  </p:transition>
   <p:timing>
     <p:tnLst>
       <p:par>
@@ -9302,7 +13157,7 @@
 </p:sld>
 </file>
 
-<file path=ppt/slides/slide7.xml><?xml version="1.0" encoding="utf-8"?>
+<file path=ppt/slides/slide8.xml><?xml version="1.0" encoding="utf-8"?>
 <p:sld xmlns:a="http://schemas.openxmlformats.org/drawingml/2006/main" xmlns:r="http://schemas.openxmlformats.org/officeDocument/2006/relationships" xmlns:p="http://schemas.openxmlformats.org/presentationml/2006/main">
   <p:cSld>
     <p:spTree>
@@ -9883,7 +13738,7 @@
 </p:sld>
 </file>
 
-<file path=ppt/slides/slide8.xml><?xml version="1.0" encoding="utf-8"?>
+<file path=ppt/slides/slide9.xml><?xml version="1.0" encoding="utf-8"?>
 <p:sld xmlns:a="http://schemas.openxmlformats.org/drawingml/2006/main" xmlns:r="http://schemas.openxmlformats.org/officeDocument/2006/relationships" xmlns:p="http://schemas.openxmlformats.org/presentationml/2006/main">
   <p:cSld>
     <p:spTree>
@@ -9971,7 +13826,7 @@
         </p:nvSpPr>
         <p:spPr>
           <a:xfrm>
-            <a:off x="485772" y="1376979"/>
+            <a:off x="498187" y="1716976"/>
             <a:ext cx="5045173" cy="3737498"/>
           </a:xfrm>
           <a:prstGeom prst="rect">
@@ -10076,9 +13931,20 @@
                 <a:ea typeface="Calibri" panose="020F0502020204030204" pitchFamily="34" charset="0"/>
                 <a:cs typeface="Times New Roman" panose="02020603050405020304" pitchFamily="18" charset="0"/>
               </a:rPr>
-              <a:t>: Các bước thực hiện test case, viết bằng Groovy hoặc keyword.</a:t>
-            </a:r>
-            <a:endParaRPr lang="vi-VN" sz="2000" b="1" kern="100">
+              <a:t>: </a:t>
+            </a:r>
+            <a:r>
+              <a:rPr lang="vi-VN" kern="100">
+                <a:solidFill>
+                  <a:srgbClr val="294B6B"/>
+                </a:solidFill>
+                <a:latin typeface="Arial (Body)"/>
+                <a:ea typeface="Calibri" panose="020F0502020204030204" pitchFamily="34" charset="0"/>
+                <a:cs typeface="Times New Roman" panose="02020603050405020304" pitchFamily="18" charset="0"/>
+              </a:rPr>
+              <a:t>Các bước thực hiện test case, viết bằng Groovy hoặc keyword.</a:t>
+            </a:r>
+            <a:endParaRPr lang="vi-VN" b="1" kern="100">
               <a:solidFill>
                 <a:srgbClr val="294B6B"/>
               </a:solidFill>
@@ -10940,138 +14806,6 @@
       <p:bldP spid="2" grpId="0" animBg="1"/>
     </p:bldLst>
   </p:timing>
-</p:sld>
-</file>
-
-<file path=ppt/slides/slide9.xml><?xml version="1.0" encoding="utf-8"?>
-<p:sld xmlns:a="http://schemas.openxmlformats.org/drawingml/2006/main" xmlns:r="http://schemas.openxmlformats.org/officeDocument/2006/relationships" xmlns:p="http://schemas.openxmlformats.org/presentationml/2006/main">
-  <p:cSld>
-    <p:spTree>
-      <p:nvGrpSpPr>
-        <p:cNvPr id="1" name=""/>
-        <p:cNvGrpSpPr/>
-        <p:nvPr/>
-      </p:nvGrpSpPr>
-      <p:grpSpPr>
-        <a:xfrm>
-          <a:off x="0" y="0"/>
-          <a:ext cx="0" cy="0"/>
-          <a:chOff x="0" y="0"/>
-          <a:chExt cx="0" cy="0"/>
-        </a:xfrm>
-      </p:grpSpPr>
-      <p:sp>
-        <p:nvSpPr>
-          <p:cNvPr id="4" name="Rectangle 3">
-            <a:extLst>
-              <a:ext uri="{FF2B5EF4-FFF2-40B4-BE49-F238E27FC236}">
-                <a16:creationId xmlns:a16="http://schemas.microsoft.com/office/drawing/2014/main" id="{22B6AA97-988B-8621-AA02-3020285A154A}"/>
-              </a:ext>
-            </a:extLst>
-          </p:cNvPr>
-          <p:cNvSpPr/>
-          <p:nvPr/>
-        </p:nvSpPr>
-        <p:spPr>
-          <a:xfrm>
-            <a:off x="-1" y="0"/>
-            <a:ext cx="12192001" cy="957183"/>
-          </a:xfrm>
-          <a:prstGeom prst="rect">
-            <a:avLst/>
-          </a:prstGeom>
-          <a:solidFill>
-            <a:srgbClr val="00294F">
-              <a:alpha val="84000"/>
-            </a:srgbClr>
-          </a:solidFill>
-        </p:spPr>
-        <p:style>
-          <a:lnRef idx="2">
-            <a:schemeClr val="accent1">
-              <a:shade val="15000"/>
-            </a:schemeClr>
-          </a:lnRef>
-          <a:fillRef idx="1">
-            <a:schemeClr val="accent1"/>
-          </a:fillRef>
-          <a:effectRef idx="0">
-            <a:schemeClr val="accent1"/>
-          </a:effectRef>
-          <a:fontRef idx="minor">
-            <a:schemeClr val="lt1"/>
-          </a:fontRef>
-        </p:style>
-        <p:txBody>
-          <a:bodyPr lIns="365760" rtlCol="0" anchor="ctr"/>
-          <a:lstStyle/>
-          <a:p>
-            <a:endParaRPr lang="en-US" sz="3200" b="1">
-              <a:solidFill>
-                <a:schemeClr val="bg1"/>
-              </a:solidFill>
-            </a:endParaRPr>
-          </a:p>
-        </p:txBody>
-      </p:sp>
-      <p:pic>
-        <p:nvPicPr>
-          <p:cNvPr id="4098" name="Picture 2">
-            <a:extLst>
-              <a:ext uri="{FF2B5EF4-FFF2-40B4-BE49-F238E27FC236}">
-                <a16:creationId xmlns:a16="http://schemas.microsoft.com/office/drawing/2014/main" id="{AD514F7F-3173-2E2C-CDC9-521E3AEB73FB}"/>
-              </a:ext>
-            </a:extLst>
-          </p:cNvPr>
-          <p:cNvPicPr>
-            <a:picLocks noChangeAspect="1" noChangeArrowheads="1"/>
-          </p:cNvPicPr>
-          <p:nvPr/>
-        </p:nvPicPr>
-        <p:blipFill>
-          <a:blip r:embed="rId2">
-            <a:alphaModFix amt="20000"/>
-            <a:extLst>
-              <a:ext uri="{28A0092B-C50C-407E-A947-70E740481C1C}">
-                <a14:useLocalDpi xmlns:a14="http://schemas.microsoft.com/office/drawing/2010/main" val="0"/>
-              </a:ext>
-            </a:extLst>
-          </a:blip>
-          <a:srcRect/>
-          <a:stretch>
-            <a:fillRect/>
-          </a:stretch>
-        </p:blipFill>
-        <p:spPr bwMode="auto">
-          <a:xfrm>
-            <a:off x="2524520" y="1278028"/>
-            <a:ext cx="6440965" cy="4301943"/>
-          </a:xfrm>
-          <a:prstGeom prst="rect">
-            <a:avLst/>
-          </a:prstGeom>
-          <a:noFill/>
-          <a:extLst>
-            <a:ext uri="{909E8E84-426E-40DD-AFC4-6F175D3DCCD1}">
-              <a14:hiddenFill xmlns:a14="http://schemas.microsoft.com/office/drawing/2010/main">
-                <a:solidFill>
-                  <a:srgbClr val="FFFFFF"/>
-                </a:solidFill>
-              </a14:hiddenFill>
-            </a:ext>
-          </a:extLst>
-        </p:spPr>
-      </p:pic>
-    </p:spTree>
-    <p:extLst>
-      <p:ext uri="{BB962C8B-B14F-4D97-AF65-F5344CB8AC3E}">
-        <p14:creationId xmlns:p14="http://schemas.microsoft.com/office/powerpoint/2010/main" val="3416547598"/>
-      </p:ext>
-    </p:extLst>
-  </p:cSld>
-  <p:clrMapOvr>
-    <a:masterClrMapping/>
-  </p:clrMapOvr>
 </p:sld>
 </file>
 
